--- a/Java集合基础框架.pptx
+++ b/Java集合基础框架.pptx
@@ -5,7 +5,7 @@
     <p:sldMasterId id="2147483661" r:id="rId1"/>
   </p:sldMasterIdLst>
   <p:notesMasterIdLst>
-    <p:notesMasterId r:id="rId18"/>
+    <p:notesMasterId r:id="rId20"/>
   </p:notesMasterIdLst>
   <p:sldIdLst>
     <p:sldId id="262" r:id="rId2"/>
@@ -20,10 +20,12 @@
     <p:sldId id="347" r:id="rId11"/>
     <p:sldId id="352" r:id="rId12"/>
     <p:sldId id="348" r:id="rId13"/>
-    <p:sldId id="349" r:id="rId14"/>
-    <p:sldId id="350" r:id="rId15"/>
-    <p:sldId id="351" r:id="rId16"/>
-    <p:sldId id="335" r:id="rId17"/>
+    <p:sldId id="353" r:id="rId14"/>
+    <p:sldId id="349" r:id="rId15"/>
+    <p:sldId id="354" r:id="rId16"/>
+    <p:sldId id="350" r:id="rId17"/>
+    <p:sldId id="351" r:id="rId18"/>
+    <p:sldId id="335" r:id="rId19"/>
   </p:sldIdLst>
   <p:sldSz cx="9144000" cy="6858000" type="screen4x3"/>
   <p:notesSz cx="7559675" cy="10691813"/>
@@ -207,7 +209,7 @@
           <a:p>
             <a:fld id="{EB13DD06-BFAC-4C87-81A0-7BCF951EE3DD}" type="datetimeFigureOut">
               <a:rPr lang="zh-CN" altLang="en-US" smtClean="0"/>
-              <a:t>2016/8/2</a:t>
+              <a:t>2016/8/7</a:t>
             </a:fld>
             <a:endParaRPr lang="zh-CN" altLang="en-US"/>
           </a:p>
@@ -572,6 +574,67 @@
               </a:rPr>
               <a:t>列表即是该数据结构的抽象。</a:t>
             </a:r>
+            <a:endParaRPr lang="en-US" altLang="zh-CN" sz="1200" kern="1200" dirty="0" smtClean="0">
+              <a:solidFill>
+                <a:schemeClr val="tx1"/>
+              </a:solidFill>
+              <a:effectLst/>
+              <a:latin typeface="+mn-lt"/>
+              <a:ea typeface="+mn-ea"/>
+              <a:cs typeface="+mn-cs"/>
+            </a:endParaRPr>
+          </a:p>
+          <a:p>
+            <a:pPr marL="0" marR="0" indent="0" algn="l" defTabSz="914400" rtl="0" eaLnBrk="1" fontAlgn="auto" latinLnBrk="0" hangingPunct="1">
+              <a:lnSpc>
+                <a:spcPct val="100000"/>
+              </a:lnSpc>
+              <a:spcBef>
+                <a:spcPts val="0"/>
+              </a:spcBef>
+              <a:spcAft>
+                <a:spcPts val="0"/>
+              </a:spcAft>
+              <a:buClrTx/>
+              <a:buSzTx/>
+              <a:buFontTx/>
+              <a:buNone/>
+              <a:tabLst/>
+              <a:defRPr/>
+            </a:pPr>
+            <a:r>
+              <a:rPr lang="en-US" altLang="zh-CN" sz="1200" kern="1200" dirty="0" smtClean="0">
+                <a:solidFill>
+                  <a:schemeClr val="tx1"/>
+                </a:solidFill>
+                <a:effectLst/>
+                <a:latin typeface="+mn-lt"/>
+                <a:ea typeface="+mn-ea"/>
+                <a:cs typeface="+mn-cs"/>
+              </a:rPr>
+              <a:t>1</a:t>
+            </a:r>
+            <a:r>
+              <a:rPr lang="zh-CN" altLang="en-US" sz="1200" kern="1200" dirty="0" smtClean="0">
+                <a:solidFill>
+                  <a:schemeClr val="tx1"/>
+                </a:solidFill>
+                <a:effectLst/>
+                <a:latin typeface="+mn-lt"/>
+                <a:ea typeface="+mn-ea"/>
+                <a:cs typeface="+mn-cs"/>
+              </a:rPr>
+              <a:t>、假设自己实现一个集合的扩展结构应该在哪里扩展？</a:t>
+            </a:r>
+            <a:endParaRPr lang="zh-CN" altLang="zh-CN" sz="1200" kern="1200" dirty="0" smtClean="0">
+              <a:solidFill>
+                <a:schemeClr val="tx1"/>
+              </a:solidFill>
+              <a:effectLst/>
+              <a:latin typeface="+mn-lt"/>
+              <a:ea typeface="+mn-ea"/>
+              <a:cs typeface="+mn-cs"/>
+            </a:endParaRPr>
           </a:p>
           <a:p>
             <a:endParaRPr lang="zh-CN" altLang="en-US" dirty="0"/>
@@ -658,6 +721,251 @@
           <a:bodyPr/>
           <a:lstStyle/>
           <a:p>
+            <a:r>
+              <a:rPr lang="zh-CN" altLang="en-US" sz="1200" b="0" i="0" kern="1200" dirty="0" smtClean="0">
+                <a:solidFill>
+                  <a:schemeClr val="tx1"/>
+                </a:solidFill>
+                <a:effectLst/>
+                <a:latin typeface="+mn-lt"/>
+                <a:ea typeface="+mn-ea"/>
+                <a:cs typeface="+mn-cs"/>
+              </a:rPr>
+              <a:t>创建不可变对象的简单策略</a:t>
+            </a:r>
+            <a:endParaRPr lang="en-US" altLang="zh-CN" sz="1200" b="0" i="0" kern="1200" dirty="0" smtClean="0">
+              <a:solidFill>
+                <a:schemeClr val="tx1"/>
+              </a:solidFill>
+              <a:effectLst/>
+              <a:latin typeface="+mn-lt"/>
+              <a:ea typeface="+mn-ea"/>
+              <a:cs typeface="+mn-cs"/>
+            </a:endParaRPr>
+          </a:p>
+          <a:p>
+            <a:pPr lvl="1"/>
+            <a:r>
+              <a:rPr lang="en-US" altLang="zh-CN" sz="1200" b="0" i="0" kern="1200" dirty="0" smtClean="0">
+                <a:solidFill>
+                  <a:schemeClr val="tx1"/>
+                </a:solidFill>
+                <a:effectLst/>
+                <a:latin typeface="+mn-lt"/>
+                <a:ea typeface="+mn-ea"/>
+                <a:cs typeface="+mn-cs"/>
+              </a:rPr>
+              <a:t>1</a:t>
+            </a:r>
+            <a:r>
+              <a:rPr lang="zh-CN" altLang="en-US" sz="1200" b="0" i="0" kern="1200" dirty="0" smtClean="0">
+                <a:solidFill>
+                  <a:schemeClr val="tx1"/>
+                </a:solidFill>
+                <a:effectLst/>
+                <a:latin typeface="+mn-lt"/>
+                <a:ea typeface="+mn-ea"/>
+                <a:cs typeface="+mn-cs"/>
+              </a:rPr>
+              <a:t>、不要提供</a:t>
+            </a:r>
+            <a:r>
+              <a:rPr lang="en-US" altLang="zh-CN" sz="1200" b="0" i="0" kern="1200" dirty="0" smtClean="0">
+                <a:solidFill>
+                  <a:schemeClr val="tx1"/>
+                </a:solidFill>
+                <a:effectLst/>
+                <a:latin typeface="+mn-lt"/>
+                <a:ea typeface="+mn-ea"/>
+                <a:cs typeface="+mn-cs"/>
+              </a:rPr>
+              <a:t>setter</a:t>
+            </a:r>
+            <a:r>
+              <a:rPr lang="zh-CN" altLang="en-US" sz="1200" b="0" i="0" kern="1200" dirty="0" smtClean="0">
+                <a:solidFill>
+                  <a:schemeClr val="tx1"/>
+                </a:solidFill>
+                <a:effectLst/>
+                <a:latin typeface="+mn-lt"/>
+                <a:ea typeface="+mn-ea"/>
+                <a:cs typeface="+mn-cs"/>
+              </a:rPr>
+              <a:t>方法。</a:t>
+            </a:r>
+            <a:endParaRPr lang="en-US" altLang="zh-CN" sz="1200" b="0" i="0" kern="1200" dirty="0" smtClean="0">
+              <a:solidFill>
+                <a:schemeClr val="tx1"/>
+              </a:solidFill>
+              <a:effectLst/>
+              <a:latin typeface="+mn-lt"/>
+              <a:ea typeface="+mn-ea"/>
+              <a:cs typeface="+mn-cs"/>
+            </a:endParaRPr>
+          </a:p>
+          <a:p>
+            <a:pPr lvl="1"/>
+            <a:r>
+              <a:rPr lang="en-US" altLang="zh-CN" sz="1200" b="0" i="0" kern="1200" dirty="0" smtClean="0">
+                <a:solidFill>
+                  <a:schemeClr val="tx1"/>
+                </a:solidFill>
+                <a:effectLst/>
+                <a:latin typeface="+mn-lt"/>
+                <a:ea typeface="+mn-ea"/>
+                <a:cs typeface="+mn-cs"/>
+              </a:rPr>
+              <a:t>2</a:t>
+            </a:r>
+            <a:r>
+              <a:rPr lang="zh-CN" altLang="en-US" sz="1200" b="0" i="0" kern="1200" dirty="0" smtClean="0">
+                <a:solidFill>
+                  <a:schemeClr val="tx1"/>
+                </a:solidFill>
+                <a:effectLst/>
+                <a:latin typeface="+mn-lt"/>
+                <a:ea typeface="+mn-ea"/>
+                <a:cs typeface="+mn-cs"/>
+              </a:rPr>
+              <a:t>、将类的所有字段定义为</a:t>
+            </a:r>
+            <a:r>
+              <a:rPr lang="en-US" altLang="zh-CN" sz="1200" b="0" i="0" kern="1200" dirty="0" smtClean="0">
+                <a:solidFill>
+                  <a:schemeClr val="tx1"/>
+                </a:solidFill>
+                <a:effectLst/>
+                <a:latin typeface="+mn-lt"/>
+                <a:ea typeface="+mn-ea"/>
+                <a:cs typeface="+mn-cs"/>
+              </a:rPr>
+              <a:t>final</a:t>
+            </a:r>
+            <a:r>
+              <a:rPr lang="zh-CN" altLang="en-US" sz="1200" b="0" i="0" kern="1200" dirty="0" smtClean="0">
+                <a:solidFill>
+                  <a:schemeClr val="tx1"/>
+                </a:solidFill>
+                <a:effectLst/>
+                <a:latin typeface="+mn-lt"/>
+                <a:ea typeface="+mn-ea"/>
+                <a:cs typeface="+mn-cs"/>
+              </a:rPr>
+              <a:t>、</a:t>
+            </a:r>
+            <a:r>
+              <a:rPr lang="en-US" altLang="zh-CN" sz="1200" b="0" i="0" kern="1200" dirty="0" smtClean="0">
+                <a:solidFill>
+                  <a:schemeClr val="tx1"/>
+                </a:solidFill>
+                <a:effectLst/>
+                <a:latin typeface="+mn-lt"/>
+                <a:ea typeface="+mn-ea"/>
+                <a:cs typeface="+mn-cs"/>
+              </a:rPr>
+              <a:t>private</a:t>
+            </a:r>
+            <a:r>
+              <a:rPr lang="zh-CN" altLang="en-US" sz="1200" b="0" i="0" kern="1200" dirty="0" smtClean="0">
+                <a:solidFill>
+                  <a:schemeClr val="tx1"/>
+                </a:solidFill>
+                <a:effectLst/>
+                <a:latin typeface="+mn-lt"/>
+                <a:ea typeface="+mn-ea"/>
+                <a:cs typeface="+mn-cs"/>
+              </a:rPr>
+              <a:t>的。</a:t>
+            </a:r>
+          </a:p>
+          <a:p>
+            <a:pPr lvl="1"/>
+            <a:r>
+              <a:rPr lang="en-US" altLang="zh-CN" sz="1200" b="0" i="0" kern="1200" dirty="0" smtClean="0">
+                <a:solidFill>
+                  <a:schemeClr val="tx1"/>
+                </a:solidFill>
+                <a:effectLst/>
+                <a:latin typeface="+mn-lt"/>
+                <a:ea typeface="+mn-ea"/>
+                <a:cs typeface="+mn-cs"/>
+              </a:rPr>
+              <a:t>3</a:t>
+            </a:r>
+            <a:r>
+              <a:rPr lang="zh-CN" altLang="en-US" sz="1200" b="0" i="0" kern="1200" dirty="0" smtClean="0">
+                <a:solidFill>
+                  <a:schemeClr val="tx1"/>
+                </a:solidFill>
+                <a:effectLst/>
+                <a:latin typeface="+mn-lt"/>
+                <a:ea typeface="+mn-ea"/>
+                <a:cs typeface="+mn-cs"/>
+              </a:rPr>
+              <a:t>、不允许子类重写方法。简单的办法是将类声明为</a:t>
+            </a:r>
+            <a:r>
+              <a:rPr lang="en-US" altLang="zh-CN" sz="1200" b="0" i="0" kern="1200" dirty="0" smtClean="0">
+                <a:solidFill>
+                  <a:schemeClr val="tx1"/>
+                </a:solidFill>
+                <a:effectLst/>
+                <a:latin typeface="+mn-lt"/>
+                <a:ea typeface="+mn-ea"/>
+                <a:cs typeface="+mn-cs"/>
+              </a:rPr>
+              <a:t>final</a:t>
+            </a:r>
+            <a:r>
+              <a:rPr lang="zh-CN" altLang="en-US" sz="1200" b="0" i="0" kern="1200" dirty="0" smtClean="0">
+                <a:solidFill>
+                  <a:schemeClr val="tx1"/>
+                </a:solidFill>
+                <a:effectLst/>
+                <a:latin typeface="+mn-lt"/>
+                <a:ea typeface="+mn-ea"/>
+                <a:cs typeface="+mn-cs"/>
+              </a:rPr>
+              <a:t>，更好的方法是将构造函数声明为私有的，通过工厂方法创建对象。</a:t>
+            </a:r>
+            <a:endParaRPr lang="en-US" altLang="zh-CN" sz="1200" b="0" i="0" kern="1200" dirty="0" smtClean="0">
+              <a:solidFill>
+                <a:schemeClr val="tx1"/>
+              </a:solidFill>
+              <a:effectLst/>
+              <a:latin typeface="+mn-lt"/>
+              <a:ea typeface="+mn-ea"/>
+              <a:cs typeface="+mn-cs"/>
+            </a:endParaRPr>
+          </a:p>
+          <a:p>
+            <a:pPr lvl="1"/>
+            <a:r>
+              <a:rPr lang="en-US" altLang="zh-CN" sz="1200" b="0" i="0" kern="1200" dirty="0" smtClean="0">
+                <a:solidFill>
+                  <a:schemeClr val="tx1"/>
+                </a:solidFill>
+                <a:effectLst/>
+                <a:latin typeface="+mn-lt"/>
+                <a:ea typeface="+mn-ea"/>
+                <a:cs typeface="+mn-cs"/>
+              </a:rPr>
+              <a:t>4</a:t>
+            </a:r>
+            <a:r>
+              <a:rPr lang="zh-CN" altLang="en-US" sz="1200" b="0" i="0" kern="1200" dirty="0" smtClean="0">
+                <a:solidFill>
+                  <a:schemeClr val="tx1"/>
+                </a:solidFill>
+                <a:effectLst/>
+                <a:latin typeface="+mn-lt"/>
+                <a:ea typeface="+mn-ea"/>
+                <a:cs typeface="+mn-cs"/>
+              </a:rPr>
+              <a:t>、如果类的字段是对可变对象的引用，不允许修改被引用对象。</a:t>
+            </a:r>
+          </a:p>
+          <a:p>
             <a:endParaRPr lang="zh-CN" altLang="en-US" dirty="0"/>
           </a:p>
         </p:txBody>
@@ -679,7 +987,7 @@
           <a:p>
             <a:fld id="{D62A80DA-2C88-480B-A683-D200A0428AC4}" type="slidenum">
               <a:rPr lang="zh-CN" altLang="en-US" smtClean="0"/>
-              <a:t>14</a:t>
+              <a:t>12</a:t>
             </a:fld>
             <a:endParaRPr lang="zh-CN" altLang="en-US"/>
           </a:p>
@@ -688,7 +996,7 @@
     </p:spTree>
     <p:extLst>
       <p:ext uri="{BB962C8B-B14F-4D97-AF65-F5344CB8AC3E}">
-        <p14:creationId xmlns:p14="http://schemas.microsoft.com/office/powerpoint/2010/main" val="3320056552"/>
+        <p14:creationId xmlns:p14="http://schemas.microsoft.com/office/powerpoint/2010/main" val="2690977526"/>
       </p:ext>
     </p:extLst>
   </p:cSld>
@@ -742,6 +1050,21 @@
           <a:bodyPr/>
           <a:lstStyle/>
           <a:p>
+            <a:r>
+              <a:rPr lang="en-US" altLang="zh-CN" dirty="0" smtClean="0"/>
+              <a:t>1</a:t>
+            </a:r>
+            <a:r>
+              <a:rPr lang="zh-CN" altLang="en-US" dirty="0" smtClean="0"/>
+              <a:t>、为什么需要限流？</a:t>
+            </a:r>
+            <a:endParaRPr lang="en-US" altLang="zh-CN" dirty="0" smtClean="0"/>
+          </a:p>
+          <a:p>
+            <a:r>
+              <a:rPr lang="en-US" altLang="zh-CN" dirty="0" smtClean="0"/>
+              <a:t>   </a:t>
+            </a:r>
             <a:endParaRPr lang="zh-CN" altLang="en-US" dirty="0"/>
           </a:p>
         </p:txBody>
@@ -763,7 +1086,282 @@
           <a:p>
             <a:fld id="{D62A80DA-2C88-480B-A683-D200A0428AC4}" type="slidenum">
               <a:rPr lang="zh-CN" altLang="en-US" smtClean="0"/>
+              <a:t>13</a:t>
+            </a:fld>
+            <a:endParaRPr lang="zh-CN" altLang="en-US"/>
+          </a:p>
+        </p:txBody>
+      </p:sp>
+    </p:spTree>
+    <p:extLst>
+      <p:ext uri="{BB962C8B-B14F-4D97-AF65-F5344CB8AC3E}">
+        <p14:creationId xmlns:p14="http://schemas.microsoft.com/office/powerpoint/2010/main" val="3320056552"/>
+      </p:ext>
+    </p:extLst>
+  </p:cSld>
+  <p:clrMapOvr>
+    <a:masterClrMapping/>
+  </p:clrMapOvr>
+</p:notes>
+</file>
+
+<file path=ppt/notesSlides/notesSlide12.xml><?xml version="1.0" encoding="utf-8"?>
+<p:notes xmlns:a="http://schemas.openxmlformats.org/drawingml/2006/main" xmlns:r="http://schemas.openxmlformats.org/officeDocument/2006/relationships" xmlns:p="http://schemas.openxmlformats.org/presentationml/2006/main">
+  <p:cSld>
+    <p:spTree>
+      <p:nvGrpSpPr>
+        <p:cNvPr id="1" name=""/>
+        <p:cNvGrpSpPr/>
+        <p:nvPr/>
+      </p:nvGrpSpPr>
+      <p:grpSpPr>
+        <a:xfrm>
+          <a:off x="0" y="0"/>
+          <a:ext cx="0" cy="0"/>
+          <a:chOff x="0" y="0"/>
+          <a:chExt cx="0" cy="0"/>
+        </a:xfrm>
+      </p:grpSpPr>
+      <p:sp>
+        <p:nvSpPr>
+          <p:cNvPr id="2" name="幻灯片图像占位符 1"/>
+          <p:cNvSpPr>
+            <a:spLocks noGrp="1" noRot="1" noChangeAspect="1"/>
+          </p:cNvSpPr>
+          <p:nvPr>
+            <p:ph type="sldImg"/>
+          </p:nvPr>
+        </p:nvSpPr>
+        <p:spPr/>
+      </p:sp>
+      <p:sp>
+        <p:nvSpPr>
+          <p:cNvPr id="3" name="备注占位符 2"/>
+          <p:cNvSpPr>
+            <a:spLocks noGrp="1"/>
+          </p:cNvSpPr>
+          <p:nvPr>
+            <p:ph type="body" idx="1"/>
+          </p:nvPr>
+        </p:nvSpPr>
+        <p:spPr/>
+        <p:txBody>
+          <a:bodyPr/>
+          <a:lstStyle/>
+          <a:p>
+            <a:r>
+              <a:rPr lang="zh-CN" altLang="en-US" dirty="0" smtClean="0"/>
+              <a:t>低延迟、高吞吐、</a:t>
+            </a:r>
+            <a:r>
+              <a:rPr lang="en-US" altLang="zh-CN" dirty="0" smtClean="0"/>
+              <a:t>CPU</a:t>
+            </a:r>
+            <a:r>
+              <a:rPr lang="zh-CN" altLang="en-US" dirty="0" smtClean="0"/>
+              <a:t>优化、内存优化来分析集合框架。</a:t>
+            </a:r>
+            <a:endParaRPr lang="en-US" altLang="zh-CN" dirty="0" smtClean="0"/>
+          </a:p>
+          <a:p>
+            <a:r>
+              <a:rPr lang="en-US" altLang="zh-CN" dirty="0" smtClean="0"/>
+              <a:t>GC</a:t>
+            </a:r>
+            <a:r>
+              <a:rPr lang="zh-CN" altLang="en-US" smtClean="0"/>
+              <a:t>回收效率</a:t>
+            </a:r>
+            <a:endParaRPr lang="zh-CN" altLang="en-US" dirty="0"/>
+          </a:p>
+        </p:txBody>
+      </p:sp>
+      <p:sp>
+        <p:nvSpPr>
+          <p:cNvPr id="4" name="灯片编号占位符 3"/>
+          <p:cNvSpPr>
+            <a:spLocks noGrp="1"/>
+          </p:cNvSpPr>
+          <p:nvPr>
+            <p:ph type="sldNum" sz="quarter" idx="10"/>
+          </p:nvPr>
+        </p:nvSpPr>
+        <p:spPr/>
+        <p:txBody>
+          <a:bodyPr/>
+          <a:lstStyle/>
+          <a:p>
+            <a:fld id="{D62A80DA-2C88-480B-A683-D200A0428AC4}" type="slidenum">
+              <a:rPr lang="zh-CN" altLang="en-US" smtClean="0"/>
               <a:t>15</a:t>
+            </a:fld>
+            <a:endParaRPr lang="zh-CN" altLang="en-US"/>
+          </a:p>
+        </p:txBody>
+      </p:sp>
+    </p:spTree>
+    <p:extLst>
+      <p:ext uri="{BB962C8B-B14F-4D97-AF65-F5344CB8AC3E}">
+        <p14:creationId xmlns:p14="http://schemas.microsoft.com/office/powerpoint/2010/main" val="1558251165"/>
+      </p:ext>
+    </p:extLst>
+  </p:cSld>
+  <p:clrMapOvr>
+    <a:masterClrMapping/>
+  </p:clrMapOvr>
+</p:notes>
+</file>
+
+<file path=ppt/notesSlides/notesSlide13.xml><?xml version="1.0" encoding="utf-8"?>
+<p:notes xmlns:a="http://schemas.openxmlformats.org/drawingml/2006/main" xmlns:r="http://schemas.openxmlformats.org/officeDocument/2006/relationships" xmlns:p="http://schemas.openxmlformats.org/presentationml/2006/main">
+  <p:cSld>
+    <p:spTree>
+      <p:nvGrpSpPr>
+        <p:cNvPr id="1" name=""/>
+        <p:cNvGrpSpPr/>
+        <p:nvPr/>
+      </p:nvGrpSpPr>
+      <p:grpSpPr>
+        <a:xfrm>
+          <a:off x="0" y="0"/>
+          <a:ext cx="0" cy="0"/>
+          <a:chOff x="0" y="0"/>
+          <a:chExt cx="0" cy="0"/>
+        </a:xfrm>
+      </p:grpSpPr>
+      <p:sp>
+        <p:nvSpPr>
+          <p:cNvPr id="2" name="幻灯片图像占位符 1"/>
+          <p:cNvSpPr>
+            <a:spLocks noGrp="1" noRot="1" noChangeAspect="1"/>
+          </p:cNvSpPr>
+          <p:nvPr>
+            <p:ph type="sldImg"/>
+          </p:nvPr>
+        </p:nvSpPr>
+        <p:spPr/>
+      </p:sp>
+      <p:sp>
+        <p:nvSpPr>
+          <p:cNvPr id="3" name="备注占位符 2"/>
+          <p:cNvSpPr>
+            <a:spLocks noGrp="1"/>
+          </p:cNvSpPr>
+          <p:nvPr>
+            <p:ph type="body" idx="1"/>
+          </p:nvPr>
+        </p:nvSpPr>
+        <p:spPr/>
+        <p:txBody>
+          <a:bodyPr/>
+          <a:lstStyle/>
+          <a:p>
+            <a:endParaRPr lang="zh-CN" altLang="en-US" dirty="0"/>
+          </a:p>
+        </p:txBody>
+      </p:sp>
+      <p:sp>
+        <p:nvSpPr>
+          <p:cNvPr id="4" name="灯片编号占位符 3"/>
+          <p:cNvSpPr>
+            <a:spLocks noGrp="1"/>
+          </p:cNvSpPr>
+          <p:nvPr>
+            <p:ph type="sldNum" sz="quarter" idx="10"/>
+          </p:nvPr>
+        </p:nvSpPr>
+        <p:spPr/>
+        <p:txBody>
+          <a:bodyPr/>
+          <a:lstStyle/>
+          <a:p>
+            <a:fld id="{D62A80DA-2C88-480B-A683-D200A0428AC4}" type="slidenum">
+              <a:rPr lang="zh-CN" altLang="en-US" smtClean="0"/>
+              <a:t>16</a:t>
+            </a:fld>
+            <a:endParaRPr lang="zh-CN" altLang="en-US"/>
+          </a:p>
+        </p:txBody>
+      </p:sp>
+    </p:spTree>
+    <p:extLst>
+      <p:ext uri="{BB962C8B-B14F-4D97-AF65-F5344CB8AC3E}">
+        <p14:creationId xmlns:p14="http://schemas.microsoft.com/office/powerpoint/2010/main" val="3320056552"/>
+      </p:ext>
+    </p:extLst>
+  </p:cSld>
+  <p:clrMapOvr>
+    <a:masterClrMapping/>
+  </p:clrMapOvr>
+</p:notes>
+</file>
+
+<file path=ppt/notesSlides/notesSlide14.xml><?xml version="1.0" encoding="utf-8"?>
+<p:notes xmlns:a="http://schemas.openxmlformats.org/drawingml/2006/main" xmlns:r="http://schemas.openxmlformats.org/officeDocument/2006/relationships" xmlns:p="http://schemas.openxmlformats.org/presentationml/2006/main">
+  <p:cSld>
+    <p:spTree>
+      <p:nvGrpSpPr>
+        <p:cNvPr id="1" name=""/>
+        <p:cNvGrpSpPr/>
+        <p:nvPr/>
+      </p:nvGrpSpPr>
+      <p:grpSpPr>
+        <a:xfrm>
+          <a:off x="0" y="0"/>
+          <a:ext cx="0" cy="0"/>
+          <a:chOff x="0" y="0"/>
+          <a:chExt cx="0" cy="0"/>
+        </a:xfrm>
+      </p:grpSpPr>
+      <p:sp>
+        <p:nvSpPr>
+          <p:cNvPr id="2" name="幻灯片图像占位符 1"/>
+          <p:cNvSpPr>
+            <a:spLocks noGrp="1" noRot="1" noChangeAspect="1"/>
+          </p:cNvSpPr>
+          <p:nvPr>
+            <p:ph type="sldImg"/>
+          </p:nvPr>
+        </p:nvSpPr>
+        <p:spPr/>
+      </p:sp>
+      <p:sp>
+        <p:nvSpPr>
+          <p:cNvPr id="3" name="备注占位符 2"/>
+          <p:cNvSpPr>
+            <a:spLocks noGrp="1"/>
+          </p:cNvSpPr>
+          <p:nvPr>
+            <p:ph type="body" idx="1"/>
+          </p:nvPr>
+        </p:nvSpPr>
+        <p:spPr/>
+        <p:txBody>
+          <a:bodyPr/>
+          <a:lstStyle/>
+          <a:p>
+            <a:endParaRPr lang="zh-CN" altLang="en-US" dirty="0"/>
+          </a:p>
+        </p:txBody>
+      </p:sp>
+      <p:sp>
+        <p:nvSpPr>
+          <p:cNvPr id="4" name="灯片编号占位符 3"/>
+          <p:cNvSpPr>
+            <a:spLocks noGrp="1"/>
+          </p:cNvSpPr>
+          <p:nvPr>
+            <p:ph type="sldNum" sz="quarter" idx="10"/>
+          </p:nvPr>
+        </p:nvSpPr>
+        <p:spPr/>
+        <p:txBody>
+          <a:bodyPr/>
+          <a:lstStyle/>
+          <a:p>
+            <a:fld id="{D62A80DA-2C88-480B-A683-D200A0428AC4}" type="slidenum">
+              <a:rPr lang="zh-CN" altLang="en-US" smtClean="0"/>
+              <a:t>17</a:t>
             </a:fld>
             <a:endParaRPr lang="zh-CN" altLang="en-US"/>
           </a:p>
@@ -910,132 +1508,6 @@
           <a:bodyPr/>
           <a:lstStyle/>
           <a:p>
-            <a:r>
-              <a:rPr lang="en-US" altLang="zh-CN" dirty="0" smtClean="0"/>
-              <a:t>Guava</a:t>
-            </a:r>
-          </a:p>
-          <a:p>
-            <a:r>
-              <a:rPr lang="en-US" altLang="zh-CN" dirty="0" err="1" smtClean="0"/>
-              <a:t>Objects.</a:t>
-            </a:r>
-            <a:r>
-              <a:rPr lang="en-US" altLang="zh-CN" i="1" dirty="0" err="1" smtClean="0"/>
-              <a:t>hashCode</a:t>
-            </a:r>
-            <a:r>
-              <a:rPr lang="en-US" altLang="zh-CN" dirty="0" smtClean="0"/>
-              <a:t>(</a:t>
-            </a:r>
-            <a:r>
-              <a:rPr lang="en-US" altLang="zh-CN" b="1" dirty="0" smtClean="0"/>
-              <a:t>"1"</a:t>
-            </a:r>
-            <a:r>
-              <a:rPr lang="en-US" altLang="zh-CN" dirty="0" smtClean="0"/>
-              <a:t>,12,</a:t>
-            </a:r>
-            <a:r>
-              <a:rPr lang="en-US" altLang="zh-CN" b="1" dirty="0" smtClean="0"/>
-              <a:t>"test"</a:t>
-            </a:r>
-            <a:r>
-              <a:rPr lang="en-US" altLang="zh-CN" dirty="0" smtClean="0"/>
-              <a:t>)</a:t>
-            </a:r>
-            <a:endParaRPr lang="zh-CN" altLang="zh-CN" dirty="0" smtClean="0"/>
-          </a:p>
-          <a:p>
-            <a:r>
-              <a:rPr lang="en-US" altLang="zh-CN" dirty="0" err="1" smtClean="0"/>
-              <a:t>MoreObjects.</a:t>
-            </a:r>
-            <a:r>
-              <a:rPr lang="en-US" altLang="zh-CN" i="1" dirty="0" err="1" smtClean="0"/>
-              <a:t>toStringHelper</a:t>
-            </a:r>
-            <a:r>
-              <a:rPr lang="en-US" altLang="zh-CN" dirty="0" smtClean="0"/>
-              <a:t>(</a:t>
-            </a:r>
-            <a:r>
-              <a:rPr lang="en-US" altLang="zh-CN" b="1" dirty="0" err="1" smtClean="0"/>
-              <a:t>this</a:t>
-            </a:r>
-            <a:r>
-              <a:rPr lang="en-US" altLang="zh-CN" dirty="0" err="1" smtClean="0"/>
-              <a:t>.getClass</a:t>
-            </a:r>
-            <a:r>
-              <a:rPr lang="en-US" altLang="zh-CN" dirty="0" smtClean="0"/>
-              <a:t>()).add(</a:t>
-            </a:r>
-            <a:r>
-              <a:rPr lang="en-US" altLang="zh-CN" b="1" dirty="0" smtClean="0"/>
-              <a:t>"</a:t>
-            </a:r>
-            <a:r>
-              <a:rPr lang="en-US" altLang="zh-CN" b="1" dirty="0" err="1" smtClean="0"/>
-              <a:t>propertiesOne</a:t>
-            </a:r>
-            <a:r>
-              <a:rPr lang="en-US" altLang="zh-CN" b="1" dirty="0" smtClean="0"/>
-              <a:t>"</a:t>
-            </a:r>
-            <a:r>
-              <a:rPr lang="en-US" altLang="zh-CN" dirty="0" smtClean="0"/>
-              <a:t>,</a:t>
-            </a:r>
-            <a:r>
-              <a:rPr lang="en-US" altLang="zh-CN" b="1" dirty="0" err="1" smtClean="0"/>
-              <a:t>propertiesOne</a:t>
-            </a:r>
-            <a:r>
-              <a:rPr lang="en-US" altLang="zh-CN" dirty="0" smtClean="0"/>
-              <a:t>).add(</a:t>
-            </a:r>
-            <a:r>
-              <a:rPr lang="en-US" altLang="zh-CN" b="1" dirty="0" smtClean="0"/>
-              <a:t>"</a:t>
-            </a:r>
-            <a:r>
-              <a:rPr lang="en-US" altLang="zh-CN" b="1" dirty="0" err="1" smtClean="0"/>
-              <a:t>propertiesTwo</a:t>
-            </a:r>
-            <a:r>
-              <a:rPr lang="en-US" altLang="zh-CN" b="1" dirty="0" smtClean="0"/>
-              <a:t>"</a:t>
-            </a:r>
-            <a:r>
-              <a:rPr lang="en-US" altLang="zh-CN" dirty="0" smtClean="0"/>
-              <a:t>,</a:t>
-            </a:r>
-            <a:r>
-              <a:rPr lang="en-US" altLang="zh-CN" b="1" dirty="0" err="1" smtClean="0"/>
-              <a:t>propertiesTwo</a:t>
-            </a:r>
-            <a:r>
-              <a:rPr lang="en-US" altLang="zh-CN" dirty="0" smtClean="0"/>
-              <a:t>).</a:t>
-            </a:r>
-            <a:r>
-              <a:rPr lang="en-US" altLang="zh-CN" dirty="0" err="1" smtClean="0"/>
-              <a:t>toString</a:t>
-            </a:r>
-            <a:r>
-              <a:rPr lang="en-US" altLang="zh-CN" dirty="0" smtClean="0"/>
-              <a:t>();</a:t>
-            </a:r>
-            <a:endParaRPr lang="zh-CN" altLang="zh-CN" dirty="0" smtClean="0"/>
-          </a:p>
-          <a:p>
-            <a:r>
-              <a:rPr lang="zh-CN" altLang="zh-CN" dirty="0" smtClean="0"/>
-              <a:t>传统若是手动编写非常麻烦</a:t>
-            </a:r>
-          </a:p>
-          <a:p>
             <a:endParaRPr lang="zh-CN" altLang="en-US" dirty="0"/>
           </a:p>
         </p:txBody>
@@ -1057,7 +1529,7 @@
           <a:p>
             <a:fld id="{D62A80DA-2C88-480B-A683-D200A0428AC4}" type="slidenum">
               <a:rPr lang="zh-CN" altLang="en-US" smtClean="0"/>
-              <a:t>6</a:t>
+              <a:t>5</a:t>
             </a:fld>
             <a:endParaRPr lang="zh-CN" altLang="en-US"/>
           </a:p>
@@ -1066,7 +1538,7 @@
     </p:spTree>
     <p:extLst>
       <p:ext uri="{BB962C8B-B14F-4D97-AF65-F5344CB8AC3E}">
-        <p14:creationId xmlns:p14="http://schemas.microsoft.com/office/powerpoint/2010/main" val="2690977526"/>
+        <p14:creationId xmlns:p14="http://schemas.microsoft.com/office/powerpoint/2010/main" val="756930178"/>
       </p:ext>
     </p:extLst>
   </p:cSld>
@@ -1120,6 +1592,132 @@
           <a:bodyPr/>
           <a:lstStyle/>
           <a:p>
+            <a:r>
+              <a:rPr lang="en-US" altLang="zh-CN" dirty="0" smtClean="0"/>
+              <a:t>Guava</a:t>
+            </a:r>
+          </a:p>
+          <a:p>
+            <a:r>
+              <a:rPr lang="en-US" altLang="zh-CN" dirty="0" err="1" smtClean="0"/>
+              <a:t>Objects.</a:t>
+            </a:r>
+            <a:r>
+              <a:rPr lang="en-US" altLang="zh-CN" i="1" dirty="0" err="1" smtClean="0"/>
+              <a:t>hashCode</a:t>
+            </a:r>
+            <a:r>
+              <a:rPr lang="en-US" altLang="zh-CN" dirty="0" smtClean="0"/>
+              <a:t>(</a:t>
+            </a:r>
+            <a:r>
+              <a:rPr lang="en-US" altLang="zh-CN" b="1" dirty="0" smtClean="0"/>
+              <a:t>"1"</a:t>
+            </a:r>
+            <a:r>
+              <a:rPr lang="en-US" altLang="zh-CN" dirty="0" smtClean="0"/>
+              <a:t>,12,</a:t>
+            </a:r>
+            <a:r>
+              <a:rPr lang="en-US" altLang="zh-CN" b="1" dirty="0" smtClean="0"/>
+              <a:t>"test"</a:t>
+            </a:r>
+            <a:r>
+              <a:rPr lang="en-US" altLang="zh-CN" dirty="0" smtClean="0"/>
+              <a:t>)</a:t>
+            </a:r>
+            <a:endParaRPr lang="zh-CN" altLang="zh-CN" dirty="0" smtClean="0"/>
+          </a:p>
+          <a:p>
+            <a:r>
+              <a:rPr lang="en-US" altLang="zh-CN" dirty="0" err="1" smtClean="0"/>
+              <a:t>MoreObjects.</a:t>
+            </a:r>
+            <a:r>
+              <a:rPr lang="en-US" altLang="zh-CN" i="1" dirty="0" err="1" smtClean="0"/>
+              <a:t>toStringHelper</a:t>
+            </a:r>
+            <a:r>
+              <a:rPr lang="en-US" altLang="zh-CN" dirty="0" smtClean="0"/>
+              <a:t>(</a:t>
+            </a:r>
+            <a:r>
+              <a:rPr lang="en-US" altLang="zh-CN" b="1" dirty="0" err="1" smtClean="0"/>
+              <a:t>this</a:t>
+            </a:r>
+            <a:r>
+              <a:rPr lang="en-US" altLang="zh-CN" dirty="0" err="1" smtClean="0"/>
+              <a:t>.getClass</a:t>
+            </a:r>
+            <a:r>
+              <a:rPr lang="en-US" altLang="zh-CN" dirty="0" smtClean="0"/>
+              <a:t>()).add(</a:t>
+            </a:r>
+            <a:r>
+              <a:rPr lang="en-US" altLang="zh-CN" b="1" dirty="0" smtClean="0"/>
+              <a:t>"</a:t>
+            </a:r>
+            <a:r>
+              <a:rPr lang="en-US" altLang="zh-CN" b="1" dirty="0" err="1" smtClean="0"/>
+              <a:t>propertiesOne</a:t>
+            </a:r>
+            <a:r>
+              <a:rPr lang="en-US" altLang="zh-CN" b="1" dirty="0" smtClean="0"/>
+              <a:t>"</a:t>
+            </a:r>
+            <a:r>
+              <a:rPr lang="en-US" altLang="zh-CN" dirty="0" smtClean="0"/>
+              <a:t>,</a:t>
+            </a:r>
+            <a:r>
+              <a:rPr lang="en-US" altLang="zh-CN" b="1" dirty="0" err="1" smtClean="0"/>
+              <a:t>propertiesOne</a:t>
+            </a:r>
+            <a:r>
+              <a:rPr lang="en-US" altLang="zh-CN" dirty="0" smtClean="0"/>
+              <a:t>).add(</a:t>
+            </a:r>
+            <a:r>
+              <a:rPr lang="en-US" altLang="zh-CN" b="1" dirty="0" smtClean="0"/>
+              <a:t>"</a:t>
+            </a:r>
+            <a:r>
+              <a:rPr lang="en-US" altLang="zh-CN" b="1" dirty="0" err="1" smtClean="0"/>
+              <a:t>propertiesTwo</a:t>
+            </a:r>
+            <a:r>
+              <a:rPr lang="en-US" altLang="zh-CN" b="1" dirty="0" smtClean="0"/>
+              <a:t>"</a:t>
+            </a:r>
+            <a:r>
+              <a:rPr lang="en-US" altLang="zh-CN" dirty="0" smtClean="0"/>
+              <a:t>,</a:t>
+            </a:r>
+            <a:r>
+              <a:rPr lang="en-US" altLang="zh-CN" b="1" dirty="0" err="1" smtClean="0"/>
+              <a:t>propertiesTwo</a:t>
+            </a:r>
+            <a:r>
+              <a:rPr lang="en-US" altLang="zh-CN" dirty="0" smtClean="0"/>
+              <a:t>).</a:t>
+            </a:r>
+            <a:r>
+              <a:rPr lang="en-US" altLang="zh-CN" dirty="0" err="1" smtClean="0"/>
+              <a:t>toString</a:t>
+            </a:r>
+            <a:r>
+              <a:rPr lang="en-US" altLang="zh-CN" dirty="0" smtClean="0"/>
+              <a:t>();</a:t>
+            </a:r>
+            <a:endParaRPr lang="zh-CN" altLang="zh-CN" dirty="0" smtClean="0"/>
+          </a:p>
+          <a:p>
+            <a:r>
+              <a:rPr lang="zh-CN" altLang="zh-CN" dirty="0" smtClean="0"/>
+              <a:t>传统若是手动编写非常麻烦</a:t>
+            </a:r>
+          </a:p>
+          <a:p>
             <a:endParaRPr lang="zh-CN" altLang="en-US" dirty="0"/>
           </a:p>
         </p:txBody>
@@ -1141,7 +1739,7 @@
           <a:p>
             <a:fld id="{D62A80DA-2C88-480B-A683-D200A0428AC4}" type="slidenum">
               <a:rPr lang="zh-CN" altLang="en-US" smtClean="0"/>
-              <a:t>7</a:t>
+              <a:t>6</a:t>
             </a:fld>
             <a:endParaRPr lang="zh-CN" altLang="en-US"/>
           </a:p>
@@ -1225,7 +1823,7 @@
           <a:p>
             <a:fld id="{D62A80DA-2C88-480B-A683-D200A0428AC4}" type="slidenum">
               <a:rPr lang="zh-CN" altLang="en-US" smtClean="0"/>
-              <a:t>8</a:t>
+              <a:t>7</a:t>
             </a:fld>
             <a:endParaRPr lang="zh-CN" altLang="en-US"/>
           </a:p>
@@ -1288,88 +1886,6 @@
           <a:bodyPr/>
           <a:lstStyle/>
           <a:p>
-            <a:r>
-              <a:rPr lang="en-US" altLang="zh-CN" dirty="0" smtClean="0"/>
-              <a:t>Hashing</a:t>
-            </a:r>
-            <a:r>
-              <a:rPr lang="zh-CN" altLang="zh-CN" dirty="0" smtClean="0"/>
-              <a:t>包含</a:t>
-            </a:r>
-            <a:r>
-              <a:rPr lang="en-US" altLang="zh-CN" dirty="0" err="1" smtClean="0"/>
-              <a:t>HashFunction</a:t>
-            </a:r>
-            <a:r>
-              <a:rPr lang="zh-CN" altLang="zh-CN" dirty="0" smtClean="0"/>
-              <a:t>相关的静态方法以及散列相关的工具方法</a:t>
-            </a:r>
-          </a:p>
-          <a:p>
-            <a:r>
-              <a:rPr lang="en-US" altLang="zh-CN" dirty="0" err="1" smtClean="0"/>
-              <a:t>HashFunction</a:t>
-            </a:r>
-            <a:r>
-              <a:rPr lang="zh-CN" altLang="zh-CN" dirty="0" smtClean="0"/>
-              <a:t>是一个单纯的（引用透明的）、无状态的方法，它把任意的数据块映射到固定数目的位指，并且保证相同的输入一定产生相同的输出，不同的输入尽可能产生不同的输出。</a:t>
-            </a:r>
-          </a:p>
-          <a:p>
-            <a:r>
-              <a:rPr lang="en-US" altLang="zh-CN" u="sng" dirty="0" smtClean="0">
-                <a:hlinkClick r:id="rId3"/>
-              </a:rPr>
-              <a:t>Hasher</a:t>
-            </a:r>
-            <a:endParaRPr lang="zh-CN" altLang="zh-CN" dirty="0" smtClean="0"/>
-          </a:p>
-          <a:p>
-            <a:r>
-              <a:rPr lang="en-US" altLang="zh-CN" dirty="0" err="1" smtClean="0"/>
-              <a:t>HashFunction</a:t>
-            </a:r>
-            <a:r>
-              <a:rPr lang="zh-CN" altLang="zh-CN" dirty="0" smtClean="0"/>
-              <a:t>的实例可以提供有状态的</a:t>
-            </a:r>
-            <a:r>
-              <a:rPr lang="en-US" altLang="zh-CN" u="sng" dirty="0" smtClean="0">
-                <a:hlinkClick r:id="rId3"/>
-              </a:rPr>
-              <a:t>Hasher</a:t>
-            </a:r>
-            <a:r>
-              <a:rPr lang="zh-CN" altLang="zh-CN" dirty="0" smtClean="0"/>
-              <a:t>，</a:t>
-            </a:r>
-            <a:r>
-              <a:rPr lang="en-US" altLang="zh-CN" dirty="0" smtClean="0"/>
-              <a:t>Hasher</a:t>
-            </a:r>
-            <a:r>
-              <a:rPr lang="zh-CN" altLang="zh-CN" dirty="0" smtClean="0"/>
-              <a:t>提供了流畅的语法把数据添加到散列运算，然后获取散列值。</a:t>
-            </a:r>
-            <a:r>
-              <a:rPr lang="en-US" altLang="zh-CN" dirty="0" smtClean="0"/>
-              <a:t>Hasher</a:t>
-            </a:r>
-            <a:r>
-              <a:rPr lang="zh-CN" altLang="zh-CN" dirty="0" smtClean="0"/>
-              <a:t>可以接受所有原生类型、字节数组、字节数组的片段、字符序列、特定字符集的字符序列等等，或者任何给定了</a:t>
-            </a:r>
-            <a:r>
-              <a:rPr lang="en-US" altLang="zh-CN" dirty="0" smtClean="0"/>
-              <a:t>Funnel</a:t>
-            </a:r>
-            <a:r>
-              <a:rPr lang="zh-CN" altLang="zh-CN" dirty="0" smtClean="0"/>
-              <a:t>实现的对象</a:t>
-            </a:r>
-            <a:endParaRPr lang="zh-CN" altLang="en-US" dirty="0" smtClean="0"/>
-          </a:p>
-          <a:p>
             <a:endParaRPr lang="zh-CN" altLang="en-US" dirty="0"/>
           </a:p>
         </p:txBody>
@@ -1391,7 +1907,7 @@
           <a:p>
             <a:fld id="{D62A80DA-2C88-480B-A683-D200A0428AC4}" type="slidenum">
               <a:rPr lang="zh-CN" altLang="en-US" smtClean="0"/>
-              <a:t>9</a:t>
+              <a:t>8</a:t>
             </a:fld>
             <a:endParaRPr lang="zh-CN" altLang="en-US"/>
           </a:p>
@@ -1454,113 +1970,86 @@
           <a:bodyPr/>
           <a:lstStyle/>
           <a:p>
-            <a:pPr marL="0" marR="0" lvl="0" indent="0" algn="l" defTabSz="914400" rtl="0" eaLnBrk="1" fontAlgn="auto" latinLnBrk="0" hangingPunct="1">
-              <a:lnSpc>
-                <a:spcPct val="100000"/>
-              </a:lnSpc>
-              <a:spcBef>
-                <a:spcPts val="0"/>
-              </a:spcBef>
-              <a:spcAft>
-                <a:spcPts val="0"/>
-              </a:spcAft>
-              <a:buClrTx/>
-              <a:buSzTx/>
-              <a:buFontTx/>
-              <a:buNone/>
-              <a:tabLst/>
-              <a:defRPr/>
-            </a:pPr>
+            <a:r>
+              <a:rPr lang="en-US" altLang="zh-CN" dirty="0" smtClean="0"/>
+              <a:t>Hashing</a:t>
+            </a:r>
             <a:r>
               <a:rPr lang="zh-CN" altLang="zh-CN" dirty="0" smtClean="0"/>
-              <a:t>如何高效解决碰撞？数据量大了存储效率如何解决？</a:t>
-            </a:r>
-            <a:endParaRPr lang="en-US" altLang="zh-CN" dirty="0" smtClean="0"/>
-          </a:p>
-          <a:p>
-            <a:pPr marL="0" marR="0" lvl="0" indent="0" algn="l" defTabSz="914400" rtl="0" eaLnBrk="1" fontAlgn="auto" latinLnBrk="0" hangingPunct="1">
-              <a:lnSpc>
-                <a:spcPct val="100000"/>
-              </a:lnSpc>
-              <a:spcBef>
-                <a:spcPts val="0"/>
-              </a:spcBef>
-              <a:spcAft>
-                <a:spcPts val="0"/>
-              </a:spcAft>
-              <a:buClrTx/>
-              <a:buSzTx/>
-              <a:buFontTx/>
-              <a:buNone/>
-              <a:tabLst/>
-              <a:defRPr/>
-            </a:pPr>
-            <a:r>
-              <a:rPr lang="en-US" altLang="zh-CN" sz="1200" kern="1200" dirty="0" smtClean="0">
-                <a:solidFill>
-                  <a:schemeClr val="tx1"/>
-                </a:solidFill>
-                <a:effectLst/>
-                <a:latin typeface="+mn-lt"/>
-                <a:ea typeface="+mn-ea"/>
-                <a:cs typeface="+mn-cs"/>
-              </a:rPr>
-              <a:t>Google </a:t>
-            </a:r>
-            <a:r>
-              <a:rPr lang="zh-CN" altLang="zh-CN" sz="1200" kern="1200" dirty="0" smtClean="0">
-                <a:solidFill>
-                  <a:schemeClr val="tx1"/>
-                </a:solidFill>
-                <a:effectLst/>
-                <a:latin typeface="+mn-lt"/>
-                <a:ea typeface="+mn-ea"/>
-                <a:cs typeface="+mn-cs"/>
-              </a:rPr>
-              <a:t>黑板报</a:t>
-            </a:r>
-            <a:r>
-              <a:rPr lang="en-US" altLang="zh-CN" sz="1200" u="sng" kern="1200" dirty="0" smtClean="0">
-                <a:solidFill>
-                  <a:schemeClr val="tx1"/>
-                </a:solidFill>
-                <a:effectLst/>
-                <a:latin typeface="+mn-lt"/>
-                <a:ea typeface="+mn-ea"/>
-                <a:cs typeface="+mn-cs"/>
+              <a:t>包含</a:t>
+            </a:r>
+            <a:r>
+              <a:rPr lang="en-US" altLang="zh-CN" dirty="0" err="1" smtClean="0"/>
+              <a:t>HashFunction</a:t>
+            </a:r>
+            <a:r>
+              <a:rPr lang="zh-CN" altLang="zh-CN" dirty="0" smtClean="0"/>
+              <a:t>相关的静态方法以及散列相关的工具方法</a:t>
+            </a:r>
+          </a:p>
+          <a:p>
+            <a:r>
+              <a:rPr lang="en-US" altLang="zh-CN" dirty="0" err="1" smtClean="0"/>
+              <a:t>HashFunction</a:t>
+            </a:r>
+            <a:r>
+              <a:rPr lang="zh-CN" altLang="zh-CN" dirty="0" smtClean="0"/>
+              <a:t>是一个单纯的（引用透明的）、无状态的方法，它把任意的数据块映射到固定数目的位指，并且保证相同的输入一定产生相同的输出，不同的输入尽可能产生不同的输出。</a:t>
+            </a:r>
+          </a:p>
+          <a:p>
+            <a:r>
+              <a:rPr lang="en-US" altLang="zh-CN" u="sng" dirty="0" smtClean="0">
                 <a:hlinkClick r:id="rId3"/>
               </a:rPr>
-              <a:t>http://googlechinablog.blogspot.com/2007/07/bloom-filter_7469.html</a:t>
-            </a:r>
-            <a:endParaRPr lang="zh-CN" altLang="zh-CN" sz="1200" kern="1200" dirty="0" smtClean="0">
-              <a:solidFill>
-                <a:schemeClr val="tx1"/>
-              </a:solidFill>
-              <a:effectLst/>
-              <a:latin typeface="+mn-lt"/>
-              <a:ea typeface="+mn-ea"/>
-              <a:cs typeface="+mn-cs"/>
-            </a:endParaRPr>
-          </a:p>
-          <a:p>
-            <a:pPr marL="0" marR="0" lvl="0" indent="0" algn="l" defTabSz="914400" rtl="0" eaLnBrk="1" fontAlgn="auto" latinLnBrk="0" hangingPunct="1">
-              <a:lnSpc>
-                <a:spcPct val="100000"/>
-              </a:lnSpc>
-              <a:spcBef>
-                <a:spcPts val="0"/>
-              </a:spcBef>
-              <a:spcAft>
-                <a:spcPts val="0"/>
-              </a:spcAft>
-              <a:buClrTx/>
-              <a:buSzTx/>
-              <a:buFontTx/>
-              <a:buNone/>
-              <a:tabLst/>
-              <a:defRPr/>
-            </a:pPr>
+              <a:t>Hasher</a:t>
+            </a:r>
             <a:endParaRPr lang="zh-CN" altLang="zh-CN" dirty="0" smtClean="0"/>
+          </a:p>
+          <a:p>
+            <a:r>
+              <a:rPr lang="en-US" altLang="zh-CN" dirty="0" err="1" smtClean="0"/>
+              <a:t>HashFunction</a:t>
+            </a:r>
+            <a:r>
+              <a:rPr lang="zh-CN" altLang="zh-CN" dirty="0" smtClean="0"/>
+              <a:t>的实例可以提供有状态的</a:t>
+            </a:r>
+            <a:r>
+              <a:rPr lang="en-US" altLang="zh-CN" u="sng" dirty="0" smtClean="0">
+                <a:hlinkClick r:id="rId3"/>
+              </a:rPr>
+              <a:t>Hasher</a:t>
+            </a:r>
+            <a:r>
+              <a:rPr lang="zh-CN" altLang="zh-CN" dirty="0" smtClean="0"/>
+              <a:t>，</a:t>
+            </a:r>
+            <a:r>
+              <a:rPr lang="en-US" altLang="zh-CN" dirty="0" smtClean="0"/>
+              <a:t>Hasher</a:t>
+            </a:r>
+            <a:r>
+              <a:rPr lang="zh-CN" altLang="zh-CN" dirty="0" smtClean="0"/>
+              <a:t>提供了流畅的语法把数据添加到散列运算，然后获取散列值。</a:t>
+            </a:r>
+            <a:r>
+              <a:rPr lang="en-US" altLang="zh-CN" dirty="0" smtClean="0"/>
+              <a:t>Hasher</a:t>
+            </a:r>
+            <a:r>
+              <a:rPr lang="zh-CN" altLang="zh-CN" dirty="0" smtClean="0"/>
+              <a:t>可以接受所有原生类型、字节数组、字节数组的片段、字符序列、特定字符集的字符序列等等，或者任何给定了</a:t>
+            </a:r>
+            <a:r>
+              <a:rPr lang="en-US" altLang="zh-CN" dirty="0" smtClean="0"/>
+              <a:t>Funnel</a:t>
+            </a:r>
+            <a:r>
+              <a:rPr lang="zh-CN" altLang="zh-CN" dirty="0" smtClean="0"/>
+              <a:t>实现的对象</a:t>
+            </a:r>
+            <a:endParaRPr lang="zh-CN" altLang="en-US" dirty="0" smtClean="0"/>
           </a:p>
           <a:p>
             <a:endParaRPr lang="zh-CN" altLang="en-US" dirty="0"/>
@@ -1584,7 +2073,7 @@
           <a:p>
             <a:fld id="{D62A80DA-2C88-480B-A683-D200A0428AC4}" type="slidenum">
               <a:rPr lang="zh-CN" altLang="en-US" smtClean="0"/>
-              <a:t>10</a:t>
+              <a:t>9</a:t>
             </a:fld>
             <a:endParaRPr lang="zh-CN" altLang="en-US"/>
           </a:p>
@@ -1647,6 +2136,115 @@
           <a:bodyPr/>
           <a:lstStyle/>
           <a:p>
+            <a:pPr marL="0" marR="0" lvl="0" indent="0" algn="l" defTabSz="914400" rtl="0" eaLnBrk="1" fontAlgn="auto" latinLnBrk="0" hangingPunct="1">
+              <a:lnSpc>
+                <a:spcPct val="100000"/>
+              </a:lnSpc>
+              <a:spcBef>
+                <a:spcPts val="0"/>
+              </a:spcBef>
+              <a:spcAft>
+                <a:spcPts val="0"/>
+              </a:spcAft>
+              <a:buClrTx/>
+              <a:buSzTx/>
+              <a:buFontTx/>
+              <a:buNone/>
+              <a:tabLst/>
+              <a:defRPr/>
+            </a:pPr>
+            <a:r>
+              <a:rPr lang="zh-CN" altLang="zh-CN" dirty="0" smtClean="0"/>
+              <a:t>如何高效解决碰撞？数据量大了存储效率如何解决？</a:t>
+            </a:r>
+            <a:endParaRPr lang="en-US" altLang="zh-CN" dirty="0" smtClean="0"/>
+          </a:p>
+          <a:p>
+            <a:pPr marL="0" marR="0" lvl="0" indent="0" algn="l" defTabSz="914400" rtl="0" eaLnBrk="1" fontAlgn="auto" latinLnBrk="0" hangingPunct="1">
+              <a:lnSpc>
+                <a:spcPct val="100000"/>
+              </a:lnSpc>
+              <a:spcBef>
+                <a:spcPts val="0"/>
+              </a:spcBef>
+              <a:spcAft>
+                <a:spcPts val="0"/>
+              </a:spcAft>
+              <a:buClrTx/>
+              <a:buSzTx/>
+              <a:buFontTx/>
+              <a:buNone/>
+              <a:tabLst/>
+              <a:defRPr/>
+            </a:pPr>
+            <a:r>
+              <a:rPr lang="en-US" altLang="zh-CN" sz="1200" kern="1200" dirty="0" smtClean="0">
+                <a:solidFill>
+                  <a:schemeClr val="tx1"/>
+                </a:solidFill>
+                <a:effectLst/>
+                <a:latin typeface="+mn-lt"/>
+                <a:ea typeface="+mn-ea"/>
+                <a:cs typeface="+mn-cs"/>
+              </a:rPr>
+              <a:t>Google </a:t>
+            </a:r>
+            <a:r>
+              <a:rPr lang="zh-CN" altLang="zh-CN" sz="1200" kern="1200" dirty="0" smtClean="0">
+                <a:solidFill>
+                  <a:schemeClr val="tx1"/>
+                </a:solidFill>
+                <a:effectLst/>
+                <a:latin typeface="+mn-lt"/>
+                <a:ea typeface="+mn-ea"/>
+                <a:cs typeface="+mn-cs"/>
+              </a:rPr>
+              <a:t>黑板报</a:t>
+            </a:r>
+            <a:r>
+              <a:rPr lang="en-US" altLang="zh-CN" sz="1200" u="sng" kern="1200" dirty="0" smtClean="0">
+                <a:solidFill>
+                  <a:schemeClr val="tx1"/>
+                </a:solidFill>
+                <a:effectLst/>
+                <a:latin typeface="+mn-lt"/>
+                <a:ea typeface="+mn-ea"/>
+                <a:cs typeface="+mn-cs"/>
+                <a:hlinkClick r:id="rId3"/>
+              </a:rPr>
+              <a:t>http://googlechinablog.blogspot.com/2007/07/bloom-filter_7469.html</a:t>
+            </a:r>
+            <a:endParaRPr lang="zh-CN" altLang="zh-CN" sz="1200" kern="1200" dirty="0" smtClean="0">
+              <a:solidFill>
+                <a:schemeClr val="tx1"/>
+              </a:solidFill>
+              <a:effectLst/>
+              <a:latin typeface="+mn-lt"/>
+              <a:ea typeface="+mn-ea"/>
+              <a:cs typeface="+mn-cs"/>
+            </a:endParaRPr>
+          </a:p>
+          <a:p>
+            <a:pPr marL="0" marR="0" lvl="0" indent="0" algn="l" defTabSz="914400" rtl="0" eaLnBrk="1" fontAlgn="auto" latinLnBrk="0" hangingPunct="1">
+              <a:lnSpc>
+                <a:spcPct val="100000"/>
+              </a:lnSpc>
+              <a:spcBef>
+                <a:spcPts val="0"/>
+              </a:spcBef>
+              <a:spcAft>
+                <a:spcPts val="0"/>
+              </a:spcAft>
+              <a:buClrTx/>
+              <a:buSzTx/>
+              <a:buFontTx/>
+              <a:buNone/>
+              <a:tabLst/>
+              <a:defRPr/>
+            </a:pPr>
+            <a:endParaRPr lang="zh-CN" altLang="zh-CN" dirty="0" smtClean="0"/>
+          </a:p>
+          <a:p>
             <a:endParaRPr lang="zh-CN" altLang="en-US" dirty="0"/>
           </a:p>
         </p:txBody>
@@ -1668,7 +2266,7 @@
           <a:p>
             <a:fld id="{D62A80DA-2C88-480B-A683-D200A0428AC4}" type="slidenum">
               <a:rPr lang="zh-CN" altLang="en-US" smtClean="0"/>
-              <a:t>11</a:t>
+              <a:t>10</a:t>
             </a:fld>
             <a:endParaRPr lang="zh-CN" altLang="en-US"/>
           </a:p>
@@ -1731,251 +2329,6 @@
           <a:bodyPr/>
           <a:lstStyle/>
           <a:p>
-            <a:r>
-              <a:rPr lang="zh-CN" altLang="en-US" sz="1200" b="0" i="0" kern="1200" dirty="0" smtClean="0">
-                <a:solidFill>
-                  <a:schemeClr val="tx1"/>
-                </a:solidFill>
-                <a:effectLst/>
-                <a:latin typeface="+mn-lt"/>
-                <a:ea typeface="+mn-ea"/>
-                <a:cs typeface="+mn-cs"/>
-              </a:rPr>
-              <a:t>创建不可变对象的简单策略</a:t>
-            </a:r>
-            <a:endParaRPr lang="en-US" altLang="zh-CN" sz="1200" b="0" i="0" kern="1200" dirty="0" smtClean="0">
-              <a:solidFill>
-                <a:schemeClr val="tx1"/>
-              </a:solidFill>
-              <a:effectLst/>
-              <a:latin typeface="+mn-lt"/>
-              <a:ea typeface="+mn-ea"/>
-              <a:cs typeface="+mn-cs"/>
-            </a:endParaRPr>
-          </a:p>
-          <a:p>
-            <a:pPr lvl="1"/>
-            <a:r>
-              <a:rPr lang="en-US" altLang="zh-CN" sz="1200" b="0" i="0" kern="1200" dirty="0" smtClean="0">
-                <a:solidFill>
-                  <a:schemeClr val="tx1"/>
-                </a:solidFill>
-                <a:effectLst/>
-                <a:latin typeface="+mn-lt"/>
-                <a:ea typeface="+mn-ea"/>
-                <a:cs typeface="+mn-cs"/>
-              </a:rPr>
-              <a:t>1</a:t>
-            </a:r>
-            <a:r>
-              <a:rPr lang="zh-CN" altLang="en-US" sz="1200" b="0" i="0" kern="1200" dirty="0" smtClean="0">
-                <a:solidFill>
-                  <a:schemeClr val="tx1"/>
-                </a:solidFill>
-                <a:effectLst/>
-                <a:latin typeface="+mn-lt"/>
-                <a:ea typeface="+mn-ea"/>
-                <a:cs typeface="+mn-cs"/>
-              </a:rPr>
-              <a:t>、不要提供</a:t>
-            </a:r>
-            <a:r>
-              <a:rPr lang="en-US" altLang="zh-CN" sz="1200" b="0" i="0" kern="1200" dirty="0" smtClean="0">
-                <a:solidFill>
-                  <a:schemeClr val="tx1"/>
-                </a:solidFill>
-                <a:effectLst/>
-                <a:latin typeface="+mn-lt"/>
-                <a:ea typeface="+mn-ea"/>
-                <a:cs typeface="+mn-cs"/>
-              </a:rPr>
-              <a:t>setter</a:t>
-            </a:r>
-            <a:r>
-              <a:rPr lang="zh-CN" altLang="en-US" sz="1200" b="0" i="0" kern="1200" dirty="0" smtClean="0">
-                <a:solidFill>
-                  <a:schemeClr val="tx1"/>
-                </a:solidFill>
-                <a:effectLst/>
-                <a:latin typeface="+mn-lt"/>
-                <a:ea typeface="+mn-ea"/>
-                <a:cs typeface="+mn-cs"/>
-              </a:rPr>
-              <a:t>方法。</a:t>
-            </a:r>
-            <a:endParaRPr lang="en-US" altLang="zh-CN" sz="1200" b="0" i="0" kern="1200" dirty="0" smtClean="0">
-              <a:solidFill>
-                <a:schemeClr val="tx1"/>
-              </a:solidFill>
-              <a:effectLst/>
-              <a:latin typeface="+mn-lt"/>
-              <a:ea typeface="+mn-ea"/>
-              <a:cs typeface="+mn-cs"/>
-            </a:endParaRPr>
-          </a:p>
-          <a:p>
-            <a:pPr lvl="1"/>
-            <a:r>
-              <a:rPr lang="en-US" altLang="zh-CN" sz="1200" b="0" i="0" kern="1200" dirty="0" smtClean="0">
-                <a:solidFill>
-                  <a:schemeClr val="tx1"/>
-                </a:solidFill>
-                <a:effectLst/>
-                <a:latin typeface="+mn-lt"/>
-                <a:ea typeface="+mn-ea"/>
-                <a:cs typeface="+mn-cs"/>
-              </a:rPr>
-              <a:t>2</a:t>
-            </a:r>
-            <a:r>
-              <a:rPr lang="zh-CN" altLang="en-US" sz="1200" b="0" i="0" kern="1200" dirty="0" smtClean="0">
-                <a:solidFill>
-                  <a:schemeClr val="tx1"/>
-                </a:solidFill>
-                <a:effectLst/>
-                <a:latin typeface="+mn-lt"/>
-                <a:ea typeface="+mn-ea"/>
-                <a:cs typeface="+mn-cs"/>
-              </a:rPr>
-              <a:t>、将类的所有字段定义为</a:t>
-            </a:r>
-            <a:r>
-              <a:rPr lang="en-US" altLang="zh-CN" sz="1200" b="0" i="0" kern="1200" dirty="0" smtClean="0">
-                <a:solidFill>
-                  <a:schemeClr val="tx1"/>
-                </a:solidFill>
-                <a:effectLst/>
-                <a:latin typeface="+mn-lt"/>
-                <a:ea typeface="+mn-ea"/>
-                <a:cs typeface="+mn-cs"/>
-              </a:rPr>
-              <a:t>final</a:t>
-            </a:r>
-            <a:r>
-              <a:rPr lang="zh-CN" altLang="en-US" sz="1200" b="0" i="0" kern="1200" dirty="0" smtClean="0">
-                <a:solidFill>
-                  <a:schemeClr val="tx1"/>
-                </a:solidFill>
-                <a:effectLst/>
-                <a:latin typeface="+mn-lt"/>
-                <a:ea typeface="+mn-ea"/>
-                <a:cs typeface="+mn-cs"/>
-              </a:rPr>
-              <a:t>、</a:t>
-            </a:r>
-            <a:r>
-              <a:rPr lang="en-US" altLang="zh-CN" sz="1200" b="0" i="0" kern="1200" dirty="0" smtClean="0">
-                <a:solidFill>
-                  <a:schemeClr val="tx1"/>
-                </a:solidFill>
-                <a:effectLst/>
-                <a:latin typeface="+mn-lt"/>
-                <a:ea typeface="+mn-ea"/>
-                <a:cs typeface="+mn-cs"/>
-              </a:rPr>
-              <a:t>private</a:t>
-            </a:r>
-            <a:r>
-              <a:rPr lang="zh-CN" altLang="en-US" sz="1200" b="0" i="0" kern="1200" dirty="0" smtClean="0">
-                <a:solidFill>
-                  <a:schemeClr val="tx1"/>
-                </a:solidFill>
-                <a:effectLst/>
-                <a:latin typeface="+mn-lt"/>
-                <a:ea typeface="+mn-ea"/>
-                <a:cs typeface="+mn-cs"/>
-              </a:rPr>
-              <a:t>的。</a:t>
-            </a:r>
-          </a:p>
-          <a:p>
-            <a:pPr lvl="1"/>
-            <a:r>
-              <a:rPr lang="en-US" altLang="zh-CN" sz="1200" b="0" i="0" kern="1200" dirty="0" smtClean="0">
-                <a:solidFill>
-                  <a:schemeClr val="tx1"/>
-                </a:solidFill>
-                <a:effectLst/>
-                <a:latin typeface="+mn-lt"/>
-                <a:ea typeface="+mn-ea"/>
-                <a:cs typeface="+mn-cs"/>
-              </a:rPr>
-              <a:t>3</a:t>
-            </a:r>
-            <a:r>
-              <a:rPr lang="zh-CN" altLang="en-US" sz="1200" b="0" i="0" kern="1200" dirty="0" smtClean="0">
-                <a:solidFill>
-                  <a:schemeClr val="tx1"/>
-                </a:solidFill>
-                <a:effectLst/>
-                <a:latin typeface="+mn-lt"/>
-                <a:ea typeface="+mn-ea"/>
-                <a:cs typeface="+mn-cs"/>
-              </a:rPr>
-              <a:t>、不允许子类重写方法。简单的办法是将类声明为</a:t>
-            </a:r>
-            <a:r>
-              <a:rPr lang="en-US" altLang="zh-CN" sz="1200" b="0" i="0" kern="1200" dirty="0" smtClean="0">
-                <a:solidFill>
-                  <a:schemeClr val="tx1"/>
-                </a:solidFill>
-                <a:effectLst/>
-                <a:latin typeface="+mn-lt"/>
-                <a:ea typeface="+mn-ea"/>
-                <a:cs typeface="+mn-cs"/>
-              </a:rPr>
-              <a:t>final</a:t>
-            </a:r>
-            <a:r>
-              <a:rPr lang="zh-CN" altLang="en-US" sz="1200" b="0" i="0" kern="1200" dirty="0" smtClean="0">
-                <a:solidFill>
-                  <a:schemeClr val="tx1"/>
-                </a:solidFill>
-                <a:effectLst/>
-                <a:latin typeface="+mn-lt"/>
-                <a:ea typeface="+mn-ea"/>
-                <a:cs typeface="+mn-cs"/>
-              </a:rPr>
-              <a:t>，更好的方法是将构造函数声明为私有的，通过工厂方法创建对象。</a:t>
-            </a:r>
-            <a:endParaRPr lang="en-US" altLang="zh-CN" sz="1200" b="0" i="0" kern="1200" dirty="0" smtClean="0">
-              <a:solidFill>
-                <a:schemeClr val="tx1"/>
-              </a:solidFill>
-              <a:effectLst/>
-              <a:latin typeface="+mn-lt"/>
-              <a:ea typeface="+mn-ea"/>
-              <a:cs typeface="+mn-cs"/>
-            </a:endParaRPr>
-          </a:p>
-          <a:p>
-            <a:pPr lvl="1"/>
-            <a:r>
-              <a:rPr lang="en-US" altLang="zh-CN" sz="1200" b="0" i="0" kern="1200" dirty="0" smtClean="0">
-                <a:solidFill>
-                  <a:schemeClr val="tx1"/>
-                </a:solidFill>
-                <a:effectLst/>
-                <a:latin typeface="+mn-lt"/>
-                <a:ea typeface="+mn-ea"/>
-                <a:cs typeface="+mn-cs"/>
-              </a:rPr>
-              <a:t>4</a:t>
-            </a:r>
-            <a:r>
-              <a:rPr lang="zh-CN" altLang="en-US" sz="1200" b="0" i="0" kern="1200" dirty="0" smtClean="0">
-                <a:solidFill>
-                  <a:schemeClr val="tx1"/>
-                </a:solidFill>
-                <a:effectLst/>
-                <a:latin typeface="+mn-lt"/>
-                <a:ea typeface="+mn-ea"/>
-                <a:cs typeface="+mn-cs"/>
-              </a:rPr>
-              <a:t>、如果类的字段是对可变对象的引用，不允许修改被引用对象。</a:t>
-            </a:r>
-          </a:p>
-          <a:p>
             <a:endParaRPr lang="zh-CN" altLang="en-US" dirty="0"/>
           </a:p>
         </p:txBody>
@@ -1997,7 +2350,7 @@
           <a:p>
             <a:fld id="{D62A80DA-2C88-480B-A683-D200A0428AC4}" type="slidenum">
               <a:rPr lang="zh-CN" altLang="en-US" smtClean="0"/>
-              <a:t>12</a:t>
+              <a:t>11</a:t>
             </a:fld>
             <a:endParaRPr lang="zh-CN" altLang="en-US"/>
           </a:p>
@@ -5595,6 +5948,174 @@
       </p:grpSpPr>
       <p:pic>
         <p:nvPicPr>
+          <p:cNvPr id="4" name="图片 3"/>
+          <p:cNvPicPr>
+            <a:picLocks noChangeAspect="1"/>
+          </p:cNvPicPr>
+          <p:nvPr/>
+        </p:nvPicPr>
+        <p:blipFill>
+          <a:blip r:embed="rId3" cstate="print">
+            <a:extLst>
+              <a:ext uri="{28A0092B-C50C-407E-A947-70E740481C1C}">
+                <a14:useLocalDpi xmlns:a14="http://schemas.microsoft.com/office/drawing/2010/main" val="0"/>
+              </a:ext>
+            </a:extLst>
+          </a:blip>
+          <a:stretch>
+            <a:fillRect/>
+          </a:stretch>
+        </p:blipFill>
+        <p:spPr>
+          <a:xfrm>
+            <a:off x="-23257" y="-19932"/>
+            <a:ext cx="1570922" cy="717164"/>
+          </a:xfrm>
+          <a:prstGeom prst="rect">
+            <a:avLst/>
+          </a:prstGeom>
+        </p:spPr>
+      </p:pic>
+      <p:sp>
+        <p:nvSpPr>
+          <p:cNvPr id="5" name="矩形 4"/>
+          <p:cNvSpPr/>
+          <p:nvPr/>
+        </p:nvSpPr>
+        <p:spPr>
+          <a:xfrm>
+            <a:off x="1187624" y="260648"/>
+            <a:ext cx="1592103" cy="369332"/>
+          </a:xfrm>
+          <a:prstGeom prst="rect">
+            <a:avLst/>
+          </a:prstGeom>
+        </p:spPr>
+        <p:txBody>
+          <a:bodyPr wrap="none">
+            <a:spAutoFit/>
+          </a:bodyPr>
+          <a:lstStyle/>
+          <a:p>
+            <a:r>
+              <a:rPr lang="en-US" altLang="zh-CN" b="1" dirty="0" smtClean="0">
+                <a:solidFill>
+                  <a:srgbClr val="C00000"/>
+                </a:solidFill>
+                <a:latin typeface="华文行楷" pitchFamily="2" charset="-122"/>
+                <a:ea typeface="华文行楷" pitchFamily="2" charset="-122"/>
+              </a:rPr>
+              <a:t>Guava</a:t>
+            </a:r>
+            <a:r>
+              <a:rPr lang="zh-CN" altLang="en-US" b="1" dirty="0" smtClean="0">
+                <a:solidFill>
+                  <a:srgbClr val="C00000"/>
+                </a:solidFill>
+                <a:latin typeface="华文行楷" pitchFamily="2" charset="-122"/>
+                <a:ea typeface="华文行楷" pitchFamily="2" charset="-122"/>
+              </a:rPr>
+              <a:t>基础知识</a:t>
+            </a:r>
+            <a:endParaRPr lang="zh-CN" altLang="en-US" b="1" dirty="0">
+              <a:solidFill>
+                <a:srgbClr val="C00000"/>
+              </a:solidFill>
+              <a:latin typeface="华文行楷" pitchFamily="2" charset="-122"/>
+              <a:ea typeface="华文行楷" pitchFamily="2" charset="-122"/>
+            </a:endParaRPr>
+          </a:p>
+        </p:txBody>
+      </p:sp>
+      <p:sp>
+        <p:nvSpPr>
+          <p:cNvPr id="6" name="爆炸形 1 5"/>
+          <p:cNvSpPr/>
+          <p:nvPr/>
+        </p:nvSpPr>
+        <p:spPr>
+          <a:xfrm>
+            <a:off x="439467" y="697232"/>
+            <a:ext cx="4680520" cy="1274658"/>
+          </a:xfrm>
+          <a:prstGeom prst="irregularSeal1">
+            <a:avLst/>
+          </a:prstGeom>
+          <a:solidFill>
+            <a:srgbClr val="C00000"/>
+          </a:solidFill>
+          <a:ln>
+            <a:noFill/>
+          </a:ln>
+        </p:spPr>
+        <p:style>
+          <a:lnRef idx="2">
+            <a:schemeClr val="accent1">
+              <a:shade val="50000"/>
+            </a:schemeClr>
+          </a:lnRef>
+          <a:fillRef idx="1">
+            <a:schemeClr val="accent1"/>
+          </a:fillRef>
+          <a:effectRef idx="0">
+            <a:schemeClr val="accent1"/>
+          </a:effectRef>
+          <a:fontRef idx="minor">
+            <a:schemeClr val="lt1"/>
+          </a:fontRef>
+        </p:style>
+        <p:txBody>
+          <a:bodyPr rtlCol="0" anchor="ctr"/>
+          <a:lstStyle/>
+          <a:p>
+            <a:pPr algn="ctr"/>
+            <a:r>
+              <a:rPr lang="zh-CN" altLang="en-US" dirty="0" smtClean="0"/>
+              <a:t>限流技术</a:t>
+            </a:r>
+            <a:endParaRPr lang="zh-CN" altLang="en-US" dirty="0"/>
+          </a:p>
+        </p:txBody>
+      </p:sp>
+    </p:spTree>
+    <p:extLst>
+      <p:ext uri="{BB962C8B-B14F-4D97-AF65-F5344CB8AC3E}">
+        <p14:creationId xmlns:p14="http://schemas.microsoft.com/office/powerpoint/2010/main" val="1133837575"/>
+      </p:ext>
+    </p:extLst>
+  </p:cSld>
+  <p:clrMapOvr>
+    <a:masterClrMapping/>
+  </p:clrMapOvr>
+  <p:timing>
+    <p:tnLst>
+      <p:par>
+        <p:cTn id="1" dur="indefinite" restart="never" nodeType="tmRoot"/>
+      </p:par>
+    </p:tnLst>
+  </p:timing>
+</p:sld>
+</file>
+
+<file path=ppt/slides/slide14.xml><?xml version="1.0" encoding="utf-8"?>
+<p:sld xmlns:a="http://schemas.openxmlformats.org/drawingml/2006/main" xmlns:r="http://schemas.openxmlformats.org/officeDocument/2006/relationships" xmlns:p="http://schemas.openxmlformats.org/presentationml/2006/main">
+  <p:cSld>
+    <p:spTree>
+      <p:nvGrpSpPr>
+        <p:cNvPr id="1" name=""/>
+        <p:cNvGrpSpPr/>
+        <p:nvPr/>
+      </p:nvGrpSpPr>
+      <p:grpSpPr>
+        <a:xfrm>
+          <a:off x="0" y="0"/>
+          <a:ext cx="0" cy="0"/>
+          <a:chOff x="0" y="0"/>
+          <a:chExt cx="0" cy="0"/>
+        </a:xfrm>
+      </p:grpSpPr>
+      <p:pic>
+        <p:nvPicPr>
           <p:cNvPr id="6" name="图片 5"/>
           <p:cNvPicPr>
             <a:picLocks noChangeAspect="1"/>
@@ -5920,7 +6441,340 @@
 </p:sld>
 </file>
 
-<file path=ppt/slides/slide14.xml><?xml version="1.0" encoding="utf-8"?>
+<file path=ppt/slides/slide15.xml><?xml version="1.0" encoding="utf-8"?>
+<p:sld xmlns:a="http://schemas.openxmlformats.org/drawingml/2006/main" xmlns:r="http://schemas.openxmlformats.org/officeDocument/2006/relationships" xmlns:p="http://schemas.openxmlformats.org/presentationml/2006/main">
+  <p:cSld>
+    <p:spTree>
+      <p:nvGrpSpPr>
+        <p:cNvPr id="1" name=""/>
+        <p:cNvGrpSpPr/>
+        <p:nvPr/>
+      </p:nvGrpSpPr>
+      <p:grpSpPr>
+        <a:xfrm>
+          <a:off x="0" y="0"/>
+          <a:ext cx="0" cy="0"/>
+          <a:chOff x="0" y="0"/>
+          <a:chExt cx="0" cy="0"/>
+        </a:xfrm>
+      </p:grpSpPr>
+      <p:pic>
+        <p:nvPicPr>
+          <p:cNvPr id="6" name="图片 5"/>
+          <p:cNvPicPr>
+            <a:picLocks noChangeAspect="1"/>
+          </p:cNvPicPr>
+          <p:nvPr/>
+        </p:nvPicPr>
+        <p:blipFill>
+          <a:blip r:embed="rId3" cstate="print">
+            <a:extLst>
+              <a:ext uri="{28A0092B-C50C-407E-A947-70E740481C1C}">
+                <a14:useLocalDpi xmlns:a14="http://schemas.microsoft.com/office/drawing/2010/main" val="0"/>
+              </a:ext>
+            </a:extLst>
+          </a:blip>
+          <a:stretch>
+            <a:fillRect/>
+          </a:stretch>
+        </p:blipFill>
+        <p:spPr>
+          <a:xfrm>
+            <a:off x="0" y="-19932"/>
+            <a:ext cx="1570922" cy="717164"/>
+          </a:xfrm>
+          <a:prstGeom prst="rect">
+            <a:avLst/>
+          </a:prstGeom>
+        </p:spPr>
+      </p:pic>
+      <p:sp>
+        <p:nvSpPr>
+          <p:cNvPr id="7" name="矩形 6"/>
+          <p:cNvSpPr/>
+          <p:nvPr/>
+        </p:nvSpPr>
+        <p:spPr>
+          <a:xfrm>
+            <a:off x="1187624" y="260648"/>
+            <a:ext cx="2031325" cy="369332"/>
+          </a:xfrm>
+          <a:prstGeom prst="rect">
+            <a:avLst/>
+          </a:prstGeom>
+        </p:spPr>
+        <p:txBody>
+          <a:bodyPr wrap="none">
+            <a:spAutoFit/>
+          </a:bodyPr>
+          <a:lstStyle/>
+          <a:p>
+            <a:r>
+              <a:rPr lang="zh-CN" altLang="en-US" b="1" dirty="0">
+                <a:solidFill>
+                  <a:srgbClr val="C00000"/>
+                </a:solidFill>
+                <a:latin typeface="华文行楷" pitchFamily="2" charset="-122"/>
+                <a:ea typeface="华文行楷" pitchFamily="2" charset="-122"/>
+              </a:rPr>
+              <a:t>集合框架性能分析</a:t>
+            </a:r>
+            <a:endParaRPr lang="zh-CN" altLang="en-US" b="1" dirty="0">
+              <a:solidFill>
+                <a:srgbClr val="C00000"/>
+              </a:solidFill>
+              <a:latin typeface="华文行楷" pitchFamily="2" charset="-122"/>
+              <a:ea typeface="华文行楷" pitchFamily="2" charset="-122"/>
+            </a:endParaRPr>
+          </a:p>
+        </p:txBody>
+      </p:sp>
+      <p:sp>
+        <p:nvSpPr>
+          <p:cNvPr id="3" name="矩形 2"/>
+          <p:cNvSpPr/>
+          <p:nvPr/>
+        </p:nvSpPr>
+        <p:spPr>
+          <a:xfrm>
+            <a:off x="35496" y="1412776"/>
+            <a:ext cx="9144000" cy="5112568"/>
+          </a:xfrm>
+          <a:prstGeom prst="rect">
+            <a:avLst/>
+          </a:prstGeom>
+          <a:solidFill>
+            <a:srgbClr val="C00000"/>
+          </a:solidFill>
+          <a:ln>
+            <a:noFill/>
+          </a:ln>
+        </p:spPr>
+        <p:style>
+          <a:lnRef idx="2">
+            <a:schemeClr val="accent1">
+              <a:shade val="50000"/>
+            </a:schemeClr>
+          </a:lnRef>
+          <a:fillRef idx="1">
+            <a:schemeClr val="accent1"/>
+          </a:fillRef>
+          <a:effectRef idx="0">
+            <a:schemeClr val="accent1"/>
+          </a:effectRef>
+          <a:fontRef idx="minor">
+            <a:schemeClr val="lt1"/>
+          </a:fontRef>
+        </p:style>
+        <p:txBody>
+          <a:bodyPr rtlCol="0" anchor="ctr"/>
+          <a:lstStyle/>
+          <a:p>
+            <a:pPr marL="457200" indent="-457200">
+              <a:lnSpc>
+                <a:spcPts val="5000"/>
+              </a:lnSpc>
+              <a:buFont typeface="Wingdings" pitchFamily="2" charset="2"/>
+              <a:buChar char="u"/>
+            </a:pPr>
+            <a:r>
+              <a:rPr lang="en-US" altLang="zh-CN" sz="2800" dirty="0" smtClean="0"/>
+              <a:t> </a:t>
+            </a:r>
+            <a:r>
+              <a:rPr lang="en-US" altLang="zh-CN" sz="2800" dirty="0" err="1" smtClean="0"/>
+              <a:t>Javolution</a:t>
+            </a:r>
+            <a:endParaRPr lang="en-US" altLang="zh-CN" sz="2800" dirty="0" smtClean="0"/>
+          </a:p>
+          <a:p>
+            <a:pPr marL="457200" indent="-457200">
+              <a:lnSpc>
+                <a:spcPts val="5000"/>
+              </a:lnSpc>
+              <a:buFont typeface="Wingdings" pitchFamily="2" charset="2"/>
+              <a:buChar char="u"/>
+            </a:pPr>
+            <a:r>
+              <a:rPr lang="en-US" altLang="zh-CN" sz="2800" b="1" dirty="0" smtClean="0">
+                <a:latin typeface="华文楷体" pitchFamily="2" charset="-122"/>
+                <a:ea typeface="华文楷体" pitchFamily="2" charset="-122"/>
+              </a:rPr>
+              <a:t> </a:t>
+            </a:r>
+            <a:r>
+              <a:rPr lang="en-US" altLang="zh-CN" sz="2800" dirty="0"/>
+              <a:t>Trove </a:t>
+            </a:r>
+            <a:endParaRPr lang="en-US" altLang="zh-CN" sz="2800" dirty="0" smtClean="0"/>
+          </a:p>
+          <a:p>
+            <a:pPr marL="457200" indent="-457200">
+              <a:lnSpc>
+                <a:spcPts val="5000"/>
+              </a:lnSpc>
+              <a:buFont typeface="Wingdings" pitchFamily="2" charset="2"/>
+              <a:buChar char="u"/>
+            </a:pPr>
+            <a:r>
+              <a:rPr lang="en-US" altLang="zh-CN" sz="2800" b="1" dirty="0">
+                <a:latin typeface="华文楷体" pitchFamily="2" charset="-122"/>
+                <a:ea typeface="华文楷体" pitchFamily="2" charset="-122"/>
+              </a:rPr>
+              <a:t> </a:t>
+            </a:r>
+            <a:r>
+              <a:rPr lang="en-US" altLang="zh-CN" sz="2800" b="1" dirty="0" err="1" smtClean="0">
+                <a:latin typeface="华文楷体" pitchFamily="2" charset="-122"/>
+                <a:ea typeface="华文楷体" pitchFamily="2" charset="-122"/>
+              </a:rPr>
+              <a:t>Magicwerk</a:t>
+            </a:r>
+            <a:endParaRPr lang="en-US" altLang="zh-CN" sz="2800" b="1" dirty="0" smtClean="0">
+              <a:latin typeface="华文楷体" pitchFamily="2" charset="-122"/>
+              <a:ea typeface="华文楷体" pitchFamily="2" charset="-122"/>
+            </a:endParaRPr>
+          </a:p>
+          <a:p>
+            <a:pPr marL="457200" indent="-457200">
+              <a:lnSpc>
+                <a:spcPts val="5000"/>
+              </a:lnSpc>
+              <a:buFont typeface="Wingdings" pitchFamily="2" charset="2"/>
+              <a:buChar char="u"/>
+            </a:pPr>
+            <a:r>
+              <a:rPr lang="en-US" altLang="zh-CN" sz="2800" b="1" dirty="0" smtClean="0">
+                <a:latin typeface="华文楷体" pitchFamily="2" charset="-122"/>
+                <a:ea typeface="华文楷体" pitchFamily="2" charset="-122"/>
+              </a:rPr>
+              <a:t> HPPC</a:t>
+            </a:r>
+          </a:p>
+          <a:p>
+            <a:pPr marL="457200" indent="-457200">
+              <a:lnSpc>
+                <a:spcPts val="5000"/>
+              </a:lnSpc>
+              <a:buFont typeface="Wingdings" pitchFamily="2" charset="2"/>
+              <a:buChar char="u"/>
+            </a:pPr>
+            <a:r>
+              <a:rPr lang="en-US" altLang="zh-CN" sz="2800" dirty="0" smtClean="0"/>
+              <a:t> </a:t>
+            </a:r>
+            <a:r>
+              <a:rPr lang="en-US" altLang="zh-CN" sz="2800" dirty="0" err="1" smtClean="0"/>
+              <a:t>FastUtil</a:t>
+            </a:r>
+            <a:endParaRPr lang="en-US" altLang="zh-CN" sz="2800" dirty="0" smtClean="0"/>
+          </a:p>
+          <a:p>
+            <a:pPr marL="457200" indent="-457200">
+              <a:lnSpc>
+                <a:spcPts val="5000"/>
+              </a:lnSpc>
+              <a:buFont typeface="Wingdings" pitchFamily="2" charset="2"/>
+              <a:buChar char="u"/>
+            </a:pPr>
+            <a:r>
+              <a:rPr lang="en-US" altLang="zh-CN" sz="2800" b="1" dirty="0" smtClean="0"/>
+              <a:t> </a:t>
+            </a:r>
+            <a:r>
+              <a:rPr lang="en-US" altLang="zh-CN" sz="2800" b="1" dirty="0" err="1" smtClean="0"/>
+              <a:t>Koloboke</a:t>
+            </a:r>
+            <a:endParaRPr lang="en-US" altLang="zh-CN" sz="2800" b="1" dirty="0"/>
+          </a:p>
+          <a:p>
+            <a:pPr>
+              <a:lnSpc>
+                <a:spcPts val="5000"/>
+              </a:lnSpc>
+            </a:pPr>
+            <a:endParaRPr lang="zh-CN" altLang="zh-CN" sz="2800" b="1" dirty="0">
+              <a:latin typeface="华文楷体" pitchFamily="2" charset="-122"/>
+              <a:ea typeface="华文楷体" pitchFamily="2" charset="-122"/>
+            </a:endParaRPr>
+          </a:p>
+          <a:p>
+            <a:endParaRPr lang="zh-CN" altLang="en-US" dirty="0"/>
+          </a:p>
+        </p:txBody>
+      </p:sp>
+      <p:sp>
+        <p:nvSpPr>
+          <p:cNvPr id="8" name="矩形 7"/>
+          <p:cNvSpPr/>
+          <p:nvPr/>
+        </p:nvSpPr>
+        <p:spPr>
+          <a:xfrm>
+            <a:off x="251520" y="836712"/>
+            <a:ext cx="7920880" cy="523220"/>
+          </a:xfrm>
+          <a:prstGeom prst="rect">
+            <a:avLst/>
+          </a:prstGeom>
+        </p:spPr>
+        <p:txBody>
+          <a:bodyPr wrap="square">
+            <a:spAutoFit/>
+          </a:bodyPr>
+          <a:lstStyle/>
+          <a:p>
+            <a:r>
+              <a:rPr lang="zh-CN" altLang="en-US" sz="2800" b="1" dirty="0" smtClean="0">
+                <a:solidFill>
+                  <a:srgbClr val="C00000"/>
+                </a:solidFill>
+                <a:latin typeface="华文行楷" pitchFamily="2" charset="-122"/>
+                <a:ea typeface="华文行楷" pitchFamily="2" charset="-122"/>
+              </a:rPr>
+              <a:t>高性能集合框架</a:t>
+            </a:r>
+            <a:r>
+              <a:rPr lang="zh-CN" altLang="en-US" sz="2800" b="1" dirty="0">
+                <a:solidFill>
+                  <a:srgbClr val="C00000"/>
+                </a:solidFill>
+                <a:latin typeface="华文行楷" pitchFamily="2" charset="-122"/>
+                <a:ea typeface="华文行楷" pitchFamily="2" charset="-122"/>
+              </a:rPr>
+              <a:t>介绍</a:t>
+            </a:r>
+            <a:endParaRPr lang="zh-CN" altLang="en-US" sz="2800" b="1" dirty="0">
+              <a:solidFill>
+                <a:srgbClr val="C00000"/>
+              </a:solidFill>
+              <a:latin typeface="华文行楷" pitchFamily="2" charset="-122"/>
+              <a:ea typeface="华文行楷" pitchFamily="2" charset="-122"/>
+            </a:endParaRPr>
+          </a:p>
+        </p:txBody>
+      </p:sp>
+    </p:spTree>
+    <p:extLst>
+      <p:ext uri="{BB962C8B-B14F-4D97-AF65-F5344CB8AC3E}">
+        <p14:creationId xmlns:p14="http://schemas.microsoft.com/office/powerpoint/2010/main" val="3922919350"/>
+      </p:ext>
+    </p:extLst>
+  </p:cSld>
+  <p:clrMapOvr>
+    <a:masterClrMapping/>
+  </p:clrMapOvr>
+  <p:timing>
+    <p:tnLst>
+      <p:par>
+        <p:cTn id="1" dur="indefinite" restart="never" nodeType="tmRoot"/>
+      </p:par>
+    </p:tnLst>
+  </p:timing>
+</p:sld>
+</file>
+
+<file path=ppt/slides/slide16.xml><?xml version="1.0" encoding="utf-8"?>
 <p:sld xmlns:a="http://schemas.openxmlformats.org/drawingml/2006/main" xmlns:r="http://schemas.openxmlformats.org/officeDocument/2006/relationships" xmlns:p="http://schemas.openxmlformats.org/presentationml/2006/main">
   <p:cSld>
     <p:spTree>
@@ -6028,7 +6882,7 @@
 </p:sld>
 </file>
 
-<file path=ppt/slides/slide15.xml><?xml version="1.0" encoding="utf-8"?>
+<file path=ppt/slides/slide17.xml><?xml version="1.0" encoding="utf-8"?>
 <p:sld xmlns:a="http://schemas.openxmlformats.org/drawingml/2006/main" xmlns:r="http://schemas.openxmlformats.org/officeDocument/2006/relationships" xmlns:p="http://schemas.openxmlformats.org/presentationml/2006/main">
   <p:cSld>
     <p:spTree>
@@ -6136,7 +6990,7 @@
 </p:sld>
 </file>
 
-<file path=ppt/slides/slide16.xml><?xml version="1.0" encoding="utf-8"?>
+<file path=ppt/slides/slide18.xml><?xml version="1.0" encoding="utf-8"?>
 <p:sld xmlns:a="http://schemas.openxmlformats.org/drawingml/2006/main" xmlns:r="http://schemas.openxmlformats.org/officeDocument/2006/relationships" xmlns:p="http://schemas.openxmlformats.org/presentationml/2006/main">
   <p:cSld>
     <p:spTree>
@@ -6476,14 +7330,7 @@
                 <a:latin typeface="华文行楷" pitchFamily="2" charset="-122"/>
                 <a:ea typeface="华文行楷" pitchFamily="2" charset="-122"/>
               </a:rPr>
-              <a:t>第一部分</a:t>
-            </a:r>
-            <a:r>
-              <a:rPr lang="zh-CN" altLang="en-US" sz="3200" b="1" dirty="0" smtClean="0">
-                <a:latin typeface="华文行楷" pitchFamily="2" charset="-122"/>
-                <a:ea typeface="华文行楷" pitchFamily="2" charset="-122"/>
-              </a:rPr>
-              <a:t>、集合框架</a:t>
+              <a:t>第一部分、集合框架</a:t>
             </a:r>
             <a:endParaRPr lang="zh-CN" altLang="en-US" sz="3200" b="1" dirty="0">
               <a:latin typeface="华文行楷" pitchFamily="2" charset="-122"/>
@@ -6538,14 +7385,7 @@
                 <a:latin typeface="华文行楷" pitchFamily="2" charset="-122"/>
                 <a:ea typeface="华文行楷" pitchFamily="2" charset="-122"/>
               </a:rPr>
-              <a:t>第二部分</a:t>
-            </a:r>
-            <a:r>
-              <a:rPr lang="zh-CN" altLang="en-US" sz="3200" b="1" dirty="0" smtClean="0">
-                <a:latin typeface="华文行楷" pitchFamily="2" charset="-122"/>
-                <a:ea typeface="华文行楷" pitchFamily="2" charset="-122"/>
-              </a:rPr>
-              <a:t>、</a:t>
+              <a:t>第二部分、</a:t>
             </a:r>
             <a:r>
               <a:rPr lang="en-US" altLang="zh-CN" sz="3200" b="1" dirty="0" smtClean="0">
@@ -6614,14 +7454,7 @@
                 <a:latin typeface="华文行楷" pitchFamily="2" charset="-122"/>
                 <a:ea typeface="华文行楷" pitchFamily="2" charset="-122"/>
               </a:rPr>
-              <a:t>第三部分</a:t>
-            </a:r>
-            <a:r>
-              <a:rPr lang="zh-CN" altLang="en-US" sz="3200" b="1" dirty="0" smtClean="0">
-                <a:latin typeface="华文行楷" pitchFamily="2" charset="-122"/>
-                <a:ea typeface="华文行楷" pitchFamily="2" charset="-122"/>
-              </a:rPr>
-              <a:t>、高性能集合</a:t>
+              <a:t>第三部分、高性能集合</a:t>
             </a:r>
             <a:endParaRPr lang="zh-CN" altLang="en-US" sz="3200" b="1" dirty="0">
               <a:latin typeface="华文行楷" pitchFamily="2" charset="-122"/>
@@ -6999,7 +7832,7 @@
           <p:nvPr/>
         </p:nvPicPr>
         <p:blipFill>
-          <a:blip r:embed="rId2" cstate="print">
+          <a:blip r:embed="rId3" cstate="print">
             <a:extLst>
               <a:ext uri="{28A0092B-C50C-407E-A947-70E740481C1C}">
                 <a14:useLocalDpi xmlns:a14="http://schemas.microsoft.com/office/drawing/2010/main" val="0"/>
@@ -7114,30 +7947,50 @@
                 <a:latin typeface="华文楷体" pitchFamily="2" charset="-122"/>
                 <a:ea typeface="华文楷体" pitchFamily="2" charset="-122"/>
               </a:rPr>
-              <a:t>    </a:t>
-            </a:r>
+              <a:t>    Guava</a:t>
+            </a:r>
+            <a:r>
+              <a:rPr lang="zh-CN" altLang="en-US" sz="2800" b="1" dirty="0">
+                <a:latin typeface="华文楷体" pitchFamily="2" charset="-122"/>
+                <a:ea typeface="华文楷体" pitchFamily="2" charset="-122"/>
+              </a:rPr>
+              <a:t> </a:t>
+            </a:r>
+            <a:r>
+              <a:rPr lang="zh-CN" altLang="en-US" sz="2800" b="1" dirty="0" smtClean="0">
+                <a:latin typeface="华文楷体" pitchFamily="2" charset="-122"/>
+                <a:ea typeface="华文楷体" pitchFamily="2" charset="-122"/>
+              </a:rPr>
+              <a:t>介绍</a:t>
+            </a:r>
+            <a:endParaRPr lang="en-US" altLang="zh-CN" sz="2800" b="1" dirty="0" smtClean="0">
+              <a:latin typeface="华文楷体" pitchFamily="2" charset="-122"/>
+              <a:ea typeface="华文楷体" pitchFamily="2" charset="-122"/>
+            </a:endParaRPr>
+          </a:p>
+          <a:p>
+            <a:pPr marL="457200" indent="-457200">
+              <a:lnSpc>
+                <a:spcPts val="5000"/>
+              </a:lnSpc>
+              <a:buFont typeface="Wingdings" pitchFamily="2" charset="2"/>
+              <a:buChar char="u"/>
+            </a:pPr>
             <a:r>
               <a:rPr lang="en-US" altLang="zh-CN" sz="2800" b="1" dirty="0" smtClean="0">
                 <a:latin typeface="华文楷体" pitchFamily="2" charset="-122"/>
                 <a:ea typeface="华文楷体" pitchFamily="2" charset="-122"/>
               </a:rPr>
-              <a:t>Guava</a:t>
+              <a:t>    Guava</a:t>
             </a:r>
             <a:r>
               <a:rPr lang="zh-CN" altLang="en-US" sz="2800" b="1" dirty="0">
                 <a:latin typeface="华文楷体" pitchFamily="2" charset="-122"/>
                 <a:ea typeface="华文楷体" pitchFamily="2" charset="-122"/>
               </a:rPr>
-              <a:t>  </a:t>
-            </a:r>
-            <a:r>
-              <a:rPr lang="zh-CN" altLang="en-US" sz="2800" b="1" dirty="0" smtClean="0">
-                <a:latin typeface="华文楷体" pitchFamily="2" charset="-122"/>
-                <a:ea typeface="华文楷体" pitchFamily="2" charset="-122"/>
-              </a:rPr>
               <a:t>基础工具类</a:t>
             </a:r>
-            <a:endParaRPr lang="en-US" altLang="zh-CN" sz="2800" b="1" dirty="0" smtClean="0">
+            <a:endParaRPr lang="en-US" altLang="zh-CN" sz="2800" b="1" dirty="0">
               <a:latin typeface="华文楷体" pitchFamily="2" charset="-122"/>
               <a:ea typeface="华文楷体" pitchFamily="2" charset="-122"/>
             </a:endParaRPr>
@@ -7663,7 +8516,23 @@
                   <a:srgbClr val="666666"/>
                 </a:solidFill>
               </a:rPr>
-              <a:t>更复杂的散列实现，并提供</a:t>
+              <a:t>更复杂的散</a:t>
+            </a:r>
+            <a:r>
+              <a:rPr lang="zh-CN" altLang="en-US" smtClean="0">
+                <a:solidFill>
+                  <a:srgbClr val="666666"/>
+                </a:solidFill>
+              </a:rPr>
+              <a:t>列实现，数据和散列算法分开，</a:t>
+            </a:r>
+            <a:r>
+              <a:rPr lang="zh-CN" altLang="en-US" dirty="0" smtClean="0">
+                <a:solidFill>
+                  <a:srgbClr val="666666"/>
+                </a:solidFill>
+              </a:rPr>
+              <a:t>并提供</a:t>
             </a:r>
             <a:r>
               <a:rPr lang="zh-CN" altLang="en-US" dirty="0" smtClean="0">

--- a/Java集合基础框架.pptx
+++ b/Java集合基础框架.pptx
@@ -209,7 +209,7 @@
           <a:p>
             <a:fld id="{EB13DD06-BFAC-4C87-81A0-7BCF951EE3DD}" type="datetimeFigureOut">
               <a:rPr lang="zh-CN" altLang="en-US" smtClean="0"/>
-              <a:t>2016/8/7</a:t>
+              <a:t>2016/8/10</a:t>
             </a:fld>
             <a:endParaRPr lang="zh-CN" altLang="en-US"/>
           </a:p>
@@ -624,8 +624,152 @@
                 <a:ea typeface="+mn-ea"/>
                 <a:cs typeface="+mn-cs"/>
               </a:rPr>
-              <a:t>、假设自己实现一个集合的扩展结构应该在哪里扩展？</a:t>
-            </a:r>
+              <a:t>、假设自己实现一个集合的扩展结构应该在哪里扩展</a:t>
+            </a:r>
+            <a:r>
+              <a:rPr lang="zh-CN" altLang="en-US" sz="1200" kern="1200" dirty="0" smtClean="0">
+                <a:solidFill>
+                  <a:schemeClr val="tx1"/>
+                </a:solidFill>
+                <a:effectLst/>
+                <a:latin typeface="+mn-lt"/>
+                <a:ea typeface="+mn-ea"/>
+                <a:cs typeface="+mn-cs"/>
+              </a:rPr>
+              <a:t>？</a:t>
+            </a:r>
+            <a:endParaRPr lang="en-US" altLang="zh-CN" sz="1200" kern="1200" dirty="0" smtClean="0">
+              <a:solidFill>
+                <a:schemeClr val="tx1"/>
+              </a:solidFill>
+              <a:effectLst/>
+              <a:latin typeface="+mn-lt"/>
+              <a:ea typeface="+mn-ea"/>
+              <a:cs typeface="+mn-cs"/>
+            </a:endParaRPr>
+          </a:p>
+          <a:p>
+            <a:pPr marL="0" marR="0" indent="0" algn="l" defTabSz="914400" rtl="0" eaLnBrk="1" fontAlgn="auto" latinLnBrk="0" hangingPunct="1">
+              <a:lnSpc>
+                <a:spcPct val="100000"/>
+              </a:lnSpc>
+              <a:spcBef>
+                <a:spcPts val="0"/>
+              </a:spcBef>
+              <a:spcAft>
+                <a:spcPts val="0"/>
+              </a:spcAft>
+              <a:buClrTx/>
+              <a:buSzTx/>
+              <a:buFontTx/>
+              <a:buNone/>
+              <a:tabLst/>
+              <a:defRPr/>
+            </a:pPr>
+            <a:r>
+              <a:rPr lang="en-US" altLang="zh-CN" sz="1200" kern="1200" dirty="0" smtClean="0">
+                <a:solidFill>
+                  <a:schemeClr val="tx1"/>
+                </a:solidFill>
+                <a:effectLst/>
+                <a:latin typeface="+mn-lt"/>
+                <a:ea typeface="+mn-ea"/>
+                <a:cs typeface="+mn-cs"/>
+              </a:rPr>
+              <a:t>2</a:t>
+            </a:r>
+            <a:r>
+              <a:rPr lang="zh-CN" altLang="en-US" sz="1200" kern="1200" dirty="0" smtClean="0">
+                <a:solidFill>
+                  <a:schemeClr val="tx1"/>
+                </a:solidFill>
+                <a:effectLst/>
+                <a:latin typeface="+mn-lt"/>
+                <a:ea typeface="+mn-ea"/>
+                <a:cs typeface="+mn-cs"/>
+              </a:rPr>
+              <a:t>、</a:t>
+            </a:r>
+            <a:r>
+              <a:rPr lang="en-US" altLang="zh-CN" sz="1200" kern="1200" dirty="0" smtClean="0">
+                <a:solidFill>
+                  <a:schemeClr val="tx1"/>
+                </a:solidFill>
+                <a:effectLst/>
+                <a:latin typeface="+mn-lt"/>
+                <a:ea typeface="+mn-ea"/>
+                <a:cs typeface="+mn-cs"/>
+              </a:rPr>
+              <a:t>JDK</a:t>
+            </a:r>
+            <a:r>
+              <a:rPr lang="zh-CN" altLang="en-US" sz="1200" kern="1200" dirty="0" smtClean="0">
+                <a:solidFill>
+                  <a:schemeClr val="tx1"/>
+                </a:solidFill>
+                <a:effectLst/>
+                <a:latin typeface="+mn-lt"/>
+                <a:ea typeface="+mn-ea"/>
+                <a:cs typeface="+mn-cs"/>
+              </a:rPr>
+              <a:t>集合框架是一个通用性很强的框架，并不适合所有场景，站在通用性角度</a:t>
+            </a:r>
+            <a:endParaRPr lang="en-US" altLang="zh-CN" sz="1200" kern="1200" dirty="0" smtClean="0">
+              <a:solidFill>
+                <a:schemeClr val="tx1"/>
+              </a:solidFill>
+              <a:effectLst/>
+              <a:latin typeface="+mn-lt"/>
+              <a:ea typeface="+mn-ea"/>
+              <a:cs typeface="+mn-cs"/>
+            </a:endParaRPr>
+          </a:p>
+          <a:p>
+            <a:pPr marL="0" marR="0" indent="0" algn="l" defTabSz="914400" rtl="0" eaLnBrk="1" fontAlgn="auto" latinLnBrk="0" hangingPunct="1">
+              <a:lnSpc>
+                <a:spcPct val="100000"/>
+              </a:lnSpc>
+              <a:spcBef>
+                <a:spcPts val="0"/>
+              </a:spcBef>
+              <a:spcAft>
+                <a:spcPts val="0"/>
+              </a:spcAft>
+              <a:buClrTx/>
+              <a:buSzTx/>
+              <a:buFontTx/>
+              <a:buNone/>
+              <a:tabLst/>
+              <a:defRPr/>
+            </a:pPr>
+            <a:endParaRPr lang="en-US" altLang="zh-CN" sz="1200" kern="1200" dirty="0" smtClean="0">
+              <a:solidFill>
+                <a:schemeClr val="tx1"/>
+              </a:solidFill>
+              <a:effectLst/>
+              <a:latin typeface="+mn-lt"/>
+              <a:ea typeface="+mn-ea"/>
+              <a:cs typeface="+mn-cs"/>
+            </a:endParaRPr>
+          </a:p>
+          <a:p>
+            <a:pPr marL="0" marR="0" indent="0" algn="l" defTabSz="914400" rtl="0" eaLnBrk="1" fontAlgn="auto" latinLnBrk="0" hangingPunct="1">
+              <a:lnSpc>
+                <a:spcPct val="100000"/>
+              </a:lnSpc>
+              <a:spcBef>
+                <a:spcPts val="0"/>
+              </a:spcBef>
+              <a:spcAft>
+                <a:spcPts val="0"/>
+              </a:spcAft>
+              <a:buClrTx/>
+              <a:buSzTx/>
+              <a:buFontTx/>
+              <a:buNone/>
+              <a:tabLst/>
+              <a:defRPr/>
+            </a:pPr>
             <a:endParaRPr lang="zh-CN" altLang="zh-CN" sz="1200" kern="1200" dirty="0" smtClean="0">
               <a:solidFill>
                 <a:schemeClr val="tx1"/>
@@ -1149,9 +1293,110 @@
           <a:bodyPr/>
           <a:lstStyle/>
           <a:p>
+            <a:pPr marL="0" marR="0" indent="0" algn="l" defTabSz="914400" rtl="0" eaLnBrk="1" fontAlgn="auto" latinLnBrk="0" hangingPunct="1">
+              <a:lnSpc>
+                <a:spcPct val="100000"/>
+              </a:lnSpc>
+              <a:spcBef>
+                <a:spcPts val="0"/>
+              </a:spcBef>
+              <a:spcAft>
+                <a:spcPts val="0"/>
+              </a:spcAft>
+              <a:buClrTx/>
+              <a:buSzTx/>
+              <a:buFontTx/>
+              <a:buNone/>
+              <a:tabLst/>
+              <a:defRPr/>
+            </a:pPr>
             <a:r>
               <a:rPr lang="zh-CN" altLang="en-US" dirty="0" smtClean="0"/>
-              <a:t>低延迟、高吞吐、</a:t>
+              <a:t>评判集合性能从哪些方面？</a:t>
+            </a:r>
+            <a:endParaRPr lang="en-US" altLang="zh-CN" dirty="0" smtClean="0"/>
+          </a:p>
+          <a:p>
+            <a:pPr marL="0" marR="0" indent="0" algn="l" defTabSz="914400" rtl="0" eaLnBrk="1" fontAlgn="auto" latinLnBrk="0" hangingPunct="1">
+              <a:lnSpc>
+                <a:spcPct val="100000"/>
+              </a:lnSpc>
+              <a:spcBef>
+                <a:spcPts val="0"/>
+              </a:spcBef>
+              <a:spcAft>
+                <a:spcPts val="0"/>
+              </a:spcAft>
+              <a:buClrTx/>
+              <a:buSzTx/>
+              <a:buFontTx/>
+              <a:buNone/>
+              <a:tabLst/>
+              <a:defRPr/>
+            </a:pPr>
+            <a:r>
+              <a:rPr lang="en-US" altLang="zh-CN" dirty="0" smtClean="0"/>
+              <a:t>1</a:t>
+            </a:r>
+            <a:r>
+              <a:rPr lang="zh-CN" altLang="en-US" dirty="0" smtClean="0"/>
+              <a:t>、低延迟</a:t>
+            </a:r>
+            <a:endParaRPr lang="en-US" altLang="zh-CN" dirty="0" smtClean="0"/>
+          </a:p>
+          <a:p>
+            <a:pPr marL="0" marR="0" indent="0" algn="l" defTabSz="914400" rtl="0" eaLnBrk="1" fontAlgn="auto" latinLnBrk="0" hangingPunct="1">
+              <a:lnSpc>
+                <a:spcPct val="100000"/>
+              </a:lnSpc>
+              <a:spcBef>
+                <a:spcPts val="0"/>
+              </a:spcBef>
+              <a:spcAft>
+                <a:spcPts val="0"/>
+              </a:spcAft>
+              <a:buClrTx/>
+              <a:buSzTx/>
+              <a:buFontTx/>
+              <a:buNone/>
+              <a:tabLst/>
+              <a:defRPr/>
+            </a:pPr>
+            <a:r>
+              <a:rPr lang="en-US" altLang="zh-CN" dirty="0" smtClean="0"/>
+              <a:t>2</a:t>
+            </a:r>
+            <a:r>
+              <a:rPr lang="zh-CN" altLang="en-US" dirty="0" smtClean="0"/>
+              <a:t>、高吞吐</a:t>
+            </a:r>
+            <a:endParaRPr lang="en-US" altLang="zh-CN" dirty="0" smtClean="0"/>
+          </a:p>
+          <a:p>
+            <a:pPr marL="0" marR="0" indent="0" algn="l" defTabSz="914400" rtl="0" eaLnBrk="1" fontAlgn="auto" latinLnBrk="0" hangingPunct="1">
+              <a:lnSpc>
+                <a:spcPct val="100000"/>
+              </a:lnSpc>
+              <a:spcBef>
+                <a:spcPts val="0"/>
+              </a:spcBef>
+              <a:spcAft>
+                <a:spcPts val="0"/>
+              </a:spcAft>
+              <a:buClrTx/>
+              <a:buSzTx/>
+              <a:buFontTx/>
+              <a:buNone/>
+              <a:tabLst/>
+              <a:defRPr/>
+            </a:pPr>
+            <a:r>
+              <a:rPr lang="en-US" altLang="zh-CN" dirty="0" smtClean="0"/>
+              <a:t>3</a:t>
+            </a:r>
+            <a:r>
+              <a:rPr lang="zh-CN" altLang="en-US" dirty="0" smtClean="0"/>
+              <a:t>、</a:t>
             </a:r>
             <a:r>
               <a:rPr lang="en-US" altLang="zh-CN" dirty="0" smtClean="0"/>
@@ -1159,20 +1404,113 @@
             </a:r>
             <a:r>
               <a:rPr lang="zh-CN" altLang="en-US" dirty="0" smtClean="0"/>
-              <a:t>优化、内存优化来分析集合框架。</a:t>
+              <a:t>优化</a:t>
             </a:r>
             <a:endParaRPr lang="en-US" altLang="zh-CN" dirty="0" smtClean="0"/>
           </a:p>
           <a:p>
+            <a:pPr marL="0" marR="0" indent="0" algn="l" defTabSz="914400" rtl="0" eaLnBrk="1" fontAlgn="auto" latinLnBrk="0" hangingPunct="1">
+              <a:lnSpc>
+                <a:spcPct val="100000"/>
+              </a:lnSpc>
+              <a:spcBef>
+                <a:spcPts val="0"/>
+              </a:spcBef>
+              <a:spcAft>
+                <a:spcPts val="0"/>
+              </a:spcAft>
+              <a:buClrTx/>
+              <a:buSzTx/>
+              <a:buFontTx/>
+              <a:buNone/>
+              <a:tabLst/>
+              <a:defRPr/>
+            </a:pPr>
+            <a:r>
+              <a:rPr lang="en-US" altLang="zh-CN" dirty="0" smtClean="0"/>
+              <a:t>4</a:t>
+            </a:r>
+            <a:r>
+              <a:rPr lang="zh-CN" altLang="en-US" dirty="0" smtClean="0"/>
+              <a:t>、内存优化</a:t>
+            </a:r>
+            <a:endParaRPr lang="en-US" altLang="zh-CN" dirty="0" smtClean="0"/>
+          </a:p>
+          <a:p>
+            <a:pPr marL="0" marR="0" indent="0" algn="l" defTabSz="914400" rtl="0" eaLnBrk="1" fontAlgn="auto" latinLnBrk="0" hangingPunct="1">
+              <a:lnSpc>
+                <a:spcPct val="100000"/>
+              </a:lnSpc>
+              <a:spcBef>
+                <a:spcPts val="0"/>
+              </a:spcBef>
+              <a:spcAft>
+                <a:spcPts val="0"/>
+              </a:spcAft>
+              <a:buClrTx/>
+              <a:buSzTx/>
+              <a:buFontTx/>
+              <a:buNone/>
+              <a:tabLst/>
+              <a:defRPr/>
+            </a:pPr>
+            <a:r>
+              <a:rPr lang="en-US" altLang="zh-CN" dirty="0" smtClean="0"/>
+              <a:t>5</a:t>
+            </a:r>
+            <a:r>
+              <a:rPr lang="zh-CN" altLang="en-US" dirty="0" smtClean="0"/>
+              <a:t>、</a:t>
+            </a:r>
             <a:r>
               <a:rPr lang="en-US" altLang="zh-CN" dirty="0" smtClean="0"/>
               <a:t>GC</a:t>
             </a:r>
             <a:r>
-              <a:rPr lang="zh-CN" altLang="en-US" smtClean="0"/>
+              <a:rPr lang="zh-CN" altLang="en-US" dirty="0" smtClean="0"/>
               <a:t>回收效率</a:t>
             </a:r>
-            <a:endParaRPr lang="zh-CN" altLang="en-US" dirty="0"/>
+            <a:endParaRPr lang="en-US" altLang="zh-CN" dirty="0" smtClean="0"/>
+          </a:p>
+          <a:p>
+            <a:pPr marL="0" marR="0" indent="0" algn="l" defTabSz="914400" rtl="0" eaLnBrk="1" fontAlgn="auto" latinLnBrk="0" hangingPunct="1">
+              <a:lnSpc>
+                <a:spcPct val="100000"/>
+              </a:lnSpc>
+              <a:spcBef>
+                <a:spcPts val="0"/>
+              </a:spcBef>
+              <a:spcAft>
+                <a:spcPts val="0"/>
+              </a:spcAft>
+              <a:buClrTx/>
+              <a:buSzTx/>
+              <a:buFontTx/>
+              <a:buNone/>
+              <a:tabLst/>
+              <a:defRPr/>
+            </a:pPr>
+            <a:endParaRPr lang="en-US" altLang="zh-CN" dirty="0" smtClean="0"/>
+          </a:p>
+          <a:p>
+            <a:pPr marL="0" marR="0" indent="0" algn="l" defTabSz="914400" rtl="0" eaLnBrk="1" fontAlgn="auto" latinLnBrk="0" hangingPunct="1">
+              <a:lnSpc>
+                <a:spcPct val="100000"/>
+              </a:lnSpc>
+              <a:spcBef>
+                <a:spcPts val="0"/>
+              </a:spcBef>
+              <a:spcAft>
+                <a:spcPts val="0"/>
+              </a:spcAft>
+              <a:buClrTx/>
+              <a:buSzTx/>
+              <a:buFontTx/>
+              <a:buNone/>
+              <a:tabLst/>
+              <a:defRPr/>
+            </a:pPr>
+            <a:endParaRPr lang="en-US" altLang="zh-CN" dirty="0" smtClean="0"/>
           </a:p>
         </p:txBody>
       </p:sp>
@@ -1256,6 +1594,108 @@
           <a:bodyPr/>
           <a:lstStyle/>
           <a:p>
+            <a:r>
+              <a:rPr lang="en-US" altLang="zh-CN" dirty="0" err="1" smtClean="0"/>
+              <a:t>Javolution</a:t>
+            </a:r>
+            <a:r>
+              <a:rPr lang="zh-CN" altLang="en-US" dirty="0" smtClean="0"/>
+              <a:t>特性介绍参见网址：</a:t>
+            </a:r>
+            <a:endParaRPr lang="en-US" altLang="zh-CN" dirty="0" smtClean="0"/>
+          </a:p>
+          <a:p>
+            <a:r>
+              <a:rPr lang="en-US" altLang="zh-CN" dirty="0" smtClean="0"/>
+              <a:t>   </a:t>
+            </a:r>
+            <a:r>
+              <a:rPr lang="en-US" altLang="zh-CN" dirty="0" smtClean="0">
+                <a:hlinkClick r:id="rId3"/>
+              </a:rPr>
+              <a:t>http://andinker.iteye.com/blog/1920202</a:t>
+            </a:r>
+            <a:endParaRPr lang="en-US" altLang="zh-CN" dirty="0" smtClean="0"/>
+          </a:p>
+          <a:p>
+            <a:r>
+              <a:rPr lang="en-US" altLang="zh-CN" dirty="0" smtClean="0"/>
+              <a:t>   </a:t>
+            </a:r>
+            <a:r>
+              <a:rPr lang="en-US" altLang="zh-CN" dirty="0" smtClean="0">
+                <a:hlinkClick r:id="rId4"/>
+              </a:rPr>
+              <a:t>http://javolution.org/</a:t>
+            </a:r>
+            <a:endParaRPr lang="en-US" altLang="zh-CN" dirty="0" smtClean="0"/>
+          </a:p>
+          <a:p>
+            <a:endParaRPr lang="en-US" altLang="zh-CN" dirty="0" smtClean="0"/>
+          </a:p>
+          <a:p>
+            <a:r>
+              <a:rPr lang="en-US" altLang="zh-CN" dirty="0" smtClean="0"/>
+              <a:t> </a:t>
+            </a:r>
+            <a:r>
+              <a:rPr lang="zh-CN" altLang="en-US" dirty="0" smtClean="0"/>
+              <a:t>实时编程</a:t>
+            </a:r>
+            <a:r>
+              <a:rPr lang="en-US" altLang="zh-CN" dirty="0" smtClean="0"/>
+              <a:t>RSTJ</a:t>
+            </a:r>
+            <a:r>
+              <a:rPr lang="zh-CN" altLang="en-US" dirty="0" smtClean="0"/>
+              <a:t>，何为实时编程？实时编程有哪些要求</a:t>
+            </a:r>
+            <a:endParaRPr lang="en-US" altLang="zh-CN" dirty="0" smtClean="0"/>
+          </a:p>
+          <a:p>
+            <a:endParaRPr lang="en-US" altLang="zh-CN" dirty="0" smtClean="0"/>
+          </a:p>
+          <a:p>
+            <a:r>
+              <a:rPr lang="en-US" altLang="zh-CN" dirty="0" smtClean="0"/>
+              <a:t>Trove </a:t>
+            </a:r>
+          </a:p>
+          <a:p>
+            <a:r>
+              <a:rPr lang="en-US" altLang="zh-CN" dirty="0" smtClean="0"/>
+              <a:t>  1</a:t>
+            </a:r>
+            <a:r>
+              <a:rPr lang="zh-CN" altLang="en-US" dirty="0" smtClean="0"/>
+              <a:t>、开发寻址算法，没有采用链表存储来解决</a:t>
+            </a:r>
+            <a:r>
+              <a:rPr lang="en-US" altLang="zh-CN" dirty="0" smtClean="0"/>
+              <a:t>hash</a:t>
+            </a:r>
+            <a:r>
+              <a:rPr lang="zh-CN" altLang="en-US" dirty="0" smtClean="0"/>
+              <a:t>冲突，节约内存。</a:t>
+            </a:r>
+            <a:endParaRPr lang="en-US" altLang="zh-CN" dirty="0" smtClean="0"/>
+          </a:p>
+          <a:p>
+            <a:r>
+              <a:rPr lang="en-US" altLang="zh-CN" dirty="0" smtClean="0"/>
+              <a:t>  2</a:t>
+            </a:r>
+            <a:r>
+              <a:rPr lang="zh-CN" altLang="en-US" dirty="0" smtClean="0"/>
+              <a:t>、自动封箱、解箱性能问题不复存在</a:t>
+            </a:r>
+            <a:endParaRPr lang="en-US" altLang="zh-CN" dirty="0" smtClean="0"/>
+          </a:p>
+          <a:p>
+            <a:r>
+              <a:rPr lang="en-US" altLang="zh-CN" baseline="0" dirty="0" smtClean="0"/>
+              <a:t>  </a:t>
+            </a:r>
             <a:endParaRPr lang="zh-CN" altLang="en-US" dirty="0"/>
           </a:p>
         </p:txBody>
@@ -1424,6 +1864,48 @@
           <a:bodyPr/>
           <a:lstStyle/>
           <a:p>
+            <a:r>
+              <a:rPr lang="zh-CN" altLang="en-US" dirty="0" smtClean="0"/>
+              <a:t>性能问题和数据结构相关</a:t>
+            </a:r>
+            <a:endParaRPr lang="en-US" altLang="zh-CN" dirty="0" smtClean="0"/>
+          </a:p>
+          <a:p>
+            <a:r>
+              <a:rPr lang="en-US" altLang="zh-CN" dirty="0" smtClean="0"/>
+              <a:t>1</a:t>
+            </a:r>
+            <a:r>
+              <a:rPr lang="zh-CN" altLang="en-US" dirty="0" smtClean="0"/>
+              <a:t>、</a:t>
+            </a:r>
+            <a:r>
+              <a:rPr lang="en-US" altLang="zh-CN" dirty="0" err="1" smtClean="0"/>
+              <a:t>ArrayList</a:t>
+            </a:r>
+            <a:r>
+              <a:rPr lang="zh-CN" altLang="en-US" dirty="0" smtClean="0"/>
+              <a:t>快速访问，但是扩容会带来重新分配。</a:t>
+            </a:r>
+            <a:endParaRPr lang="en-US" altLang="zh-CN" dirty="0" smtClean="0"/>
+          </a:p>
+          <a:p>
+            <a:r>
+              <a:rPr lang="en-US" altLang="zh-CN" dirty="0" smtClean="0"/>
+              <a:t>2</a:t>
+            </a:r>
+            <a:r>
+              <a:rPr lang="zh-CN" altLang="en-US" dirty="0" smtClean="0"/>
+              <a:t>、</a:t>
+            </a:r>
+            <a:r>
+              <a:rPr lang="en-US" altLang="zh-CN" dirty="0" err="1" smtClean="0"/>
+              <a:t>LinkedList</a:t>
+            </a:r>
+            <a:r>
+              <a:rPr lang="zh-CN" altLang="en-US" baseline="0" dirty="0" smtClean="0"/>
+              <a:t> 删除、增加比较占优势</a:t>
+            </a:r>
             <a:endParaRPr lang="zh-CN" altLang="en-US" dirty="0"/>
           </a:p>
         </p:txBody>
@@ -6519,13 +7001,6 @@
               </a:rPr>
               <a:t>集合框架性能分析</a:t>
             </a:r>
-            <a:endParaRPr lang="zh-CN" altLang="en-US" b="1" dirty="0">
-              <a:solidFill>
-                <a:srgbClr val="C00000"/>
-              </a:solidFill>
-              <a:latin typeface="华文行楷" pitchFamily="2" charset="-122"/>
-              <a:ea typeface="华文行楷" pitchFamily="2" charset="-122"/>
-            </a:endParaRPr>
           </a:p>
         </p:txBody>
       </p:sp>
@@ -6624,11 +7099,8 @@
               <a:t> </a:t>
             </a:r>
             <a:r>
-              <a:rPr lang="en-US" altLang="zh-CN" sz="2800" b="1" dirty="0" err="1" smtClean="0">
-                <a:latin typeface="华文楷体" pitchFamily="2" charset="-122"/>
-                <a:ea typeface="华文楷体" pitchFamily="2" charset="-122"/>
-              </a:rPr>
-              <a:t>Magicwerk</a:t>
+              <a:rPr lang="en-US" altLang="zh-CN" sz="2800" dirty="0" smtClean="0"/>
+              <a:t>Brownies</a:t>
             </a:r>
             <a:endParaRPr lang="en-US" altLang="zh-CN" sz="2800" b="1" dirty="0" smtClean="0">
               <a:latin typeface="华文楷体" pitchFamily="2" charset="-122"/>
@@ -6744,13 +7216,6 @@
               </a:rPr>
               <a:t>介绍</a:t>
             </a:r>
-            <a:endParaRPr lang="zh-CN" altLang="en-US" sz="2800" b="1" dirty="0">
-              <a:solidFill>
-                <a:srgbClr val="C00000"/>
-              </a:solidFill>
-              <a:latin typeface="华文行楷" pitchFamily="2" charset="-122"/>
-              <a:ea typeface="华文行楷" pitchFamily="2" charset="-122"/>
-            </a:endParaRPr>
           </a:p>
         </p:txBody>
       </p:sp>
@@ -6859,6 +7324,278 @@
               <a:latin typeface="华文行楷" pitchFamily="2" charset="-122"/>
               <a:ea typeface="华文行楷" pitchFamily="2" charset="-122"/>
             </a:endParaRPr>
+          </a:p>
+        </p:txBody>
+      </p:sp>
+      <p:sp>
+        <p:nvSpPr>
+          <p:cNvPr id="6" name="爆炸形 1 5"/>
+          <p:cNvSpPr/>
+          <p:nvPr/>
+        </p:nvSpPr>
+        <p:spPr>
+          <a:xfrm>
+            <a:off x="539552" y="908720"/>
+            <a:ext cx="3384376" cy="1274658"/>
+          </a:xfrm>
+          <a:prstGeom prst="irregularSeal1">
+            <a:avLst/>
+          </a:prstGeom>
+          <a:solidFill>
+            <a:srgbClr val="C00000"/>
+          </a:solidFill>
+          <a:ln>
+            <a:noFill/>
+          </a:ln>
+        </p:spPr>
+        <p:style>
+          <a:lnRef idx="2">
+            <a:schemeClr val="accent1">
+              <a:shade val="50000"/>
+            </a:schemeClr>
+          </a:lnRef>
+          <a:fillRef idx="1">
+            <a:schemeClr val="accent1"/>
+          </a:fillRef>
+          <a:effectRef idx="0">
+            <a:schemeClr val="accent1"/>
+          </a:effectRef>
+          <a:fontRef idx="minor">
+            <a:schemeClr val="lt1"/>
+          </a:fontRef>
+        </p:style>
+        <p:txBody>
+          <a:bodyPr rtlCol="0" anchor="ctr"/>
+          <a:lstStyle/>
+          <a:p>
+            <a:pPr algn="ctr"/>
+            <a:r>
+              <a:rPr lang="zh-CN" altLang="en-US" dirty="0" smtClean="0"/>
+              <a:t>框架介绍</a:t>
+            </a:r>
+            <a:endParaRPr lang="zh-CN" altLang="en-US" dirty="0"/>
+          </a:p>
+        </p:txBody>
+      </p:sp>
+      <p:sp>
+        <p:nvSpPr>
+          <p:cNvPr id="2" name="矩形 1"/>
+          <p:cNvSpPr/>
+          <p:nvPr/>
+        </p:nvSpPr>
+        <p:spPr>
+          <a:xfrm>
+            <a:off x="539552" y="2551837"/>
+            <a:ext cx="8352928" cy="2862322"/>
+          </a:xfrm>
+          <a:prstGeom prst="rect">
+            <a:avLst/>
+          </a:prstGeom>
+        </p:spPr>
+        <p:txBody>
+          <a:bodyPr wrap="square">
+            <a:spAutoFit/>
+          </a:bodyPr>
+          <a:lstStyle/>
+          <a:p>
+            <a:r>
+              <a:rPr lang="en-US" altLang="zh-CN" dirty="0" smtClean="0"/>
+              <a:t>      </a:t>
+            </a:r>
+            <a:r>
+              <a:rPr lang="en-US" altLang="zh-CN" dirty="0" err="1" smtClean="0"/>
+              <a:t>Javolution</a:t>
+            </a:r>
+            <a:r>
+              <a:rPr lang="en-US" altLang="zh-CN" dirty="0" smtClean="0"/>
+              <a:t> </a:t>
+            </a:r>
+            <a:r>
+              <a:rPr lang="zh-CN" altLang="en-US" dirty="0"/>
+              <a:t>提供一个高性的</a:t>
+            </a:r>
+            <a:r>
+              <a:rPr lang="en-US" altLang="zh-CN" dirty="0"/>
+              <a:t>Java</a:t>
+            </a:r>
+            <a:r>
+              <a:rPr lang="zh-CN" altLang="en-US" dirty="0"/>
+              <a:t>集合（</a:t>
+            </a:r>
+            <a:r>
+              <a:rPr lang="en-US" altLang="zh-CN" dirty="0"/>
+              <a:t>collection </a:t>
+            </a:r>
+            <a:r>
+              <a:rPr lang="zh-CN" altLang="en-US" dirty="0"/>
+              <a:t>）类库和一些实用的工具类。虽然这个类包只提供非常少的几个集合类，但是这些类就能够代替大部分</a:t>
+            </a:r>
+            <a:r>
+              <a:rPr lang="en-US" altLang="zh-CN" dirty="0" err="1"/>
+              <a:t>java.util</a:t>
+            </a:r>
+            <a:r>
+              <a:rPr lang="zh-CN" altLang="en-US" dirty="0"/>
+              <a:t>类。</a:t>
+            </a:r>
+            <a:r>
+              <a:rPr lang="en-US" altLang="zh-CN" dirty="0" err="1"/>
+              <a:t>javolution</a:t>
+            </a:r>
+            <a:r>
+              <a:rPr lang="zh-CN" altLang="en-US" dirty="0"/>
+              <a:t>可以让你的应用程序更加快速和更实时</a:t>
+            </a:r>
+            <a:r>
+              <a:rPr lang="zh-CN" altLang="en-US" dirty="0" smtClean="0"/>
+              <a:t>。</a:t>
+            </a:r>
+            <a:endParaRPr lang="en-US" altLang="zh-CN" dirty="0" smtClean="0"/>
+          </a:p>
+          <a:p>
+            <a:r>
+              <a:rPr lang="en-US" altLang="zh-CN" dirty="0"/>
+              <a:t> </a:t>
+            </a:r>
+            <a:r>
+              <a:rPr lang="en-US" altLang="zh-CN" dirty="0" smtClean="0"/>
+              <a:t>   </a:t>
+            </a:r>
+          </a:p>
+          <a:p>
+            <a:r>
+              <a:rPr lang="en-US" altLang="zh-CN" dirty="0"/>
+              <a:t> </a:t>
+            </a:r>
+            <a:r>
+              <a:rPr lang="en-US" altLang="zh-CN" dirty="0" smtClean="0"/>
+              <a:t>      Trove </a:t>
+            </a:r>
+            <a:r>
+              <a:rPr lang="en-US" altLang="zh-CN" dirty="0"/>
+              <a:t>(Trove4j) </a:t>
+            </a:r>
+            <a:r>
+              <a:rPr lang="zh-CN" altLang="en-US" dirty="0"/>
+              <a:t>是一个快速、轻量级 </a:t>
+            </a:r>
+            <a:r>
+              <a:rPr lang="en-US" altLang="zh-CN" dirty="0"/>
+              <a:t>Collection </a:t>
+            </a:r>
+            <a:r>
+              <a:rPr lang="zh-CN" altLang="en-US" dirty="0"/>
+              <a:t>类的集合。</a:t>
+            </a:r>
+            <a:r>
+              <a:rPr lang="en-US" altLang="zh-CN" dirty="0"/>
+              <a:t>Trove </a:t>
+            </a:r>
+            <a:r>
+              <a:rPr lang="zh-CN" altLang="en-US" dirty="0"/>
+              <a:t>提供所有标准 </a:t>
+            </a:r>
+            <a:r>
+              <a:rPr lang="en-US" altLang="zh-CN" dirty="0" err="1"/>
+              <a:t>java.util</a:t>
+            </a:r>
+            <a:r>
+              <a:rPr lang="en-US" altLang="zh-CN" dirty="0"/>
+              <a:t> Collections </a:t>
+            </a:r>
+            <a:r>
+              <a:rPr lang="zh-CN" altLang="en-US" dirty="0"/>
+              <a:t>类的更快的版本以及能够直接在原语（</a:t>
+            </a:r>
+            <a:r>
+              <a:rPr lang="en-US" altLang="zh-CN" dirty="0"/>
+              <a:t>primitive</a:t>
+            </a:r>
+            <a:r>
+              <a:rPr lang="zh-CN" altLang="en-US" dirty="0"/>
+              <a:t>）（例如包含 </a:t>
+            </a:r>
+            <a:r>
+              <a:rPr lang="en-US" altLang="zh-CN" dirty="0" err="1"/>
+              <a:t>int</a:t>
+            </a:r>
+            <a:r>
+              <a:rPr lang="en-US" altLang="zh-CN" dirty="0"/>
+              <a:t> </a:t>
+            </a:r>
+            <a:r>
+              <a:rPr lang="zh-CN" altLang="en-US" dirty="0"/>
+              <a:t>键或值的 </a:t>
+            </a:r>
+            <a:r>
+              <a:rPr lang="en-US" altLang="zh-CN" dirty="0"/>
+              <a:t>Map </a:t>
+            </a:r>
+            <a:r>
+              <a:rPr lang="zh-CN" altLang="en-US" dirty="0"/>
+              <a:t>等）上操作的 </a:t>
+            </a:r>
+            <a:r>
+              <a:rPr lang="en-US" altLang="zh-CN" dirty="0"/>
+              <a:t>Collections </a:t>
+            </a:r>
+            <a:r>
+              <a:rPr lang="zh-CN" altLang="en-US" dirty="0"/>
+              <a:t>类的版本</a:t>
+            </a:r>
+            <a:r>
+              <a:rPr lang="zh-CN" altLang="en-US" dirty="0" smtClean="0"/>
+              <a:t>。</a:t>
+            </a:r>
+            <a:endParaRPr lang="en-US" altLang="zh-CN" dirty="0" smtClean="0"/>
+          </a:p>
+          <a:p>
+            <a:r>
+              <a:rPr lang="en-US" altLang="zh-CN" dirty="0"/>
+              <a:t> </a:t>
+            </a:r>
+            <a:r>
+              <a:rPr lang="en-US" altLang="zh-CN" dirty="0" smtClean="0"/>
+              <a:t>   </a:t>
+            </a:r>
+          </a:p>
+          <a:p>
+            <a:r>
+              <a:rPr lang="en-US" altLang="zh-CN" dirty="0"/>
+              <a:t> </a:t>
+            </a:r>
+            <a:r>
+              <a:rPr lang="en-US" altLang="zh-CN" dirty="0" smtClean="0"/>
+              <a:t>      </a:t>
+            </a:r>
+            <a:r>
+              <a:rPr lang="en-US" altLang="zh-CN" dirty="0"/>
+              <a:t>Brownies </a:t>
+            </a:r>
+            <a:r>
+              <a:rPr lang="zh-CN" altLang="en-US" dirty="0" smtClean="0"/>
+              <a:t>集合框架是对</a:t>
+            </a:r>
+            <a:r>
+              <a:rPr lang="en-US" altLang="zh-CN" dirty="0" smtClean="0"/>
+              <a:t>JDK</a:t>
+            </a:r>
+            <a:r>
+              <a:rPr lang="zh-CN" altLang="en-US" smtClean="0"/>
+              <a:t>集合框架的补充，主要提供</a:t>
+            </a:r>
+            <a:endParaRPr lang="en-US" altLang="zh-CN" dirty="0"/>
+          </a:p>
+          <a:p>
+            <a:r>
+              <a:rPr lang="en-US" altLang="zh-CN" dirty="0"/>
+              <a:t> </a:t>
+            </a:r>
+            <a:r>
+              <a:rPr lang="en-US" altLang="zh-CN" dirty="0" smtClean="0"/>
+              <a:t>      </a:t>
+            </a:r>
+            <a:endParaRPr lang="zh-CN" altLang="en-US" dirty="0"/>
           </a:p>
         </p:txBody>
       </p:sp>

--- a/Java集合基础框架.pptx
+++ b/Java集合基础框架.pptx
@@ -5,27 +5,28 @@
     <p:sldMasterId id="2147483661" r:id="rId1"/>
   </p:sldMasterIdLst>
   <p:notesMasterIdLst>
-    <p:notesMasterId r:id="rId20"/>
+    <p:notesMasterId r:id="rId21"/>
   </p:notesMasterIdLst>
   <p:sldIdLst>
     <p:sldId id="262" r:id="rId2"/>
     <p:sldId id="298" r:id="rId3"/>
     <p:sldId id="297" r:id="rId4"/>
-    <p:sldId id="342" r:id="rId5"/>
-    <p:sldId id="343" r:id="rId6"/>
-    <p:sldId id="263" r:id="rId7"/>
-    <p:sldId id="344" r:id="rId8"/>
-    <p:sldId id="345" r:id="rId9"/>
-    <p:sldId id="346" r:id="rId10"/>
-    <p:sldId id="347" r:id="rId11"/>
-    <p:sldId id="352" r:id="rId12"/>
-    <p:sldId id="348" r:id="rId13"/>
-    <p:sldId id="353" r:id="rId14"/>
-    <p:sldId id="349" r:id="rId15"/>
-    <p:sldId id="354" r:id="rId16"/>
-    <p:sldId id="350" r:id="rId17"/>
-    <p:sldId id="351" r:id="rId18"/>
-    <p:sldId id="335" r:id="rId19"/>
+    <p:sldId id="343" r:id="rId5"/>
+    <p:sldId id="263" r:id="rId6"/>
+    <p:sldId id="344" r:id="rId7"/>
+    <p:sldId id="345" r:id="rId8"/>
+    <p:sldId id="346" r:id="rId9"/>
+    <p:sldId id="347" r:id="rId10"/>
+    <p:sldId id="352" r:id="rId11"/>
+    <p:sldId id="348" r:id="rId12"/>
+    <p:sldId id="353" r:id="rId13"/>
+    <p:sldId id="355" r:id="rId14"/>
+    <p:sldId id="356" r:id="rId15"/>
+    <p:sldId id="349" r:id="rId16"/>
+    <p:sldId id="354" r:id="rId17"/>
+    <p:sldId id="350" r:id="rId18"/>
+    <p:sldId id="351" r:id="rId19"/>
+    <p:sldId id="335" r:id="rId20"/>
   </p:sldIdLst>
   <p:sldSz cx="9144000" cy="6858000" type="screen4x3"/>
   <p:notesSz cx="7559675" cy="10691813"/>
@@ -209,7 +210,7 @@
           <a:p>
             <a:fld id="{EB13DD06-BFAC-4C87-81A0-7BCF951EE3DD}" type="datetimeFigureOut">
               <a:rPr lang="zh-CN" altLang="en-US" smtClean="0"/>
-              <a:t>2016/8/10</a:t>
+              <a:t>2016/8/15</a:t>
             </a:fld>
             <a:endParaRPr lang="zh-CN" altLang="en-US"/>
           </a:p>
@@ -521,25 +522,8 @@
           <a:bodyPr/>
           <a:lstStyle/>
           <a:p>
-            <a:pPr marL="0" marR="0" indent="0" algn="l" defTabSz="914400" rtl="0" eaLnBrk="1" fontAlgn="auto" latinLnBrk="0" hangingPunct="1">
-              <a:lnSpc>
-                <a:spcPct val="100000"/>
-              </a:lnSpc>
-              <a:spcBef>
-                <a:spcPts val="0"/>
-              </a:spcBef>
-              <a:spcAft>
-                <a:spcPts val="0"/>
-              </a:spcAft>
-              <a:buClrTx/>
-              <a:buSzTx/>
-              <a:buFontTx/>
-              <a:buNone/>
-              <a:tabLst/>
-              <a:defRPr/>
-            </a:pPr>
-            <a:r>
-              <a:rPr lang="zh-CN" altLang="zh-CN" sz="1200" kern="1200" dirty="0" smtClean="0">
+            <a:r>
+              <a:rPr lang="en-US" altLang="zh-CN" sz="1200" b="0" i="0" kern="1200" dirty="0" smtClean="0">
                 <a:solidFill>
                   <a:schemeClr val="tx1"/>
                 </a:solidFill>
@@ -548,10 +532,10 @@
                 <a:ea typeface="+mn-ea"/>
                 <a:cs typeface="+mn-cs"/>
               </a:rPr>
-              <a:t>首先从数据结构层面来理解整个类图，线性数据结构中两种最重要的两种数据结构就是数组与链表，</a:t>
-            </a:r>
-            <a:r>
-              <a:rPr lang="en-US" altLang="zh-CN" sz="1200" kern="1200" dirty="0" smtClean="0">
+              <a:t>Java</a:t>
+            </a:r>
+            <a:r>
+              <a:rPr lang="zh-CN" altLang="en-US" sz="1200" b="0" i="0" kern="1200" dirty="0" smtClean="0">
                 <a:solidFill>
                   <a:schemeClr val="tx1"/>
                 </a:solidFill>
@@ -560,10 +544,10 @@
                 <a:ea typeface="+mn-ea"/>
                 <a:cs typeface="+mn-cs"/>
               </a:rPr>
-              <a:t>List</a:t>
-            </a:r>
-            <a:r>
-              <a:rPr lang="zh-CN" altLang="zh-CN" sz="1200" kern="1200" dirty="0" smtClean="0">
+              <a:t>集合框架属于在</a:t>
+            </a:r>
+            <a:r>
+              <a:rPr lang="en-US" altLang="zh-CN" sz="1200" b="0" i="0" kern="1200" dirty="0" smtClean="0">
                 <a:solidFill>
                   <a:schemeClr val="tx1"/>
                 </a:solidFill>
@@ -572,38 +556,10 @@
                 <a:ea typeface="+mn-ea"/>
                 <a:cs typeface="+mn-cs"/>
               </a:rPr>
-              <a:t>列表即是该数据结构的抽象。</a:t>
-            </a:r>
-            <a:endParaRPr lang="en-US" altLang="zh-CN" sz="1200" kern="1200" dirty="0" smtClean="0">
-              <a:solidFill>
-                <a:schemeClr val="tx1"/>
-              </a:solidFill>
-              <a:effectLst/>
-              <a:latin typeface="+mn-lt"/>
-              <a:ea typeface="+mn-ea"/>
-              <a:cs typeface="+mn-cs"/>
-            </a:endParaRPr>
-          </a:p>
-          <a:p>
-            <a:pPr marL="0" marR="0" indent="0" algn="l" defTabSz="914400" rtl="0" eaLnBrk="1" fontAlgn="auto" latinLnBrk="0" hangingPunct="1">
-              <a:lnSpc>
-                <a:spcPct val="100000"/>
-              </a:lnSpc>
-              <a:spcBef>
-                <a:spcPts val="0"/>
-              </a:spcBef>
-              <a:spcAft>
-                <a:spcPts val="0"/>
-              </a:spcAft>
-              <a:buClrTx/>
-              <a:buSzTx/>
-              <a:buFontTx/>
-              <a:buNone/>
-              <a:tabLst/>
-              <a:defRPr/>
-            </a:pPr>
-            <a:r>
-              <a:rPr lang="en-US" altLang="zh-CN" sz="1200" kern="1200" dirty="0" smtClean="0">
+              <a:t>Java</a:t>
+            </a:r>
+            <a:r>
+              <a:rPr lang="zh-CN" altLang="en-US" sz="1200" b="0" i="0" kern="1200" dirty="0" smtClean="0">
                 <a:solidFill>
                   <a:schemeClr val="tx1"/>
                 </a:solidFill>
@@ -612,175 +568,8 @@
                 <a:ea typeface="+mn-ea"/>
                 <a:cs typeface="+mn-cs"/>
               </a:rPr>
-              <a:t>1</a:t>
-            </a:r>
-            <a:r>
-              <a:rPr lang="zh-CN" altLang="en-US" sz="1200" kern="1200" dirty="0" smtClean="0">
-                <a:solidFill>
-                  <a:schemeClr val="tx1"/>
-                </a:solidFill>
-                <a:effectLst/>
-                <a:latin typeface="+mn-lt"/>
-                <a:ea typeface="+mn-ea"/>
-                <a:cs typeface="+mn-cs"/>
-              </a:rPr>
-              <a:t>、假设自己实现一个集合的扩展结构应该在哪里扩展</a:t>
-            </a:r>
-            <a:r>
-              <a:rPr lang="zh-CN" altLang="en-US" sz="1200" kern="1200" dirty="0" smtClean="0">
-                <a:solidFill>
-                  <a:schemeClr val="tx1"/>
-                </a:solidFill>
-                <a:effectLst/>
-                <a:latin typeface="+mn-lt"/>
-                <a:ea typeface="+mn-ea"/>
-                <a:cs typeface="+mn-cs"/>
-              </a:rPr>
-              <a:t>？</a:t>
-            </a:r>
-            <a:endParaRPr lang="en-US" altLang="zh-CN" sz="1200" kern="1200" dirty="0" smtClean="0">
-              <a:solidFill>
-                <a:schemeClr val="tx1"/>
-              </a:solidFill>
-              <a:effectLst/>
-              <a:latin typeface="+mn-lt"/>
-              <a:ea typeface="+mn-ea"/>
-              <a:cs typeface="+mn-cs"/>
-            </a:endParaRPr>
-          </a:p>
-          <a:p>
-            <a:pPr marL="0" marR="0" indent="0" algn="l" defTabSz="914400" rtl="0" eaLnBrk="1" fontAlgn="auto" latinLnBrk="0" hangingPunct="1">
-              <a:lnSpc>
-                <a:spcPct val="100000"/>
-              </a:lnSpc>
-              <a:spcBef>
-                <a:spcPts val="0"/>
-              </a:spcBef>
-              <a:spcAft>
-                <a:spcPts val="0"/>
-              </a:spcAft>
-              <a:buClrTx/>
-              <a:buSzTx/>
-              <a:buFontTx/>
-              <a:buNone/>
-              <a:tabLst/>
-              <a:defRPr/>
-            </a:pPr>
-            <a:r>
-              <a:rPr lang="en-US" altLang="zh-CN" sz="1200" kern="1200" dirty="0" smtClean="0">
-                <a:solidFill>
-                  <a:schemeClr val="tx1"/>
-                </a:solidFill>
-                <a:effectLst/>
-                <a:latin typeface="+mn-lt"/>
-                <a:ea typeface="+mn-ea"/>
-                <a:cs typeface="+mn-cs"/>
-              </a:rPr>
-              <a:t>2</a:t>
-            </a:r>
-            <a:r>
-              <a:rPr lang="zh-CN" altLang="en-US" sz="1200" kern="1200" dirty="0" smtClean="0">
-                <a:solidFill>
-                  <a:schemeClr val="tx1"/>
-                </a:solidFill>
-                <a:effectLst/>
-                <a:latin typeface="+mn-lt"/>
-                <a:ea typeface="+mn-ea"/>
-                <a:cs typeface="+mn-cs"/>
-              </a:rPr>
-              <a:t>、</a:t>
-            </a:r>
-            <a:r>
-              <a:rPr lang="en-US" altLang="zh-CN" sz="1200" kern="1200" dirty="0" smtClean="0">
-                <a:solidFill>
-                  <a:schemeClr val="tx1"/>
-                </a:solidFill>
-                <a:effectLst/>
-                <a:latin typeface="+mn-lt"/>
-                <a:ea typeface="+mn-ea"/>
-                <a:cs typeface="+mn-cs"/>
-              </a:rPr>
-              <a:t>JDK</a:t>
-            </a:r>
-            <a:r>
-              <a:rPr lang="zh-CN" altLang="en-US" sz="1200" kern="1200" dirty="0" smtClean="0">
-                <a:solidFill>
-                  <a:schemeClr val="tx1"/>
-                </a:solidFill>
-                <a:effectLst/>
-                <a:latin typeface="+mn-lt"/>
-                <a:ea typeface="+mn-ea"/>
-                <a:cs typeface="+mn-cs"/>
-              </a:rPr>
-              <a:t>集合框架是一个通用性很强的框架，并不适合所有场景，站在通用性角度</a:t>
-            </a:r>
-            <a:endParaRPr lang="en-US" altLang="zh-CN" sz="1200" kern="1200" dirty="0" smtClean="0">
-              <a:solidFill>
-                <a:schemeClr val="tx1"/>
-              </a:solidFill>
-              <a:effectLst/>
-              <a:latin typeface="+mn-lt"/>
-              <a:ea typeface="+mn-ea"/>
-              <a:cs typeface="+mn-cs"/>
-            </a:endParaRPr>
-          </a:p>
-          <a:p>
-            <a:pPr marL="0" marR="0" indent="0" algn="l" defTabSz="914400" rtl="0" eaLnBrk="1" fontAlgn="auto" latinLnBrk="0" hangingPunct="1">
-              <a:lnSpc>
-                <a:spcPct val="100000"/>
-              </a:lnSpc>
-              <a:spcBef>
-                <a:spcPts val="0"/>
-              </a:spcBef>
-              <a:spcAft>
-                <a:spcPts val="0"/>
-              </a:spcAft>
-              <a:buClrTx/>
-              <a:buSzTx/>
-              <a:buFontTx/>
-              <a:buNone/>
-              <a:tabLst/>
-              <a:defRPr/>
-            </a:pPr>
-            <a:endParaRPr lang="en-US" altLang="zh-CN" sz="1200" kern="1200" dirty="0" smtClean="0">
-              <a:solidFill>
-                <a:schemeClr val="tx1"/>
-              </a:solidFill>
-              <a:effectLst/>
-              <a:latin typeface="+mn-lt"/>
-              <a:ea typeface="+mn-ea"/>
-              <a:cs typeface="+mn-cs"/>
-            </a:endParaRPr>
-          </a:p>
-          <a:p>
-            <a:pPr marL="0" marR="0" indent="0" algn="l" defTabSz="914400" rtl="0" eaLnBrk="1" fontAlgn="auto" latinLnBrk="0" hangingPunct="1">
-              <a:lnSpc>
-                <a:spcPct val="100000"/>
-              </a:lnSpc>
-              <a:spcBef>
-                <a:spcPts val="0"/>
-              </a:spcBef>
-              <a:spcAft>
-                <a:spcPts val="0"/>
-              </a:spcAft>
-              <a:buClrTx/>
-              <a:buSzTx/>
-              <a:buFontTx/>
-              <a:buNone/>
-              <a:tabLst/>
-              <a:defRPr/>
-            </a:pPr>
-            <a:endParaRPr lang="zh-CN" altLang="zh-CN" sz="1200" kern="1200" dirty="0" smtClean="0">
-              <a:solidFill>
-                <a:schemeClr val="tx1"/>
-              </a:solidFill>
-              <a:effectLst/>
-              <a:latin typeface="+mn-lt"/>
-              <a:ea typeface="+mn-ea"/>
-              <a:cs typeface="+mn-cs"/>
-            </a:endParaRPr>
-          </a:p>
-          <a:p>
+              <a:t>标准库中最常用的功能，几乎每个应用程序使用它来处理数据的一些集合。</a:t>
+            </a:r>
             <a:endParaRPr lang="zh-CN" altLang="en-US" dirty="0"/>
           </a:p>
         </p:txBody>
@@ -802,7 +591,7 @@
           <a:p>
             <a:fld id="{D62A80DA-2C88-480B-A683-D200A0428AC4}" type="slidenum">
               <a:rPr lang="zh-CN" altLang="en-US" smtClean="0"/>
-              <a:t>3</a:t>
+              <a:t>2</a:t>
             </a:fld>
             <a:endParaRPr lang="zh-CN" altLang="en-US"/>
           </a:p>
@@ -811,7 +600,7 @@
     </p:spTree>
     <p:extLst>
       <p:ext uri="{BB962C8B-B14F-4D97-AF65-F5344CB8AC3E}">
-        <p14:creationId xmlns:p14="http://schemas.microsoft.com/office/powerpoint/2010/main" val="3320056552"/>
+        <p14:creationId xmlns:p14="http://schemas.microsoft.com/office/powerpoint/2010/main" val="2981276331"/>
       </p:ext>
     </p:extLst>
   </p:cSld>
@@ -1131,7 +920,7 @@
           <a:p>
             <a:fld id="{D62A80DA-2C88-480B-A683-D200A0428AC4}" type="slidenum">
               <a:rPr lang="zh-CN" altLang="en-US" smtClean="0"/>
-              <a:t>12</a:t>
+              <a:t>11</a:t>
             </a:fld>
             <a:endParaRPr lang="zh-CN" altLang="en-US"/>
           </a:p>
@@ -1194,21 +983,6 @@
           <a:bodyPr/>
           <a:lstStyle/>
           <a:p>
-            <a:r>
-              <a:rPr lang="en-US" altLang="zh-CN" dirty="0" smtClean="0"/>
-              <a:t>1</a:t>
-            </a:r>
-            <a:r>
-              <a:rPr lang="zh-CN" altLang="en-US" dirty="0" smtClean="0"/>
-              <a:t>、为什么需要限流？</a:t>
-            </a:r>
-            <a:endParaRPr lang="en-US" altLang="zh-CN" dirty="0" smtClean="0"/>
-          </a:p>
-          <a:p>
-            <a:r>
-              <a:rPr lang="en-US" altLang="zh-CN" dirty="0" smtClean="0"/>
-              <a:t>   </a:t>
-            </a:r>
             <a:endParaRPr lang="zh-CN" altLang="en-US" dirty="0"/>
           </a:p>
         </p:txBody>
@@ -1230,7 +1004,7 @@
           <a:p>
             <a:fld id="{D62A80DA-2C88-480B-A683-D200A0428AC4}" type="slidenum">
               <a:rPr lang="zh-CN" altLang="en-US" smtClean="0"/>
-              <a:t>13</a:t>
+              <a:t>12</a:t>
             </a:fld>
             <a:endParaRPr lang="zh-CN" altLang="en-US"/>
           </a:p>
@@ -1293,224 +1067,11 @@
           <a:bodyPr/>
           <a:lstStyle/>
           <a:p>
-            <a:pPr marL="0" marR="0" indent="0" algn="l" defTabSz="914400" rtl="0" eaLnBrk="1" fontAlgn="auto" latinLnBrk="0" hangingPunct="1">
-              <a:lnSpc>
-                <a:spcPct val="100000"/>
-              </a:lnSpc>
-              <a:spcBef>
-                <a:spcPts val="0"/>
-              </a:spcBef>
-              <a:spcAft>
-                <a:spcPts val="0"/>
-              </a:spcAft>
-              <a:buClrTx/>
-              <a:buSzTx/>
-              <a:buFontTx/>
-              <a:buNone/>
-              <a:tabLst/>
-              <a:defRPr/>
-            </a:pPr>
             <a:r>
               <a:rPr lang="zh-CN" altLang="en-US" dirty="0" smtClean="0"/>
-              <a:t>评判集合性能从哪些方面？</a:t>
-            </a:r>
-            <a:endParaRPr lang="en-US" altLang="zh-CN" dirty="0" smtClean="0"/>
-          </a:p>
-          <a:p>
-            <a:pPr marL="0" marR="0" indent="0" algn="l" defTabSz="914400" rtl="0" eaLnBrk="1" fontAlgn="auto" latinLnBrk="0" hangingPunct="1">
-              <a:lnSpc>
-                <a:spcPct val="100000"/>
-              </a:lnSpc>
-              <a:spcBef>
-                <a:spcPts val="0"/>
-              </a:spcBef>
-              <a:spcAft>
-                <a:spcPts val="0"/>
-              </a:spcAft>
-              <a:buClrTx/>
-              <a:buSzTx/>
-              <a:buFontTx/>
-              <a:buNone/>
-              <a:tabLst/>
-              <a:defRPr/>
-            </a:pPr>
-            <a:r>
-              <a:rPr lang="en-US" altLang="zh-CN" dirty="0" smtClean="0"/>
-              <a:t>1</a:t>
-            </a:r>
-            <a:r>
-              <a:rPr lang="zh-CN" altLang="en-US" dirty="0" smtClean="0"/>
-              <a:t>、低延迟</a:t>
-            </a:r>
-            <a:endParaRPr lang="en-US" altLang="zh-CN" dirty="0" smtClean="0"/>
-          </a:p>
-          <a:p>
-            <a:pPr marL="0" marR="0" indent="0" algn="l" defTabSz="914400" rtl="0" eaLnBrk="1" fontAlgn="auto" latinLnBrk="0" hangingPunct="1">
-              <a:lnSpc>
-                <a:spcPct val="100000"/>
-              </a:lnSpc>
-              <a:spcBef>
-                <a:spcPts val="0"/>
-              </a:spcBef>
-              <a:spcAft>
-                <a:spcPts val="0"/>
-              </a:spcAft>
-              <a:buClrTx/>
-              <a:buSzTx/>
-              <a:buFontTx/>
-              <a:buNone/>
-              <a:tabLst/>
-              <a:defRPr/>
-            </a:pPr>
-            <a:r>
-              <a:rPr lang="en-US" altLang="zh-CN" dirty="0" smtClean="0"/>
-              <a:t>2</a:t>
-            </a:r>
-            <a:r>
-              <a:rPr lang="zh-CN" altLang="en-US" dirty="0" smtClean="0"/>
-              <a:t>、高吞吐</a:t>
-            </a:r>
-            <a:endParaRPr lang="en-US" altLang="zh-CN" dirty="0" smtClean="0"/>
-          </a:p>
-          <a:p>
-            <a:pPr marL="0" marR="0" indent="0" algn="l" defTabSz="914400" rtl="0" eaLnBrk="1" fontAlgn="auto" latinLnBrk="0" hangingPunct="1">
-              <a:lnSpc>
-                <a:spcPct val="100000"/>
-              </a:lnSpc>
-              <a:spcBef>
-                <a:spcPts val="0"/>
-              </a:spcBef>
-              <a:spcAft>
-                <a:spcPts val="0"/>
-              </a:spcAft>
-              <a:buClrTx/>
-              <a:buSzTx/>
-              <a:buFontTx/>
-              <a:buNone/>
-              <a:tabLst/>
-              <a:defRPr/>
-            </a:pPr>
-            <a:r>
-              <a:rPr lang="en-US" altLang="zh-CN" dirty="0" smtClean="0"/>
-              <a:t>3</a:t>
-            </a:r>
-            <a:r>
-              <a:rPr lang="zh-CN" altLang="en-US" dirty="0" smtClean="0"/>
-              <a:t>、</a:t>
-            </a:r>
-            <a:r>
-              <a:rPr lang="en-US" altLang="zh-CN" dirty="0" smtClean="0"/>
-              <a:t>CPU</a:t>
-            </a:r>
-            <a:r>
-              <a:rPr lang="zh-CN" altLang="en-US" dirty="0" smtClean="0"/>
-              <a:t>优化</a:t>
-            </a:r>
-            <a:endParaRPr lang="en-US" altLang="zh-CN" dirty="0" smtClean="0"/>
-          </a:p>
-          <a:p>
-            <a:pPr marL="0" marR="0" indent="0" algn="l" defTabSz="914400" rtl="0" eaLnBrk="1" fontAlgn="auto" latinLnBrk="0" hangingPunct="1">
-              <a:lnSpc>
-                <a:spcPct val="100000"/>
-              </a:lnSpc>
-              <a:spcBef>
-                <a:spcPts val="0"/>
-              </a:spcBef>
-              <a:spcAft>
-                <a:spcPts val="0"/>
-              </a:spcAft>
-              <a:buClrTx/>
-              <a:buSzTx/>
-              <a:buFontTx/>
-              <a:buNone/>
-              <a:tabLst/>
-              <a:defRPr/>
-            </a:pPr>
-            <a:r>
-              <a:rPr lang="en-US" altLang="zh-CN" dirty="0" smtClean="0"/>
-              <a:t>4</a:t>
-            </a:r>
-            <a:r>
-              <a:rPr lang="zh-CN" altLang="en-US" dirty="0" smtClean="0"/>
-              <a:t>、内存优化</a:t>
-            </a:r>
-            <a:endParaRPr lang="en-US" altLang="zh-CN" dirty="0" smtClean="0"/>
-          </a:p>
-          <a:p>
-            <a:pPr marL="0" marR="0" indent="0" algn="l" defTabSz="914400" rtl="0" eaLnBrk="1" fontAlgn="auto" latinLnBrk="0" hangingPunct="1">
-              <a:lnSpc>
-                <a:spcPct val="100000"/>
-              </a:lnSpc>
-              <a:spcBef>
-                <a:spcPts val="0"/>
-              </a:spcBef>
-              <a:spcAft>
-                <a:spcPts val="0"/>
-              </a:spcAft>
-              <a:buClrTx/>
-              <a:buSzTx/>
-              <a:buFontTx/>
-              <a:buNone/>
-              <a:tabLst/>
-              <a:defRPr/>
-            </a:pPr>
-            <a:r>
-              <a:rPr lang="en-US" altLang="zh-CN" dirty="0" smtClean="0"/>
-              <a:t>5</a:t>
-            </a:r>
-            <a:r>
-              <a:rPr lang="zh-CN" altLang="en-US" dirty="0" smtClean="0"/>
-              <a:t>、</a:t>
-            </a:r>
-            <a:r>
-              <a:rPr lang="en-US" altLang="zh-CN" dirty="0" smtClean="0"/>
-              <a:t>GC</a:t>
-            </a:r>
-            <a:r>
-              <a:rPr lang="zh-CN" altLang="en-US" dirty="0" smtClean="0"/>
-              <a:t>回收效率</a:t>
-            </a:r>
-            <a:endParaRPr lang="en-US" altLang="zh-CN" dirty="0" smtClean="0"/>
-          </a:p>
-          <a:p>
-            <a:pPr marL="0" marR="0" indent="0" algn="l" defTabSz="914400" rtl="0" eaLnBrk="1" fontAlgn="auto" latinLnBrk="0" hangingPunct="1">
-              <a:lnSpc>
-                <a:spcPct val="100000"/>
-              </a:lnSpc>
-              <a:spcBef>
-                <a:spcPts val="0"/>
-              </a:spcBef>
-              <a:spcAft>
-                <a:spcPts val="0"/>
-              </a:spcAft>
-              <a:buClrTx/>
-              <a:buSzTx/>
-              <a:buFontTx/>
-              <a:buNone/>
-              <a:tabLst/>
-              <a:defRPr/>
-            </a:pPr>
-            <a:endParaRPr lang="en-US" altLang="zh-CN" dirty="0" smtClean="0"/>
-          </a:p>
-          <a:p>
-            <a:pPr marL="0" marR="0" indent="0" algn="l" defTabSz="914400" rtl="0" eaLnBrk="1" fontAlgn="auto" latinLnBrk="0" hangingPunct="1">
-              <a:lnSpc>
-                <a:spcPct val="100000"/>
-              </a:lnSpc>
-              <a:spcBef>
-                <a:spcPts val="0"/>
-              </a:spcBef>
-              <a:spcAft>
-                <a:spcPts val="0"/>
-              </a:spcAft>
-              <a:buClrTx/>
-              <a:buSzTx/>
-              <a:buFontTx/>
-              <a:buNone/>
-              <a:tabLst/>
-              <a:defRPr/>
-            </a:pPr>
-            <a:endParaRPr lang="en-US" altLang="zh-CN" dirty="0" smtClean="0"/>
+              <a:t>让我们可以简单优雅的实现上面复杂的数据结构，让我们的精力和时间放在实现业务逻辑上，而不是在数据结构上。</a:t>
+            </a:r>
+            <a:endParaRPr lang="zh-CN" altLang="en-US" dirty="0"/>
           </a:p>
         </p:txBody>
       </p:sp>
@@ -1531,7 +1092,7 @@
           <a:p>
             <a:fld id="{D62A80DA-2C88-480B-A683-D200A0428AC4}" type="slidenum">
               <a:rPr lang="zh-CN" altLang="en-US" smtClean="0"/>
-              <a:t>15</a:t>
+              <a:t>13</a:t>
             </a:fld>
             <a:endParaRPr lang="zh-CN" altLang="en-US"/>
           </a:p>
@@ -1540,7 +1101,7 @@
     </p:spTree>
     <p:extLst>
       <p:ext uri="{BB962C8B-B14F-4D97-AF65-F5344CB8AC3E}">
-        <p14:creationId xmlns:p14="http://schemas.microsoft.com/office/powerpoint/2010/main" val="1558251165"/>
+        <p14:creationId xmlns:p14="http://schemas.microsoft.com/office/powerpoint/2010/main" val="3320056552"/>
       </p:ext>
     </p:extLst>
   </p:cSld>
@@ -1595,12 +1156,12 @@
           <a:lstStyle/>
           <a:p>
             <a:r>
-              <a:rPr lang="en-US" altLang="zh-CN" dirty="0" err="1" smtClean="0"/>
-              <a:t>Javolution</a:t>
+              <a:rPr lang="en-US" altLang="zh-CN" dirty="0" smtClean="0"/>
+              <a:t>1</a:t>
             </a:r>
             <a:r>
               <a:rPr lang="zh-CN" altLang="en-US" dirty="0" smtClean="0"/>
-              <a:t>特性介绍参见网址：</a:t>
+              <a:t>、为什么需要限流？</a:t>
             </a:r>
             <a:endParaRPr lang="en-US" altLang="zh-CN" dirty="0" smtClean="0"/>
           </a:p>
@@ -1608,93 +1169,6 @@
             <a:r>
               <a:rPr lang="en-US" altLang="zh-CN" dirty="0" smtClean="0"/>
               <a:t>   </a:t>
-            </a:r>
-            <a:r>
-              <a:rPr lang="en-US" altLang="zh-CN" dirty="0" smtClean="0">
-                <a:hlinkClick r:id="rId3"/>
-              </a:rPr>
-              <a:t>http://andinker.iteye.com/blog/1920202</a:t>
-            </a:r>
-            <a:endParaRPr lang="en-US" altLang="zh-CN" dirty="0" smtClean="0"/>
-          </a:p>
-          <a:p>
-            <a:r>
-              <a:rPr lang="en-US" altLang="zh-CN" dirty="0" smtClean="0"/>
-              <a:t>   </a:t>
-            </a:r>
-            <a:r>
-              <a:rPr lang="en-US" altLang="zh-CN" dirty="0" smtClean="0">
-                <a:hlinkClick r:id="rId4"/>
-              </a:rPr>
-              <a:t>http://javolution.org/</a:t>
-            </a:r>
-            <a:endParaRPr lang="en-US" altLang="zh-CN" dirty="0" smtClean="0"/>
-          </a:p>
-          <a:p>
-            <a:endParaRPr lang="en-US" altLang="zh-CN" dirty="0" smtClean="0"/>
-          </a:p>
-          <a:p>
-            <a:r>
-              <a:rPr lang="en-US" altLang="zh-CN" dirty="0" smtClean="0"/>
-              <a:t> </a:t>
-            </a:r>
-            <a:r>
-              <a:rPr lang="zh-CN" altLang="en-US" dirty="0" smtClean="0"/>
-              <a:t>实时编程</a:t>
-            </a:r>
-            <a:r>
-              <a:rPr lang="en-US" altLang="zh-CN" dirty="0" smtClean="0"/>
-              <a:t>RSTJ</a:t>
-            </a:r>
-            <a:r>
-              <a:rPr lang="zh-CN" altLang="en-US" dirty="0" smtClean="0"/>
-              <a:t>，何为实时编程？实时编程有哪些要求</a:t>
-            </a:r>
-            <a:endParaRPr lang="en-US" altLang="zh-CN" dirty="0" smtClean="0"/>
-          </a:p>
-          <a:p>
-            <a:endParaRPr lang="en-US" altLang="zh-CN" dirty="0" smtClean="0"/>
-          </a:p>
-          <a:p>
-            <a:r>
-              <a:rPr lang="en-US" altLang="zh-CN" dirty="0" smtClean="0"/>
-              <a:t>Trove </a:t>
-            </a:r>
-          </a:p>
-          <a:p>
-            <a:r>
-              <a:rPr lang="en-US" altLang="zh-CN" dirty="0" smtClean="0"/>
-              <a:t>  1</a:t>
-            </a:r>
-            <a:r>
-              <a:rPr lang="zh-CN" altLang="en-US" dirty="0" smtClean="0"/>
-              <a:t>、开发寻址算法，没有采用链表存储来解决</a:t>
-            </a:r>
-            <a:r>
-              <a:rPr lang="en-US" altLang="zh-CN" dirty="0" smtClean="0"/>
-              <a:t>hash</a:t>
-            </a:r>
-            <a:r>
-              <a:rPr lang="zh-CN" altLang="en-US" dirty="0" smtClean="0"/>
-              <a:t>冲突，节约内存。</a:t>
-            </a:r>
-            <a:endParaRPr lang="en-US" altLang="zh-CN" dirty="0" smtClean="0"/>
-          </a:p>
-          <a:p>
-            <a:r>
-              <a:rPr lang="en-US" altLang="zh-CN" dirty="0" smtClean="0"/>
-              <a:t>  2</a:t>
-            </a:r>
-            <a:r>
-              <a:rPr lang="zh-CN" altLang="en-US" dirty="0" smtClean="0"/>
-              <a:t>、自动封箱、解箱性能问题不复存在</a:t>
-            </a:r>
-            <a:endParaRPr lang="en-US" altLang="zh-CN" dirty="0" smtClean="0"/>
-          </a:p>
-          <a:p>
-            <a:r>
-              <a:rPr lang="en-US" altLang="zh-CN" baseline="0" dirty="0" smtClean="0"/>
-              <a:t>  </a:t>
             </a:r>
             <a:endParaRPr lang="zh-CN" altLang="en-US" dirty="0"/>
           </a:p>
@@ -1717,7 +1191,7 @@
           <a:p>
             <a:fld id="{D62A80DA-2C88-480B-A683-D200A0428AC4}" type="slidenum">
               <a:rPr lang="zh-CN" altLang="en-US" smtClean="0"/>
-              <a:t>16</a:t>
+              <a:t>14</a:t>
             </a:fld>
             <a:endParaRPr lang="zh-CN" altLang="en-US"/>
           </a:p>
@@ -1780,6 +1254,13 @@
           <a:bodyPr/>
           <a:lstStyle/>
           <a:p>
+            <a:r>
+              <a:rPr lang="zh-CN" altLang="en-US" dirty="0" smtClean="0"/>
+              <a:t>为什么引入高性能集合？</a:t>
+            </a:r>
+            <a:endParaRPr lang="en-US" altLang="zh-CN" dirty="0" smtClean="0"/>
+          </a:p>
+          <a:p>
             <a:endParaRPr lang="zh-CN" altLang="en-US" dirty="0"/>
           </a:p>
         </p:txBody>
@@ -1801,7 +1282,608 @@
           <a:p>
             <a:fld id="{D62A80DA-2C88-480B-A683-D200A0428AC4}" type="slidenum">
               <a:rPr lang="zh-CN" altLang="en-US" smtClean="0"/>
+              <a:t>15</a:t>
+            </a:fld>
+            <a:endParaRPr lang="zh-CN" altLang="en-US"/>
+          </a:p>
+        </p:txBody>
+      </p:sp>
+    </p:spTree>
+    <p:extLst>
+      <p:ext uri="{BB962C8B-B14F-4D97-AF65-F5344CB8AC3E}">
+        <p14:creationId xmlns:p14="http://schemas.microsoft.com/office/powerpoint/2010/main" val="968411063"/>
+      </p:ext>
+    </p:extLst>
+  </p:cSld>
+  <p:clrMapOvr>
+    <a:masterClrMapping/>
+  </p:clrMapOvr>
+</p:notes>
+</file>
+
+<file path=ppt/notesSlides/notesSlide15.xml><?xml version="1.0" encoding="utf-8"?>
+<p:notes xmlns:a="http://schemas.openxmlformats.org/drawingml/2006/main" xmlns:r="http://schemas.openxmlformats.org/officeDocument/2006/relationships" xmlns:p="http://schemas.openxmlformats.org/presentationml/2006/main">
+  <p:cSld>
+    <p:spTree>
+      <p:nvGrpSpPr>
+        <p:cNvPr id="1" name=""/>
+        <p:cNvGrpSpPr/>
+        <p:nvPr/>
+      </p:nvGrpSpPr>
+      <p:grpSpPr>
+        <a:xfrm>
+          <a:off x="0" y="0"/>
+          <a:ext cx="0" cy="0"/>
+          <a:chOff x="0" y="0"/>
+          <a:chExt cx="0" cy="0"/>
+        </a:xfrm>
+      </p:grpSpPr>
+      <p:sp>
+        <p:nvSpPr>
+          <p:cNvPr id="2" name="幻灯片图像占位符 1"/>
+          <p:cNvSpPr>
+            <a:spLocks noGrp="1" noRot="1" noChangeAspect="1"/>
+          </p:cNvSpPr>
+          <p:nvPr>
+            <p:ph type="sldImg"/>
+          </p:nvPr>
+        </p:nvSpPr>
+        <p:spPr/>
+      </p:sp>
+      <p:sp>
+        <p:nvSpPr>
+          <p:cNvPr id="3" name="备注占位符 2"/>
+          <p:cNvSpPr>
+            <a:spLocks noGrp="1"/>
+          </p:cNvSpPr>
+          <p:nvPr>
+            <p:ph type="body" idx="1"/>
+          </p:nvPr>
+        </p:nvSpPr>
+        <p:spPr/>
+        <p:txBody>
+          <a:bodyPr/>
+          <a:lstStyle/>
+          <a:p>
+            <a:pPr marL="0" marR="0" indent="0" algn="l" defTabSz="914400" rtl="0" eaLnBrk="1" fontAlgn="auto" latinLnBrk="0" hangingPunct="1">
+              <a:lnSpc>
+                <a:spcPct val="100000"/>
+              </a:lnSpc>
+              <a:spcBef>
+                <a:spcPts val="0"/>
+              </a:spcBef>
+              <a:spcAft>
+                <a:spcPts val="0"/>
+              </a:spcAft>
+              <a:buClrTx/>
+              <a:buSzTx/>
+              <a:buFontTx/>
+              <a:buNone/>
+              <a:tabLst/>
+              <a:defRPr/>
+            </a:pPr>
+            <a:r>
+              <a:rPr lang="zh-CN" altLang="en-US" dirty="0" smtClean="0"/>
+              <a:t>评判集合性能从哪些方面？</a:t>
+            </a:r>
+            <a:endParaRPr lang="en-US" altLang="zh-CN" dirty="0" smtClean="0"/>
+          </a:p>
+          <a:p>
+            <a:pPr marL="0" marR="0" indent="0" algn="l" defTabSz="914400" rtl="0" eaLnBrk="1" fontAlgn="auto" latinLnBrk="0" hangingPunct="1">
+              <a:lnSpc>
+                <a:spcPct val="100000"/>
+              </a:lnSpc>
+              <a:spcBef>
+                <a:spcPts val="0"/>
+              </a:spcBef>
+              <a:spcAft>
+                <a:spcPts val="0"/>
+              </a:spcAft>
+              <a:buClrTx/>
+              <a:buSzTx/>
+              <a:buFontTx/>
+              <a:buNone/>
+              <a:tabLst/>
+              <a:defRPr/>
+            </a:pPr>
+            <a:r>
+              <a:rPr lang="en-US" altLang="zh-CN" dirty="0" smtClean="0"/>
+              <a:t>1</a:t>
+            </a:r>
+            <a:r>
+              <a:rPr lang="zh-CN" altLang="en-US" dirty="0" smtClean="0"/>
+              <a:t>、低延迟</a:t>
+            </a:r>
+            <a:endParaRPr lang="en-US" altLang="zh-CN" dirty="0" smtClean="0"/>
+          </a:p>
+          <a:p>
+            <a:pPr marL="0" marR="0" indent="0" algn="l" defTabSz="914400" rtl="0" eaLnBrk="1" fontAlgn="auto" latinLnBrk="0" hangingPunct="1">
+              <a:lnSpc>
+                <a:spcPct val="100000"/>
+              </a:lnSpc>
+              <a:spcBef>
+                <a:spcPts val="0"/>
+              </a:spcBef>
+              <a:spcAft>
+                <a:spcPts val="0"/>
+              </a:spcAft>
+              <a:buClrTx/>
+              <a:buSzTx/>
+              <a:buFontTx/>
+              <a:buNone/>
+              <a:tabLst/>
+              <a:defRPr/>
+            </a:pPr>
+            <a:r>
+              <a:rPr lang="en-US" altLang="zh-CN" dirty="0" smtClean="0"/>
+              <a:t>2</a:t>
+            </a:r>
+            <a:r>
+              <a:rPr lang="zh-CN" altLang="en-US" dirty="0" smtClean="0"/>
+              <a:t>、高吞吐</a:t>
+            </a:r>
+            <a:endParaRPr lang="en-US" altLang="zh-CN" dirty="0" smtClean="0"/>
+          </a:p>
+          <a:p>
+            <a:pPr marL="0" marR="0" indent="0" algn="l" defTabSz="914400" rtl="0" eaLnBrk="1" fontAlgn="auto" latinLnBrk="0" hangingPunct="1">
+              <a:lnSpc>
+                <a:spcPct val="100000"/>
+              </a:lnSpc>
+              <a:spcBef>
+                <a:spcPts val="0"/>
+              </a:spcBef>
+              <a:spcAft>
+                <a:spcPts val="0"/>
+              </a:spcAft>
+              <a:buClrTx/>
+              <a:buSzTx/>
+              <a:buFontTx/>
+              <a:buNone/>
+              <a:tabLst/>
+              <a:defRPr/>
+            </a:pPr>
+            <a:r>
+              <a:rPr lang="en-US" altLang="zh-CN" dirty="0" smtClean="0"/>
+              <a:t>3</a:t>
+            </a:r>
+            <a:r>
+              <a:rPr lang="zh-CN" altLang="en-US" dirty="0" smtClean="0"/>
+              <a:t>、</a:t>
+            </a:r>
+            <a:r>
+              <a:rPr lang="en-US" altLang="zh-CN" dirty="0" smtClean="0"/>
+              <a:t>CPU</a:t>
+            </a:r>
+            <a:r>
+              <a:rPr lang="zh-CN" altLang="en-US" dirty="0" smtClean="0"/>
+              <a:t>优化</a:t>
+            </a:r>
+            <a:endParaRPr lang="en-US" altLang="zh-CN" dirty="0" smtClean="0"/>
+          </a:p>
+          <a:p>
+            <a:pPr marL="0" marR="0" indent="0" algn="l" defTabSz="914400" rtl="0" eaLnBrk="1" fontAlgn="auto" latinLnBrk="0" hangingPunct="1">
+              <a:lnSpc>
+                <a:spcPct val="100000"/>
+              </a:lnSpc>
+              <a:spcBef>
+                <a:spcPts val="0"/>
+              </a:spcBef>
+              <a:spcAft>
+                <a:spcPts val="0"/>
+              </a:spcAft>
+              <a:buClrTx/>
+              <a:buSzTx/>
+              <a:buFontTx/>
+              <a:buNone/>
+              <a:tabLst/>
+              <a:defRPr/>
+            </a:pPr>
+            <a:r>
+              <a:rPr lang="en-US" altLang="zh-CN" dirty="0" smtClean="0"/>
+              <a:t>4</a:t>
+            </a:r>
+            <a:r>
+              <a:rPr lang="zh-CN" altLang="en-US" dirty="0" smtClean="0"/>
+              <a:t>、内存优化</a:t>
+            </a:r>
+            <a:endParaRPr lang="en-US" altLang="zh-CN" dirty="0" smtClean="0"/>
+          </a:p>
+          <a:p>
+            <a:pPr marL="0" marR="0" indent="0" algn="l" defTabSz="914400" rtl="0" eaLnBrk="1" fontAlgn="auto" latinLnBrk="0" hangingPunct="1">
+              <a:lnSpc>
+                <a:spcPct val="100000"/>
+              </a:lnSpc>
+              <a:spcBef>
+                <a:spcPts val="0"/>
+              </a:spcBef>
+              <a:spcAft>
+                <a:spcPts val="0"/>
+              </a:spcAft>
+              <a:buClrTx/>
+              <a:buSzTx/>
+              <a:buFontTx/>
+              <a:buNone/>
+              <a:tabLst/>
+              <a:defRPr/>
+            </a:pPr>
+            <a:r>
+              <a:rPr lang="en-US" altLang="zh-CN" dirty="0" smtClean="0"/>
+              <a:t>5</a:t>
+            </a:r>
+            <a:r>
+              <a:rPr lang="zh-CN" altLang="en-US" dirty="0" smtClean="0"/>
+              <a:t>、</a:t>
+            </a:r>
+            <a:r>
+              <a:rPr lang="en-US" altLang="zh-CN" dirty="0" smtClean="0"/>
+              <a:t>GC</a:t>
+            </a:r>
+            <a:r>
+              <a:rPr lang="zh-CN" altLang="en-US" dirty="0" smtClean="0"/>
+              <a:t>回收效率</a:t>
+            </a:r>
+            <a:endParaRPr lang="en-US" altLang="zh-CN" dirty="0" smtClean="0"/>
+          </a:p>
+          <a:p>
+            <a:pPr marL="0" marR="0" indent="0" algn="l" defTabSz="914400" rtl="0" eaLnBrk="1" fontAlgn="auto" latinLnBrk="0" hangingPunct="1">
+              <a:lnSpc>
+                <a:spcPct val="100000"/>
+              </a:lnSpc>
+              <a:spcBef>
+                <a:spcPts val="0"/>
+              </a:spcBef>
+              <a:spcAft>
+                <a:spcPts val="0"/>
+              </a:spcAft>
+              <a:buClrTx/>
+              <a:buSzTx/>
+              <a:buFontTx/>
+              <a:buNone/>
+              <a:tabLst/>
+              <a:defRPr/>
+            </a:pPr>
+            <a:endParaRPr lang="en-US" altLang="zh-CN" dirty="0" smtClean="0"/>
+          </a:p>
+          <a:p>
+            <a:pPr marL="0" marR="0" indent="0" algn="l" defTabSz="914400" rtl="0" eaLnBrk="1" fontAlgn="auto" latinLnBrk="0" hangingPunct="1">
+              <a:lnSpc>
+                <a:spcPct val="100000"/>
+              </a:lnSpc>
+              <a:spcBef>
+                <a:spcPts val="0"/>
+              </a:spcBef>
+              <a:spcAft>
+                <a:spcPts val="0"/>
+              </a:spcAft>
+              <a:buClrTx/>
+              <a:buSzTx/>
+              <a:buFontTx/>
+              <a:buNone/>
+              <a:tabLst/>
+              <a:defRPr/>
+            </a:pPr>
+            <a:endParaRPr lang="en-US" altLang="zh-CN" dirty="0" smtClean="0"/>
+          </a:p>
+        </p:txBody>
+      </p:sp>
+      <p:sp>
+        <p:nvSpPr>
+          <p:cNvPr id="4" name="灯片编号占位符 3"/>
+          <p:cNvSpPr>
+            <a:spLocks noGrp="1"/>
+          </p:cNvSpPr>
+          <p:nvPr>
+            <p:ph type="sldNum" sz="quarter" idx="10"/>
+          </p:nvPr>
+        </p:nvSpPr>
+        <p:spPr/>
+        <p:txBody>
+          <a:bodyPr/>
+          <a:lstStyle/>
+          <a:p>
+            <a:fld id="{D62A80DA-2C88-480B-A683-D200A0428AC4}" type="slidenum">
+              <a:rPr lang="zh-CN" altLang="en-US" smtClean="0"/>
+              <a:t>16</a:t>
+            </a:fld>
+            <a:endParaRPr lang="zh-CN" altLang="en-US"/>
+          </a:p>
+        </p:txBody>
+      </p:sp>
+    </p:spTree>
+    <p:extLst>
+      <p:ext uri="{BB962C8B-B14F-4D97-AF65-F5344CB8AC3E}">
+        <p14:creationId xmlns:p14="http://schemas.microsoft.com/office/powerpoint/2010/main" val="1558251165"/>
+      </p:ext>
+    </p:extLst>
+  </p:cSld>
+  <p:clrMapOvr>
+    <a:masterClrMapping/>
+  </p:clrMapOvr>
+</p:notes>
+</file>
+
+<file path=ppt/notesSlides/notesSlide16.xml><?xml version="1.0" encoding="utf-8"?>
+<p:notes xmlns:a="http://schemas.openxmlformats.org/drawingml/2006/main" xmlns:r="http://schemas.openxmlformats.org/officeDocument/2006/relationships" xmlns:p="http://schemas.openxmlformats.org/presentationml/2006/main">
+  <p:cSld>
+    <p:spTree>
+      <p:nvGrpSpPr>
+        <p:cNvPr id="1" name=""/>
+        <p:cNvGrpSpPr/>
+        <p:nvPr/>
+      </p:nvGrpSpPr>
+      <p:grpSpPr>
+        <a:xfrm>
+          <a:off x="0" y="0"/>
+          <a:ext cx="0" cy="0"/>
+          <a:chOff x="0" y="0"/>
+          <a:chExt cx="0" cy="0"/>
+        </a:xfrm>
+      </p:grpSpPr>
+      <p:sp>
+        <p:nvSpPr>
+          <p:cNvPr id="2" name="幻灯片图像占位符 1"/>
+          <p:cNvSpPr>
+            <a:spLocks noGrp="1" noRot="1" noChangeAspect="1"/>
+          </p:cNvSpPr>
+          <p:nvPr>
+            <p:ph type="sldImg"/>
+          </p:nvPr>
+        </p:nvSpPr>
+        <p:spPr/>
+      </p:sp>
+      <p:sp>
+        <p:nvSpPr>
+          <p:cNvPr id="3" name="备注占位符 2"/>
+          <p:cNvSpPr>
+            <a:spLocks noGrp="1"/>
+          </p:cNvSpPr>
+          <p:nvPr>
+            <p:ph type="body" idx="1"/>
+          </p:nvPr>
+        </p:nvSpPr>
+        <p:spPr/>
+        <p:txBody>
+          <a:bodyPr/>
+          <a:lstStyle/>
+          <a:p>
+            <a:r>
+              <a:rPr lang="en-US" altLang="zh-CN" dirty="0" err="1" smtClean="0"/>
+              <a:t>Javolution</a:t>
+            </a:r>
+            <a:r>
+              <a:rPr lang="zh-CN" altLang="en-US" dirty="0" smtClean="0"/>
+              <a:t>特性介绍参见网址：</a:t>
+            </a:r>
+            <a:endParaRPr lang="en-US" altLang="zh-CN" dirty="0" smtClean="0"/>
+          </a:p>
+          <a:p>
+            <a:r>
+              <a:rPr lang="en-US" altLang="zh-CN" dirty="0" smtClean="0"/>
+              <a:t>   </a:t>
+            </a:r>
+            <a:r>
+              <a:rPr lang="en-US" altLang="zh-CN" dirty="0" smtClean="0">
+                <a:hlinkClick r:id="rId3"/>
+              </a:rPr>
+              <a:t>http://andinker.iteye.com/blog/1920202</a:t>
+            </a:r>
+            <a:endParaRPr lang="en-US" altLang="zh-CN" dirty="0" smtClean="0"/>
+          </a:p>
+          <a:p>
+            <a:r>
+              <a:rPr lang="en-US" altLang="zh-CN" dirty="0" smtClean="0"/>
+              <a:t>   </a:t>
+            </a:r>
+            <a:r>
+              <a:rPr lang="en-US" altLang="zh-CN" dirty="0" smtClean="0">
+                <a:hlinkClick r:id="rId4"/>
+              </a:rPr>
+              <a:t>http://javolution.org/</a:t>
+            </a:r>
+            <a:endParaRPr lang="en-US" altLang="zh-CN" dirty="0" smtClean="0"/>
+          </a:p>
+          <a:p>
+            <a:endParaRPr lang="en-US" altLang="zh-CN" dirty="0" smtClean="0"/>
+          </a:p>
+          <a:p>
+            <a:r>
+              <a:rPr lang="en-US" altLang="zh-CN" dirty="0" smtClean="0"/>
+              <a:t> </a:t>
+            </a:r>
+            <a:r>
+              <a:rPr lang="zh-CN" altLang="en-US" dirty="0" smtClean="0"/>
+              <a:t>实时编程</a:t>
+            </a:r>
+            <a:r>
+              <a:rPr lang="en-US" altLang="zh-CN" dirty="0" smtClean="0"/>
+              <a:t>RSTJ</a:t>
+            </a:r>
+            <a:r>
+              <a:rPr lang="zh-CN" altLang="en-US" dirty="0" smtClean="0"/>
+              <a:t>，何为实时编程？实时编程有哪些要求</a:t>
+            </a:r>
+            <a:endParaRPr lang="en-US" altLang="zh-CN" dirty="0" smtClean="0"/>
+          </a:p>
+          <a:p>
+            <a:endParaRPr lang="en-US" altLang="zh-CN" dirty="0" smtClean="0"/>
+          </a:p>
+          <a:p>
+            <a:r>
+              <a:rPr lang="en-US" altLang="zh-CN" dirty="0" smtClean="0"/>
+              <a:t>Trove </a:t>
+            </a:r>
+          </a:p>
+          <a:p>
+            <a:r>
+              <a:rPr lang="en-US" altLang="zh-CN" dirty="0" smtClean="0"/>
+              <a:t>  1</a:t>
+            </a:r>
+            <a:r>
+              <a:rPr lang="zh-CN" altLang="en-US" dirty="0" smtClean="0"/>
+              <a:t>、开发寻址算法，没有采用链表存储来解决</a:t>
+            </a:r>
+            <a:r>
+              <a:rPr lang="en-US" altLang="zh-CN" dirty="0" smtClean="0"/>
+              <a:t>hash</a:t>
+            </a:r>
+            <a:r>
+              <a:rPr lang="zh-CN" altLang="en-US" dirty="0" smtClean="0"/>
+              <a:t>冲突，节约内存。</a:t>
+            </a:r>
+            <a:endParaRPr lang="en-US" altLang="zh-CN" dirty="0" smtClean="0"/>
+          </a:p>
+          <a:p>
+            <a:r>
+              <a:rPr lang="en-US" altLang="zh-CN" dirty="0" smtClean="0"/>
+              <a:t>  2</a:t>
+            </a:r>
+            <a:r>
+              <a:rPr lang="zh-CN" altLang="en-US" dirty="0" smtClean="0"/>
+              <a:t>、自动封箱、解箱性能问题不复存在</a:t>
+            </a:r>
+            <a:endParaRPr lang="en-US" altLang="zh-CN" dirty="0" smtClean="0"/>
+          </a:p>
+          <a:p>
+            <a:endParaRPr lang="en-US" altLang="zh-CN" dirty="0" smtClean="0"/>
+          </a:p>
+          <a:p>
+            <a:r>
+              <a:rPr lang="en-US" altLang="zh-CN" sz="1200" b="0" i="0" kern="1200" dirty="0" smtClean="0">
+                <a:solidFill>
+                  <a:schemeClr val="tx1"/>
+                </a:solidFill>
+                <a:effectLst/>
+                <a:latin typeface="+mn-lt"/>
+                <a:ea typeface="+mn-ea"/>
+                <a:cs typeface="+mn-cs"/>
+              </a:rPr>
+              <a:t>Brownies</a:t>
+            </a:r>
+            <a:r>
+              <a:rPr lang="zh-CN" altLang="en-US" sz="1200" b="0" i="0" kern="1200" dirty="0" smtClean="0">
+                <a:solidFill>
+                  <a:schemeClr val="tx1"/>
+                </a:solidFill>
+                <a:effectLst/>
+                <a:latin typeface="+mn-lt"/>
+                <a:ea typeface="+mn-ea"/>
+                <a:cs typeface="+mn-cs"/>
+              </a:rPr>
+              <a:t>官方网址</a:t>
+            </a:r>
+            <a:endParaRPr lang="en-US" altLang="zh-CN" baseline="0" dirty="0" smtClean="0"/>
+          </a:p>
+          <a:p>
+            <a:r>
+              <a:rPr lang="en-US" altLang="zh-CN" dirty="0" smtClean="0"/>
+              <a:t>http://www.magicwerk.org/page-collections-overview.html</a:t>
+            </a:r>
+            <a:endParaRPr lang="zh-CN" altLang="en-US" dirty="0"/>
+          </a:p>
+        </p:txBody>
+      </p:sp>
+      <p:sp>
+        <p:nvSpPr>
+          <p:cNvPr id="4" name="灯片编号占位符 3"/>
+          <p:cNvSpPr>
+            <a:spLocks noGrp="1"/>
+          </p:cNvSpPr>
+          <p:nvPr>
+            <p:ph type="sldNum" sz="quarter" idx="10"/>
+          </p:nvPr>
+        </p:nvSpPr>
+        <p:spPr/>
+        <p:txBody>
+          <a:bodyPr/>
+          <a:lstStyle/>
+          <a:p>
+            <a:fld id="{D62A80DA-2C88-480B-A683-D200A0428AC4}" type="slidenum">
+              <a:rPr lang="zh-CN" altLang="en-US" smtClean="0"/>
               <a:t>17</a:t>
+            </a:fld>
+            <a:endParaRPr lang="zh-CN" altLang="en-US"/>
+          </a:p>
+        </p:txBody>
+      </p:sp>
+    </p:spTree>
+    <p:extLst>
+      <p:ext uri="{BB962C8B-B14F-4D97-AF65-F5344CB8AC3E}">
+        <p14:creationId xmlns:p14="http://schemas.microsoft.com/office/powerpoint/2010/main" val="3320056552"/>
+      </p:ext>
+    </p:extLst>
+  </p:cSld>
+  <p:clrMapOvr>
+    <a:masterClrMapping/>
+  </p:clrMapOvr>
+</p:notes>
+</file>
+
+<file path=ppt/notesSlides/notesSlide17.xml><?xml version="1.0" encoding="utf-8"?>
+<p:notes xmlns:a="http://schemas.openxmlformats.org/drawingml/2006/main" xmlns:r="http://schemas.openxmlformats.org/officeDocument/2006/relationships" xmlns:p="http://schemas.openxmlformats.org/presentationml/2006/main">
+  <p:cSld>
+    <p:spTree>
+      <p:nvGrpSpPr>
+        <p:cNvPr id="1" name=""/>
+        <p:cNvGrpSpPr/>
+        <p:nvPr/>
+      </p:nvGrpSpPr>
+      <p:grpSpPr>
+        <a:xfrm>
+          <a:off x="0" y="0"/>
+          <a:ext cx="0" cy="0"/>
+          <a:chOff x="0" y="0"/>
+          <a:chExt cx="0" cy="0"/>
+        </a:xfrm>
+      </p:grpSpPr>
+      <p:sp>
+        <p:nvSpPr>
+          <p:cNvPr id="2" name="幻灯片图像占位符 1"/>
+          <p:cNvSpPr>
+            <a:spLocks noGrp="1" noRot="1" noChangeAspect="1"/>
+          </p:cNvSpPr>
+          <p:nvPr>
+            <p:ph type="sldImg"/>
+          </p:nvPr>
+        </p:nvSpPr>
+        <p:spPr/>
+      </p:sp>
+      <p:sp>
+        <p:nvSpPr>
+          <p:cNvPr id="3" name="备注占位符 2"/>
+          <p:cNvSpPr>
+            <a:spLocks noGrp="1"/>
+          </p:cNvSpPr>
+          <p:nvPr>
+            <p:ph type="body" idx="1"/>
+          </p:nvPr>
+        </p:nvSpPr>
+        <p:spPr/>
+        <p:txBody>
+          <a:bodyPr/>
+          <a:lstStyle/>
+          <a:p>
+            <a:endParaRPr lang="zh-CN" altLang="en-US" dirty="0"/>
+          </a:p>
+        </p:txBody>
+      </p:sp>
+      <p:sp>
+        <p:nvSpPr>
+          <p:cNvPr id="4" name="灯片编号占位符 3"/>
+          <p:cNvSpPr>
+            <a:spLocks noGrp="1"/>
+          </p:cNvSpPr>
+          <p:nvPr>
+            <p:ph type="sldNum" sz="quarter" idx="10"/>
+          </p:nvPr>
+        </p:nvSpPr>
+        <p:spPr/>
+        <p:txBody>
+          <a:bodyPr/>
+          <a:lstStyle/>
+          <a:p>
+            <a:fld id="{D62A80DA-2C88-480B-A683-D200A0428AC4}" type="slidenum">
+              <a:rPr lang="zh-CN" altLang="en-US" smtClean="0"/>
+              <a:t>18</a:t>
             </a:fld>
             <a:endParaRPr lang="zh-CN" altLang="en-US"/>
           </a:p>
@@ -1864,48 +1946,610 @@
           <a:bodyPr/>
           <a:lstStyle/>
           <a:p>
-            <a:r>
-              <a:rPr lang="zh-CN" altLang="en-US" dirty="0" smtClean="0"/>
-              <a:t>性能问题和数据结构相关</a:t>
-            </a:r>
-            <a:endParaRPr lang="en-US" altLang="zh-CN" dirty="0" smtClean="0"/>
-          </a:p>
-          <a:p>
-            <a:r>
-              <a:rPr lang="en-US" altLang="zh-CN" dirty="0" smtClean="0"/>
+            <a:pPr marL="0" marR="0" indent="0" algn="l" defTabSz="914400" rtl="0" eaLnBrk="1" fontAlgn="auto" latinLnBrk="0" hangingPunct="1">
+              <a:lnSpc>
+                <a:spcPct val="100000"/>
+              </a:lnSpc>
+              <a:spcBef>
+                <a:spcPts val="0"/>
+              </a:spcBef>
+              <a:spcAft>
+                <a:spcPts val="0"/>
+              </a:spcAft>
+              <a:buClrTx/>
+              <a:buSzTx/>
+              <a:buFontTx/>
+              <a:buNone/>
+              <a:tabLst/>
+              <a:defRPr/>
+            </a:pPr>
+            <a:r>
+              <a:rPr lang="zh-CN" altLang="zh-CN" sz="1200" kern="1200" dirty="0" smtClean="0">
+                <a:solidFill>
+                  <a:schemeClr val="tx1"/>
+                </a:solidFill>
+                <a:effectLst/>
+                <a:latin typeface="+mn-lt"/>
+                <a:ea typeface="+mn-ea"/>
+                <a:cs typeface="+mn-cs"/>
+              </a:rPr>
+              <a:t>首先从数据结构层面来理解整个类图，线性数据结构中两种最重要的两种数据结构就是数组与链表，</a:t>
+            </a:r>
+            <a:r>
+              <a:rPr lang="en-US" altLang="zh-CN" sz="1200" kern="1200" dirty="0" smtClean="0">
+                <a:solidFill>
+                  <a:schemeClr val="tx1"/>
+                </a:solidFill>
+                <a:effectLst/>
+                <a:latin typeface="+mn-lt"/>
+                <a:ea typeface="+mn-ea"/>
+                <a:cs typeface="+mn-cs"/>
+              </a:rPr>
+              <a:t>List</a:t>
+            </a:r>
+            <a:r>
+              <a:rPr lang="zh-CN" altLang="zh-CN" sz="1200" kern="1200" dirty="0" smtClean="0">
+                <a:solidFill>
+                  <a:schemeClr val="tx1"/>
+                </a:solidFill>
+                <a:effectLst/>
+                <a:latin typeface="+mn-lt"/>
+                <a:ea typeface="+mn-ea"/>
+                <a:cs typeface="+mn-cs"/>
+              </a:rPr>
+              <a:t>列表即是该数据结构的抽象。</a:t>
+            </a:r>
+            <a:endParaRPr lang="en-US" altLang="zh-CN" sz="1200" kern="1200" dirty="0" smtClean="0">
+              <a:solidFill>
+                <a:schemeClr val="tx1"/>
+              </a:solidFill>
+              <a:effectLst/>
+              <a:latin typeface="+mn-lt"/>
+              <a:ea typeface="+mn-ea"/>
+              <a:cs typeface="+mn-cs"/>
+            </a:endParaRPr>
+          </a:p>
+          <a:p>
+            <a:pPr marL="0" marR="0" indent="0" algn="l" defTabSz="914400" rtl="0" eaLnBrk="1" fontAlgn="auto" latinLnBrk="0" hangingPunct="1">
+              <a:lnSpc>
+                <a:spcPct val="100000"/>
+              </a:lnSpc>
+              <a:spcBef>
+                <a:spcPts val="0"/>
+              </a:spcBef>
+              <a:spcAft>
+                <a:spcPts val="0"/>
+              </a:spcAft>
+              <a:buClrTx/>
+              <a:buSzTx/>
+              <a:buFontTx/>
+              <a:buNone/>
+              <a:tabLst/>
+              <a:defRPr/>
+            </a:pPr>
+            <a:r>
+              <a:rPr lang="en-US" altLang="zh-CN" sz="1200" kern="1200" dirty="0" smtClean="0">
+                <a:solidFill>
+                  <a:schemeClr val="tx1"/>
+                </a:solidFill>
+                <a:effectLst/>
+                <a:latin typeface="+mn-lt"/>
+                <a:ea typeface="+mn-ea"/>
+                <a:cs typeface="+mn-cs"/>
+              </a:rPr>
               <a:t>1</a:t>
             </a:r>
             <a:r>
-              <a:rPr lang="zh-CN" altLang="en-US" dirty="0" smtClean="0"/>
+              <a:rPr lang="zh-CN" altLang="en-US" sz="1200" kern="1200" dirty="0" smtClean="0">
+                <a:solidFill>
+                  <a:schemeClr val="tx1"/>
+                </a:solidFill>
+                <a:effectLst/>
+                <a:latin typeface="+mn-lt"/>
+                <a:ea typeface="+mn-ea"/>
+                <a:cs typeface="+mn-cs"/>
+              </a:rPr>
+              <a:t>、假设自己实现一个集合的扩展结构应该在哪里扩展？</a:t>
+            </a:r>
+            <a:endParaRPr lang="en-US" altLang="zh-CN" sz="1200" kern="1200" dirty="0" smtClean="0">
+              <a:solidFill>
+                <a:schemeClr val="tx1"/>
+              </a:solidFill>
+              <a:effectLst/>
+              <a:latin typeface="+mn-lt"/>
+              <a:ea typeface="+mn-ea"/>
+              <a:cs typeface="+mn-cs"/>
+            </a:endParaRPr>
+          </a:p>
+          <a:p>
+            <a:pPr marL="0" marR="0" indent="0" algn="l" defTabSz="914400" rtl="0" eaLnBrk="1" fontAlgn="auto" latinLnBrk="0" hangingPunct="1">
+              <a:lnSpc>
+                <a:spcPct val="100000"/>
+              </a:lnSpc>
+              <a:spcBef>
+                <a:spcPts val="0"/>
+              </a:spcBef>
+              <a:spcAft>
+                <a:spcPts val="0"/>
+              </a:spcAft>
+              <a:buClrTx/>
+              <a:buSzTx/>
+              <a:buFontTx/>
+              <a:buNone/>
+              <a:tabLst/>
+              <a:defRPr/>
+            </a:pPr>
+            <a:r>
+              <a:rPr lang="en-US" altLang="zh-CN" sz="1200" kern="1200" dirty="0" smtClean="0">
+                <a:solidFill>
+                  <a:schemeClr val="tx1"/>
+                </a:solidFill>
+                <a:effectLst/>
+                <a:latin typeface="+mn-lt"/>
+                <a:ea typeface="+mn-ea"/>
+                <a:cs typeface="+mn-cs"/>
+              </a:rPr>
+              <a:t>2</a:t>
+            </a:r>
+            <a:r>
+              <a:rPr lang="zh-CN" altLang="en-US" sz="1200" kern="1200" dirty="0" smtClean="0">
+                <a:solidFill>
+                  <a:schemeClr val="tx1"/>
+                </a:solidFill>
+                <a:effectLst/>
+                <a:latin typeface="+mn-lt"/>
+                <a:ea typeface="+mn-ea"/>
+                <a:cs typeface="+mn-cs"/>
+              </a:rPr>
               <a:t>、</a:t>
             </a:r>
             <a:r>
-              <a:rPr lang="en-US" altLang="zh-CN" dirty="0" err="1" smtClean="0"/>
-              <a:t>ArrayList</a:t>
-            </a:r>
-            <a:r>
-              <a:rPr lang="zh-CN" altLang="en-US" dirty="0" smtClean="0"/>
-              <a:t>快速访问，但是扩容会带来重新分配。</a:t>
-            </a:r>
-            <a:endParaRPr lang="en-US" altLang="zh-CN" dirty="0" smtClean="0"/>
-          </a:p>
-          <a:p>
-            <a:r>
-              <a:rPr lang="en-US" altLang="zh-CN" dirty="0" smtClean="0"/>
+              <a:rPr lang="en-US" altLang="zh-CN" sz="1200" kern="1200" dirty="0" smtClean="0">
+                <a:solidFill>
+                  <a:schemeClr val="tx1"/>
+                </a:solidFill>
+                <a:effectLst/>
+                <a:latin typeface="+mn-lt"/>
+                <a:ea typeface="+mn-ea"/>
+                <a:cs typeface="+mn-cs"/>
+              </a:rPr>
+              <a:t>JDK</a:t>
+            </a:r>
+            <a:r>
+              <a:rPr lang="zh-CN" altLang="en-US" sz="1200" kern="1200" dirty="0" smtClean="0">
+                <a:solidFill>
+                  <a:schemeClr val="tx1"/>
+                </a:solidFill>
+                <a:effectLst/>
+                <a:latin typeface="+mn-lt"/>
+                <a:ea typeface="+mn-ea"/>
+                <a:cs typeface="+mn-cs"/>
+              </a:rPr>
+              <a:t>集合框架是一个通用性很强的框架，并不适合所有场景，站在通用性角度</a:t>
+            </a:r>
+            <a:endParaRPr lang="en-US" altLang="zh-CN" sz="1200" kern="1200" dirty="0" smtClean="0">
+              <a:solidFill>
+                <a:schemeClr val="tx1"/>
+              </a:solidFill>
+              <a:effectLst/>
+              <a:latin typeface="+mn-lt"/>
+              <a:ea typeface="+mn-ea"/>
+              <a:cs typeface="+mn-cs"/>
+            </a:endParaRPr>
+          </a:p>
+          <a:p>
+            <a:pPr marL="0" marR="0" indent="0" algn="l" defTabSz="914400" rtl="0" eaLnBrk="1" fontAlgn="auto" latinLnBrk="0" hangingPunct="1">
+              <a:lnSpc>
+                <a:spcPct val="100000"/>
+              </a:lnSpc>
+              <a:spcBef>
+                <a:spcPts val="0"/>
+              </a:spcBef>
+              <a:spcAft>
+                <a:spcPts val="0"/>
+              </a:spcAft>
+              <a:buClrTx/>
+              <a:buSzTx/>
+              <a:buFontTx/>
+              <a:buNone/>
+              <a:tabLst/>
+              <a:defRPr/>
+            </a:pPr>
+            <a:endParaRPr lang="en-US" altLang="zh-CN" sz="1200" kern="1200" dirty="0" smtClean="0">
+              <a:solidFill>
+                <a:schemeClr val="tx1"/>
+              </a:solidFill>
+              <a:effectLst/>
+              <a:latin typeface="+mn-lt"/>
+              <a:ea typeface="+mn-ea"/>
+              <a:cs typeface="+mn-cs"/>
+            </a:endParaRPr>
+          </a:p>
+          <a:p>
+            <a:pPr marL="0" marR="0" indent="0" algn="l" defTabSz="914400" rtl="0" eaLnBrk="1" fontAlgn="auto" latinLnBrk="0" hangingPunct="1">
+              <a:lnSpc>
+                <a:spcPct val="100000"/>
+              </a:lnSpc>
+              <a:spcBef>
+                <a:spcPts val="0"/>
+              </a:spcBef>
+              <a:spcAft>
+                <a:spcPts val="0"/>
+              </a:spcAft>
+              <a:buClrTx/>
+              <a:buSzTx/>
+              <a:buFontTx/>
+              <a:buNone/>
+              <a:tabLst/>
+              <a:defRPr/>
+            </a:pPr>
+            <a:r>
+              <a:rPr lang="zh-CN" altLang="en-US" sz="1200" kern="1200" dirty="0" smtClean="0">
+                <a:solidFill>
+                  <a:schemeClr val="tx1"/>
+                </a:solidFill>
+                <a:effectLst/>
+                <a:latin typeface="+mn-lt"/>
+                <a:ea typeface="+mn-ea"/>
+                <a:cs typeface="+mn-cs"/>
+              </a:rPr>
+              <a:t>为什么要引入新的基础</a:t>
+            </a:r>
+            <a:r>
+              <a:rPr lang="en-US" altLang="zh-CN" sz="1200" kern="1200" dirty="0" smtClean="0">
+                <a:solidFill>
+                  <a:schemeClr val="tx1"/>
+                </a:solidFill>
+                <a:effectLst/>
+                <a:latin typeface="+mn-lt"/>
+                <a:ea typeface="+mn-ea"/>
+                <a:cs typeface="+mn-cs"/>
+              </a:rPr>
+              <a:t>Jar</a:t>
+            </a:r>
+            <a:r>
+              <a:rPr lang="zh-CN" altLang="en-US" sz="1200" kern="1200" dirty="0" smtClean="0">
+                <a:solidFill>
+                  <a:schemeClr val="tx1"/>
+                </a:solidFill>
+                <a:effectLst/>
+                <a:latin typeface="+mn-lt"/>
+                <a:ea typeface="+mn-ea"/>
+                <a:cs typeface="+mn-cs"/>
+              </a:rPr>
+              <a:t>？</a:t>
+            </a:r>
+            <a:endParaRPr lang="en-US" altLang="zh-CN" sz="1200" kern="1200" dirty="0" smtClean="0">
+              <a:solidFill>
+                <a:schemeClr val="tx1"/>
+              </a:solidFill>
+              <a:effectLst/>
+              <a:latin typeface="+mn-lt"/>
+              <a:ea typeface="+mn-ea"/>
+              <a:cs typeface="+mn-cs"/>
+            </a:endParaRPr>
+          </a:p>
+          <a:p>
+            <a:pPr marL="0" marR="0" indent="0" algn="l" defTabSz="914400" rtl="0" eaLnBrk="1" fontAlgn="auto" latinLnBrk="0" hangingPunct="1">
+              <a:lnSpc>
+                <a:spcPct val="100000"/>
+              </a:lnSpc>
+              <a:spcBef>
+                <a:spcPts val="0"/>
+              </a:spcBef>
+              <a:spcAft>
+                <a:spcPts val="0"/>
+              </a:spcAft>
+              <a:buClrTx/>
+              <a:buSzTx/>
+              <a:buFontTx/>
+              <a:buNone/>
+              <a:tabLst/>
+              <a:defRPr/>
+            </a:pPr>
+            <a:r>
+              <a:rPr lang="en-US" altLang="zh-CN" sz="1200" kern="1200" dirty="0" smtClean="0">
+                <a:solidFill>
+                  <a:schemeClr val="tx1"/>
+                </a:solidFill>
+                <a:effectLst/>
+                <a:latin typeface="+mn-lt"/>
+                <a:ea typeface="+mn-ea"/>
+                <a:cs typeface="+mn-cs"/>
+              </a:rPr>
+              <a:t>1</a:t>
+            </a:r>
+            <a:r>
+              <a:rPr lang="zh-CN" altLang="en-US" sz="1200" kern="1200" dirty="0" smtClean="0">
+                <a:solidFill>
+                  <a:schemeClr val="tx1"/>
+                </a:solidFill>
+                <a:effectLst/>
+                <a:latin typeface="+mn-lt"/>
+                <a:ea typeface="+mn-ea"/>
+                <a:cs typeface="+mn-cs"/>
+              </a:rPr>
+              <a:t>、有些场景和数据结构无法支持，需要进行多个数据结构组合使用，这样的代码随处可见。</a:t>
+            </a:r>
+            <a:endParaRPr lang="en-US" altLang="zh-CN" sz="1200" kern="1200" dirty="0" smtClean="0">
+              <a:solidFill>
+                <a:schemeClr val="tx1"/>
+              </a:solidFill>
+              <a:effectLst/>
+              <a:latin typeface="+mn-lt"/>
+              <a:ea typeface="+mn-ea"/>
+              <a:cs typeface="+mn-cs"/>
+            </a:endParaRPr>
+          </a:p>
+          <a:p>
+            <a:pPr marL="0" marR="0" indent="0" algn="l" defTabSz="914400" rtl="0" eaLnBrk="1" fontAlgn="auto" latinLnBrk="0" hangingPunct="1">
+              <a:lnSpc>
+                <a:spcPct val="100000"/>
+              </a:lnSpc>
+              <a:spcBef>
+                <a:spcPts val="0"/>
+              </a:spcBef>
+              <a:spcAft>
+                <a:spcPts val="0"/>
+              </a:spcAft>
+              <a:buClrTx/>
+              <a:buSzTx/>
+              <a:buFontTx/>
+              <a:buNone/>
+              <a:tabLst/>
+              <a:defRPr/>
+            </a:pPr>
+            <a:r>
+              <a:rPr lang="en-US" altLang="zh-CN" sz="1200" kern="1200" dirty="0" smtClean="0">
+                <a:solidFill>
+                  <a:schemeClr val="tx1"/>
+                </a:solidFill>
+                <a:effectLst/>
+                <a:latin typeface="+mn-lt"/>
+                <a:ea typeface="+mn-ea"/>
+                <a:cs typeface="+mn-cs"/>
+              </a:rPr>
               <a:t>2</a:t>
             </a:r>
             <a:r>
-              <a:rPr lang="zh-CN" altLang="en-US" dirty="0" smtClean="0"/>
-              <a:t>、</a:t>
-            </a:r>
-            <a:r>
-              <a:rPr lang="en-US" altLang="zh-CN" dirty="0" err="1" smtClean="0"/>
-              <a:t>LinkedList</a:t>
-            </a:r>
-            <a:r>
-              <a:rPr lang="zh-CN" altLang="en-US" baseline="0" dirty="0" smtClean="0"/>
-              <a:t> 删除、增加比较占优势</a:t>
-            </a:r>
+              <a:rPr lang="zh-CN" altLang="en-US" sz="1200" kern="1200" dirty="0" smtClean="0">
+                <a:solidFill>
+                  <a:schemeClr val="tx1"/>
+                </a:solidFill>
+                <a:effectLst/>
+                <a:latin typeface="+mn-lt"/>
+                <a:ea typeface="+mn-ea"/>
+                <a:cs typeface="+mn-cs"/>
+              </a:rPr>
+              <a:t>、对字符串的拆分、组织经常遇到</a:t>
+            </a:r>
+            <a:endParaRPr lang="en-US" altLang="zh-CN" sz="1200" kern="1200" dirty="0" smtClean="0">
+              <a:solidFill>
+                <a:schemeClr val="tx1"/>
+              </a:solidFill>
+              <a:effectLst/>
+              <a:latin typeface="+mn-lt"/>
+              <a:ea typeface="+mn-ea"/>
+              <a:cs typeface="+mn-cs"/>
+            </a:endParaRPr>
+          </a:p>
+          <a:p>
+            <a:pPr marL="0" marR="0" indent="0" algn="l" defTabSz="914400" rtl="0" eaLnBrk="1" fontAlgn="auto" latinLnBrk="0" hangingPunct="1">
+              <a:lnSpc>
+                <a:spcPct val="100000"/>
+              </a:lnSpc>
+              <a:spcBef>
+                <a:spcPts val="0"/>
+              </a:spcBef>
+              <a:spcAft>
+                <a:spcPts val="0"/>
+              </a:spcAft>
+              <a:buClrTx/>
+              <a:buSzTx/>
+              <a:buFontTx/>
+              <a:buNone/>
+              <a:tabLst/>
+              <a:defRPr/>
+            </a:pPr>
+            <a:r>
+              <a:rPr lang="en-US" altLang="zh-CN" sz="1200" kern="1200" dirty="0" smtClean="0">
+                <a:solidFill>
+                  <a:schemeClr val="tx1"/>
+                </a:solidFill>
+                <a:effectLst/>
+                <a:latin typeface="+mn-lt"/>
+                <a:ea typeface="+mn-ea"/>
+                <a:cs typeface="+mn-cs"/>
+              </a:rPr>
+              <a:t>3</a:t>
+            </a:r>
+            <a:r>
+              <a:rPr lang="zh-CN" altLang="en-US" sz="1200" kern="1200" dirty="0" smtClean="0">
+                <a:solidFill>
+                  <a:schemeClr val="tx1"/>
+                </a:solidFill>
+                <a:effectLst/>
+                <a:latin typeface="+mn-lt"/>
+                <a:ea typeface="+mn-ea"/>
+                <a:cs typeface="+mn-cs"/>
+              </a:rPr>
+              <a:t>、前置条件检查</a:t>
+            </a:r>
+            <a:endParaRPr lang="en-US" altLang="zh-CN" sz="1200" kern="1200" dirty="0" smtClean="0">
+              <a:solidFill>
+                <a:schemeClr val="tx1"/>
+              </a:solidFill>
+              <a:effectLst/>
+              <a:latin typeface="+mn-lt"/>
+              <a:ea typeface="+mn-ea"/>
+              <a:cs typeface="+mn-cs"/>
+            </a:endParaRPr>
+          </a:p>
+          <a:p>
+            <a:pPr marL="0" marR="0" indent="0" algn="l" defTabSz="914400" rtl="0" eaLnBrk="1" fontAlgn="auto" latinLnBrk="0" hangingPunct="1">
+              <a:lnSpc>
+                <a:spcPct val="100000"/>
+              </a:lnSpc>
+              <a:spcBef>
+                <a:spcPts val="0"/>
+              </a:spcBef>
+              <a:spcAft>
+                <a:spcPts val="0"/>
+              </a:spcAft>
+              <a:buClrTx/>
+              <a:buSzTx/>
+              <a:buFontTx/>
+              <a:buNone/>
+              <a:tabLst/>
+              <a:defRPr/>
+            </a:pPr>
+            <a:r>
+              <a:rPr lang="en-US" altLang="zh-CN" sz="1200" kern="1200" dirty="0" smtClean="0">
+                <a:solidFill>
+                  <a:schemeClr val="tx1"/>
+                </a:solidFill>
+                <a:effectLst/>
+                <a:latin typeface="+mn-lt"/>
+                <a:ea typeface="+mn-ea"/>
+                <a:cs typeface="+mn-cs"/>
+              </a:rPr>
+              <a:t>4</a:t>
+            </a:r>
+            <a:r>
+              <a:rPr lang="zh-CN" altLang="en-US" sz="1200" kern="1200" dirty="0" smtClean="0">
+                <a:solidFill>
+                  <a:schemeClr val="tx1"/>
+                </a:solidFill>
+                <a:effectLst/>
+                <a:latin typeface="+mn-lt"/>
+                <a:ea typeface="+mn-ea"/>
+                <a:cs typeface="+mn-cs"/>
+              </a:rPr>
+              <a:t>、本地内存操作</a:t>
+            </a:r>
+            <a:endParaRPr lang="en-US" altLang="zh-CN" sz="1200" kern="1200" dirty="0" smtClean="0">
+              <a:solidFill>
+                <a:schemeClr val="tx1"/>
+              </a:solidFill>
+              <a:effectLst/>
+              <a:latin typeface="+mn-lt"/>
+              <a:ea typeface="+mn-ea"/>
+              <a:cs typeface="+mn-cs"/>
+            </a:endParaRPr>
+          </a:p>
+          <a:p>
+            <a:pPr marL="0" marR="0" indent="0" algn="l" defTabSz="914400" rtl="0" eaLnBrk="1" fontAlgn="auto" latinLnBrk="0" hangingPunct="1">
+              <a:lnSpc>
+                <a:spcPct val="100000"/>
+              </a:lnSpc>
+              <a:spcBef>
+                <a:spcPts val="0"/>
+              </a:spcBef>
+              <a:spcAft>
+                <a:spcPts val="0"/>
+              </a:spcAft>
+              <a:buClrTx/>
+              <a:buSzTx/>
+              <a:buFontTx/>
+              <a:buNone/>
+              <a:tabLst/>
+              <a:defRPr/>
+            </a:pPr>
+            <a:endParaRPr lang="en-US" altLang="zh-CN" sz="1200" kern="1200" dirty="0" smtClean="0">
+              <a:solidFill>
+                <a:schemeClr val="tx1"/>
+              </a:solidFill>
+              <a:effectLst/>
+              <a:latin typeface="+mn-lt"/>
+              <a:ea typeface="+mn-ea"/>
+              <a:cs typeface="+mn-cs"/>
+            </a:endParaRPr>
+          </a:p>
+          <a:p>
+            <a:pPr marL="0" marR="0" indent="0" algn="l" defTabSz="914400" rtl="0" eaLnBrk="1" fontAlgn="auto" latinLnBrk="0" hangingPunct="1">
+              <a:lnSpc>
+                <a:spcPct val="100000"/>
+              </a:lnSpc>
+              <a:spcBef>
+                <a:spcPts val="0"/>
+              </a:spcBef>
+              <a:spcAft>
+                <a:spcPts val="0"/>
+              </a:spcAft>
+              <a:buClrTx/>
+              <a:buSzTx/>
+              <a:buFontTx/>
+              <a:buNone/>
+              <a:tabLst/>
+              <a:defRPr/>
+            </a:pPr>
+            <a:endParaRPr lang="en-US" altLang="zh-CN" sz="1200" kern="1200" dirty="0" smtClean="0">
+              <a:solidFill>
+                <a:schemeClr val="tx1"/>
+              </a:solidFill>
+              <a:effectLst/>
+              <a:latin typeface="+mn-lt"/>
+              <a:ea typeface="+mn-ea"/>
+              <a:cs typeface="+mn-cs"/>
+            </a:endParaRPr>
+          </a:p>
+          <a:p>
+            <a:pPr marL="0" marR="0" indent="0" algn="l" defTabSz="914400" rtl="0" eaLnBrk="1" fontAlgn="auto" latinLnBrk="0" hangingPunct="1">
+              <a:lnSpc>
+                <a:spcPct val="100000"/>
+              </a:lnSpc>
+              <a:spcBef>
+                <a:spcPts val="0"/>
+              </a:spcBef>
+              <a:spcAft>
+                <a:spcPts val="0"/>
+              </a:spcAft>
+              <a:buClrTx/>
+              <a:buSzTx/>
+              <a:buFontTx/>
+              <a:buNone/>
+              <a:tabLst/>
+              <a:defRPr/>
+            </a:pPr>
+            <a:endParaRPr lang="en-US" altLang="zh-CN" sz="1200" kern="1200" dirty="0" smtClean="0">
+              <a:solidFill>
+                <a:schemeClr val="tx1"/>
+              </a:solidFill>
+              <a:effectLst/>
+              <a:latin typeface="+mn-lt"/>
+              <a:ea typeface="+mn-ea"/>
+              <a:cs typeface="+mn-cs"/>
+            </a:endParaRPr>
+          </a:p>
+          <a:p>
+            <a:pPr marL="0" marR="0" indent="0" algn="l" defTabSz="914400" rtl="0" eaLnBrk="1" fontAlgn="auto" latinLnBrk="0" hangingPunct="1">
+              <a:lnSpc>
+                <a:spcPct val="100000"/>
+              </a:lnSpc>
+              <a:spcBef>
+                <a:spcPts val="0"/>
+              </a:spcBef>
+              <a:spcAft>
+                <a:spcPts val="0"/>
+              </a:spcAft>
+              <a:buClrTx/>
+              <a:buSzTx/>
+              <a:buFontTx/>
+              <a:buNone/>
+              <a:tabLst/>
+              <a:defRPr/>
+            </a:pPr>
+            <a:endParaRPr lang="zh-CN" altLang="zh-CN" sz="1200" kern="1200" dirty="0" smtClean="0">
+              <a:solidFill>
+                <a:schemeClr val="tx1"/>
+              </a:solidFill>
+              <a:effectLst/>
+              <a:latin typeface="+mn-lt"/>
+              <a:ea typeface="+mn-ea"/>
+              <a:cs typeface="+mn-cs"/>
+            </a:endParaRPr>
+          </a:p>
+          <a:p>
             <a:endParaRPr lang="zh-CN" altLang="en-US" dirty="0"/>
           </a:p>
         </p:txBody>
@@ -1927,7 +2571,7 @@
           <a:p>
             <a:fld id="{D62A80DA-2C88-480B-A683-D200A0428AC4}" type="slidenum">
               <a:rPr lang="zh-CN" altLang="en-US" smtClean="0"/>
-              <a:t>4</a:t>
+              <a:t>3</a:t>
             </a:fld>
             <a:endParaRPr lang="zh-CN" altLang="en-US"/>
           </a:p>
@@ -2011,7 +2655,7 @@
           <a:p>
             <a:fld id="{D62A80DA-2C88-480B-A683-D200A0428AC4}" type="slidenum">
               <a:rPr lang="zh-CN" altLang="en-US" smtClean="0"/>
-              <a:t>5</a:t>
+              <a:t>4</a:t>
             </a:fld>
             <a:endParaRPr lang="zh-CN" altLang="en-US"/>
           </a:p>
@@ -2221,7 +2865,7 @@
           <a:p>
             <a:fld id="{D62A80DA-2C88-480B-A683-D200A0428AC4}" type="slidenum">
               <a:rPr lang="zh-CN" altLang="en-US" smtClean="0"/>
-              <a:t>6</a:t>
+              <a:t>5</a:t>
             </a:fld>
             <a:endParaRPr lang="zh-CN" altLang="en-US"/>
           </a:p>
@@ -2305,7 +2949,7 @@
           <a:p>
             <a:fld id="{D62A80DA-2C88-480B-A683-D200A0428AC4}" type="slidenum">
               <a:rPr lang="zh-CN" altLang="en-US" smtClean="0"/>
-              <a:t>7</a:t>
+              <a:t>6</a:t>
             </a:fld>
             <a:endParaRPr lang="zh-CN" altLang="en-US"/>
           </a:p>
@@ -2389,7 +3033,7 @@
           <a:p>
             <a:fld id="{D62A80DA-2C88-480B-A683-D200A0428AC4}" type="slidenum">
               <a:rPr lang="zh-CN" altLang="en-US" smtClean="0"/>
-              <a:t>8</a:t>
+              <a:t>7</a:t>
             </a:fld>
             <a:endParaRPr lang="zh-CN" altLang="en-US"/>
           </a:p>
@@ -2555,7 +3199,7 @@
           <a:p>
             <a:fld id="{D62A80DA-2C88-480B-A683-D200A0428AC4}" type="slidenum">
               <a:rPr lang="zh-CN" altLang="en-US" smtClean="0"/>
-              <a:t>9</a:t>
+              <a:t>8</a:t>
             </a:fld>
             <a:endParaRPr lang="zh-CN" altLang="en-US"/>
           </a:p>
@@ -2748,7 +3392,7 @@
           <a:p>
             <a:fld id="{D62A80DA-2C88-480B-A683-D200A0428AC4}" type="slidenum">
               <a:rPr lang="zh-CN" altLang="en-US" smtClean="0"/>
-              <a:t>10</a:t>
+              <a:t>9</a:t>
             </a:fld>
             <a:endParaRPr lang="zh-CN" altLang="en-US"/>
           </a:p>
@@ -2832,7 +3476,7 @@
           <a:p>
             <a:fld id="{D62A80DA-2C88-480B-A683-D200A0428AC4}" type="slidenum">
               <a:rPr lang="zh-CN" altLang="en-US" smtClean="0"/>
-              <a:t>11</a:t>
+              <a:t>10</a:t>
             </a:fld>
             <a:endParaRPr lang="zh-CN" altLang="en-US"/>
           </a:p>
@@ -5026,7 +5670,7 @@
             <a:pPr algn="ctr"/>
             <a:r>
               <a:rPr lang="zh-CN" altLang="en-US" dirty="0" smtClean="0"/>
-              <a:t>布隆过滤器</a:t>
+              <a:t>散列防碰撞</a:t>
             </a:r>
             <a:endParaRPr lang="zh-CN" altLang="en-US" dirty="0"/>
           </a:p>
@@ -5034,196 +5678,142 @@
       </p:sp>
       <p:sp>
         <p:nvSpPr>
-          <p:cNvPr id="4" name="矩形 3"/>
+          <p:cNvPr id="2" name="矩形 1"/>
           <p:cNvSpPr/>
           <p:nvPr/>
         </p:nvSpPr>
         <p:spPr>
           <a:xfrm>
-            <a:off x="539552" y="2413338"/>
-            <a:ext cx="7920880" cy="1200329"/>
+            <a:off x="532728" y="2764347"/>
+            <a:ext cx="4572000" cy="1200329"/>
           </a:xfrm>
           <a:prstGeom prst="rect">
             <a:avLst/>
           </a:prstGeom>
         </p:spPr>
         <p:txBody>
-          <a:bodyPr wrap="square">
+          <a:bodyPr>
             <a:spAutoFit/>
           </a:bodyPr>
           <a:lstStyle/>
           <a:p>
             <a:r>
-              <a:rPr lang="zh-CN" altLang="zh-CN" dirty="0"/>
-              <a:t>如何实现快速判断元素是否存在</a:t>
-            </a:r>
-            <a:r>
-              <a:rPr lang="zh-CN" altLang="zh-CN" dirty="0" smtClean="0"/>
-              <a:t>？</a:t>
-            </a:r>
-            <a:r>
-              <a:rPr lang="zh-CN" altLang="en-US" dirty="0" smtClean="0"/>
-              <a:t>垃圾邮件黑名单、大数据集合</a:t>
-            </a:r>
-            <a:endParaRPr lang="zh-CN" altLang="zh-CN" dirty="0"/>
-          </a:p>
-          <a:p>
-            <a:pPr lvl="0"/>
-            <a:r>
-              <a:rPr lang="en-US" altLang="zh-CN" dirty="0" smtClean="0"/>
+              <a:rPr lang="en-US" altLang="zh-CN" dirty="0">
+                <a:latin typeface="华文楷体" pitchFamily="2" charset="-122"/>
+                <a:ea typeface="华文楷体" pitchFamily="2" charset="-122"/>
+              </a:rPr>
               <a:t>1</a:t>
             </a:r>
             <a:r>
-              <a:rPr lang="zh-CN" altLang="en-US" dirty="0" smtClean="0"/>
+              <a:rPr lang="zh-CN" altLang="zh-CN" dirty="0">
+                <a:latin typeface="华文楷体" pitchFamily="2" charset="-122"/>
+                <a:ea typeface="华文楷体" pitchFamily="2" charset="-122"/>
+              </a:rPr>
               <a:t>、</a:t>
             </a:r>
             <a:r>
-              <a:rPr lang="zh-CN" altLang="zh-CN" dirty="0" smtClean="0"/>
-              <a:t>二</a:t>
-            </a:r>
-            <a:r>
-              <a:rPr lang="zh-CN" altLang="zh-CN" dirty="0"/>
-              <a:t>分</a:t>
-            </a:r>
-            <a:r>
-              <a:rPr lang="zh-CN" altLang="zh-CN" dirty="0" smtClean="0"/>
-              <a:t>查找</a:t>
-            </a:r>
-            <a:endParaRPr lang="en-US" altLang="zh-CN" dirty="0"/>
-          </a:p>
-          <a:p>
-            <a:pPr lvl="0"/>
-            <a:r>
-              <a:rPr lang="en-US" altLang="zh-CN" dirty="0" smtClean="0"/>
+              <a:rPr lang="en-US" altLang="zh-CN" u="sng" dirty="0" err="1">
+                <a:latin typeface="华文楷体" pitchFamily="2" charset="-122"/>
+                <a:ea typeface="华文楷体" pitchFamily="2" charset="-122"/>
+                <a:hlinkClick r:id="rId4" tooltip="开放定址法（页面不存在）"/>
+              </a:rPr>
+              <a:t>开放定址法</a:t>
+            </a:r>
+            <a:endParaRPr lang="zh-CN" altLang="zh-CN" dirty="0">
+              <a:latin typeface="华文楷体" pitchFamily="2" charset="-122"/>
+              <a:ea typeface="华文楷体" pitchFamily="2" charset="-122"/>
+            </a:endParaRPr>
+          </a:p>
+          <a:p>
+            <a:r>
+              <a:rPr lang="en-US" altLang="zh-CN" dirty="0">
+                <a:latin typeface="华文楷体" pitchFamily="2" charset="-122"/>
+                <a:ea typeface="华文楷体" pitchFamily="2" charset="-122"/>
+              </a:rPr>
               <a:t>2</a:t>
             </a:r>
             <a:r>
-              <a:rPr lang="zh-CN" altLang="en-US" dirty="0" smtClean="0"/>
+              <a:rPr lang="zh-CN" altLang="zh-CN" dirty="0">
+                <a:latin typeface="华文楷体" pitchFamily="2" charset="-122"/>
+                <a:ea typeface="华文楷体" pitchFamily="2" charset="-122"/>
+              </a:rPr>
               <a:t>、</a:t>
             </a:r>
             <a:r>
-              <a:rPr lang="en-US" altLang="zh-CN" dirty="0" smtClean="0"/>
-              <a:t>Hash table</a:t>
-            </a:r>
-          </a:p>
-          <a:p>
-            <a:pPr lvl="0"/>
-            <a:r>
-              <a:rPr lang="en-US" altLang="zh-CN" dirty="0" smtClean="0"/>
+              <a:rPr lang="en-US" altLang="zh-CN" u="sng" dirty="0" err="1">
+                <a:latin typeface="华文楷体" pitchFamily="2" charset="-122"/>
+                <a:ea typeface="华文楷体" pitchFamily="2" charset="-122"/>
+                <a:hlinkClick r:id="rId5" tooltip="单独链表法（页面不存在）"/>
+              </a:rPr>
+              <a:t>单独链表法</a:t>
+            </a:r>
+            <a:endParaRPr lang="zh-CN" altLang="zh-CN" dirty="0">
+              <a:latin typeface="华文楷体" pitchFamily="2" charset="-122"/>
+              <a:ea typeface="华文楷体" pitchFamily="2" charset="-122"/>
+            </a:endParaRPr>
+          </a:p>
+          <a:p>
+            <a:r>
+              <a:rPr lang="en-US" altLang="zh-CN" dirty="0">
+                <a:latin typeface="华文楷体" pitchFamily="2" charset="-122"/>
+                <a:ea typeface="华文楷体" pitchFamily="2" charset="-122"/>
+              </a:rPr>
               <a:t>3</a:t>
             </a:r>
             <a:r>
-              <a:rPr lang="zh-CN" altLang="en-US" dirty="0" smtClean="0"/>
+              <a:rPr lang="zh-CN" altLang="zh-CN" dirty="0">
+                <a:latin typeface="华文楷体" pitchFamily="2" charset="-122"/>
+                <a:ea typeface="华文楷体" pitchFamily="2" charset="-122"/>
+              </a:rPr>
               <a:t>、</a:t>
             </a:r>
             <a:r>
-              <a:rPr lang="zh-CN" altLang="zh-CN" dirty="0" smtClean="0"/>
-              <a:t>布</a:t>
-            </a:r>
-            <a:r>
-              <a:rPr lang="zh-CN" altLang="zh-CN" dirty="0"/>
-              <a:t>隆过滤器</a:t>
-            </a:r>
-          </a:p>
-        </p:txBody>
-      </p:sp>
-      <p:pic>
-        <p:nvPicPr>
-          <p:cNvPr id="13" name="图片 12" descr="http://1.bp.blogspot.com/_ZIq6aT_S-eg/S5YnLYDxSGI/AAAAAAAAKB4/tyypqOWZN_w/s1600/bloomfilter-730334.jpg"/>
-          <p:cNvPicPr/>
-          <p:nvPr/>
-        </p:nvPicPr>
-        <p:blipFill>
-          <a:blip r:embed="rId4">
-            <a:extLst>
-              <a:ext uri="{28A0092B-C50C-407E-A947-70E740481C1C}">
-                <a14:useLocalDpi xmlns:a14="http://schemas.microsoft.com/office/drawing/2010/main" val="0"/>
-              </a:ext>
-            </a:extLst>
-          </a:blip>
-          <a:srcRect/>
-          <a:stretch>
-            <a:fillRect/>
-          </a:stretch>
-        </p:blipFill>
-        <p:spPr bwMode="auto">
-          <a:xfrm>
-            <a:off x="395536" y="3613667"/>
-            <a:ext cx="3961508" cy="1518285"/>
-          </a:xfrm>
-          <a:prstGeom prst="rect">
-            <a:avLst/>
-          </a:prstGeom>
-          <a:noFill/>
-          <a:ln>
-            <a:noFill/>
-          </a:ln>
-        </p:spPr>
-      </p:pic>
-      <p:sp>
-        <p:nvSpPr>
-          <p:cNvPr id="5" name="矩形 4"/>
-          <p:cNvSpPr/>
-          <p:nvPr/>
-        </p:nvSpPr>
-        <p:spPr>
-          <a:xfrm>
-            <a:off x="251520" y="4941168"/>
-            <a:ext cx="8568952" cy="1200329"/>
-          </a:xfrm>
-          <a:prstGeom prst="rect">
-            <a:avLst/>
-          </a:prstGeom>
-        </p:spPr>
-        <p:txBody>
-          <a:bodyPr wrap="square">
-            <a:spAutoFit/>
-          </a:bodyPr>
-          <a:lstStyle/>
-          <a:p>
-            <a:r>
-              <a:rPr lang="zh-CN" altLang="zh-CN" dirty="0"/>
-              <a:t>由一个很长的二进制向量和一系列随机映射的函数组成，通过多个</a:t>
-            </a:r>
-            <a:r>
-              <a:rPr lang="en-US" altLang="zh-CN" dirty="0"/>
-              <a:t>Hash</a:t>
-            </a:r>
-            <a:r>
-              <a:rPr lang="zh-CN" altLang="zh-CN" dirty="0"/>
-              <a:t>函数将一个元素映射到一个</a:t>
-            </a:r>
-            <a:r>
-              <a:rPr lang="en-US" altLang="zh-CN" dirty="0"/>
-              <a:t>Bit Array</a:t>
-            </a:r>
-            <a:r>
-              <a:rPr lang="zh-CN" altLang="zh-CN" dirty="0"/>
-              <a:t>中的多个点，查询的时候仅当所有的映射点都为</a:t>
-            </a:r>
-            <a:r>
-              <a:rPr lang="en-US" altLang="zh-CN" dirty="0"/>
-              <a:t>1</a:t>
-            </a:r>
-            <a:r>
-              <a:rPr lang="zh-CN" altLang="zh-CN" dirty="0"/>
-              <a:t>才能判断元素存在于集合内；</a:t>
-            </a:r>
-            <a:r>
-              <a:rPr lang="en-US" altLang="zh-CN" dirty="0"/>
-              <a:t>BF</a:t>
-            </a:r>
-            <a:r>
-              <a:rPr lang="zh-CN" altLang="zh-CN" dirty="0"/>
-              <a:t>用于检索一个元素是否在一个集合中，记忆集合求交集；优点是空间和时间效率都超过一般查询算法，缺点是有一定的误判概率和删除困难。</a:t>
-            </a:r>
+              <a:rPr lang="en-US" altLang="zh-CN" u="sng" dirty="0" err="1">
+                <a:latin typeface="华文楷体" pitchFamily="2" charset="-122"/>
+                <a:ea typeface="华文楷体" pitchFamily="2" charset="-122"/>
+                <a:hlinkClick r:id="rId6" tooltip="双散列（页面不存在）"/>
+              </a:rPr>
+              <a:t>双散列</a:t>
+            </a:r>
+            <a:endParaRPr lang="zh-CN" altLang="zh-CN" dirty="0">
+              <a:latin typeface="华文楷体" pitchFamily="2" charset="-122"/>
+              <a:ea typeface="华文楷体" pitchFamily="2" charset="-122"/>
+            </a:endParaRPr>
+          </a:p>
+          <a:p>
+            <a:r>
+              <a:rPr lang="en-US" altLang="zh-CN" dirty="0">
+                <a:latin typeface="华文楷体" pitchFamily="2" charset="-122"/>
+                <a:ea typeface="华文楷体" pitchFamily="2" charset="-122"/>
+              </a:rPr>
+              <a:t>4</a:t>
+            </a:r>
+            <a:r>
+              <a:rPr lang="zh-CN" altLang="zh-CN" dirty="0">
+                <a:latin typeface="华文楷体" pitchFamily="2" charset="-122"/>
+                <a:ea typeface="华文楷体" pitchFamily="2" charset="-122"/>
+              </a:rPr>
+              <a:t>、</a:t>
+            </a:r>
+            <a:r>
+              <a:rPr lang="en-US" altLang="zh-CN" u="sng" dirty="0" err="1">
+                <a:latin typeface="华文楷体" pitchFamily="2" charset="-122"/>
+                <a:ea typeface="华文楷体" pitchFamily="2" charset="-122"/>
+                <a:hlinkClick r:id="rId7" tooltip="再散列（页面不存在）"/>
+              </a:rPr>
+              <a:t>再散列</a:t>
+            </a:r>
+            <a:endParaRPr lang="zh-CN" altLang="zh-CN" dirty="0">
+              <a:latin typeface="华文楷体" pitchFamily="2" charset="-122"/>
+              <a:ea typeface="华文楷体" pitchFamily="2" charset="-122"/>
+            </a:endParaRPr>
           </a:p>
         </p:txBody>
       </p:sp>
     </p:spTree>
     <p:extLst>
       <p:ext uri="{BB962C8B-B14F-4D97-AF65-F5344CB8AC3E}">
-        <p14:creationId xmlns:p14="http://schemas.microsoft.com/office/powerpoint/2010/main" val="1559050373"/>
+        <p14:creationId xmlns:p14="http://schemas.microsoft.com/office/powerpoint/2010/main" val="322967742"/>
       </p:ext>
     </p:extLst>
   </p:cSld>
@@ -5513,7 +6103,7 @@
         </p:nvSpPr>
         <p:spPr>
           <a:xfrm>
-            <a:off x="539552" y="908720"/>
+            <a:off x="439467" y="697232"/>
             <a:ext cx="4680520" cy="1274658"/>
           </a:xfrm>
           <a:prstGeom prst="irregularSeal1">
@@ -5549,9 +6139,105 @@
             <a:pPr algn="ctr"/>
             <a:r>
               <a:rPr lang="zh-CN" altLang="en-US" dirty="0" smtClean="0"/>
-              <a:t>散列防碰撞</a:t>
+              <a:t>不可变集合</a:t>
             </a:r>
             <a:endParaRPr lang="zh-CN" altLang="en-US" dirty="0"/>
+          </a:p>
+        </p:txBody>
+      </p:sp>
+      <p:sp>
+        <p:nvSpPr>
+          <p:cNvPr id="4" name="矩形 3"/>
+          <p:cNvSpPr/>
+          <p:nvPr/>
+        </p:nvSpPr>
+        <p:spPr>
+          <a:xfrm>
+            <a:off x="539552" y="2413338"/>
+            <a:ext cx="7920880" cy="1477328"/>
+          </a:xfrm>
+          <a:prstGeom prst="rect">
+            <a:avLst/>
+          </a:prstGeom>
+        </p:spPr>
+        <p:txBody>
+          <a:bodyPr wrap="square">
+            <a:spAutoFit/>
+          </a:bodyPr>
+          <a:lstStyle/>
+          <a:p>
+            <a:r>
+              <a:rPr lang="zh-CN" altLang="zh-CN" dirty="0"/>
+              <a:t>不变集合：</a:t>
+            </a:r>
+          </a:p>
+          <a:p>
+            <a:pPr lvl="0"/>
+            <a:r>
+              <a:rPr lang="en-US" altLang="zh-CN" dirty="0" smtClean="0"/>
+              <a:t>1</a:t>
+            </a:r>
+            <a:r>
+              <a:rPr lang="zh-CN" altLang="en-US" dirty="0" smtClean="0"/>
+              <a:t>、</a:t>
+            </a:r>
+            <a:r>
+              <a:rPr lang="zh-CN" altLang="zh-CN" dirty="0" smtClean="0"/>
+              <a:t>多</a:t>
+            </a:r>
+            <a:r>
+              <a:rPr lang="zh-CN" altLang="zh-CN" dirty="0"/>
+              <a:t>线程下不存在竟态</a:t>
+            </a:r>
+            <a:r>
+              <a:rPr lang="zh-CN" altLang="zh-CN" dirty="0" smtClean="0"/>
+              <a:t>条件</a:t>
+            </a:r>
+            <a:endParaRPr lang="en-US" altLang="zh-CN" dirty="0"/>
+          </a:p>
+          <a:p>
+            <a:pPr lvl="0"/>
+            <a:r>
+              <a:rPr lang="en-US" altLang="zh-CN" dirty="0" smtClean="0"/>
+              <a:t>2</a:t>
+            </a:r>
+            <a:r>
+              <a:rPr lang="zh-CN" altLang="en-US" dirty="0" smtClean="0"/>
+              <a:t>、</a:t>
+            </a:r>
+            <a:r>
+              <a:rPr lang="zh-CN" altLang="zh-CN" dirty="0" smtClean="0"/>
+              <a:t>节约</a:t>
+            </a:r>
+            <a:r>
+              <a:rPr lang="zh-CN" altLang="zh-CN" dirty="0"/>
+              <a:t>时间和空间，不需要考虑变化</a:t>
+            </a:r>
+          </a:p>
+          <a:p>
+            <a:pPr lvl="0"/>
+            <a:r>
+              <a:rPr lang="en-US" altLang="zh-CN" dirty="0" smtClean="0"/>
+              <a:t>3</a:t>
+            </a:r>
+            <a:r>
+              <a:rPr lang="zh-CN" altLang="en-US" dirty="0" smtClean="0"/>
+              <a:t>、</a:t>
+            </a:r>
+            <a:r>
+              <a:rPr lang="zh-CN" altLang="zh-CN" dirty="0" smtClean="0"/>
+              <a:t>第三</a:t>
+            </a:r>
+            <a:r>
+              <a:rPr lang="zh-CN" altLang="zh-CN" dirty="0"/>
+              <a:t>方不信任库调用时</a:t>
+            </a:r>
+          </a:p>
+          <a:p>
+            <a:r>
+              <a:rPr lang="zh-CN" altLang="zh-CN" dirty="0"/>
+              <a:t>创建对象的不可变拷贝是一项很好的防御性编程技巧</a:t>
+            </a:r>
           </a:p>
         </p:txBody>
       </p:sp>
@@ -5563,136 +6249,156 @@
         </p:nvSpPr>
         <p:spPr>
           <a:xfrm>
-            <a:off x="532728" y="2764347"/>
-            <a:ext cx="4572000" cy="1200329"/>
+            <a:off x="238390" y="4149080"/>
+            <a:ext cx="8892480" cy="2308324"/>
           </a:xfrm>
           <a:prstGeom prst="rect">
             <a:avLst/>
           </a:prstGeom>
         </p:spPr>
         <p:txBody>
-          <a:bodyPr>
+          <a:bodyPr wrap="square">
             <a:spAutoFit/>
           </a:bodyPr>
           <a:lstStyle/>
           <a:p>
             <a:r>
-              <a:rPr lang="en-US" altLang="zh-CN" dirty="0">
-                <a:latin typeface="华文楷体" pitchFamily="2" charset="-122"/>
-                <a:ea typeface="华文楷体" pitchFamily="2" charset="-122"/>
-              </a:rPr>
+              <a:rPr lang="zh-CN" altLang="zh-CN" dirty="0"/>
+              <a:t>与</a:t>
+            </a:r>
+            <a:r>
+              <a:rPr lang="en-US" altLang="zh-CN" dirty="0"/>
+              <a:t>JDK </a:t>
+            </a:r>
+            <a:r>
+              <a:rPr lang="en-US" altLang="zh-CN" dirty="0" err="1"/>
+              <a:t>Collections.unmodifiableCollection</a:t>
+            </a:r>
+            <a:r>
+              <a:rPr lang="zh-CN" altLang="zh-CN" dirty="0"/>
+              <a:t>区别：</a:t>
+            </a:r>
+          </a:p>
+          <a:p>
+            <a:pPr lvl="0"/>
+            <a:r>
+              <a:rPr lang="en-US" altLang="zh-CN" dirty="0" smtClean="0"/>
               <a:t>1</a:t>
             </a:r>
             <a:r>
-              <a:rPr lang="zh-CN" altLang="zh-CN" dirty="0">
-                <a:latin typeface="华文楷体" pitchFamily="2" charset="-122"/>
-                <a:ea typeface="华文楷体" pitchFamily="2" charset="-122"/>
-              </a:rPr>
+              <a:rPr lang="zh-CN" altLang="en-US" dirty="0" smtClean="0"/>
               <a:t>、</a:t>
             </a:r>
             <a:r>
-              <a:rPr lang="en-US" altLang="zh-CN" u="sng" dirty="0" err="1">
-                <a:latin typeface="华文楷体" pitchFamily="2" charset="-122"/>
-                <a:ea typeface="华文楷体" pitchFamily="2" charset="-122"/>
-                <a:hlinkClick r:id="rId4" tooltip="开放定址法（页面不存在）"/>
-              </a:rPr>
-              <a:t>开放定址法</a:t>
-            </a:r>
-            <a:endParaRPr lang="zh-CN" altLang="zh-CN" dirty="0">
-              <a:latin typeface="华文楷体" pitchFamily="2" charset="-122"/>
-              <a:ea typeface="华文楷体" pitchFamily="2" charset="-122"/>
-            </a:endParaRPr>
-          </a:p>
-          <a:p>
-            <a:r>
-              <a:rPr lang="en-US" altLang="zh-CN" dirty="0">
-                <a:latin typeface="华文楷体" pitchFamily="2" charset="-122"/>
-                <a:ea typeface="华文楷体" pitchFamily="2" charset="-122"/>
-              </a:rPr>
+              <a:rPr lang="zh-CN" altLang="zh-CN" dirty="0" smtClean="0"/>
+              <a:t>防御</a:t>
+            </a:r>
+            <a:r>
+              <a:rPr lang="zh-CN" altLang="zh-CN" dirty="0"/>
+              <a:t>性</a:t>
+            </a:r>
+            <a:r>
+              <a:rPr lang="en-US" altLang="zh-CN" dirty="0"/>
+              <a:t>copy</a:t>
+            </a:r>
+            <a:r>
+              <a:rPr lang="zh-CN" altLang="zh-CN" dirty="0"/>
+              <a:t>，无论原集合怎样改变，经过</a:t>
+            </a:r>
+            <a:r>
+              <a:rPr lang="en-US" altLang="zh-CN" dirty="0" err="1"/>
+              <a:t>ImmutableCollections.copyOf</a:t>
+            </a:r>
+            <a:r>
+              <a:rPr lang="en-US" altLang="zh-CN" dirty="0"/>
+              <a:t>()</a:t>
+            </a:r>
+            <a:r>
+              <a:rPr lang="zh-CN" altLang="zh-CN" dirty="0"/>
+              <a:t>方法返回的集合，无论原集合怎样变化，新集合都不会在变化，而</a:t>
+            </a:r>
+            <a:r>
+              <a:rPr lang="en-US" altLang="zh-CN" dirty="0" err="1"/>
+              <a:t>Collections.unmodifiableCollection</a:t>
+            </a:r>
+            <a:r>
+              <a:rPr lang="en-US" altLang="zh-CN" dirty="0"/>
+              <a:t>()</a:t>
+            </a:r>
+            <a:r>
+              <a:rPr lang="zh-CN" altLang="zh-CN" dirty="0"/>
+              <a:t>与之相反，通过源码可以得知前者是</a:t>
+            </a:r>
+            <a:r>
+              <a:rPr lang="en-US" altLang="zh-CN" dirty="0"/>
+              <a:t>copy </a:t>
+            </a:r>
+            <a:r>
+              <a:rPr lang="zh-CN" altLang="zh-CN" dirty="0"/>
+              <a:t>且</a:t>
+            </a:r>
+            <a:r>
+              <a:rPr lang="en-US" altLang="zh-CN" dirty="0"/>
+              <a:t>new </a:t>
+            </a:r>
+            <a:r>
+              <a:rPr lang="zh-CN" altLang="zh-CN" dirty="0"/>
+              <a:t>新元素，后者是返回一个不可变的集合引用，数据集还是指向原始数据集引用</a:t>
+            </a:r>
+            <a:r>
+              <a:rPr lang="zh-CN" altLang="zh-CN" dirty="0" smtClean="0"/>
+              <a:t>。</a:t>
+            </a:r>
+            <a:endParaRPr lang="en-US" altLang="zh-CN" dirty="0"/>
+          </a:p>
+          <a:p>
+            <a:pPr lvl="0"/>
+            <a:r>
+              <a:rPr lang="en-US" altLang="zh-CN" dirty="0" smtClean="0"/>
               <a:t>2</a:t>
             </a:r>
             <a:r>
-              <a:rPr lang="zh-CN" altLang="zh-CN" dirty="0">
-                <a:latin typeface="华文楷体" pitchFamily="2" charset="-122"/>
-                <a:ea typeface="华文楷体" pitchFamily="2" charset="-122"/>
-              </a:rPr>
+              <a:rPr lang="zh-CN" altLang="en-US" dirty="0" smtClean="0"/>
               <a:t>、</a:t>
             </a:r>
             <a:r>
-              <a:rPr lang="en-US" altLang="zh-CN" u="sng" dirty="0" err="1">
-                <a:latin typeface="华文楷体" pitchFamily="2" charset="-122"/>
-                <a:ea typeface="华文楷体" pitchFamily="2" charset="-122"/>
-                <a:hlinkClick r:id="rId5" tooltip="单独链表法（页面不存在）"/>
-              </a:rPr>
-              <a:t>单独链表法</a:t>
-            </a:r>
-            <a:endParaRPr lang="zh-CN" altLang="zh-CN" dirty="0">
-              <a:latin typeface="华文楷体" pitchFamily="2" charset="-122"/>
-              <a:ea typeface="华文楷体" pitchFamily="2" charset="-122"/>
-            </a:endParaRPr>
-          </a:p>
-          <a:p>
-            <a:r>
-              <a:rPr lang="en-US" altLang="zh-CN" dirty="0">
-                <a:latin typeface="华文楷体" pitchFamily="2" charset="-122"/>
-                <a:ea typeface="华文楷体" pitchFamily="2" charset="-122"/>
-              </a:rPr>
+              <a:rPr lang="en-US" altLang="zh-CN" dirty="0" err="1" smtClean="0"/>
+              <a:t>Collections.unmodifiableCollection</a:t>
+            </a:r>
+            <a:r>
+              <a:rPr lang="en-US" altLang="zh-CN" dirty="0"/>
+              <a:t>()</a:t>
+            </a:r>
+            <a:r>
+              <a:rPr lang="zh-CN" altLang="zh-CN" dirty="0"/>
+              <a:t>修饰后的集合，仍然具有原集合的特性，而不是将集合转化为常量</a:t>
+            </a:r>
+          </a:p>
+          <a:p>
+            <a:pPr lvl="0"/>
+            <a:r>
+              <a:rPr lang="en-US" altLang="zh-CN" dirty="0" smtClean="0"/>
               <a:t>3</a:t>
             </a:r>
             <a:r>
-              <a:rPr lang="zh-CN" altLang="zh-CN" dirty="0">
-                <a:latin typeface="华文楷体" pitchFamily="2" charset="-122"/>
-                <a:ea typeface="华文楷体" pitchFamily="2" charset="-122"/>
-              </a:rPr>
+              <a:rPr lang="zh-CN" altLang="en-US" dirty="0" smtClean="0"/>
               <a:t>、</a:t>
             </a:r>
             <a:r>
-              <a:rPr lang="en-US" altLang="zh-CN" u="sng" dirty="0" err="1">
-                <a:latin typeface="华文楷体" pitchFamily="2" charset="-122"/>
-                <a:ea typeface="华文楷体" pitchFamily="2" charset="-122"/>
-                <a:hlinkClick r:id="rId6" tooltip="双散列（页面不存在）"/>
-              </a:rPr>
-              <a:t>双散列</a:t>
-            </a:r>
-            <a:endParaRPr lang="zh-CN" altLang="zh-CN" dirty="0">
-              <a:latin typeface="华文楷体" pitchFamily="2" charset="-122"/>
-              <a:ea typeface="华文楷体" pitchFamily="2" charset="-122"/>
-            </a:endParaRPr>
-          </a:p>
-          <a:p>
-            <a:r>
-              <a:rPr lang="en-US" altLang="zh-CN" dirty="0">
-                <a:latin typeface="华文楷体" pitchFamily="2" charset="-122"/>
-                <a:ea typeface="华文楷体" pitchFamily="2" charset="-122"/>
-              </a:rPr>
-              <a:t>4</a:t>
-            </a:r>
-            <a:r>
-              <a:rPr lang="zh-CN" altLang="zh-CN" dirty="0">
-                <a:latin typeface="华文楷体" pitchFamily="2" charset="-122"/>
-                <a:ea typeface="华文楷体" pitchFamily="2" charset="-122"/>
-              </a:rPr>
-              <a:t>、</a:t>
-            </a:r>
-            <a:r>
-              <a:rPr lang="en-US" altLang="zh-CN" u="sng" dirty="0" err="1">
-                <a:latin typeface="华文楷体" pitchFamily="2" charset="-122"/>
-                <a:ea typeface="华文楷体" pitchFamily="2" charset="-122"/>
-                <a:hlinkClick r:id="rId7" tooltip="再散列（页面不存在）"/>
-              </a:rPr>
-              <a:t>再散列</a:t>
-            </a:r>
-            <a:endParaRPr lang="zh-CN" altLang="zh-CN" dirty="0">
-              <a:latin typeface="华文楷体" pitchFamily="2" charset="-122"/>
-              <a:ea typeface="华文楷体" pitchFamily="2" charset="-122"/>
-            </a:endParaRPr>
+              <a:rPr lang="zh-CN" altLang="zh-CN" dirty="0" smtClean="0"/>
+              <a:t>扩容</a:t>
+            </a:r>
+            <a:r>
+              <a:rPr lang="zh-CN" altLang="zh-CN" dirty="0"/>
+              <a:t>算法不一样</a:t>
+            </a:r>
           </a:p>
         </p:txBody>
       </p:sp>
     </p:spTree>
     <p:extLst>
       <p:ext uri="{BB962C8B-B14F-4D97-AF65-F5344CB8AC3E}">
-        <p14:creationId xmlns:p14="http://schemas.microsoft.com/office/powerpoint/2010/main" val="322967742"/>
+        <p14:creationId xmlns:p14="http://schemas.microsoft.com/office/powerpoint/2010/main" val="510927362"/>
       </p:ext>
     </p:extLst>
   </p:cSld>
@@ -5845,6 +6551,3329 @@
       </p:grpSpPr>
       <p:pic>
         <p:nvPicPr>
+          <p:cNvPr id="4" name="图片 3"/>
+          <p:cNvPicPr>
+            <a:picLocks noChangeAspect="1"/>
+          </p:cNvPicPr>
+          <p:nvPr/>
+        </p:nvPicPr>
+        <p:blipFill>
+          <a:blip r:embed="rId3" cstate="print">
+            <a:extLst>
+              <a:ext uri="{28A0092B-C50C-407E-A947-70E740481C1C}">
+                <a14:useLocalDpi xmlns:a14="http://schemas.microsoft.com/office/drawing/2010/main" val="0"/>
+              </a:ext>
+            </a:extLst>
+          </a:blip>
+          <a:stretch>
+            <a:fillRect/>
+          </a:stretch>
+        </p:blipFill>
+        <p:spPr>
+          <a:xfrm>
+            <a:off x="-23257" y="-19932"/>
+            <a:ext cx="1570922" cy="717164"/>
+          </a:xfrm>
+          <a:prstGeom prst="rect">
+            <a:avLst/>
+          </a:prstGeom>
+        </p:spPr>
+      </p:pic>
+      <p:sp>
+        <p:nvSpPr>
+          <p:cNvPr id="5" name="矩形 4"/>
+          <p:cNvSpPr/>
+          <p:nvPr/>
+        </p:nvSpPr>
+        <p:spPr>
+          <a:xfrm>
+            <a:off x="1187624" y="260648"/>
+            <a:ext cx="1592103" cy="369332"/>
+          </a:xfrm>
+          <a:prstGeom prst="rect">
+            <a:avLst/>
+          </a:prstGeom>
+        </p:spPr>
+        <p:txBody>
+          <a:bodyPr wrap="none">
+            <a:spAutoFit/>
+          </a:bodyPr>
+          <a:lstStyle/>
+          <a:p>
+            <a:r>
+              <a:rPr lang="en-US" altLang="zh-CN" b="1" dirty="0" smtClean="0">
+                <a:solidFill>
+                  <a:srgbClr val="C00000"/>
+                </a:solidFill>
+                <a:latin typeface="华文行楷" pitchFamily="2" charset="-122"/>
+                <a:ea typeface="华文行楷" pitchFamily="2" charset="-122"/>
+              </a:rPr>
+              <a:t>Guava</a:t>
+            </a:r>
+            <a:r>
+              <a:rPr lang="zh-CN" altLang="en-US" b="1" dirty="0" smtClean="0">
+                <a:solidFill>
+                  <a:srgbClr val="C00000"/>
+                </a:solidFill>
+                <a:latin typeface="华文行楷" pitchFamily="2" charset="-122"/>
+                <a:ea typeface="华文行楷" pitchFamily="2" charset="-122"/>
+              </a:rPr>
+              <a:t>基础知识</a:t>
+            </a:r>
+            <a:endParaRPr lang="zh-CN" altLang="en-US" b="1" dirty="0">
+              <a:solidFill>
+                <a:srgbClr val="C00000"/>
+              </a:solidFill>
+              <a:latin typeface="华文行楷" pitchFamily="2" charset="-122"/>
+              <a:ea typeface="华文行楷" pitchFamily="2" charset="-122"/>
+            </a:endParaRPr>
+          </a:p>
+        </p:txBody>
+      </p:sp>
+      <p:sp>
+        <p:nvSpPr>
+          <p:cNvPr id="6" name="爆炸形 1 5"/>
+          <p:cNvSpPr/>
+          <p:nvPr/>
+        </p:nvSpPr>
+        <p:spPr>
+          <a:xfrm>
+            <a:off x="439467" y="697232"/>
+            <a:ext cx="4680520" cy="1274658"/>
+          </a:xfrm>
+          <a:prstGeom prst="irregularSeal1">
+            <a:avLst/>
+          </a:prstGeom>
+          <a:solidFill>
+            <a:srgbClr val="C00000"/>
+          </a:solidFill>
+          <a:ln>
+            <a:noFill/>
+          </a:ln>
+        </p:spPr>
+        <p:style>
+          <a:lnRef idx="2">
+            <a:schemeClr val="accent1">
+              <a:shade val="50000"/>
+            </a:schemeClr>
+          </a:lnRef>
+          <a:fillRef idx="1">
+            <a:schemeClr val="accent1"/>
+          </a:fillRef>
+          <a:effectRef idx="0">
+            <a:schemeClr val="accent1"/>
+          </a:effectRef>
+          <a:fontRef idx="minor">
+            <a:schemeClr val="lt1"/>
+          </a:fontRef>
+        </p:style>
+        <p:txBody>
+          <a:bodyPr rtlCol="0" anchor="ctr"/>
+          <a:lstStyle/>
+          <a:p>
+            <a:pPr algn="ctr"/>
+            <a:r>
+              <a:rPr lang="en-US" altLang="zh-CN" b="1" dirty="0" err="1"/>
+              <a:t>Multiset</a:t>
+            </a:r>
+            <a:r>
+              <a:rPr lang="zh-CN" altLang="en-US" b="1" dirty="0"/>
+              <a:t>集合</a:t>
+            </a:r>
+            <a:endParaRPr lang="zh-CN" altLang="en-US" dirty="0"/>
+          </a:p>
+        </p:txBody>
+      </p:sp>
+      <p:sp>
+        <p:nvSpPr>
+          <p:cNvPr id="2" name="矩形 1"/>
+          <p:cNvSpPr/>
+          <p:nvPr/>
+        </p:nvSpPr>
+        <p:spPr>
+          <a:xfrm>
+            <a:off x="611560" y="2367171"/>
+            <a:ext cx="7848872" cy="4247317"/>
+          </a:xfrm>
+          <a:prstGeom prst="rect">
+            <a:avLst/>
+          </a:prstGeom>
+        </p:spPr>
+        <p:txBody>
+          <a:bodyPr wrap="square">
+            <a:spAutoFit/>
+          </a:bodyPr>
+          <a:lstStyle/>
+          <a:p>
+            <a:r>
+              <a:rPr lang="en-US" altLang="zh-CN" dirty="0" smtClean="0"/>
+              <a:t>   </a:t>
+            </a:r>
+            <a:r>
+              <a:rPr lang="en-US" altLang="zh-CN" dirty="0" err="1" smtClean="0"/>
+              <a:t>Multiset</a:t>
+            </a:r>
+            <a:r>
+              <a:rPr lang="en-US" altLang="zh-CN" dirty="0" smtClean="0"/>
+              <a:t> </a:t>
+            </a:r>
+            <a:r>
+              <a:rPr lang="zh-CN" altLang="en-US" dirty="0" smtClean="0"/>
+              <a:t>继承自</a:t>
+            </a:r>
+            <a:r>
+              <a:rPr lang="en-US" altLang="zh-CN" dirty="0" smtClean="0"/>
+              <a:t>JDK</a:t>
+            </a:r>
+            <a:r>
+              <a:rPr lang="zh-CN" altLang="en-US" dirty="0" smtClean="0"/>
+              <a:t>的</a:t>
+            </a:r>
+            <a:r>
+              <a:rPr lang="en-US" altLang="zh-CN" dirty="0" smtClean="0"/>
+              <a:t>Collection</a:t>
+            </a:r>
+            <a:r>
+              <a:rPr lang="zh-CN" altLang="en-US" dirty="0" smtClean="0"/>
+              <a:t>接口而不是</a:t>
+            </a:r>
+            <a:r>
+              <a:rPr lang="en-US" altLang="zh-CN" dirty="0" smtClean="0"/>
+              <a:t>Set</a:t>
+            </a:r>
+            <a:r>
+              <a:rPr lang="zh-CN" altLang="en-US" dirty="0" smtClean="0"/>
+              <a:t>接口，允许重复但是</a:t>
+            </a:r>
+            <a:r>
+              <a:rPr lang="zh-CN" altLang="en-US" dirty="0"/>
+              <a:t>不保证</a:t>
+            </a:r>
+            <a:r>
+              <a:rPr lang="zh-CN" altLang="en-US" dirty="0" smtClean="0"/>
+              <a:t>顺序</a:t>
+            </a:r>
+            <a:r>
+              <a:rPr lang="zh-CN" altLang="en-US" dirty="0"/>
+              <a:t>，</a:t>
+            </a:r>
+            <a:r>
+              <a:rPr lang="zh-CN" altLang="en-US" dirty="0" smtClean="0">
+                <a:solidFill>
+                  <a:srgbClr val="333333"/>
+                </a:solidFill>
+                <a:latin typeface="Verdana"/>
+              </a:rPr>
+              <a:t>有</a:t>
+            </a:r>
+            <a:r>
+              <a:rPr lang="zh-CN" altLang="en-US" dirty="0">
+                <a:solidFill>
+                  <a:srgbClr val="333333"/>
+                </a:solidFill>
+                <a:latin typeface="Verdana"/>
+              </a:rPr>
+              <a:t>一个有用的功能，就是跟踪每种对象的数量，所以你可以用来进行数字统计</a:t>
+            </a:r>
+            <a:r>
+              <a:rPr lang="zh-CN" altLang="en-US" dirty="0" smtClean="0">
+                <a:solidFill>
+                  <a:srgbClr val="333333"/>
+                </a:solidFill>
+                <a:latin typeface="Verdana"/>
+              </a:rPr>
+              <a:t>。有多种实现类。</a:t>
+            </a:r>
+            <a:endParaRPr lang="en-US" altLang="zh-CN" dirty="0" smtClean="0">
+              <a:solidFill>
+                <a:srgbClr val="333333"/>
+              </a:solidFill>
+              <a:latin typeface="Verdana"/>
+            </a:endParaRPr>
+          </a:p>
+          <a:p>
+            <a:r>
+              <a:rPr lang="en-US" altLang="zh-CN" dirty="0">
+                <a:solidFill>
+                  <a:srgbClr val="333333"/>
+                </a:solidFill>
+                <a:latin typeface="Verdana"/>
+              </a:rPr>
+              <a:t> </a:t>
+            </a:r>
+            <a:r>
+              <a:rPr lang="en-US" altLang="zh-CN" dirty="0" smtClean="0">
+                <a:solidFill>
+                  <a:srgbClr val="333333"/>
+                </a:solidFill>
+                <a:latin typeface="Verdana"/>
+              </a:rPr>
+              <a:t>  </a:t>
+            </a:r>
+            <a:r>
+              <a:rPr lang="en-US" altLang="zh-CN" dirty="0" err="1" smtClean="0"/>
+              <a:t>Multiset</a:t>
+            </a:r>
+            <a:r>
+              <a:rPr lang="en-US" altLang="zh-CN" dirty="0" smtClean="0"/>
+              <a:t> </a:t>
+            </a:r>
+            <a:r>
+              <a:rPr lang="zh-CN" altLang="en-US" dirty="0" smtClean="0"/>
+              <a:t>接口</a:t>
+            </a:r>
+            <a:r>
+              <a:rPr lang="en-US" altLang="zh-CN" dirty="0" smtClean="0"/>
+              <a:t>API</a:t>
+            </a:r>
+            <a:r>
+              <a:rPr lang="zh-CN" altLang="en-US" dirty="0" smtClean="0"/>
+              <a:t>介绍（详细见</a:t>
+            </a:r>
+            <a:r>
+              <a:rPr lang="en-US" altLang="zh-CN" dirty="0" smtClean="0"/>
+              <a:t>Demo</a:t>
+            </a:r>
+            <a:r>
+              <a:rPr lang="zh-CN" altLang="en-US" dirty="0" smtClean="0"/>
+              <a:t>）：</a:t>
+            </a:r>
+            <a:endParaRPr lang="en-US" altLang="zh-CN" dirty="0" smtClean="0"/>
+          </a:p>
+          <a:p>
+            <a:pPr marL="742950" lvl="1" indent="-285750">
+              <a:buFont typeface="Arial" pitchFamily="34" charset="0"/>
+              <a:buChar char="•"/>
+            </a:pPr>
+            <a:r>
+              <a:rPr lang="en-US" altLang="zh-CN" dirty="0" smtClean="0"/>
+              <a:t>add(E</a:t>
+            </a:r>
+            <a:r>
+              <a:rPr lang="en-US" altLang="zh-CN" dirty="0"/>
+              <a:t>)</a:t>
+            </a:r>
+            <a:r>
+              <a:rPr lang="zh-CN" altLang="en-US" dirty="0"/>
+              <a:t>添加单个给定元素</a:t>
+            </a:r>
+          </a:p>
+          <a:p>
+            <a:pPr marL="742950" lvl="1" indent="-285750">
+              <a:buFont typeface="Arial" pitchFamily="34" charset="0"/>
+              <a:buChar char="•"/>
+            </a:pPr>
+            <a:r>
+              <a:rPr lang="en-US" altLang="zh-CN" dirty="0" smtClean="0"/>
+              <a:t>iterator</a:t>
+            </a:r>
+            <a:r>
+              <a:rPr lang="en-US" altLang="zh-CN" dirty="0"/>
+              <a:t>()</a:t>
+            </a:r>
+            <a:r>
+              <a:rPr lang="zh-CN" altLang="en-US" dirty="0"/>
+              <a:t>返回一个迭代器，包含</a:t>
+            </a:r>
+            <a:r>
+              <a:rPr lang="en-US" altLang="zh-CN" dirty="0" err="1"/>
+              <a:t>Multiset</a:t>
+            </a:r>
+            <a:r>
+              <a:rPr lang="zh-CN" altLang="en-US" dirty="0"/>
+              <a:t>的所有元素（包括重复的元素）</a:t>
+            </a:r>
+          </a:p>
+          <a:p>
+            <a:pPr marL="742950" lvl="1" indent="-285750">
+              <a:buFont typeface="Arial" pitchFamily="34" charset="0"/>
+              <a:buChar char="•"/>
+            </a:pPr>
+            <a:r>
+              <a:rPr lang="en-US" altLang="zh-CN" dirty="0" smtClean="0"/>
+              <a:t>size</a:t>
+            </a:r>
+            <a:r>
+              <a:rPr lang="en-US" altLang="zh-CN" dirty="0"/>
+              <a:t>()</a:t>
+            </a:r>
+            <a:r>
+              <a:rPr lang="zh-CN" altLang="en-US" dirty="0"/>
+              <a:t>返回所有元素的总个数（包括重复的元素</a:t>
+            </a:r>
+            <a:r>
+              <a:rPr lang="zh-CN" altLang="en-US" dirty="0" smtClean="0"/>
+              <a:t>）</a:t>
+            </a:r>
+            <a:endParaRPr lang="en-US" altLang="zh-CN" dirty="0" smtClean="0"/>
+          </a:p>
+          <a:p>
+            <a:pPr marL="742950" lvl="1" indent="-285750">
+              <a:buFont typeface="Arial" pitchFamily="34" charset="0"/>
+              <a:buChar char="•"/>
+            </a:pPr>
+            <a:r>
+              <a:rPr lang="en-US" altLang="zh-CN" dirty="0"/>
+              <a:t>count(Object)</a:t>
+            </a:r>
+            <a:r>
+              <a:rPr lang="zh-CN" altLang="en-US" dirty="0"/>
+              <a:t>返回给定元素的计数</a:t>
+            </a:r>
+            <a:r>
+              <a:rPr lang="zh-CN" altLang="en-US" dirty="0" smtClean="0"/>
+              <a:t>。</a:t>
+            </a:r>
+            <a:endParaRPr lang="en-US" altLang="zh-CN" dirty="0" smtClean="0"/>
+          </a:p>
+          <a:p>
+            <a:pPr marL="742950" lvl="1" indent="-285750">
+              <a:buFont typeface="Arial" pitchFamily="34" charset="0"/>
+              <a:buChar char="•"/>
+            </a:pPr>
+            <a:r>
+              <a:rPr lang="en-US" altLang="zh-CN" dirty="0" err="1"/>
+              <a:t>entrySet</a:t>
+            </a:r>
+            <a:r>
+              <a:rPr lang="en-US" altLang="zh-CN" dirty="0"/>
+              <a:t>()</a:t>
+            </a:r>
+            <a:r>
+              <a:rPr lang="zh-CN" altLang="en-US" dirty="0"/>
+              <a:t>返回</a:t>
+            </a:r>
+            <a:r>
+              <a:rPr lang="en-US" altLang="zh-CN" dirty="0"/>
+              <a:t>Set&lt;</a:t>
+            </a:r>
+            <a:r>
+              <a:rPr lang="en-US" altLang="zh-CN" dirty="0" err="1"/>
+              <a:t>Multiset.Entry</a:t>
+            </a:r>
+            <a:r>
+              <a:rPr lang="en-US" altLang="zh-CN" dirty="0"/>
+              <a:t>&lt;E&gt;&gt;</a:t>
+            </a:r>
+            <a:r>
+              <a:rPr lang="zh-CN" altLang="en-US" dirty="0"/>
+              <a:t>，和</a:t>
+            </a:r>
+            <a:r>
+              <a:rPr lang="en-US" altLang="zh-CN" dirty="0"/>
+              <a:t>Map</a:t>
+            </a:r>
+            <a:r>
+              <a:rPr lang="zh-CN" altLang="en-US" dirty="0"/>
+              <a:t>的</a:t>
+            </a:r>
+            <a:r>
+              <a:rPr lang="en-US" altLang="zh-CN" dirty="0" err="1"/>
+              <a:t>entrySet</a:t>
+            </a:r>
+            <a:r>
+              <a:rPr lang="zh-CN" altLang="en-US" dirty="0" smtClean="0"/>
+              <a:t>类似</a:t>
+            </a:r>
+            <a:endParaRPr lang="en-US" altLang="zh-CN" dirty="0" smtClean="0"/>
+          </a:p>
+          <a:p>
+            <a:pPr marL="742950" lvl="1" indent="-285750">
+              <a:buFont typeface="Arial" pitchFamily="34" charset="0"/>
+              <a:buChar char="•"/>
+            </a:pPr>
+            <a:r>
+              <a:rPr lang="en-US" altLang="zh-CN" dirty="0" err="1"/>
+              <a:t>elementSet</a:t>
+            </a:r>
+            <a:r>
+              <a:rPr lang="en-US" altLang="zh-CN" dirty="0"/>
+              <a:t>()</a:t>
+            </a:r>
+            <a:r>
+              <a:rPr lang="zh-CN" altLang="en-US" dirty="0"/>
+              <a:t>返回所有不重复元素的</a:t>
+            </a:r>
+            <a:r>
+              <a:rPr lang="en-US" altLang="zh-CN" dirty="0"/>
+              <a:t>Set&lt;E&gt;</a:t>
+            </a:r>
+            <a:r>
+              <a:rPr lang="zh-CN" altLang="en-US" dirty="0"/>
+              <a:t>，和</a:t>
+            </a:r>
+            <a:r>
+              <a:rPr lang="en-US" altLang="zh-CN" dirty="0"/>
+              <a:t>Map</a:t>
+            </a:r>
+            <a:r>
+              <a:rPr lang="zh-CN" altLang="en-US" dirty="0"/>
+              <a:t>的</a:t>
+            </a:r>
+            <a:r>
+              <a:rPr lang="en-US" altLang="zh-CN" dirty="0" err="1"/>
+              <a:t>keySet</a:t>
+            </a:r>
+            <a:r>
+              <a:rPr lang="en-US" altLang="zh-CN" dirty="0"/>
+              <a:t>()</a:t>
+            </a:r>
+            <a:r>
+              <a:rPr lang="zh-CN" altLang="en-US" dirty="0"/>
+              <a:t>类似。</a:t>
+            </a:r>
+          </a:p>
+          <a:p>
+            <a:pPr marL="742950" lvl="1" indent="-285750">
+              <a:buFont typeface="Arial" pitchFamily="34" charset="0"/>
+              <a:buChar char="•"/>
+            </a:pPr>
+            <a:r>
+              <a:rPr lang="zh-CN" altLang="en-US" dirty="0"/>
+              <a:t>所有</a:t>
+            </a:r>
+            <a:r>
+              <a:rPr lang="en-US" altLang="zh-CN" dirty="0" err="1"/>
+              <a:t>Multiset</a:t>
+            </a:r>
+            <a:r>
+              <a:rPr lang="zh-CN" altLang="en-US" dirty="0"/>
+              <a:t>实现的内存消耗随着不重复元素的个数线性增长</a:t>
+            </a:r>
+            <a:r>
+              <a:rPr lang="zh-CN" altLang="en-US" dirty="0" smtClean="0"/>
+              <a:t>。</a:t>
+            </a:r>
+            <a:endParaRPr lang="en-US" altLang="zh-CN" dirty="0" smtClean="0"/>
+          </a:p>
+          <a:p>
+            <a:pPr lvl="1"/>
+            <a:endParaRPr lang="en-US" altLang="zh-CN" dirty="0"/>
+          </a:p>
+          <a:p>
+            <a:pPr lvl="1"/>
+            <a:endParaRPr lang="zh-CN" altLang="en-US" dirty="0"/>
+          </a:p>
+          <a:p>
+            <a:pPr marL="742950" lvl="1" indent="-285750">
+              <a:buFont typeface="Arial" pitchFamily="34" charset="0"/>
+              <a:buChar char="•"/>
+            </a:pPr>
+            <a:endParaRPr lang="zh-CN" altLang="en-US" dirty="0"/>
+          </a:p>
+          <a:p>
+            <a:endParaRPr lang="zh-CN" altLang="en-US" dirty="0"/>
+          </a:p>
+        </p:txBody>
+      </p:sp>
+    </p:spTree>
+    <p:extLst>
+      <p:ext uri="{BB962C8B-B14F-4D97-AF65-F5344CB8AC3E}">
+        <p14:creationId xmlns:p14="http://schemas.microsoft.com/office/powerpoint/2010/main" val="1133837575"/>
+      </p:ext>
+    </p:extLst>
+  </p:cSld>
+  <p:clrMapOvr>
+    <a:masterClrMapping/>
+  </p:clrMapOvr>
+  <p:timing>
+    <p:tnLst>
+      <p:par>
+        <p:cTn id="1" dur="indefinite" restart="never" nodeType="tmRoot"/>
+      </p:par>
+    </p:tnLst>
+  </p:timing>
+</p:sld>
+</file>
+
+<file path=ppt/slides/slide13.xml><?xml version="1.0" encoding="utf-8"?>
+<p:sld xmlns:a="http://schemas.openxmlformats.org/drawingml/2006/main" xmlns:r="http://schemas.openxmlformats.org/officeDocument/2006/relationships" xmlns:p="http://schemas.openxmlformats.org/presentationml/2006/main">
+  <p:cSld>
+    <p:spTree>
+      <p:nvGrpSpPr>
+        <p:cNvPr id="1" name=""/>
+        <p:cNvGrpSpPr/>
+        <p:nvPr/>
+      </p:nvGrpSpPr>
+      <p:grpSpPr>
+        <a:xfrm>
+          <a:off x="0" y="0"/>
+          <a:ext cx="0" cy="0"/>
+          <a:chOff x="0" y="0"/>
+          <a:chExt cx="0" cy="0"/>
+        </a:xfrm>
+      </p:grpSpPr>
+      <p:pic>
+        <p:nvPicPr>
+          <p:cNvPr id="4" name="图片 3"/>
+          <p:cNvPicPr>
+            <a:picLocks noChangeAspect="1"/>
+          </p:cNvPicPr>
+          <p:nvPr/>
+        </p:nvPicPr>
+        <p:blipFill>
+          <a:blip r:embed="rId3" cstate="print">
+            <a:extLst>
+              <a:ext uri="{28A0092B-C50C-407E-A947-70E740481C1C}">
+                <a14:useLocalDpi xmlns:a14="http://schemas.microsoft.com/office/drawing/2010/main" val="0"/>
+              </a:ext>
+            </a:extLst>
+          </a:blip>
+          <a:stretch>
+            <a:fillRect/>
+          </a:stretch>
+        </p:blipFill>
+        <p:spPr>
+          <a:xfrm>
+            <a:off x="-23257" y="-19932"/>
+            <a:ext cx="1570922" cy="717164"/>
+          </a:xfrm>
+          <a:prstGeom prst="rect">
+            <a:avLst/>
+          </a:prstGeom>
+        </p:spPr>
+      </p:pic>
+      <p:sp>
+        <p:nvSpPr>
+          <p:cNvPr id="5" name="矩形 4"/>
+          <p:cNvSpPr/>
+          <p:nvPr/>
+        </p:nvSpPr>
+        <p:spPr>
+          <a:xfrm>
+            <a:off x="1187624" y="260648"/>
+            <a:ext cx="1592103" cy="369332"/>
+          </a:xfrm>
+          <a:prstGeom prst="rect">
+            <a:avLst/>
+          </a:prstGeom>
+        </p:spPr>
+        <p:txBody>
+          <a:bodyPr wrap="none">
+            <a:spAutoFit/>
+          </a:bodyPr>
+          <a:lstStyle/>
+          <a:p>
+            <a:r>
+              <a:rPr lang="en-US" altLang="zh-CN" b="1" dirty="0" smtClean="0">
+                <a:solidFill>
+                  <a:srgbClr val="C00000"/>
+                </a:solidFill>
+                <a:latin typeface="华文行楷" pitchFamily="2" charset="-122"/>
+                <a:ea typeface="华文行楷" pitchFamily="2" charset="-122"/>
+              </a:rPr>
+              <a:t>Guava</a:t>
+            </a:r>
+            <a:r>
+              <a:rPr lang="zh-CN" altLang="en-US" b="1" dirty="0" smtClean="0">
+                <a:solidFill>
+                  <a:srgbClr val="C00000"/>
+                </a:solidFill>
+                <a:latin typeface="华文行楷" pitchFamily="2" charset="-122"/>
+                <a:ea typeface="华文行楷" pitchFamily="2" charset="-122"/>
+              </a:rPr>
+              <a:t>基础知识</a:t>
+            </a:r>
+            <a:endParaRPr lang="zh-CN" altLang="en-US" b="1" dirty="0">
+              <a:solidFill>
+                <a:srgbClr val="C00000"/>
+              </a:solidFill>
+              <a:latin typeface="华文行楷" pitchFamily="2" charset="-122"/>
+              <a:ea typeface="华文行楷" pitchFamily="2" charset="-122"/>
+            </a:endParaRPr>
+          </a:p>
+        </p:txBody>
+      </p:sp>
+      <p:sp>
+        <p:nvSpPr>
+          <p:cNvPr id="6" name="爆炸形 1 5"/>
+          <p:cNvSpPr/>
+          <p:nvPr/>
+        </p:nvSpPr>
+        <p:spPr>
+          <a:xfrm>
+            <a:off x="439467" y="697232"/>
+            <a:ext cx="3484461" cy="1274658"/>
+          </a:xfrm>
+          <a:prstGeom prst="irregularSeal1">
+            <a:avLst/>
+          </a:prstGeom>
+          <a:solidFill>
+            <a:srgbClr val="C00000"/>
+          </a:solidFill>
+          <a:ln>
+            <a:noFill/>
+          </a:ln>
+        </p:spPr>
+        <p:style>
+          <a:lnRef idx="2">
+            <a:schemeClr val="accent1">
+              <a:shade val="50000"/>
+            </a:schemeClr>
+          </a:lnRef>
+          <a:fillRef idx="1">
+            <a:schemeClr val="accent1"/>
+          </a:fillRef>
+          <a:effectRef idx="0">
+            <a:schemeClr val="accent1"/>
+          </a:effectRef>
+          <a:fontRef idx="minor">
+            <a:schemeClr val="lt1"/>
+          </a:fontRef>
+        </p:style>
+        <p:txBody>
+          <a:bodyPr rtlCol="0" anchor="ctr"/>
+          <a:lstStyle/>
+          <a:p>
+            <a:r>
+              <a:rPr lang="en-US" altLang="zh-CN" b="1" dirty="0" smtClean="0"/>
+              <a:t>   </a:t>
+            </a:r>
+            <a:r>
+              <a:rPr lang="en-US" altLang="zh-CN" b="1" dirty="0" err="1" smtClean="0"/>
+              <a:t>Multimap</a:t>
+            </a:r>
+            <a:r>
+              <a:rPr lang="zh-CN" altLang="en-US" b="1" dirty="0" smtClean="0"/>
+              <a:t>集合</a:t>
+            </a:r>
+            <a:endParaRPr lang="en-US" altLang="zh-CN" b="1" dirty="0"/>
+          </a:p>
+        </p:txBody>
+      </p:sp>
+      <p:sp>
+        <p:nvSpPr>
+          <p:cNvPr id="2" name="矩形 1"/>
+          <p:cNvSpPr/>
+          <p:nvPr/>
+        </p:nvSpPr>
+        <p:spPr>
+          <a:xfrm>
+            <a:off x="439467" y="2204864"/>
+            <a:ext cx="7804941" cy="2308324"/>
+          </a:xfrm>
+          <a:prstGeom prst="rect">
+            <a:avLst/>
+          </a:prstGeom>
+        </p:spPr>
+        <p:txBody>
+          <a:bodyPr wrap="square">
+            <a:spAutoFit/>
+          </a:bodyPr>
+          <a:lstStyle/>
+          <a:p>
+            <a:r>
+              <a:rPr lang="zh-CN" altLang="en-US" dirty="0" smtClean="0"/>
+              <a:t>    在</a:t>
+            </a:r>
+            <a:r>
+              <a:rPr lang="zh-CN" altLang="en-US" dirty="0"/>
+              <a:t>日常的开发工作中，我们有的时候需要构造像</a:t>
+            </a:r>
+            <a:r>
+              <a:rPr lang="en-US" altLang="zh-CN" dirty="0"/>
+              <a:t>Map&lt;K, List&lt;V&gt;&gt;</a:t>
+            </a:r>
+            <a:r>
+              <a:rPr lang="zh-CN" altLang="en-US" dirty="0"/>
+              <a:t>或者</a:t>
+            </a:r>
+            <a:r>
+              <a:rPr lang="en-US" altLang="zh-CN" dirty="0"/>
+              <a:t>Map&lt;K, Set&lt;V&gt;&gt;</a:t>
+            </a:r>
+            <a:r>
+              <a:rPr lang="zh-CN" altLang="en-US" dirty="0"/>
+              <a:t>这样比较复杂的集合类型的数据结构，以便做相应的业务逻辑</a:t>
+            </a:r>
+            <a:r>
+              <a:rPr lang="zh-CN" altLang="en-US" dirty="0" smtClean="0"/>
+              <a:t>处理。要组织这样的数据结构显得很笨拙，</a:t>
+            </a:r>
+            <a:r>
+              <a:rPr lang="zh-CN" altLang="en-US" dirty="0"/>
+              <a:t> </a:t>
+            </a:r>
+            <a:r>
+              <a:rPr lang="en-US" altLang="zh-CN" dirty="0"/>
+              <a:t>Guava</a:t>
+            </a:r>
+            <a:r>
+              <a:rPr lang="zh-CN" altLang="en-US" dirty="0"/>
+              <a:t>的</a:t>
+            </a:r>
+            <a:r>
+              <a:rPr lang="en-US" altLang="zh-CN" dirty="0" err="1"/>
+              <a:t>Multimap</a:t>
+            </a:r>
+            <a:r>
+              <a:rPr lang="zh-CN" altLang="en-US" dirty="0"/>
+              <a:t>就提供了一个方便地把一个键对应到多个值的数据结构</a:t>
+            </a:r>
+            <a:r>
+              <a:rPr lang="zh-CN" altLang="en-US" dirty="0" smtClean="0"/>
+              <a:t>。</a:t>
+            </a:r>
+            <a:endParaRPr lang="en-US" altLang="zh-CN" dirty="0" smtClean="0"/>
+          </a:p>
+          <a:p>
+            <a:r>
+              <a:rPr lang="en-US" altLang="zh-CN" dirty="0"/>
+              <a:t> </a:t>
+            </a:r>
+            <a:r>
+              <a:rPr lang="en-US" altLang="zh-CN" dirty="0" smtClean="0"/>
+              <a:t>   </a:t>
+            </a:r>
+            <a:r>
+              <a:rPr lang="en-US" altLang="zh-CN" dirty="0" err="1" smtClean="0"/>
+              <a:t>Multimap</a:t>
+            </a:r>
+            <a:r>
+              <a:rPr lang="zh-CN" altLang="en-US" dirty="0" smtClean="0"/>
+              <a:t>主要</a:t>
+            </a:r>
+            <a:r>
+              <a:rPr lang="en-US" altLang="zh-CN" dirty="0" smtClean="0"/>
+              <a:t>API</a:t>
+            </a:r>
+            <a:r>
+              <a:rPr lang="zh-CN" altLang="en-US" dirty="0" smtClean="0"/>
+              <a:t>介绍如下（详细见</a:t>
+            </a:r>
+            <a:r>
+              <a:rPr lang="en-US" altLang="zh-CN" dirty="0" smtClean="0"/>
+              <a:t>Demo</a:t>
+            </a:r>
+            <a:r>
+              <a:rPr lang="zh-CN" altLang="en-US" dirty="0" smtClean="0"/>
+              <a:t>）</a:t>
+            </a:r>
+            <a:r>
+              <a:rPr lang="en-US" altLang="zh-CN" dirty="0" smtClean="0"/>
+              <a:t>:</a:t>
+            </a:r>
+          </a:p>
+          <a:p>
+            <a:r>
+              <a:rPr lang="en-US" altLang="zh-CN" smtClean="0"/>
+              <a:t> </a:t>
+            </a:r>
+            <a:endParaRPr lang="en-US" altLang="zh-CN" dirty="0"/>
+          </a:p>
+          <a:p>
+            <a:endParaRPr lang="en-US" altLang="zh-CN" dirty="0" smtClean="0"/>
+          </a:p>
+          <a:p>
+            <a:endParaRPr lang="zh-CN" altLang="en-US" dirty="0"/>
+          </a:p>
+        </p:txBody>
+      </p:sp>
+    </p:spTree>
+    <p:extLst>
+      <p:ext uri="{BB962C8B-B14F-4D97-AF65-F5344CB8AC3E}">
+        <p14:creationId xmlns:p14="http://schemas.microsoft.com/office/powerpoint/2010/main" val="3321521388"/>
+      </p:ext>
+    </p:extLst>
+  </p:cSld>
+  <p:clrMapOvr>
+    <a:masterClrMapping/>
+  </p:clrMapOvr>
+  <p:timing>
+    <p:tnLst>
+      <p:par>
+        <p:cTn id="1" dur="indefinite" restart="never" nodeType="tmRoot"/>
+      </p:par>
+    </p:tnLst>
+  </p:timing>
+</p:sld>
+</file>
+
+<file path=ppt/slides/slide14.xml><?xml version="1.0" encoding="utf-8"?>
+<p:sld xmlns:a="http://schemas.openxmlformats.org/drawingml/2006/main" xmlns:r="http://schemas.openxmlformats.org/officeDocument/2006/relationships" xmlns:p="http://schemas.openxmlformats.org/presentationml/2006/main">
+  <p:cSld>
+    <p:spTree>
+      <p:nvGrpSpPr>
+        <p:cNvPr id="1" name=""/>
+        <p:cNvGrpSpPr/>
+        <p:nvPr/>
+      </p:nvGrpSpPr>
+      <p:grpSpPr>
+        <a:xfrm>
+          <a:off x="0" y="0"/>
+          <a:ext cx="0" cy="0"/>
+          <a:chOff x="0" y="0"/>
+          <a:chExt cx="0" cy="0"/>
+        </a:xfrm>
+      </p:grpSpPr>
+      <p:pic>
+        <p:nvPicPr>
+          <p:cNvPr id="4" name="图片 3"/>
+          <p:cNvPicPr>
+            <a:picLocks noChangeAspect="1"/>
+          </p:cNvPicPr>
+          <p:nvPr/>
+        </p:nvPicPr>
+        <p:blipFill>
+          <a:blip r:embed="rId3" cstate="print">
+            <a:extLst>
+              <a:ext uri="{28A0092B-C50C-407E-A947-70E740481C1C}">
+                <a14:useLocalDpi xmlns:a14="http://schemas.microsoft.com/office/drawing/2010/main" val="0"/>
+              </a:ext>
+            </a:extLst>
+          </a:blip>
+          <a:stretch>
+            <a:fillRect/>
+          </a:stretch>
+        </p:blipFill>
+        <p:spPr>
+          <a:xfrm>
+            <a:off x="-23257" y="-19932"/>
+            <a:ext cx="1570922" cy="717164"/>
+          </a:xfrm>
+          <a:prstGeom prst="rect">
+            <a:avLst/>
+          </a:prstGeom>
+        </p:spPr>
+      </p:pic>
+      <p:sp>
+        <p:nvSpPr>
+          <p:cNvPr id="5" name="矩形 4"/>
+          <p:cNvSpPr/>
+          <p:nvPr/>
+        </p:nvSpPr>
+        <p:spPr>
+          <a:xfrm>
+            <a:off x="1187624" y="260648"/>
+            <a:ext cx="1592103" cy="369332"/>
+          </a:xfrm>
+          <a:prstGeom prst="rect">
+            <a:avLst/>
+          </a:prstGeom>
+        </p:spPr>
+        <p:txBody>
+          <a:bodyPr wrap="none">
+            <a:spAutoFit/>
+          </a:bodyPr>
+          <a:lstStyle/>
+          <a:p>
+            <a:r>
+              <a:rPr lang="en-US" altLang="zh-CN" b="1" dirty="0" smtClean="0">
+                <a:solidFill>
+                  <a:srgbClr val="C00000"/>
+                </a:solidFill>
+                <a:latin typeface="华文行楷" pitchFamily="2" charset="-122"/>
+                <a:ea typeface="华文行楷" pitchFamily="2" charset="-122"/>
+              </a:rPr>
+              <a:t>Guava</a:t>
+            </a:r>
+            <a:r>
+              <a:rPr lang="zh-CN" altLang="en-US" b="1" dirty="0" smtClean="0">
+                <a:solidFill>
+                  <a:srgbClr val="C00000"/>
+                </a:solidFill>
+                <a:latin typeface="华文行楷" pitchFamily="2" charset="-122"/>
+                <a:ea typeface="华文行楷" pitchFamily="2" charset="-122"/>
+              </a:rPr>
+              <a:t>基础知识</a:t>
+            </a:r>
+            <a:endParaRPr lang="zh-CN" altLang="en-US" b="1" dirty="0">
+              <a:solidFill>
+                <a:srgbClr val="C00000"/>
+              </a:solidFill>
+              <a:latin typeface="华文行楷" pitchFamily="2" charset="-122"/>
+              <a:ea typeface="华文行楷" pitchFamily="2" charset="-122"/>
+            </a:endParaRPr>
+          </a:p>
+        </p:txBody>
+      </p:sp>
+      <p:sp>
+        <p:nvSpPr>
+          <p:cNvPr id="6" name="爆炸形 1 5"/>
+          <p:cNvSpPr/>
+          <p:nvPr/>
+        </p:nvSpPr>
+        <p:spPr>
+          <a:xfrm>
+            <a:off x="439467" y="697232"/>
+            <a:ext cx="4680520" cy="1274658"/>
+          </a:xfrm>
+          <a:prstGeom prst="irregularSeal1">
+            <a:avLst/>
+          </a:prstGeom>
+          <a:solidFill>
+            <a:srgbClr val="C00000"/>
+          </a:solidFill>
+          <a:ln>
+            <a:noFill/>
+          </a:ln>
+        </p:spPr>
+        <p:style>
+          <a:lnRef idx="2">
+            <a:schemeClr val="accent1">
+              <a:shade val="50000"/>
+            </a:schemeClr>
+          </a:lnRef>
+          <a:fillRef idx="1">
+            <a:schemeClr val="accent1"/>
+          </a:fillRef>
+          <a:effectRef idx="0">
+            <a:schemeClr val="accent1"/>
+          </a:effectRef>
+          <a:fontRef idx="minor">
+            <a:schemeClr val="lt1"/>
+          </a:fontRef>
+        </p:style>
+        <p:txBody>
+          <a:bodyPr rtlCol="0" anchor="ctr"/>
+          <a:lstStyle/>
+          <a:p>
+            <a:pPr algn="ctr"/>
+            <a:r>
+              <a:rPr lang="zh-CN" altLang="en-US" dirty="0" smtClean="0"/>
+              <a:t>限流技术</a:t>
+            </a:r>
+            <a:endParaRPr lang="zh-CN" altLang="en-US" dirty="0"/>
+          </a:p>
+        </p:txBody>
+      </p:sp>
+    </p:spTree>
+    <p:extLst>
+      <p:ext uri="{BB962C8B-B14F-4D97-AF65-F5344CB8AC3E}">
+        <p14:creationId xmlns:p14="http://schemas.microsoft.com/office/powerpoint/2010/main" val="3397221737"/>
+      </p:ext>
+    </p:extLst>
+  </p:cSld>
+  <p:clrMapOvr>
+    <a:masterClrMapping/>
+  </p:clrMapOvr>
+  <p:timing>
+    <p:tnLst>
+      <p:par>
+        <p:cTn id="1" dur="indefinite" restart="never" nodeType="tmRoot"/>
+      </p:par>
+    </p:tnLst>
+  </p:timing>
+</p:sld>
+</file>
+
+<file path=ppt/slides/slide15.xml><?xml version="1.0" encoding="utf-8"?>
+<p:sld xmlns:a="http://schemas.openxmlformats.org/drawingml/2006/main" xmlns:r="http://schemas.openxmlformats.org/officeDocument/2006/relationships" xmlns:p="http://schemas.openxmlformats.org/presentationml/2006/main">
+  <p:cSld>
+    <p:spTree>
+      <p:nvGrpSpPr>
+        <p:cNvPr id="1" name=""/>
+        <p:cNvGrpSpPr/>
+        <p:nvPr/>
+      </p:nvGrpSpPr>
+      <p:grpSpPr>
+        <a:xfrm>
+          <a:off x="0" y="0"/>
+          <a:ext cx="0" cy="0"/>
+          <a:chOff x="0" y="0"/>
+          <a:chExt cx="0" cy="0"/>
+        </a:xfrm>
+      </p:grpSpPr>
+      <p:pic>
+        <p:nvPicPr>
+          <p:cNvPr id="6" name="图片 5"/>
+          <p:cNvPicPr>
+            <a:picLocks noChangeAspect="1"/>
+          </p:cNvPicPr>
+          <p:nvPr/>
+        </p:nvPicPr>
+        <p:blipFill>
+          <a:blip r:embed="rId3" cstate="print">
+            <a:extLst>
+              <a:ext uri="{28A0092B-C50C-407E-A947-70E740481C1C}">
+                <a14:useLocalDpi xmlns:a14="http://schemas.microsoft.com/office/drawing/2010/main" val="0"/>
+              </a:ext>
+            </a:extLst>
+          </a:blip>
+          <a:stretch>
+            <a:fillRect/>
+          </a:stretch>
+        </p:blipFill>
+        <p:spPr>
+          <a:xfrm>
+            <a:off x="0" y="-19932"/>
+            <a:ext cx="1570922" cy="717164"/>
+          </a:xfrm>
+          <a:prstGeom prst="rect">
+            <a:avLst/>
+          </a:prstGeom>
+        </p:spPr>
+      </p:pic>
+      <p:sp>
+        <p:nvSpPr>
+          <p:cNvPr id="7" name="矩形 6"/>
+          <p:cNvSpPr/>
+          <p:nvPr/>
+        </p:nvSpPr>
+        <p:spPr>
+          <a:xfrm>
+            <a:off x="1187624" y="260648"/>
+            <a:ext cx="668773" cy="369332"/>
+          </a:xfrm>
+          <a:prstGeom prst="rect">
+            <a:avLst/>
+          </a:prstGeom>
+        </p:spPr>
+        <p:txBody>
+          <a:bodyPr wrap="none">
+            <a:spAutoFit/>
+          </a:bodyPr>
+          <a:lstStyle/>
+          <a:p>
+            <a:r>
+              <a:rPr lang="en-US" altLang="zh-CN" b="1" dirty="0" smtClean="0">
+                <a:solidFill>
+                  <a:srgbClr val="C00000"/>
+                </a:solidFill>
+                <a:latin typeface="华文行楷" pitchFamily="2" charset="-122"/>
+                <a:ea typeface="华文行楷" pitchFamily="2" charset="-122"/>
+              </a:rPr>
+              <a:t>Guava</a:t>
+            </a:r>
+            <a:endParaRPr lang="zh-CN" altLang="en-US" b="1" dirty="0">
+              <a:solidFill>
+                <a:srgbClr val="C00000"/>
+              </a:solidFill>
+              <a:latin typeface="华文行楷" pitchFamily="2" charset="-122"/>
+              <a:ea typeface="华文行楷" pitchFamily="2" charset="-122"/>
+            </a:endParaRPr>
+          </a:p>
+        </p:txBody>
+      </p:sp>
+      <p:sp>
+        <p:nvSpPr>
+          <p:cNvPr id="3" name="矩形 2"/>
+          <p:cNvSpPr/>
+          <p:nvPr/>
+        </p:nvSpPr>
+        <p:spPr>
+          <a:xfrm>
+            <a:off x="35496" y="1412776"/>
+            <a:ext cx="9144000" cy="5112568"/>
+          </a:xfrm>
+          <a:prstGeom prst="rect">
+            <a:avLst/>
+          </a:prstGeom>
+          <a:solidFill>
+            <a:srgbClr val="C00000"/>
+          </a:solidFill>
+          <a:ln>
+            <a:noFill/>
+          </a:ln>
+        </p:spPr>
+        <p:style>
+          <a:lnRef idx="2">
+            <a:schemeClr val="accent1">
+              <a:shade val="50000"/>
+            </a:schemeClr>
+          </a:lnRef>
+          <a:fillRef idx="1">
+            <a:schemeClr val="accent1"/>
+          </a:fillRef>
+          <a:effectRef idx="0">
+            <a:schemeClr val="accent1"/>
+          </a:effectRef>
+          <a:fontRef idx="minor">
+            <a:schemeClr val="lt1"/>
+          </a:fontRef>
+        </p:style>
+        <p:txBody>
+          <a:bodyPr rtlCol="0" anchor="ctr"/>
+          <a:lstStyle/>
+          <a:p>
+            <a:pPr marL="457200" indent="-457200">
+              <a:lnSpc>
+                <a:spcPts val="5000"/>
+              </a:lnSpc>
+              <a:buFont typeface="Wingdings" pitchFamily="2" charset="2"/>
+              <a:buChar char="u"/>
+            </a:pPr>
+            <a:r>
+              <a:rPr lang="zh-CN" altLang="en-US" sz="2800" b="1" dirty="0" smtClean="0">
+                <a:latin typeface="华文楷体" pitchFamily="2" charset="-122"/>
+                <a:ea typeface="华文楷体" pitchFamily="2" charset="-122"/>
+              </a:rPr>
+              <a:t>高性能集合框架介绍</a:t>
+            </a:r>
+            <a:endParaRPr lang="en-US" altLang="zh-CN" sz="2800" b="1" dirty="0" smtClean="0">
+              <a:latin typeface="华文楷体" pitchFamily="2" charset="-122"/>
+              <a:ea typeface="华文楷体" pitchFamily="2" charset="-122"/>
+            </a:endParaRPr>
+          </a:p>
+          <a:p>
+            <a:pPr marL="457200" indent="-457200">
+              <a:lnSpc>
+                <a:spcPts val="5000"/>
+              </a:lnSpc>
+              <a:buFont typeface="Wingdings" pitchFamily="2" charset="2"/>
+              <a:buChar char="u"/>
+            </a:pPr>
+            <a:r>
+              <a:rPr lang="en-US" altLang="zh-CN" sz="2800" b="1" dirty="0" smtClean="0">
+                <a:latin typeface="华文楷体" pitchFamily="2" charset="-122"/>
+                <a:ea typeface="华文楷体" pitchFamily="2" charset="-122"/>
+              </a:rPr>
+              <a:t> </a:t>
+            </a:r>
+            <a:r>
+              <a:rPr lang="en-US" altLang="zh-CN" sz="2800" b="1" dirty="0" err="1" smtClean="0">
+                <a:latin typeface="华文楷体" pitchFamily="2" charset="-122"/>
+                <a:ea typeface="华文楷体" pitchFamily="2" charset="-122"/>
+              </a:rPr>
+              <a:t>FastTable</a:t>
+            </a:r>
+            <a:r>
+              <a:rPr lang="en-US" altLang="zh-CN" sz="2800" b="1" dirty="0" smtClean="0">
+                <a:latin typeface="华文楷体" pitchFamily="2" charset="-122"/>
+                <a:ea typeface="华文楷体" pitchFamily="2" charset="-122"/>
+              </a:rPr>
+              <a:t> </a:t>
+            </a:r>
+            <a:r>
+              <a:rPr lang="zh-CN" altLang="en-US" sz="2800" b="1" dirty="0" smtClean="0">
+                <a:latin typeface="华文楷体" pitchFamily="2" charset="-122"/>
+                <a:ea typeface="华文楷体" pitchFamily="2" charset="-122"/>
+              </a:rPr>
+              <a:t>分析</a:t>
+            </a:r>
+            <a:endParaRPr lang="en-US" altLang="zh-CN" sz="2800" b="1" dirty="0" smtClean="0">
+              <a:latin typeface="华文楷体" pitchFamily="2" charset="-122"/>
+              <a:ea typeface="华文楷体" pitchFamily="2" charset="-122"/>
+            </a:endParaRPr>
+          </a:p>
+          <a:p>
+            <a:pPr marL="457200" indent="-457200">
+              <a:lnSpc>
+                <a:spcPts val="5000"/>
+              </a:lnSpc>
+              <a:buFont typeface="Wingdings" pitchFamily="2" charset="2"/>
+              <a:buChar char="u"/>
+            </a:pPr>
+            <a:r>
+              <a:rPr lang="en-US" altLang="zh-CN" sz="2800" b="1" dirty="0">
+                <a:latin typeface="华文楷体" pitchFamily="2" charset="-122"/>
+                <a:ea typeface="华文楷体" pitchFamily="2" charset="-122"/>
+              </a:rPr>
+              <a:t> </a:t>
+            </a:r>
+            <a:r>
+              <a:rPr lang="en-US" altLang="zh-CN" sz="2800" b="1" dirty="0" err="1" smtClean="0">
+                <a:latin typeface="华文楷体" pitchFamily="2" charset="-122"/>
+                <a:ea typeface="华文楷体" pitchFamily="2" charset="-122"/>
+              </a:rPr>
+              <a:t>FastTable</a:t>
+            </a:r>
+            <a:r>
+              <a:rPr lang="en-US" altLang="zh-CN" sz="2800" b="1" dirty="0" smtClean="0">
+                <a:latin typeface="华文楷体" pitchFamily="2" charset="-122"/>
+                <a:ea typeface="华文楷体" pitchFamily="2" charset="-122"/>
+              </a:rPr>
+              <a:t> VS </a:t>
+            </a:r>
+            <a:r>
+              <a:rPr lang="en-US" altLang="zh-CN" sz="2800" b="1" dirty="0" err="1" smtClean="0">
+                <a:latin typeface="华文楷体" pitchFamily="2" charset="-122"/>
+                <a:ea typeface="华文楷体" pitchFamily="2" charset="-122"/>
+              </a:rPr>
+              <a:t>ArrayList</a:t>
+            </a:r>
+            <a:endParaRPr lang="en-US" altLang="zh-CN" sz="2800" b="1" dirty="0" smtClean="0">
+              <a:latin typeface="华文楷体" pitchFamily="2" charset="-122"/>
+              <a:ea typeface="华文楷体" pitchFamily="2" charset="-122"/>
+            </a:endParaRPr>
+          </a:p>
+          <a:p>
+            <a:pPr marL="457200" indent="-457200">
+              <a:lnSpc>
+                <a:spcPts val="5000"/>
+              </a:lnSpc>
+              <a:buFont typeface="Wingdings" pitchFamily="2" charset="2"/>
+              <a:buChar char="u"/>
+            </a:pPr>
+            <a:r>
+              <a:rPr lang="en-US" altLang="zh-CN" sz="2800" b="1" dirty="0">
+                <a:latin typeface="华文楷体" pitchFamily="2" charset="-122"/>
+                <a:ea typeface="华文楷体" pitchFamily="2" charset="-122"/>
+              </a:rPr>
+              <a:t> </a:t>
+            </a:r>
+            <a:r>
+              <a:rPr lang="en-US" altLang="zh-CN" sz="2800" b="1" dirty="0" err="1" smtClean="0">
+                <a:latin typeface="华文楷体" pitchFamily="2" charset="-122"/>
+                <a:ea typeface="华文楷体" pitchFamily="2" charset="-122"/>
+              </a:rPr>
+              <a:t>FastTable</a:t>
+            </a:r>
+            <a:r>
+              <a:rPr lang="en-US" altLang="zh-CN" sz="2800" b="1" dirty="0" smtClean="0">
+                <a:latin typeface="华文楷体" pitchFamily="2" charset="-122"/>
+                <a:ea typeface="华文楷体" pitchFamily="2" charset="-122"/>
+              </a:rPr>
+              <a:t> VS </a:t>
+            </a:r>
+            <a:r>
+              <a:rPr lang="en-US" altLang="zh-CN" sz="2800" b="1" dirty="0" err="1" smtClean="0">
+                <a:latin typeface="华文楷体" pitchFamily="2" charset="-122"/>
+                <a:ea typeface="华文楷体" pitchFamily="2" charset="-122"/>
+              </a:rPr>
+              <a:t>BigList</a:t>
+            </a:r>
+            <a:r>
+              <a:rPr lang="en-US" altLang="zh-CN" sz="2800" b="1" dirty="0" smtClean="0">
+                <a:latin typeface="华文楷体" pitchFamily="2" charset="-122"/>
+                <a:ea typeface="华文楷体" pitchFamily="2" charset="-122"/>
+              </a:rPr>
+              <a:t>  </a:t>
+            </a:r>
+            <a:endParaRPr lang="zh-CN" altLang="zh-CN" sz="2800" b="1" dirty="0">
+              <a:latin typeface="华文楷体" pitchFamily="2" charset="-122"/>
+              <a:ea typeface="华文楷体" pitchFamily="2" charset="-122"/>
+            </a:endParaRPr>
+          </a:p>
+          <a:p>
+            <a:endParaRPr lang="zh-CN" altLang="en-US" dirty="0"/>
+          </a:p>
+        </p:txBody>
+      </p:sp>
+      <p:sp>
+        <p:nvSpPr>
+          <p:cNvPr id="8" name="矩形 7"/>
+          <p:cNvSpPr/>
+          <p:nvPr/>
+        </p:nvSpPr>
+        <p:spPr>
+          <a:xfrm>
+            <a:off x="251520" y="836712"/>
+            <a:ext cx="7920880" cy="523220"/>
+          </a:xfrm>
+          <a:prstGeom prst="rect">
+            <a:avLst/>
+          </a:prstGeom>
+        </p:spPr>
+        <p:txBody>
+          <a:bodyPr wrap="square">
+            <a:spAutoFit/>
+          </a:bodyPr>
+          <a:lstStyle/>
+          <a:p>
+            <a:r>
+              <a:rPr lang="zh-CN" altLang="en-US" sz="2800" b="1" dirty="0" smtClean="0">
+                <a:solidFill>
+                  <a:srgbClr val="C00000"/>
+                </a:solidFill>
+                <a:latin typeface="华文行楷" pitchFamily="2" charset="-122"/>
+                <a:ea typeface="华文行楷" pitchFamily="2" charset="-122"/>
+              </a:rPr>
+              <a:t>第三部分  集合框架性能分析</a:t>
+            </a:r>
+            <a:endParaRPr lang="zh-CN" altLang="en-US" sz="2800" b="1" dirty="0">
+              <a:solidFill>
+                <a:srgbClr val="C00000"/>
+              </a:solidFill>
+              <a:latin typeface="华文行楷" pitchFamily="2" charset="-122"/>
+              <a:ea typeface="华文行楷" pitchFamily="2" charset="-122"/>
+            </a:endParaRPr>
+          </a:p>
+        </p:txBody>
+      </p:sp>
+    </p:spTree>
+    <p:extLst>
+      <p:ext uri="{BB962C8B-B14F-4D97-AF65-F5344CB8AC3E}">
+        <p14:creationId xmlns:p14="http://schemas.microsoft.com/office/powerpoint/2010/main" val="3956596302"/>
+      </p:ext>
+    </p:extLst>
+  </p:cSld>
+  <p:clrMapOvr>
+    <a:masterClrMapping/>
+  </p:clrMapOvr>
+  <p:timing>
+    <p:tnLst>
+      <p:par>
+        <p:cTn id="1" dur="indefinite" restart="never" nodeType="tmRoot"/>
+      </p:par>
+    </p:tnLst>
+  </p:timing>
+</p:sld>
+</file>
+
+<file path=ppt/slides/slide16.xml><?xml version="1.0" encoding="utf-8"?>
+<p:sld xmlns:a="http://schemas.openxmlformats.org/drawingml/2006/main" xmlns:r="http://schemas.openxmlformats.org/officeDocument/2006/relationships" xmlns:p="http://schemas.openxmlformats.org/presentationml/2006/main">
+  <p:cSld>
+    <p:spTree>
+      <p:nvGrpSpPr>
+        <p:cNvPr id="1" name=""/>
+        <p:cNvGrpSpPr/>
+        <p:nvPr/>
+      </p:nvGrpSpPr>
+      <p:grpSpPr>
+        <a:xfrm>
+          <a:off x="0" y="0"/>
+          <a:ext cx="0" cy="0"/>
+          <a:chOff x="0" y="0"/>
+          <a:chExt cx="0" cy="0"/>
+        </a:xfrm>
+      </p:grpSpPr>
+      <p:pic>
+        <p:nvPicPr>
+          <p:cNvPr id="6" name="图片 5"/>
+          <p:cNvPicPr>
+            <a:picLocks noChangeAspect="1"/>
+          </p:cNvPicPr>
+          <p:nvPr/>
+        </p:nvPicPr>
+        <p:blipFill>
+          <a:blip r:embed="rId3" cstate="print">
+            <a:extLst>
+              <a:ext uri="{28A0092B-C50C-407E-A947-70E740481C1C}">
+                <a14:useLocalDpi xmlns:a14="http://schemas.microsoft.com/office/drawing/2010/main" val="0"/>
+              </a:ext>
+            </a:extLst>
+          </a:blip>
+          <a:stretch>
+            <a:fillRect/>
+          </a:stretch>
+        </p:blipFill>
+        <p:spPr>
+          <a:xfrm>
+            <a:off x="0" y="-19932"/>
+            <a:ext cx="1570922" cy="717164"/>
+          </a:xfrm>
+          <a:prstGeom prst="rect">
+            <a:avLst/>
+          </a:prstGeom>
+        </p:spPr>
+      </p:pic>
+      <p:sp>
+        <p:nvSpPr>
+          <p:cNvPr id="7" name="矩形 6"/>
+          <p:cNvSpPr/>
+          <p:nvPr/>
+        </p:nvSpPr>
+        <p:spPr>
+          <a:xfrm>
+            <a:off x="1187624" y="260648"/>
+            <a:ext cx="2031325" cy="369332"/>
+          </a:xfrm>
+          <a:prstGeom prst="rect">
+            <a:avLst/>
+          </a:prstGeom>
+        </p:spPr>
+        <p:txBody>
+          <a:bodyPr wrap="none">
+            <a:spAutoFit/>
+          </a:bodyPr>
+          <a:lstStyle/>
+          <a:p>
+            <a:r>
+              <a:rPr lang="zh-CN" altLang="en-US" b="1" dirty="0">
+                <a:solidFill>
+                  <a:srgbClr val="C00000"/>
+                </a:solidFill>
+                <a:latin typeface="华文行楷" pitchFamily="2" charset="-122"/>
+                <a:ea typeface="华文行楷" pitchFamily="2" charset="-122"/>
+              </a:rPr>
+              <a:t>集合框架性能分析</a:t>
+            </a:r>
+          </a:p>
+        </p:txBody>
+      </p:sp>
+      <p:sp>
+        <p:nvSpPr>
+          <p:cNvPr id="3" name="矩形 2"/>
+          <p:cNvSpPr/>
+          <p:nvPr/>
+        </p:nvSpPr>
+        <p:spPr>
+          <a:xfrm>
+            <a:off x="35496" y="1412776"/>
+            <a:ext cx="9144000" cy="5112568"/>
+          </a:xfrm>
+          <a:prstGeom prst="rect">
+            <a:avLst/>
+          </a:prstGeom>
+          <a:solidFill>
+            <a:srgbClr val="C00000"/>
+          </a:solidFill>
+          <a:ln>
+            <a:noFill/>
+          </a:ln>
+        </p:spPr>
+        <p:style>
+          <a:lnRef idx="2">
+            <a:schemeClr val="accent1">
+              <a:shade val="50000"/>
+            </a:schemeClr>
+          </a:lnRef>
+          <a:fillRef idx="1">
+            <a:schemeClr val="accent1"/>
+          </a:fillRef>
+          <a:effectRef idx="0">
+            <a:schemeClr val="accent1"/>
+          </a:effectRef>
+          <a:fontRef idx="minor">
+            <a:schemeClr val="lt1"/>
+          </a:fontRef>
+        </p:style>
+        <p:txBody>
+          <a:bodyPr rtlCol="0" anchor="ctr"/>
+          <a:lstStyle/>
+          <a:p>
+            <a:pPr marL="457200" indent="-457200">
+              <a:lnSpc>
+                <a:spcPts val="5000"/>
+              </a:lnSpc>
+              <a:buFont typeface="Wingdings" pitchFamily="2" charset="2"/>
+              <a:buChar char="u"/>
+            </a:pPr>
+            <a:r>
+              <a:rPr lang="en-US" altLang="zh-CN" sz="2800" dirty="0" smtClean="0"/>
+              <a:t> </a:t>
+            </a:r>
+            <a:r>
+              <a:rPr lang="en-US" altLang="zh-CN" sz="2800" dirty="0" err="1" smtClean="0"/>
+              <a:t>Javolution</a:t>
+            </a:r>
+            <a:endParaRPr lang="en-US" altLang="zh-CN" sz="2800" dirty="0" smtClean="0"/>
+          </a:p>
+          <a:p>
+            <a:pPr marL="457200" indent="-457200">
+              <a:lnSpc>
+                <a:spcPts val="5000"/>
+              </a:lnSpc>
+              <a:buFont typeface="Wingdings" pitchFamily="2" charset="2"/>
+              <a:buChar char="u"/>
+            </a:pPr>
+            <a:r>
+              <a:rPr lang="en-US" altLang="zh-CN" sz="2800" b="1" dirty="0" smtClean="0">
+                <a:latin typeface="华文楷体" pitchFamily="2" charset="-122"/>
+                <a:ea typeface="华文楷体" pitchFamily="2" charset="-122"/>
+              </a:rPr>
+              <a:t> </a:t>
+            </a:r>
+            <a:r>
+              <a:rPr lang="en-US" altLang="zh-CN" sz="2800" dirty="0"/>
+              <a:t>Trove </a:t>
+            </a:r>
+            <a:endParaRPr lang="en-US" altLang="zh-CN" sz="2800" dirty="0" smtClean="0"/>
+          </a:p>
+          <a:p>
+            <a:pPr marL="457200" indent="-457200">
+              <a:lnSpc>
+                <a:spcPts val="5000"/>
+              </a:lnSpc>
+              <a:buFont typeface="Wingdings" pitchFamily="2" charset="2"/>
+              <a:buChar char="u"/>
+            </a:pPr>
+            <a:r>
+              <a:rPr lang="en-US" altLang="zh-CN" sz="2800" b="1" dirty="0">
+                <a:latin typeface="华文楷体" pitchFamily="2" charset="-122"/>
+                <a:ea typeface="华文楷体" pitchFamily="2" charset="-122"/>
+              </a:rPr>
+              <a:t> </a:t>
+            </a:r>
+            <a:r>
+              <a:rPr lang="en-US" altLang="zh-CN" sz="2800" dirty="0" smtClean="0"/>
+              <a:t>Brownies</a:t>
+            </a:r>
+            <a:endParaRPr lang="en-US" altLang="zh-CN" sz="2800" b="1" dirty="0" smtClean="0">
+              <a:latin typeface="华文楷体" pitchFamily="2" charset="-122"/>
+              <a:ea typeface="华文楷体" pitchFamily="2" charset="-122"/>
+            </a:endParaRPr>
+          </a:p>
+          <a:p>
+            <a:pPr marL="457200" indent="-457200">
+              <a:lnSpc>
+                <a:spcPts val="5000"/>
+              </a:lnSpc>
+              <a:buFont typeface="Wingdings" pitchFamily="2" charset="2"/>
+              <a:buChar char="u"/>
+            </a:pPr>
+            <a:r>
+              <a:rPr lang="en-US" altLang="zh-CN" sz="2800" b="1" dirty="0" smtClean="0">
+                <a:latin typeface="华文楷体" pitchFamily="2" charset="-122"/>
+                <a:ea typeface="华文楷体" pitchFamily="2" charset="-122"/>
+              </a:rPr>
+              <a:t> HPPC</a:t>
+            </a:r>
+          </a:p>
+          <a:p>
+            <a:pPr marL="457200" indent="-457200">
+              <a:lnSpc>
+                <a:spcPts val="5000"/>
+              </a:lnSpc>
+              <a:buFont typeface="Wingdings" pitchFamily="2" charset="2"/>
+              <a:buChar char="u"/>
+            </a:pPr>
+            <a:r>
+              <a:rPr lang="en-US" altLang="zh-CN" sz="2800" dirty="0" smtClean="0"/>
+              <a:t> </a:t>
+            </a:r>
+            <a:r>
+              <a:rPr lang="en-US" altLang="zh-CN" sz="2800" dirty="0" err="1" smtClean="0"/>
+              <a:t>FastUtil</a:t>
+            </a:r>
+            <a:endParaRPr lang="en-US" altLang="zh-CN" sz="2800" dirty="0" smtClean="0"/>
+          </a:p>
+          <a:p>
+            <a:pPr marL="457200" indent="-457200">
+              <a:lnSpc>
+                <a:spcPts val="5000"/>
+              </a:lnSpc>
+              <a:buFont typeface="Wingdings" pitchFamily="2" charset="2"/>
+              <a:buChar char="u"/>
+            </a:pPr>
+            <a:r>
+              <a:rPr lang="en-US" altLang="zh-CN" sz="2800" b="1" dirty="0" smtClean="0"/>
+              <a:t> </a:t>
+            </a:r>
+            <a:r>
+              <a:rPr lang="en-US" altLang="zh-CN" sz="2800" b="1" dirty="0" err="1" smtClean="0"/>
+              <a:t>Koloboke</a:t>
+            </a:r>
+            <a:endParaRPr lang="en-US" altLang="zh-CN" sz="2800" b="1" dirty="0"/>
+          </a:p>
+          <a:p>
+            <a:pPr>
+              <a:lnSpc>
+                <a:spcPts val="5000"/>
+              </a:lnSpc>
+            </a:pPr>
+            <a:endParaRPr lang="zh-CN" altLang="zh-CN" sz="2800" b="1" dirty="0">
+              <a:latin typeface="华文楷体" pitchFamily="2" charset="-122"/>
+              <a:ea typeface="华文楷体" pitchFamily="2" charset="-122"/>
+            </a:endParaRPr>
+          </a:p>
+          <a:p>
+            <a:endParaRPr lang="zh-CN" altLang="en-US" dirty="0"/>
+          </a:p>
+        </p:txBody>
+      </p:sp>
+      <p:sp>
+        <p:nvSpPr>
+          <p:cNvPr id="8" name="矩形 7"/>
+          <p:cNvSpPr/>
+          <p:nvPr/>
+        </p:nvSpPr>
+        <p:spPr>
+          <a:xfrm>
+            <a:off x="251520" y="836712"/>
+            <a:ext cx="7920880" cy="523220"/>
+          </a:xfrm>
+          <a:prstGeom prst="rect">
+            <a:avLst/>
+          </a:prstGeom>
+        </p:spPr>
+        <p:txBody>
+          <a:bodyPr wrap="square">
+            <a:spAutoFit/>
+          </a:bodyPr>
+          <a:lstStyle/>
+          <a:p>
+            <a:r>
+              <a:rPr lang="zh-CN" altLang="en-US" sz="2800" b="1" dirty="0" smtClean="0">
+                <a:solidFill>
+                  <a:srgbClr val="C00000"/>
+                </a:solidFill>
+                <a:latin typeface="华文行楷" pitchFamily="2" charset="-122"/>
+                <a:ea typeface="华文行楷" pitchFamily="2" charset="-122"/>
+              </a:rPr>
+              <a:t>高性能集合框架</a:t>
+            </a:r>
+            <a:r>
+              <a:rPr lang="zh-CN" altLang="en-US" sz="2800" b="1" dirty="0">
+                <a:solidFill>
+                  <a:srgbClr val="C00000"/>
+                </a:solidFill>
+                <a:latin typeface="华文行楷" pitchFamily="2" charset="-122"/>
+                <a:ea typeface="华文行楷" pitchFamily="2" charset="-122"/>
+              </a:rPr>
+              <a:t>介绍</a:t>
+            </a:r>
+          </a:p>
+        </p:txBody>
+      </p:sp>
+    </p:spTree>
+    <p:extLst>
+      <p:ext uri="{BB962C8B-B14F-4D97-AF65-F5344CB8AC3E}">
+        <p14:creationId xmlns:p14="http://schemas.microsoft.com/office/powerpoint/2010/main" val="3922919350"/>
+      </p:ext>
+    </p:extLst>
+  </p:cSld>
+  <p:clrMapOvr>
+    <a:masterClrMapping/>
+  </p:clrMapOvr>
+  <p:timing>
+    <p:tnLst>
+      <p:par>
+        <p:cTn id="1" dur="indefinite" restart="never" nodeType="tmRoot"/>
+      </p:par>
+    </p:tnLst>
+  </p:timing>
+</p:sld>
+</file>
+
+<file path=ppt/slides/slide17.xml><?xml version="1.0" encoding="utf-8"?>
+<p:sld xmlns:a="http://schemas.openxmlformats.org/drawingml/2006/main" xmlns:r="http://schemas.openxmlformats.org/officeDocument/2006/relationships" xmlns:p="http://schemas.openxmlformats.org/presentationml/2006/main">
+  <p:cSld>
+    <p:spTree>
+      <p:nvGrpSpPr>
+        <p:cNvPr id="1" name=""/>
+        <p:cNvGrpSpPr/>
+        <p:nvPr/>
+      </p:nvGrpSpPr>
+      <p:grpSpPr>
+        <a:xfrm>
+          <a:off x="0" y="0"/>
+          <a:ext cx="0" cy="0"/>
+          <a:chOff x="0" y="0"/>
+          <a:chExt cx="0" cy="0"/>
+        </a:xfrm>
+      </p:grpSpPr>
+      <p:pic>
+        <p:nvPicPr>
+          <p:cNvPr id="4" name="图片 3"/>
+          <p:cNvPicPr>
+            <a:picLocks noChangeAspect="1"/>
+          </p:cNvPicPr>
+          <p:nvPr/>
+        </p:nvPicPr>
+        <p:blipFill>
+          <a:blip r:embed="rId3" cstate="print">
+            <a:extLst>
+              <a:ext uri="{28A0092B-C50C-407E-A947-70E740481C1C}">
+                <a14:useLocalDpi xmlns:a14="http://schemas.microsoft.com/office/drawing/2010/main" val="0"/>
+              </a:ext>
+            </a:extLst>
+          </a:blip>
+          <a:stretch>
+            <a:fillRect/>
+          </a:stretch>
+        </p:blipFill>
+        <p:spPr>
+          <a:xfrm>
+            <a:off x="-23257" y="-19932"/>
+            <a:ext cx="1570922" cy="717164"/>
+          </a:xfrm>
+          <a:prstGeom prst="rect">
+            <a:avLst/>
+          </a:prstGeom>
+        </p:spPr>
+      </p:pic>
+      <p:sp>
+        <p:nvSpPr>
+          <p:cNvPr id="5" name="矩形 4"/>
+          <p:cNvSpPr/>
+          <p:nvPr/>
+        </p:nvSpPr>
+        <p:spPr>
+          <a:xfrm>
+            <a:off x="1187624" y="260648"/>
+            <a:ext cx="1800493" cy="369332"/>
+          </a:xfrm>
+          <a:prstGeom prst="rect">
+            <a:avLst/>
+          </a:prstGeom>
+        </p:spPr>
+        <p:txBody>
+          <a:bodyPr wrap="none">
+            <a:spAutoFit/>
+          </a:bodyPr>
+          <a:lstStyle/>
+          <a:p>
+            <a:r>
+              <a:rPr lang="zh-CN" altLang="en-US" b="1" dirty="0" smtClean="0">
+                <a:solidFill>
+                  <a:srgbClr val="C00000"/>
+                </a:solidFill>
+                <a:latin typeface="华文行楷" pitchFamily="2" charset="-122"/>
+                <a:ea typeface="华文行楷" pitchFamily="2" charset="-122"/>
+              </a:rPr>
+              <a:t>高性能集合框架</a:t>
+            </a:r>
+            <a:endParaRPr lang="zh-CN" altLang="en-US" b="1" dirty="0">
+              <a:solidFill>
+                <a:srgbClr val="C00000"/>
+              </a:solidFill>
+              <a:latin typeface="华文行楷" pitchFamily="2" charset="-122"/>
+              <a:ea typeface="华文行楷" pitchFamily="2" charset="-122"/>
+            </a:endParaRPr>
+          </a:p>
+        </p:txBody>
+      </p:sp>
+      <p:sp>
+        <p:nvSpPr>
+          <p:cNvPr id="6" name="爆炸形 1 5"/>
+          <p:cNvSpPr/>
+          <p:nvPr/>
+        </p:nvSpPr>
+        <p:spPr>
+          <a:xfrm>
+            <a:off x="539552" y="908720"/>
+            <a:ext cx="3384376" cy="1274658"/>
+          </a:xfrm>
+          <a:prstGeom prst="irregularSeal1">
+            <a:avLst/>
+          </a:prstGeom>
+          <a:solidFill>
+            <a:srgbClr val="C00000"/>
+          </a:solidFill>
+          <a:ln>
+            <a:noFill/>
+          </a:ln>
+        </p:spPr>
+        <p:style>
+          <a:lnRef idx="2">
+            <a:schemeClr val="accent1">
+              <a:shade val="50000"/>
+            </a:schemeClr>
+          </a:lnRef>
+          <a:fillRef idx="1">
+            <a:schemeClr val="accent1"/>
+          </a:fillRef>
+          <a:effectRef idx="0">
+            <a:schemeClr val="accent1"/>
+          </a:effectRef>
+          <a:fontRef idx="minor">
+            <a:schemeClr val="lt1"/>
+          </a:fontRef>
+        </p:style>
+        <p:txBody>
+          <a:bodyPr rtlCol="0" anchor="ctr"/>
+          <a:lstStyle/>
+          <a:p>
+            <a:pPr algn="ctr"/>
+            <a:r>
+              <a:rPr lang="zh-CN" altLang="en-US" dirty="0" smtClean="0"/>
+              <a:t>框架介绍</a:t>
+            </a:r>
+            <a:endParaRPr lang="zh-CN" altLang="en-US" dirty="0"/>
+          </a:p>
+        </p:txBody>
+      </p:sp>
+      <p:sp>
+        <p:nvSpPr>
+          <p:cNvPr id="2" name="矩形 1"/>
+          <p:cNvSpPr/>
+          <p:nvPr/>
+        </p:nvSpPr>
+        <p:spPr>
+          <a:xfrm>
+            <a:off x="539552" y="2551837"/>
+            <a:ext cx="8352928" cy="3139321"/>
+          </a:xfrm>
+          <a:prstGeom prst="rect">
+            <a:avLst/>
+          </a:prstGeom>
+        </p:spPr>
+        <p:txBody>
+          <a:bodyPr wrap="square">
+            <a:spAutoFit/>
+          </a:bodyPr>
+          <a:lstStyle/>
+          <a:p>
+            <a:r>
+              <a:rPr lang="en-US" altLang="zh-CN" dirty="0" smtClean="0"/>
+              <a:t>      </a:t>
+            </a:r>
+            <a:r>
+              <a:rPr lang="en-US" altLang="zh-CN" dirty="0" err="1" smtClean="0"/>
+              <a:t>Javolution</a:t>
+            </a:r>
+            <a:r>
+              <a:rPr lang="en-US" altLang="zh-CN" dirty="0" smtClean="0"/>
+              <a:t> </a:t>
+            </a:r>
+            <a:r>
+              <a:rPr lang="zh-CN" altLang="en-US" dirty="0"/>
+              <a:t>提供一个高性的</a:t>
+            </a:r>
+            <a:r>
+              <a:rPr lang="en-US" altLang="zh-CN" dirty="0"/>
+              <a:t>Java</a:t>
+            </a:r>
+            <a:r>
+              <a:rPr lang="zh-CN" altLang="en-US" dirty="0"/>
+              <a:t>集合（</a:t>
+            </a:r>
+            <a:r>
+              <a:rPr lang="en-US" altLang="zh-CN" dirty="0"/>
+              <a:t>collection </a:t>
+            </a:r>
+            <a:r>
+              <a:rPr lang="zh-CN" altLang="en-US" dirty="0"/>
+              <a:t>）类库和一些实用的工具类。虽然这个类包只提供非常少的几个集合类，但是这些类就能够代替大部分</a:t>
+            </a:r>
+            <a:r>
+              <a:rPr lang="en-US" altLang="zh-CN" dirty="0" err="1"/>
+              <a:t>java.util</a:t>
+            </a:r>
+            <a:r>
+              <a:rPr lang="zh-CN" altLang="en-US" dirty="0"/>
+              <a:t>类。</a:t>
+            </a:r>
+            <a:r>
+              <a:rPr lang="en-US" altLang="zh-CN" dirty="0" err="1"/>
+              <a:t>javolution</a:t>
+            </a:r>
+            <a:r>
+              <a:rPr lang="zh-CN" altLang="en-US" dirty="0"/>
+              <a:t>可以让你的应用程序更加快速和更实时</a:t>
+            </a:r>
+            <a:r>
+              <a:rPr lang="zh-CN" altLang="en-US" dirty="0" smtClean="0"/>
+              <a:t>。</a:t>
+            </a:r>
+            <a:endParaRPr lang="en-US" altLang="zh-CN" dirty="0" smtClean="0"/>
+          </a:p>
+          <a:p>
+            <a:r>
+              <a:rPr lang="en-US" altLang="zh-CN" dirty="0"/>
+              <a:t> </a:t>
+            </a:r>
+            <a:r>
+              <a:rPr lang="en-US" altLang="zh-CN" dirty="0" smtClean="0"/>
+              <a:t>   </a:t>
+            </a:r>
+          </a:p>
+          <a:p>
+            <a:r>
+              <a:rPr lang="en-US" altLang="zh-CN" dirty="0"/>
+              <a:t> </a:t>
+            </a:r>
+            <a:r>
+              <a:rPr lang="en-US" altLang="zh-CN" dirty="0" smtClean="0"/>
+              <a:t>      Trove </a:t>
+            </a:r>
+            <a:r>
+              <a:rPr lang="en-US" altLang="zh-CN" dirty="0"/>
+              <a:t>(Trove4j) </a:t>
+            </a:r>
+            <a:r>
+              <a:rPr lang="zh-CN" altLang="en-US" dirty="0"/>
+              <a:t>是一个快速、轻量级 </a:t>
+            </a:r>
+            <a:r>
+              <a:rPr lang="en-US" altLang="zh-CN" dirty="0"/>
+              <a:t>Collection </a:t>
+            </a:r>
+            <a:r>
+              <a:rPr lang="zh-CN" altLang="en-US" dirty="0"/>
+              <a:t>类的集合。</a:t>
+            </a:r>
+            <a:r>
+              <a:rPr lang="en-US" altLang="zh-CN" dirty="0"/>
+              <a:t>Trove </a:t>
+            </a:r>
+            <a:r>
+              <a:rPr lang="zh-CN" altLang="en-US" dirty="0"/>
+              <a:t>提供所有标准 </a:t>
+            </a:r>
+            <a:r>
+              <a:rPr lang="en-US" altLang="zh-CN" dirty="0" err="1"/>
+              <a:t>java.util</a:t>
+            </a:r>
+            <a:r>
+              <a:rPr lang="en-US" altLang="zh-CN" dirty="0"/>
+              <a:t> Collections </a:t>
+            </a:r>
+            <a:r>
+              <a:rPr lang="zh-CN" altLang="en-US" dirty="0"/>
+              <a:t>类的更快的版本以及能够直接在原语（</a:t>
+            </a:r>
+            <a:r>
+              <a:rPr lang="en-US" altLang="zh-CN" dirty="0"/>
+              <a:t>primitive</a:t>
+            </a:r>
+            <a:r>
+              <a:rPr lang="zh-CN" altLang="en-US" dirty="0"/>
+              <a:t>）（例如包含 </a:t>
+            </a:r>
+            <a:r>
+              <a:rPr lang="en-US" altLang="zh-CN" dirty="0" err="1"/>
+              <a:t>int</a:t>
+            </a:r>
+            <a:r>
+              <a:rPr lang="en-US" altLang="zh-CN" dirty="0"/>
+              <a:t> </a:t>
+            </a:r>
+            <a:r>
+              <a:rPr lang="zh-CN" altLang="en-US" dirty="0"/>
+              <a:t>键或值的 </a:t>
+            </a:r>
+            <a:r>
+              <a:rPr lang="en-US" altLang="zh-CN" dirty="0"/>
+              <a:t>Map </a:t>
+            </a:r>
+            <a:r>
+              <a:rPr lang="zh-CN" altLang="en-US" dirty="0"/>
+              <a:t>等）上操作的 </a:t>
+            </a:r>
+            <a:r>
+              <a:rPr lang="en-US" altLang="zh-CN" dirty="0"/>
+              <a:t>Collections </a:t>
+            </a:r>
+            <a:r>
+              <a:rPr lang="zh-CN" altLang="en-US" dirty="0"/>
+              <a:t>类的版本</a:t>
+            </a:r>
+            <a:r>
+              <a:rPr lang="zh-CN" altLang="en-US" dirty="0" smtClean="0"/>
+              <a:t>。</a:t>
+            </a:r>
+            <a:endParaRPr lang="en-US" altLang="zh-CN" dirty="0" smtClean="0"/>
+          </a:p>
+          <a:p>
+            <a:r>
+              <a:rPr lang="en-US" altLang="zh-CN" dirty="0"/>
+              <a:t> </a:t>
+            </a:r>
+            <a:r>
+              <a:rPr lang="en-US" altLang="zh-CN" dirty="0" smtClean="0"/>
+              <a:t>   </a:t>
+            </a:r>
+          </a:p>
+          <a:p>
+            <a:r>
+              <a:rPr lang="en-US" altLang="zh-CN" dirty="0"/>
+              <a:t> </a:t>
+            </a:r>
+            <a:r>
+              <a:rPr lang="en-US" altLang="zh-CN" dirty="0" smtClean="0"/>
+              <a:t>      </a:t>
+            </a:r>
+            <a:r>
+              <a:rPr lang="en-US" altLang="zh-CN" dirty="0"/>
+              <a:t>Brownies </a:t>
+            </a:r>
+            <a:r>
+              <a:rPr lang="zh-CN" altLang="en-US" dirty="0" smtClean="0"/>
+              <a:t>集合框架是对</a:t>
+            </a:r>
+            <a:r>
+              <a:rPr lang="en-US" altLang="zh-CN" dirty="0" smtClean="0"/>
+              <a:t>JDK</a:t>
+            </a:r>
+            <a:r>
+              <a:rPr lang="zh-CN" altLang="en-US" dirty="0" smtClean="0"/>
+              <a:t>集合框架的补充，</a:t>
+            </a:r>
+            <a:r>
+              <a:rPr lang="en-US" altLang="zh-CN" dirty="0" err="1" smtClean="0"/>
+              <a:t>GapList</a:t>
+            </a:r>
+            <a:r>
+              <a:rPr lang="en-US" altLang="zh-CN" dirty="0"/>
+              <a:t> </a:t>
+            </a:r>
+            <a:r>
+              <a:rPr lang="zh-CN" altLang="en-US" dirty="0" smtClean="0"/>
+              <a:t>集成了</a:t>
+            </a:r>
+            <a:r>
+              <a:rPr lang="en-US" altLang="zh-CN" dirty="0" err="1" smtClean="0"/>
+              <a:t>ArrayList</a:t>
+            </a:r>
+            <a:r>
+              <a:rPr lang="zh-CN" altLang="en-US" dirty="0" smtClean="0"/>
+              <a:t>和</a:t>
+            </a:r>
+            <a:r>
+              <a:rPr lang="en-US" altLang="zh-CN" dirty="0" err="1" smtClean="0"/>
+              <a:t>LinkedList</a:t>
+            </a:r>
+            <a:r>
+              <a:rPr lang="zh-CN" altLang="en-US" dirty="0" smtClean="0"/>
+              <a:t>两者优点</a:t>
+            </a:r>
+            <a:r>
+              <a:rPr lang="en-US" altLang="zh-CN" dirty="0"/>
+              <a:t> </a:t>
+            </a:r>
+            <a:r>
+              <a:rPr lang="zh-CN" altLang="en-US" dirty="0" smtClean="0"/>
+              <a:t>，</a:t>
+            </a:r>
+            <a:r>
+              <a:rPr lang="en-US" altLang="zh-CN" dirty="0"/>
+              <a:t> </a:t>
+            </a:r>
+            <a:r>
+              <a:rPr lang="en-US" altLang="zh-CN" dirty="0" err="1"/>
+              <a:t>BigList</a:t>
+            </a:r>
+            <a:r>
+              <a:rPr lang="zh-CN" altLang="en-US" dirty="0"/>
+              <a:t>是存储大量元素的优化</a:t>
+            </a:r>
+            <a:r>
+              <a:rPr lang="zh-CN" altLang="en-US" dirty="0" smtClean="0"/>
+              <a:t>列表。</a:t>
+            </a:r>
+            <a:endParaRPr lang="en-US" altLang="zh-CN" dirty="0"/>
+          </a:p>
+          <a:p>
+            <a:r>
+              <a:rPr lang="en-US" altLang="zh-CN" dirty="0"/>
+              <a:t> </a:t>
+            </a:r>
+            <a:r>
+              <a:rPr lang="en-US" altLang="zh-CN" dirty="0" smtClean="0"/>
+              <a:t>      </a:t>
+            </a:r>
+            <a:endParaRPr lang="zh-CN" altLang="en-US" dirty="0"/>
+          </a:p>
+        </p:txBody>
+      </p:sp>
+    </p:spTree>
+    <p:extLst>
+      <p:ext uri="{BB962C8B-B14F-4D97-AF65-F5344CB8AC3E}">
+        <p14:creationId xmlns:p14="http://schemas.microsoft.com/office/powerpoint/2010/main" val="533556617"/>
+      </p:ext>
+    </p:extLst>
+  </p:cSld>
+  <p:clrMapOvr>
+    <a:masterClrMapping/>
+  </p:clrMapOvr>
+  <p:timing>
+    <p:tnLst>
+      <p:par>
+        <p:cTn id="1" dur="indefinite" restart="never" nodeType="tmRoot"/>
+      </p:par>
+    </p:tnLst>
+  </p:timing>
+</p:sld>
+</file>
+
+<file path=ppt/slides/slide18.xml><?xml version="1.0" encoding="utf-8"?>
+<p:sld xmlns:a="http://schemas.openxmlformats.org/drawingml/2006/main" xmlns:r="http://schemas.openxmlformats.org/officeDocument/2006/relationships" xmlns:p="http://schemas.openxmlformats.org/presentationml/2006/main">
+  <p:cSld>
+    <p:spTree>
+      <p:nvGrpSpPr>
+        <p:cNvPr id="1" name=""/>
+        <p:cNvGrpSpPr/>
+        <p:nvPr/>
+      </p:nvGrpSpPr>
+      <p:grpSpPr>
+        <a:xfrm>
+          <a:off x="0" y="0"/>
+          <a:ext cx="0" cy="0"/>
+          <a:chOff x="0" y="0"/>
+          <a:chExt cx="0" cy="0"/>
+        </a:xfrm>
+      </p:grpSpPr>
+      <p:pic>
+        <p:nvPicPr>
+          <p:cNvPr id="4" name="图片 3"/>
+          <p:cNvPicPr>
+            <a:picLocks noChangeAspect="1"/>
+          </p:cNvPicPr>
+          <p:nvPr/>
+        </p:nvPicPr>
+        <p:blipFill>
+          <a:blip r:embed="rId3" cstate="print">
+            <a:extLst>
+              <a:ext uri="{28A0092B-C50C-407E-A947-70E740481C1C}">
+                <a14:useLocalDpi xmlns:a14="http://schemas.microsoft.com/office/drawing/2010/main" val="0"/>
+              </a:ext>
+            </a:extLst>
+          </a:blip>
+          <a:stretch>
+            <a:fillRect/>
+          </a:stretch>
+        </p:blipFill>
+        <p:spPr>
+          <a:xfrm>
+            <a:off x="-23257" y="-19932"/>
+            <a:ext cx="1570922" cy="717164"/>
+          </a:xfrm>
+          <a:prstGeom prst="rect">
+            <a:avLst/>
+          </a:prstGeom>
+        </p:spPr>
+      </p:pic>
+      <p:sp>
+        <p:nvSpPr>
+          <p:cNvPr id="5" name="矩形 4"/>
+          <p:cNvSpPr/>
+          <p:nvPr/>
+        </p:nvSpPr>
+        <p:spPr>
+          <a:xfrm>
+            <a:off x="1187624" y="260648"/>
+            <a:ext cx="2262158" cy="369332"/>
+          </a:xfrm>
+          <a:prstGeom prst="rect">
+            <a:avLst/>
+          </a:prstGeom>
+        </p:spPr>
+        <p:txBody>
+          <a:bodyPr wrap="none">
+            <a:spAutoFit/>
+          </a:bodyPr>
+          <a:lstStyle/>
+          <a:p>
+            <a:r>
+              <a:rPr lang="zh-CN" altLang="en-US" b="1" dirty="0" smtClean="0">
+                <a:solidFill>
+                  <a:srgbClr val="C00000"/>
+                </a:solidFill>
+                <a:latin typeface="华文行楷" pitchFamily="2" charset="-122"/>
+                <a:ea typeface="华文行楷" pitchFamily="2" charset="-122"/>
+              </a:rPr>
+              <a:t>集合与数据结构关系</a:t>
+            </a:r>
+            <a:endParaRPr lang="zh-CN" altLang="en-US" b="1" dirty="0">
+              <a:solidFill>
+                <a:srgbClr val="C00000"/>
+              </a:solidFill>
+              <a:latin typeface="华文行楷" pitchFamily="2" charset="-122"/>
+              <a:ea typeface="华文行楷" pitchFamily="2" charset="-122"/>
+            </a:endParaRPr>
+          </a:p>
+        </p:txBody>
+      </p:sp>
+    </p:spTree>
+    <p:extLst>
+      <p:ext uri="{BB962C8B-B14F-4D97-AF65-F5344CB8AC3E}">
+        <p14:creationId xmlns:p14="http://schemas.microsoft.com/office/powerpoint/2010/main" val="533556617"/>
+      </p:ext>
+    </p:extLst>
+  </p:cSld>
+  <p:clrMapOvr>
+    <a:masterClrMapping/>
+  </p:clrMapOvr>
+  <p:timing>
+    <p:tnLst>
+      <p:par>
+        <p:cTn id="1" dur="indefinite" restart="never" nodeType="tmRoot"/>
+      </p:par>
+    </p:tnLst>
+  </p:timing>
+</p:sld>
+</file>
+
+<file path=ppt/slides/slide19.xml><?xml version="1.0" encoding="utf-8"?>
+<p:sld xmlns:a="http://schemas.openxmlformats.org/drawingml/2006/main" xmlns:r="http://schemas.openxmlformats.org/officeDocument/2006/relationships" xmlns:p="http://schemas.openxmlformats.org/presentationml/2006/main">
+  <p:cSld>
+    <p:spTree>
+      <p:nvGrpSpPr>
+        <p:cNvPr id="1" name=""/>
+        <p:cNvGrpSpPr/>
+        <p:nvPr/>
+      </p:nvGrpSpPr>
+      <p:grpSpPr>
+        <a:xfrm>
+          <a:off x="0" y="0"/>
+          <a:ext cx="0" cy="0"/>
+          <a:chOff x="0" y="0"/>
+          <a:chExt cx="0" cy="0"/>
+        </a:xfrm>
+      </p:grpSpPr>
+      <p:pic>
+        <p:nvPicPr>
+          <p:cNvPr id="2" name="图片 1"/>
+          <p:cNvPicPr>
+            <a:picLocks noChangeAspect="1"/>
+          </p:cNvPicPr>
+          <p:nvPr/>
+        </p:nvPicPr>
+        <p:blipFill>
+          <a:blip r:embed="rId2">
+            <a:extLst>
+              <a:ext uri="{28A0092B-C50C-407E-A947-70E740481C1C}">
+                <a14:useLocalDpi xmlns:a14="http://schemas.microsoft.com/office/drawing/2010/main" val="0"/>
+              </a:ext>
+            </a:extLst>
+          </a:blip>
+          <a:stretch>
+            <a:fillRect/>
+          </a:stretch>
+        </p:blipFill>
+        <p:spPr>
+          <a:xfrm>
+            <a:off x="107504" y="842962"/>
+            <a:ext cx="3456384" cy="1577925"/>
+          </a:xfrm>
+          <a:prstGeom prst="rect">
+            <a:avLst/>
+          </a:prstGeom>
+        </p:spPr>
+      </p:pic>
+      <p:sp>
+        <p:nvSpPr>
+          <p:cNvPr id="3" name="矩形 2"/>
+          <p:cNvSpPr/>
+          <p:nvPr/>
+        </p:nvSpPr>
+        <p:spPr>
+          <a:xfrm>
+            <a:off x="5716" y="2783429"/>
+            <a:ext cx="9144000" cy="3168352"/>
+          </a:xfrm>
+          <a:prstGeom prst="rect">
+            <a:avLst/>
+          </a:prstGeom>
+          <a:solidFill>
+            <a:srgbClr val="C00000"/>
+          </a:solidFill>
+          <a:ln>
+            <a:noFill/>
+          </a:ln>
+        </p:spPr>
+        <p:style>
+          <a:lnRef idx="2">
+            <a:schemeClr val="accent1">
+              <a:shade val="50000"/>
+            </a:schemeClr>
+          </a:lnRef>
+          <a:fillRef idx="1">
+            <a:schemeClr val="accent1"/>
+          </a:fillRef>
+          <a:effectRef idx="0">
+            <a:schemeClr val="accent1"/>
+          </a:effectRef>
+          <a:fontRef idx="minor">
+            <a:schemeClr val="lt1"/>
+          </a:fontRef>
+        </p:style>
+        <p:txBody>
+          <a:bodyPr rtlCol="0" anchor="ctr"/>
+          <a:lstStyle/>
+          <a:p>
+            <a:pPr algn="ctr"/>
+            <a:r>
+              <a:rPr lang="zh-CN" altLang="en-US" sz="7200" dirty="0" smtClean="0">
+                <a:solidFill>
+                  <a:schemeClr val="bg1"/>
+                </a:solidFill>
+                <a:latin typeface="华文行楷" pitchFamily="2" charset="-122"/>
+                <a:ea typeface="华文行楷" pitchFamily="2" charset="-122"/>
+              </a:rPr>
+              <a:t>感谢聆听！</a:t>
+            </a:r>
+            <a:endParaRPr lang="en-US" altLang="zh-CN" sz="7200" dirty="0">
+              <a:solidFill>
+                <a:schemeClr val="bg1"/>
+              </a:solidFill>
+              <a:latin typeface="华文行楷" pitchFamily="2" charset="-122"/>
+              <a:ea typeface="华文行楷" pitchFamily="2" charset="-122"/>
+            </a:endParaRPr>
+          </a:p>
+          <a:p>
+            <a:pPr algn="ctr"/>
+            <a:r>
+              <a:rPr lang="zh-CN" altLang="en-US" sz="7200" dirty="0" smtClean="0">
+                <a:solidFill>
+                  <a:schemeClr val="bg1"/>
+                </a:solidFill>
+                <a:latin typeface="华文行楷" pitchFamily="2" charset="-122"/>
+                <a:ea typeface="华文行楷" pitchFamily="2" charset="-122"/>
+              </a:rPr>
+              <a:t>敬请指正！</a:t>
+            </a:r>
+            <a:endParaRPr lang="en-US" altLang="zh-CN" sz="7200" dirty="0">
+              <a:solidFill>
+                <a:schemeClr val="bg1"/>
+              </a:solidFill>
+              <a:latin typeface="华文行楷" pitchFamily="2" charset="-122"/>
+              <a:ea typeface="华文行楷" pitchFamily="2" charset="-122"/>
+            </a:endParaRPr>
+          </a:p>
+        </p:txBody>
+      </p:sp>
+      <p:sp>
+        <p:nvSpPr>
+          <p:cNvPr id="5" name="矩形 4"/>
+          <p:cNvSpPr/>
+          <p:nvPr/>
+        </p:nvSpPr>
+        <p:spPr>
+          <a:xfrm>
+            <a:off x="2320263" y="1340768"/>
+            <a:ext cx="4794903" cy="1015663"/>
+          </a:xfrm>
+          <a:prstGeom prst="rect">
+            <a:avLst/>
+          </a:prstGeom>
+        </p:spPr>
+        <p:txBody>
+          <a:bodyPr wrap="none">
+            <a:spAutoFit/>
+          </a:bodyPr>
+          <a:lstStyle/>
+          <a:p>
+            <a:pPr algn="ctr"/>
+            <a:r>
+              <a:rPr lang="en-US" altLang="zh-CN" sz="6000" b="1" dirty="0" smtClean="0">
+                <a:solidFill>
+                  <a:srgbClr val="C00000"/>
+                </a:solidFill>
+                <a:latin typeface="华文行楷" pitchFamily="2" charset="-122"/>
+                <a:ea typeface="华文行楷" pitchFamily="2" charset="-122"/>
+              </a:rPr>
+              <a:t>    JD.com  </a:t>
+            </a:r>
+            <a:r>
+              <a:rPr lang="zh-CN" altLang="en-US" sz="6000" b="1" dirty="0" smtClean="0">
+                <a:solidFill>
+                  <a:srgbClr val="C00000"/>
+                </a:solidFill>
+                <a:latin typeface="华文行楷" pitchFamily="2" charset="-122"/>
+                <a:ea typeface="华文行楷" pitchFamily="2" charset="-122"/>
+              </a:rPr>
+              <a:t>京东</a:t>
+            </a:r>
+            <a:endParaRPr lang="zh-CN" altLang="en-US" sz="6000" b="1" dirty="0">
+              <a:solidFill>
+                <a:srgbClr val="C00000"/>
+              </a:solidFill>
+              <a:latin typeface="华文行楷" pitchFamily="2" charset="-122"/>
+              <a:ea typeface="华文行楷" pitchFamily="2" charset="-122"/>
+            </a:endParaRPr>
+          </a:p>
+        </p:txBody>
+      </p:sp>
+      <p:sp>
+        <p:nvSpPr>
+          <p:cNvPr id="11" name="圆角矩形 10"/>
+          <p:cNvSpPr/>
+          <p:nvPr/>
+        </p:nvSpPr>
+        <p:spPr>
+          <a:xfrm>
+            <a:off x="6732240" y="116632"/>
+            <a:ext cx="2304256" cy="432048"/>
+          </a:xfrm>
+          <a:prstGeom prst="roundRect">
+            <a:avLst/>
+          </a:prstGeom>
+          <a:solidFill>
+            <a:schemeClr val="bg1"/>
+          </a:solidFill>
+          <a:ln>
+            <a:noFill/>
+          </a:ln>
+        </p:spPr>
+        <p:style>
+          <a:lnRef idx="2">
+            <a:schemeClr val="accent1">
+              <a:shade val="50000"/>
+            </a:schemeClr>
+          </a:lnRef>
+          <a:fillRef idx="1">
+            <a:schemeClr val="accent1"/>
+          </a:fillRef>
+          <a:effectRef idx="0">
+            <a:schemeClr val="accent1"/>
+          </a:effectRef>
+          <a:fontRef idx="minor">
+            <a:schemeClr val="lt1"/>
+          </a:fontRef>
+        </p:style>
+        <p:txBody>
+          <a:bodyPr rtlCol="0" anchor="ctr"/>
+          <a:lstStyle/>
+          <a:p>
+            <a:pPr algn="ctr"/>
+            <a:endParaRPr lang="zh-CN" altLang="en-US"/>
+          </a:p>
+        </p:txBody>
+      </p:sp>
+    </p:spTree>
+    <p:extLst>
+      <p:ext uri="{BB962C8B-B14F-4D97-AF65-F5344CB8AC3E}">
+        <p14:creationId xmlns:p14="http://schemas.microsoft.com/office/powerpoint/2010/main" val="2307151414"/>
+      </p:ext>
+    </p:extLst>
+  </p:cSld>
+  <p:clrMapOvr>
+    <a:masterClrMapping/>
+  </p:clrMapOvr>
+  <p:timing>
+    <p:tnLst>
+      <p:par>
+        <p:cTn id="1" dur="indefinite" restart="never" nodeType="tmRoot"/>
+      </p:par>
+    </p:tnLst>
+  </p:timing>
+</p:sld>
+</file>
+
+<file path=ppt/slides/slide2.xml><?xml version="1.0" encoding="utf-8"?>
+<p:sld xmlns:a="http://schemas.openxmlformats.org/drawingml/2006/main" xmlns:r="http://schemas.openxmlformats.org/officeDocument/2006/relationships" xmlns:p="http://schemas.openxmlformats.org/presentationml/2006/main">
+  <p:cSld>
+    <p:spTree>
+      <p:nvGrpSpPr>
+        <p:cNvPr id="1" name=""/>
+        <p:cNvGrpSpPr/>
+        <p:nvPr/>
+      </p:nvGrpSpPr>
+      <p:grpSpPr>
+        <a:xfrm>
+          <a:off x="0" y="0"/>
+          <a:ext cx="0" cy="0"/>
+          <a:chOff x="0" y="0"/>
+          <a:chExt cx="0" cy="0"/>
+        </a:xfrm>
+      </p:grpSpPr>
+      <p:pic>
+        <p:nvPicPr>
+          <p:cNvPr id="4" name="图片 3"/>
+          <p:cNvPicPr>
+            <a:picLocks noChangeAspect="1"/>
+          </p:cNvPicPr>
+          <p:nvPr/>
+        </p:nvPicPr>
+        <p:blipFill>
+          <a:blip r:embed="rId3" cstate="print">
+            <a:extLst>
+              <a:ext uri="{28A0092B-C50C-407E-A947-70E740481C1C}">
+                <a14:useLocalDpi xmlns:a14="http://schemas.microsoft.com/office/drawing/2010/main" val="0"/>
+              </a:ext>
+            </a:extLst>
+          </a:blip>
+          <a:stretch>
+            <a:fillRect/>
+          </a:stretch>
+        </p:blipFill>
+        <p:spPr>
+          <a:xfrm>
+            <a:off x="-23257" y="-19932"/>
+            <a:ext cx="1570922" cy="717164"/>
+          </a:xfrm>
+          <a:prstGeom prst="rect">
+            <a:avLst/>
+          </a:prstGeom>
+        </p:spPr>
+      </p:pic>
+      <p:sp>
+        <p:nvSpPr>
+          <p:cNvPr id="6" name="横卷形 5"/>
+          <p:cNvSpPr/>
+          <p:nvPr/>
+        </p:nvSpPr>
+        <p:spPr>
+          <a:xfrm>
+            <a:off x="2343324" y="1268760"/>
+            <a:ext cx="5400600" cy="1224136"/>
+          </a:xfrm>
+          <a:prstGeom prst="horizontalScroll">
+            <a:avLst/>
+          </a:prstGeom>
+          <a:solidFill>
+            <a:srgbClr val="C00000"/>
+          </a:solidFill>
+          <a:ln>
+            <a:noFill/>
+          </a:ln>
+        </p:spPr>
+        <p:style>
+          <a:lnRef idx="2">
+            <a:schemeClr val="accent1">
+              <a:shade val="50000"/>
+            </a:schemeClr>
+          </a:lnRef>
+          <a:fillRef idx="1">
+            <a:schemeClr val="accent1"/>
+          </a:fillRef>
+          <a:effectRef idx="0">
+            <a:schemeClr val="accent1"/>
+          </a:effectRef>
+          <a:fontRef idx="minor">
+            <a:schemeClr val="lt1"/>
+          </a:fontRef>
+        </p:style>
+        <p:txBody>
+          <a:bodyPr rtlCol="0" anchor="ctr"/>
+          <a:lstStyle/>
+          <a:p>
+            <a:r>
+              <a:rPr lang="zh-CN" altLang="en-US" sz="3200" b="1" dirty="0" smtClean="0">
+                <a:latin typeface="华文行楷" pitchFamily="2" charset="-122"/>
+                <a:ea typeface="华文行楷" pitchFamily="2" charset="-122"/>
+              </a:rPr>
+              <a:t>第一部分、集合框架</a:t>
+            </a:r>
+            <a:endParaRPr lang="zh-CN" altLang="en-US" sz="3200" b="1" dirty="0">
+              <a:latin typeface="华文行楷" pitchFamily="2" charset="-122"/>
+              <a:ea typeface="华文行楷" pitchFamily="2" charset="-122"/>
+            </a:endParaRPr>
+          </a:p>
+        </p:txBody>
+      </p:sp>
+      <p:sp>
+        <p:nvSpPr>
+          <p:cNvPr id="8" name="横卷形 7"/>
+          <p:cNvSpPr/>
+          <p:nvPr/>
+        </p:nvSpPr>
+        <p:spPr>
+          <a:xfrm>
+            <a:off x="2342020" y="3036306"/>
+            <a:ext cx="5400600" cy="1256790"/>
+          </a:xfrm>
+          <a:prstGeom prst="horizontalScroll">
+            <a:avLst/>
+          </a:prstGeom>
+          <a:solidFill>
+            <a:srgbClr val="C00000"/>
+          </a:solidFill>
+          <a:ln>
+            <a:noFill/>
+          </a:ln>
+        </p:spPr>
+        <p:style>
+          <a:lnRef idx="2">
+            <a:schemeClr val="accent1">
+              <a:shade val="50000"/>
+            </a:schemeClr>
+          </a:lnRef>
+          <a:fillRef idx="1">
+            <a:schemeClr val="accent1"/>
+          </a:fillRef>
+          <a:effectRef idx="0">
+            <a:schemeClr val="accent1"/>
+          </a:effectRef>
+          <a:fontRef idx="minor">
+            <a:schemeClr val="lt1"/>
+          </a:fontRef>
+        </p:style>
+        <p:txBody>
+          <a:bodyPr rtlCol="0" anchor="ctr"/>
+          <a:lstStyle/>
+          <a:p>
+            <a:r>
+              <a:rPr lang="zh-CN" altLang="en-US" sz="3200" b="1" dirty="0" smtClean="0">
+                <a:latin typeface="华文行楷" pitchFamily="2" charset="-122"/>
+                <a:ea typeface="华文行楷" pitchFamily="2" charset="-122"/>
+              </a:rPr>
+              <a:t>第二部分、</a:t>
+            </a:r>
+            <a:r>
+              <a:rPr lang="en-US" altLang="zh-CN" sz="3200" b="1" dirty="0" smtClean="0">
+                <a:latin typeface="华文行楷" pitchFamily="2" charset="-122"/>
+                <a:ea typeface="华文行楷" pitchFamily="2" charset="-122"/>
+              </a:rPr>
+              <a:t>Guava</a:t>
+            </a:r>
+            <a:r>
+              <a:rPr lang="zh-CN" altLang="en-US" sz="3200" b="1" dirty="0" smtClean="0">
+                <a:latin typeface="华文行楷" pitchFamily="2" charset="-122"/>
+                <a:ea typeface="华文行楷" pitchFamily="2" charset="-122"/>
+              </a:rPr>
+              <a:t>基础</a:t>
+            </a:r>
+            <a:endParaRPr lang="zh-CN" altLang="en-US" sz="3200" b="1" dirty="0">
+              <a:latin typeface="华文行楷" pitchFamily="2" charset="-122"/>
+              <a:ea typeface="华文行楷" pitchFamily="2" charset="-122"/>
+            </a:endParaRPr>
+          </a:p>
+        </p:txBody>
+      </p:sp>
+      <p:sp>
+        <p:nvSpPr>
+          <p:cNvPr id="9" name="横卷形 8"/>
+          <p:cNvSpPr/>
+          <p:nvPr/>
+        </p:nvSpPr>
+        <p:spPr>
+          <a:xfrm>
+            <a:off x="2343324" y="4797152"/>
+            <a:ext cx="5400600" cy="1224136"/>
+          </a:xfrm>
+          <a:prstGeom prst="horizontalScroll">
+            <a:avLst/>
+          </a:prstGeom>
+          <a:solidFill>
+            <a:srgbClr val="C00000"/>
+          </a:solidFill>
+          <a:ln>
+            <a:noFill/>
+          </a:ln>
+        </p:spPr>
+        <p:style>
+          <a:lnRef idx="2">
+            <a:schemeClr val="accent1">
+              <a:shade val="50000"/>
+            </a:schemeClr>
+          </a:lnRef>
+          <a:fillRef idx="1">
+            <a:schemeClr val="accent1"/>
+          </a:fillRef>
+          <a:effectRef idx="0">
+            <a:schemeClr val="accent1"/>
+          </a:effectRef>
+          <a:fontRef idx="minor">
+            <a:schemeClr val="lt1"/>
+          </a:fontRef>
+        </p:style>
+        <p:txBody>
+          <a:bodyPr rtlCol="0" anchor="ctr"/>
+          <a:lstStyle/>
+          <a:p>
+            <a:r>
+              <a:rPr lang="zh-CN" altLang="en-US" sz="3200" b="1" dirty="0" smtClean="0">
+                <a:latin typeface="华文行楷" pitchFamily="2" charset="-122"/>
+                <a:ea typeface="华文行楷" pitchFamily="2" charset="-122"/>
+              </a:rPr>
+              <a:t>第三部分、高性能集合</a:t>
+            </a:r>
+            <a:endParaRPr lang="zh-CN" altLang="en-US" sz="3200" b="1" dirty="0">
+              <a:latin typeface="华文行楷" pitchFamily="2" charset="-122"/>
+              <a:ea typeface="华文行楷" pitchFamily="2" charset="-122"/>
+            </a:endParaRPr>
+          </a:p>
+        </p:txBody>
+      </p:sp>
+      <p:sp>
+        <p:nvSpPr>
+          <p:cNvPr id="11" name="流程图: 可选过程 10"/>
+          <p:cNvSpPr/>
+          <p:nvPr/>
+        </p:nvSpPr>
+        <p:spPr>
+          <a:xfrm>
+            <a:off x="1284339" y="262106"/>
+            <a:ext cx="1302895" cy="358582"/>
+          </a:xfrm>
+          <a:prstGeom prst="flowChartAlternateProcess">
+            <a:avLst/>
+          </a:prstGeom>
+          <a:solidFill>
+            <a:schemeClr val="bg1"/>
+          </a:solidFill>
+          <a:ln>
+            <a:solidFill>
+              <a:srgbClr val="C00000"/>
+            </a:solidFill>
+          </a:ln>
+        </p:spPr>
+        <p:style>
+          <a:lnRef idx="2">
+            <a:schemeClr val="accent1">
+              <a:shade val="50000"/>
+            </a:schemeClr>
+          </a:lnRef>
+          <a:fillRef idx="1">
+            <a:schemeClr val="accent1"/>
+          </a:fillRef>
+          <a:effectRef idx="0">
+            <a:schemeClr val="accent1"/>
+          </a:effectRef>
+          <a:fontRef idx="minor">
+            <a:schemeClr val="lt1"/>
+          </a:fontRef>
+        </p:style>
+        <p:txBody>
+          <a:bodyPr rtlCol="0" anchor="ctr"/>
+          <a:lstStyle/>
+          <a:p>
+            <a:pPr algn="ctr"/>
+            <a:r>
+              <a:rPr lang="zh-CN" altLang="en-US" sz="2800" b="1" dirty="0" smtClean="0">
+                <a:solidFill>
+                  <a:srgbClr val="C00000"/>
+                </a:solidFill>
+                <a:latin typeface="华文行楷" pitchFamily="2" charset="-122"/>
+                <a:ea typeface="华文行楷" pitchFamily="2" charset="-122"/>
+              </a:rPr>
+              <a:t>大   纲</a:t>
+            </a:r>
+            <a:endParaRPr lang="zh-CN" altLang="en-US" sz="2800" b="1" dirty="0">
+              <a:solidFill>
+                <a:srgbClr val="C00000"/>
+              </a:solidFill>
+              <a:latin typeface="华文行楷" pitchFamily="2" charset="-122"/>
+              <a:ea typeface="华文行楷" pitchFamily="2" charset="-122"/>
+            </a:endParaRPr>
+          </a:p>
+        </p:txBody>
+      </p:sp>
+    </p:spTree>
+    <p:extLst>
+      <p:ext uri="{BB962C8B-B14F-4D97-AF65-F5344CB8AC3E}">
+        <p14:creationId xmlns:p14="http://schemas.microsoft.com/office/powerpoint/2010/main" val="2776772614"/>
+      </p:ext>
+    </p:extLst>
+  </p:cSld>
+  <p:clrMapOvr>
+    <a:masterClrMapping/>
+  </p:clrMapOvr>
+  <p:timing>
+    <p:tnLst>
+      <p:par>
+        <p:cTn id="1" dur="indefinite" restart="never" nodeType="tmRoot"/>
+      </p:par>
+    </p:tnLst>
+  </p:timing>
+</p:sld>
+</file>
+
+<file path=ppt/slides/slide3.xml><?xml version="1.0" encoding="utf-8"?>
+<p:sld xmlns:a="http://schemas.openxmlformats.org/drawingml/2006/main" xmlns:r="http://schemas.openxmlformats.org/officeDocument/2006/relationships" xmlns:p="http://schemas.openxmlformats.org/presentationml/2006/main">
+  <p:cSld>
+    <p:spTree>
+      <p:nvGrpSpPr>
+        <p:cNvPr id="1" name=""/>
+        <p:cNvGrpSpPr/>
+        <p:nvPr/>
+      </p:nvGrpSpPr>
+      <p:grpSpPr>
+        <a:xfrm>
+          <a:off x="0" y="0"/>
+          <a:ext cx="0" cy="0"/>
+          <a:chOff x="0" y="0"/>
+          <a:chExt cx="0" cy="0"/>
+        </a:xfrm>
+      </p:grpSpPr>
+      <p:pic>
+        <p:nvPicPr>
+          <p:cNvPr id="4" name="图片 3"/>
+          <p:cNvPicPr>
+            <a:picLocks noChangeAspect="1"/>
+          </p:cNvPicPr>
+          <p:nvPr/>
+        </p:nvPicPr>
+        <p:blipFill>
+          <a:blip r:embed="rId3" cstate="print">
+            <a:extLst>
+              <a:ext uri="{28A0092B-C50C-407E-A947-70E740481C1C}">
+                <a14:useLocalDpi xmlns:a14="http://schemas.microsoft.com/office/drawing/2010/main" val="0"/>
+              </a:ext>
+            </a:extLst>
+          </a:blip>
+          <a:stretch>
+            <a:fillRect/>
+          </a:stretch>
+        </p:blipFill>
+        <p:spPr>
+          <a:xfrm>
+            <a:off x="-23257" y="-19932"/>
+            <a:ext cx="1570922" cy="717164"/>
+          </a:xfrm>
+          <a:prstGeom prst="rect">
+            <a:avLst/>
+          </a:prstGeom>
+        </p:spPr>
+      </p:pic>
+      <p:sp>
+        <p:nvSpPr>
+          <p:cNvPr id="5" name="矩形 4"/>
+          <p:cNvSpPr/>
+          <p:nvPr/>
+        </p:nvSpPr>
+        <p:spPr>
+          <a:xfrm>
+            <a:off x="1187624" y="260648"/>
+            <a:ext cx="1495922" cy="369332"/>
+          </a:xfrm>
+          <a:prstGeom prst="rect">
+            <a:avLst/>
+          </a:prstGeom>
+        </p:spPr>
+        <p:txBody>
+          <a:bodyPr wrap="none">
+            <a:spAutoFit/>
+          </a:bodyPr>
+          <a:lstStyle/>
+          <a:p>
+            <a:r>
+              <a:rPr lang="en-US" altLang="zh-CN" b="1" dirty="0" smtClean="0">
+                <a:solidFill>
+                  <a:srgbClr val="C00000"/>
+                </a:solidFill>
+                <a:latin typeface="华文行楷" pitchFamily="2" charset="-122"/>
+                <a:ea typeface="华文行楷" pitchFamily="2" charset="-122"/>
+              </a:rPr>
+              <a:t>JDK</a:t>
+            </a:r>
+            <a:r>
+              <a:rPr lang="zh-CN" altLang="en-US" b="1" dirty="0" smtClean="0">
+                <a:solidFill>
+                  <a:srgbClr val="C00000"/>
+                </a:solidFill>
+                <a:latin typeface="华文行楷" pitchFamily="2" charset="-122"/>
+                <a:ea typeface="华文行楷" pitchFamily="2" charset="-122"/>
+              </a:rPr>
+              <a:t>集合类图</a:t>
+            </a:r>
+            <a:endParaRPr lang="zh-CN" altLang="en-US" b="1" dirty="0">
+              <a:solidFill>
+                <a:srgbClr val="C00000"/>
+              </a:solidFill>
+              <a:latin typeface="华文行楷" pitchFamily="2" charset="-122"/>
+              <a:ea typeface="华文行楷" pitchFamily="2" charset="-122"/>
+            </a:endParaRPr>
+          </a:p>
+        </p:txBody>
+      </p:sp>
+      <p:pic>
+        <p:nvPicPr>
+          <p:cNvPr id="8" name="图片 7" descr="http://img.blog.csdn.net/20130430102251761"/>
+          <p:cNvPicPr/>
+          <p:nvPr/>
+        </p:nvPicPr>
+        <p:blipFill>
+          <a:blip r:embed="rId4">
+            <a:extLst>
+              <a:ext uri="{28A0092B-C50C-407E-A947-70E740481C1C}">
+                <a14:useLocalDpi xmlns:a14="http://schemas.microsoft.com/office/drawing/2010/main" val="0"/>
+              </a:ext>
+            </a:extLst>
+          </a:blip>
+          <a:srcRect/>
+          <a:stretch>
+            <a:fillRect/>
+          </a:stretch>
+        </p:blipFill>
+        <p:spPr>
+          <a:xfrm>
+            <a:off x="1187624" y="1052512"/>
+            <a:ext cx="6984775" cy="4752975"/>
+          </a:xfrm>
+          <a:prstGeom prst="rect">
+            <a:avLst/>
+          </a:prstGeom>
+          <a:noFill/>
+          <a:ln>
+            <a:noFill/>
+          </a:ln>
+        </p:spPr>
+      </p:pic>
+    </p:spTree>
+    <p:extLst>
+      <p:ext uri="{BB962C8B-B14F-4D97-AF65-F5344CB8AC3E}">
+        <p14:creationId xmlns:p14="http://schemas.microsoft.com/office/powerpoint/2010/main" val="469222797"/>
+      </p:ext>
+    </p:extLst>
+  </p:cSld>
+  <p:clrMapOvr>
+    <a:masterClrMapping/>
+  </p:clrMapOvr>
+  <p:timing>
+    <p:tnLst>
+      <p:par>
+        <p:cTn id="1" dur="indefinite" restart="never" nodeType="tmRoot"/>
+      </p:par>
+    </p:tnLst>
+  </p:timing>
+</p:sld>
+</file>
+
+<file path=ppt/slides/slide4.xml><?xml version="1.0" encoding="utf-8"?>
+<p:sld xmlns:a="http://schemas.openxmlformats.org/drawingml/2006/main" xmlns:r="http://schemas.openxmlformats.org/officeDocument/2006/relationships" xmlns:p="http://schemas.openxmlformats.org/presentationml/2006/main">
+  <p:cSld>
+    <p:spTree>
+      <p:nvGrpSpPr>
+        <p:cNvPr id="1" name=""/>
+        <p:cNvGrpSpPr/>
+        <p:nvPr/>
+      </p:nvGrpSpPr>
+      <p:grpSpPr>
+        <a:xfrm>
+          <a:off x="0" y="0"/>
+          <a:ext cx="0" cy="0"/>
+          <a:chOff x="0" y="0"/>
+          <a:chExt cx="0" cy="0"/>
+        </a:xfrm>
+      </p:grpSpPr>
+      <p:pic>
+        <p:nvPicPr>
+          <p:cNvPr id="6" name="图片 5"/>
+          <p:cNvPicPr>
+            <a:picLocks noChangeAspect="1"/>
+          </p:cNvPicPr>
+          <p:nvPr/>
+        </p:nvPicPr>
+        <p:blipFill>
+          <a:blip r:embed="rId3" cstate="print">
+            <a:extLst>
+              <a:ext uri="{28A0092B-C50C-407E-A947-70E740481C1C}">
+                <a14:useLocalDpi xmlns:a14="http://schemas.microsoft.com/office/drawing/2010/main" val="0"/>
+              </a:ext>
+            </a:extLst>
+          </a:blip>
+          <a:stretch>
+            <a:fillRect/>
+          </a:stretch>
+        </p:blipFill>
+        <p:spPr>
+          <a:xfrm>
+            <a:off x="0" y="-19932"/>
+            <a:ext cx="1570922" cy="717164"/>
+          </a:xfrm>
+          <a:prstGeom prst="rect">
+            <a:avLst/>
+          </a:prstGeom>
+        </p:spPr>
+      </p:pic>
+      <p:sp>
+        <p:nvSpPr>
+          <p:cNvPr id="7" name="矩形 6"/>
+          <p:cNvSpPr/>
+          <p:nvPr/>
+        </p:nvSpPr>
+        <p:spPr>
+          <a:xfrm>
+            <a:off x="1187624" y="260648"/>
+            <a:ext cx="668773" cy="369332"/>
+          </a:xfrm>
+          <a:prstGeom prst="rect">
+            <a:avLst/>
+          </a:prstGeom>
+        </p:spPr>
+        <p:txBody>
+          <a:bodyPr wrap="none">
+            <a:spAutoFit/>
+          </a:bodyPr>
+          <a:lstStyle/>
+          <a:p>
+            <a:r>
+              <a:rPr lang="en-US" altLang="zh-CN" b="1" dirty="0" smtClean="0">
+                <a:solidFill>
+                  <a:srgbClr val="C00000"/>
+                </a:solidFill>
+                <a:latin typeface="华文行楷" pitchFamily="2" charset="-122"/>
+                <a:ea typeface="华文行楷" pitchFamily="2" charset="-122"/>
+              </a:rPr>
+              <a:t>Guava</a:t>
+            </a:r>
+            <a:endParaRPr lang="zh-CN" altLang="en-US" b="1" dirty="0">
+              <a:solidFill>
+                <a:srgbClr val="C00000"/>
+              </a:solidFill>
+              <a:latin typeface="华文行楷" pitchFamily="2" charset="-122"/>
+              <a:ea typeface="华文行楷" pitchFamily="2" charset="-122"/>
+            </a:endParaRPr>
+          </a:p>
+        </p:txBody>
+      </p:sp>
+      <p:sp>
+        <p:nvSpPr>
+          <p:cNvPr id="3" name="矩形 2"/>
+          <p:cNvSpPr/>
+          <p:nvPr/>
+        </p:nvSpPr>
+        <p:spPr>
+          <a:xfrm>
+            <a:off x="0" y="1433729"/>
+            <a:ext cx="9144000" cy="5112568"/>
+          </a:xfrm>
+          <a:prstGeom prst="rect">
+            <a:avLst/>
+          </a:prstGeom>
+          <a:solidFill>
+            <a:srgbClr val="C00000"/>
+          </a:solidFill>
+          <a:ln>
+            <a:noFill/>
+          </a:ln>
+        </p:spPr>
+        <p:style>
+          <a:lnRef idx="2">
+            <a:schemeClr val="accent1">
+              <a:shade val="50000"/>
+            </a:schemeClr>
+          </a:lnRef>
+          <a:fillRef idx="1">
+            <a:schemeClr val="accent1"/>
+          </a:fillRef>
+          <a:effectRef idx="0">
+            <a:schemeClr val="accent1"/>
+          </a:effectRef>
+          <a:fontRef idx="minor">
+            <a:schemeClr val="lt1"/>
+          </a:fontRef>
+        </p:style>
+        <p:txBody>
+          <a:bodyPr rtlCol="0" anchor="ctr"/>
+          <a:lstStyle/>
+          <a:p>
+            <a:pPr marL="457200" indent="-457200">
+              <a:lnSpc>
+                <a:spcPts val="5000"/>
+              </a:lnSpc>
+              <a:buFont typeface="Wingdings" pitchFamily="2" charset="2"/>
+              <a:buChar char="u"/>
+            </a:pPr>
+            <a:r>
+              <a:rPr lang="en-US" altLang="zh-CN" sz="2800" b="1" dirty="0">
+                <a:latin typeface="华文楷体" pitchFamily="2" charset="-122"/>
+                <a:ea typeface="华文楷体" pitchFamily="2" charset="-122"/>
+              </a:rPr>
+              <a:t>    Guava</a:t>
+            </a:r>
+            <a:r>
+              <a:rPr lang="zh-CN" altLang="en-US" sz="2800" b="1" dirty="0">
+                <a:latin typeface="华文楷体" pitchFamily="2" charset="-122"/>
+                <a:ea typeface="华文楷体" pitchFamily="2" charset="-122"/>
+              </a:rPr>
+              <a:t> </a:t>
+            </a:r>
+            <a:r>
+              <a:rPr lang="zh-CN" altLang="en-US" sz="2800" b="1" dirty="0">
+                <a:latin typeface="华文楷体" pitchFamily="2" charset="-122"/>
+                <a:ea typeface="华文楷体" pitchFamily="2" charset="-122"/>
+              </a:rPr>
+              <a:t>介绍</a:t>
+            </a:r>
+            <a:endParaRPr lang="en-US" altLang="zh-CN" sz="2800" b="1" dirty="0">
+              <a:latin typeface="华文楷体" pitchFamily="2" charset="-122"/>
+              <a:ea typeface="华文楷体" pitchFamily="2" charset="-122"/>
+            </a:endParaRPr>
+          </a:p>
+          <a:p>
+            <a:pPr marL="457200" indent="-457200">
+              <a:lnSpc>
+                <a:spcPts val="5000"/>
+              </a:lnSpc>
+              <a:buFont typeface="Wingdings" pitchFamily="2" charset="2"/>
+              <a:buChar char="u"/>
+            </a:pPr>
+            <a:r>
+              <a:rPr lang="en-US" altLang="zh-CN" sz="2800" b="1" dirty="0">
+                <a:latin typeface="华文楷体" pitchFamily="2" charset="-122"/>
+                <a:ea typeface="华文楷体" pitchFamily="2" charset="-122"/>
+              </a:rPr>
+              <a:t>    Guava</a:t>
+            </a:r>
+            <a:r>
+              <a:rPr lang="zh-CN" altLang="en-US" sz="2800" b="1" dirty="0">
+                <a:latin typeface="华文楷体" pitchFamily="2" charset="-122"/>
+                <a:ea typeface="华文楷体" pitchFamily="2" charset="-122"/>
+              </a:rPr>
+              <a:t>基础工具类</a:t>
+            </a:r>
+            <a:endParaRPr lang="en-US" altLang="zh-CN" sz="2800" b="1" dirty="0">
+              <a:latin typeface="华文楷体" pitchFamily="2" charset="-122"/>
+              <a:ea typeface="华文楷体" pitchFamily="2" charset="-122"/>
+            </a:endParaRPr>
+          </a:p>
+          <a:p>
+            <a:pPr marL="457200" indent="-457200">
+              <a:lnSpc>
+                <a:spcPts val="5000"/>
+              </a:lnSpc>
+              <a:buFont typeface="Wingdings" pitchFamily="2" charset="2"/>
+              <a:buChar char="u"/>
+            </a:pPr>
+            <a:r>
+              <a:rPr lang="en-US" altLang="zh-CN" sz="2800" b="1" dirty="0">
+                <a:latin typeface="华文楷体" pitchFamily="2" charset="-122"/>
+                <a:ea typeface="华文楷体" pitchFamily="2" charset="-122"/>
+              </a:rPr>
+              <a:t>    </a:t>
+            </a:r>
+            <a:r>
+              <a:rPr lang="zh-CN" altLang="en-US" sz="2800" b="1" dirty="0" smtClean="0">
+                <a:latin typeface="华文楷体" pitchFamily="2" charset="-122"/>
+                <a:ea typeface="华文楷体" pitchFamily="2" charset="-122"/>
+              </a:rPr>
+              <a:t>新集合类型</a:t>
+            </a:r>
+            <a:r>
+              <a:rPr lang="en-US" altLang="zh-CN" sz="2800" b="1" dirty="0" smtClean="0">
+                <a:latin typeface="华文楷体" pitchFamily="2" charset="-122"/>
+                <a:ea typeface="华文楷体" pitchFamily="2" charset="-122"/>
+              </a:rPr>
+              <a:t> </a:t>
+            </a:r>
+            <a:endParaRPr lang="en-US" altLang="zh-CN" sz="2800" b="1" dirty="0">
+              <a:latin typeface="华文楷体" pitchFamily="2" charset="-122"/>
+              <a:ea typeface="华文楷体" pitchFamily="2" charset="-122"/>
+            </a:endParaRPr>
+          </a:p>
+          <a:p>
+            <a:pPr marL="457200" indent="-457200">
+              <a:lnSpc>
+                <a:spcPts val="5000"/>
+              </a:lnSpc>
+              <a:buFont typeface="Wingdings" pitchFamily="2" charset="2"/>
+              <a:buChar char="u"/>
+            </a:pPr>
+            <a:r>
+              <a:rPr lang="en-US" altLang="zh-CN" sz="2800" b="1" dirty="0">
+                <a:latin typeface="华文楷体" pitchFamily="2" charset="-122"/>
+                <a:ea typeface="华文楷体" pitchFamily="2" charset="-122"/>
+              </a:rPr>
+              <a:t>    </a:t>
+            </a:r>
+            <a:r>
+              <a:rPr lang="zh-CN" altLang="en-US" sz="2800" b="1" dirty="0">
+                <a:latin typeface="华文楷体" pitchFamily="2" charset="-122"/>
+                <a:ea typeface="华文楷体" pitchFamily="2" charset="-122"/>
+              </a:rPr>
+              <a:t>接口限流</a:t>
+            </a:r>
+            <a:endParaRPr lang="en-US" altLang="zh-CN" sz="2800" b="1" dirty="0">
+              <a:latin typeface="华文楷体" pitchFamily="2" charset="-122"/>
+              <a:ea typeface="华文楷体" pitchFamily="2" charset="-122"/>
+            </a:endParaRPr>
+          </a:p>
+          <a:p>
+            <a:pPr marL="457200" indent="-457200">
+              <a:lnSpc>
+                <a:spcPts val="5000"/>
+              </a:lnSpc>
+              <a:buFont typeface="Wingdings" pitchFamily="2" charset="2"/>
+              <a:buChar char="u"/>
+            </a:pPr>
+            <a:r>
+              <a:rPr lang="en-US" altLang="zh-CN" sz="2800" b="1" dirty="0">
+                <a:latin typeface="华文楷体" pitchFamily="2" charset="-122"/>
+                <a:ea typeface="华文楷体" pitchFamily="2" charset="-122"/>
+              </a:rPr>
+              <a:t>    </a:t>
+            </a:r>
+            <a:r>
+              <a:rPr lang="zh-CN" altLang="en-US" sz="2800" b="1" dirty="0">
+                <a:latin typeface="华文楷体" pitchFamily="2" charset="-122"/>
+                <a:ea typeface="华文楷体" pitchFamily="2" charset="-122"/>
+              </a:rPr>
+              <a:t>事件总线</a:t>
+            </a:r>
+            <a:r>
+              <a:rPr lang="en-US" altLang="zh-CN" sz="2800" b="1" dirty="0">
+                <a:latin typeface="华文楷体" pitchFamily="2" charset="-122"/>
+                <a:ea typeface="华文楷体" pitchFamily="2" charset="-122"/>
+              </a:rPr>
+              <a:t>   </a:t>
+            </a:r>
+          </a:p>
+          <a:p>
+            <a:pPr marL="457200" indent="-457200">
+              <a:lnSpc>
+                <a:spcPts val="5000"/>
+              </a:lnSpc>
+              <a:buFont typeface="Wingdings" pitchFamily="2" charset="2"/>
+              <a:buChar char="u"/>
+            </a:pPr>
+            <a:r>
+              <a:rPr lang="en-US" altLang="zh-CN" sz="2800" b="1" dirty="0">
+                <a:latin typeface="华文楷体" pitchFamily="2" charset="-122"/>
+                <a:ea typeface="华文楷体" pitchFamily="2" charset="-122"/>
+              </a:rPr>
+              <a:t>     </a:t>
+            </a:r>
+            <a:r>
+              <a:rPr lang="en-US" altLang="zh-CN" sz="2800" b="1" dirty="0" err="1">
+                <a:latin typeface="华文楷体" pitchFamily="2" charset="-122"/>
+                <a:ea typeface="华文楷体" pitchFamily="2" charset="-122"/>
+              </a:rPr>
+              <a:t>ListenableFuture</a:t>
+            </a:r>
+            <a:endParaRPr lang="zh-CN" altLang="en-US" sz="2800" b="1" dirty="0">
+              <a:latin typeface="华文楷体" pitchFamily="2" charset="-122"/>
+              <a:ea typeface="华文楷体" pitchFamily="2" charset="-122"/>
+            </a:endParaRPr>
+          </a:p>
+        </p:txBody>
+      </p:sp>
+      <p:sp>
+        <p:nvSpPr>
+          <p:cNvPr id="8" name="矩形 7"/>
+          <p:cNvSpPr/>
+          <p:nvPr/>
+        </p:nvSpPr>
+        <p:spPr>
+          <a:xfrm>
+            <a:off x="251520" y="836712"/>
+            <a:ext cx="7920880" cy="523220"/>
+          </a:xfrm>
+          <a:prstGeom prst="rect">
+            <a:avLst/>
+          </a:prstGeom>
+        </p:spPr>
+        <p:txBody>
+          <a:bodyPr wrap="square">
+            <a:spAutoFit/>
+          </a:bodyPr>
+          <a:lstStyle/>
+          <a:p>
+            <a:r>
+              <a:rPr lang="zh-CN" altLang="en-US" sz="2800" b="1" dirty="0" smtClean="0">
+                <a:solidFill>
+                  <a:srgbClr val="C00000"/>
+                </a:solidFill>
+                <a:latin typeface="华文行楷" pitchFamily="2" charset="-122"/>
+                <a:ea typeface="华文行楷" pitchFamily="2" charset="-122"/>
+              </a:rPr>
+              <a:t>第二部分  </a:t>
+            </a:r>
+            <a:r>
+              <a:rPr lang="en-US" altLang="zh-CN" sz="2800" b="1" dirty="0" smtClean="0">
+                <a:solidFill>
+                  <a:srgbClr val="C00000"/>
+                </a:solidFill>
+                <a:latin typeface="华文行楷" pitchFamily="2" charset="-122"/>
+                <a:ea typeface="华文行楷" pitchFamily="2" charset="-122"/>
+              </a:rPr>
+              <a:t>Guava</a:t>
+            </a:r>
+            <a:r>
+              <a:rPr lang="zh-CN" altLang="en-US" sz="2800" b="1" dirty="0" smtClean="0">
+                <a:solidFill>
+                  <a:srgbClr val="C00000"/>
+                </a:solidFill>
+                <a:latin typeface="华文行楷" pitchFamily="2" charset="-122"/>
+                <a:ea typeface="华文行楷" pitchFamily="2" charset="-122"/>
+              </a:rPr>
+              <a:t>集合框架</a:t>
+            </a:r>
+            <a:endParaRPr lang="zh-CN" altLang="en-US" sz="2800" b="1" dirty="0">
+              <a:solidFill>
+                <a:srgbClr val="C00000"/>
+              </a:solidFill>
+              <a:latin typeface="华文行楷" pitchFamily="2" charset="-122"/>
+              <a:ea typeface="华文行楷" pitchFamily="2" charset="-122"/>
+            </a:endParaRPr>
+          </a:p>
+        </p:txBody>
+      </p:sp>
+    </p:spTree>
+    <p:extLst>
+      <p:ext uri="{BB962C8B-B14F-4D97-AF65-F5344CB8AC3E}">
+        <p14:creationId xmlns:p14="http://schemas.microsoft.com/office/powerpoint/2010/main" val="2927682656"/>
+      </p:ext>
+    </p:extLst>
+  </p:cSld>
+  <p:clrMapOvr>
+    <a:masterClrMapping/>
+  </p:clrMapOvr>
+  <p:timing>
+    <p:tnLst>
+      <p:par>
+        <p:cTn id="1" dur="indefinite" restart="never" nodeType="tmRoot"/>
+      </p:par>
+    </p:tnLst>
+  </p:timing>
+</p:sld>
+</file>
+
+<file path=ppt/slides/slide5.xml><?xml version="1.0" encoding="utf-8"?>
+<p:sld xmlns:a="http://schemas.openxmlformats.org/drawingml/2006/main" xmlns:r="http://schemas.openxmlformats.org/officeDocument/2006/relationships" xmlns:p="http://schemas.openxmlformats.org/presentationml/2006/main">
+  <p:cSld>
+    <p:spTree>
+      <p:nvGrpSpPr>
+        <p:cNvPr id="1" name=""/>
+        <p:cNvGrpSpPr/>
+        <p:nvPr/>
+      </p:nvGrpSpPr>
+      <p:grpSpPr>
+        <a:xfrm>
+          <a:off x="0" y="0"/>
+          <a:ext cx="0" cy="0"/>
+          <a:chOff x="0" y="0"/>
+          <a:chExt cx="0" cy="0"/>
+        </a:xfrm>
+      </p:grpSpPr>
+      <p:pic>
+        <p:nvPicPr>
           <p:cNvPr id="7" name="图片 6"/>
           <p:cNvPicPr>
             <a:picLocks noChangeAspect="1"/>
@@ -5982,7 +10011,7 @@
         </p:nvSpPr>
         <p:spPr>
           <a:xfrm>
-            <a:off x="439467" y="697232"/>
+            <a:off x="539552" y="908720"/>
             <a:ext cx="4680520" cy="1274658"/>
           </a:xfrm>
           <a:prstGeom prst="irregularSeal1">
@@ -6017,8 +10046,12 @@
           <a:p>
             <a:pPr algn="ctr"/>
             <a:r>
+              <a:rPr lang="en-US" altLang="zh-CN" dirty="0" smtClean="0"/>
+              <a:t>Guava</a:t>
+            </a:r>
+            <a:r>
               <a:rPr lang="zh-CN" altLang="en-US" dirty="0" smtClean="0"/>
-              <a:t>不可变集合</a:t>
+              <a:t>基础工具类</a:t>
             </a:r>
             <a:endParaRPr lang="zh-CN" altLang="en-US" dirty="0"/>
           </a:p>
@@ -6026,14 +10059,14 @@
       </p:sp>
       <p:sp>
         <p:nvSpPr>
-          <p:cNvPr id="4" name="矩形 3"/>
+          <p:cNvPr id="2" name="矩形 1"/>
           <p:cNvSpPr/>
           <p:nvPr/>
         </p:nvSpPr>
         <p:spPr>
           <a:xfrm>
-            <a:off x="539552" y="2413338"/>
-            <a:ext cx="7920880" cy="1477328"/>
+            <a:off x="899592" y="2996952"/>
+            <a:ext cx="7200800" cy="2482731"/>
           </a:xfrm>
           <a:prstGeom prst="rect">
             <a:avLst/>
@@ -6045,239 +10078,274 @@
           </a:bodyPr>
           <a:lstStyle/>
           <a:p>
-            <a:r>
-              <a:rPr lang="zh-CN" altLang="zh-CN" dirty="0"/>
-              <a:t>不变集合：</a:t>
-            </a:r>
-          </a:p>
-          <a:p>
-            <a:pPr lvl="0"/>
+            <a:pPr>
+              <a:lnSpc>
+                <a:spcPts val="5000"/>
+              </a:lnSpc>
+            </a:pPr>
+            <a:r>
+              <a:rPr lang="en-US" altLang="zh-CN" dirty="0" smtClean="0">
+                <a:latin typeface="华文楷体" pitchFamily="2" charset="-122"/>
+                <a:ea typeface="华文楷体" pitchFamily="2" charset="-122"/>
+              </a:rPr>
+              <a:t>1</a:t>
+            </a:r>
+            <a:r>
+              <a:rPr lang="zh-CN" altLang="zh-CN" dirty="0" smtClean="0">
+                <a:latin typeface="华文楷体" pitchFamily="2" charset="-122"/>
+                <a:ea typeface="华文楷体" pitchFamily="2" charset="-122"/>
+              </a:rPr>
+              <a:t>、</a:t>
+            </a:r>
+            <a:r>
+              <a:rPr lang="zh-CN" altLang="en-US" dirty="0" smtClean="0">
+                <a:latin typeface="华文楷体" pitchFamily="2" charset="-122"/>
+                <a:ea typeface="华文楷体" pitchFamily="2" charset="-122"/>
+              </a:rPr>
+              <a:t>前置条件检查</a:t>
+            </a:r>
+            <a:endParaRPr lang="en-US" altLang="zh-CN" dirty="0" smtClean="0">
+              <a:latin typeface="华文楷体" pitchFamily="2" charset="-122"/>
+              <a:ea typeface="华文楷体" pitchFamily="2" charset="-122"/>
+            </a:endParaRPr>
+          </a:p>
+          <a:p>
+            <a:pPr>
+              <a:lnSpc>
+                <a:spcPts val="5000"/>
+              </a:lnSpc>
+            </a:pPr>
+            <a:r>
+              <a:rPr lang="en-US" altLang="zh-CN" dirty="0" smtClean="0">
+                <a:latin typeface="华文楷体" pitchFamily="2" charset="-122"/>
+                <a:ea typeface="华文楷体" pitchFamily="2" charset="-122"/>
+              </a:rPr>
+              <a:t>2</a:t>
+            </a:r>
+            <a:r>
+              <a:rPr lang="zh-CN" altLang="en-US" dirty="0" smtClean="0">
+                <a:latin typeface="华文楷体" pitchFamily="2" charset="-122"/>
+                <a:ea typeface="华文楷体" pitchFamily="2" charset="-122"/>
+              </a:rPr>
+              <a:t>、</a:t>
+            </a:r>
+            <a:r>
+              <a:rPr lang="en-US" altLang="zh-CN" dirty="0" smtClean="0">
+                <a:latin typeface="华文楷体" pitchFamily="2" charset="-122"/>
+                <a:ea typeface="华文楷体" pitchFamily="2" charset="-122"/>
+              </a:rPr>
+              <a:t>Strings</a:t>
+            </a:r>
+            <a:r>
+              <a:rPr lang="zh-CN" altLang="en-US" dirty="0" smtClean="0">
+                <a:latin typeface="华文楷体" pitchFamily="2" charset="-122"/>
+                <a:ea typeface="华文楷体" pitchFamily="2" charset="-122"/>
+              </a:rPr>
+              <a:t>操作：字符串的拼接与拆分，拆分可以拆分为数组和</a:t>
+            </a:r>
+            <a:r>
+              <a:rPr lang="en-US" altLang="zh-CN" dirty="0" smtClean="0">
+                <a:latin typeface="华文楷体" pitchFamily="2" charset="-122"/>
+                <a:ea typeface="华文楷体" pitchFamily="2" charset="-122"/>
+              </a:rPr>
+              <a:t>Map</a:t>
+            </a:r>
+            <a:endParaRPr lang="zh-CN" altLang="zh-CN" dirty="0" smtClean="0">
+              <a:latin typeface="华文楷体" pitchFamily="2" charset="-122"/>
+              <a:ea typeface="华文楷体" pitchFamily="2" charset="-122"/>
+            </a:endParaRPr>
+          </a:p>
+          <a:p>
+            <a:r>
+              <a:rPr lang="en-US" altLang="zh-CN" dirty="0" smtClean="0">
+                <a:latin typeface="华文楷体" pitchFamily="2" charset="-122"/>
+                <a:ea typeface="华文楷体" pitchFamily="2" charset="-122"/>
+              </a:rPr>
+              <a:t>3</a:t>
+            </a:r>
+            <a:r>
+              <a:rPr lang="zh-CN" altLang="zh-CN" dirty="0" smtClean="0">
+                <a:latin typeface="华文楷体" pitchFamily="2" charset="-122"/>
+                <a:ea typeface="华文楷体" pitchFamily="2" charset="-122"/>
+              </a:rPr>
+              <a:t>、</a:t>
+            </a:r>
+            <a:r>
+              <a:rPr lang="zh-CN" altLang="en-US" dirty="0" smtClean="0">
+                <a:latin typeface="华文楷体" pitchFamily="2" charset="-122"/>
+                <a:ea typeface="华文楷体" pitchFamily="2" charset="-122"/>
+              </a:rPr>
+              <a:t>散列：</a:t>
+            </a:r>
+            <a:r>
+              <a:rPr lang="zh-CN" altLang="en-US" dirty="0" smtClean="0">
+                <a:solidFill>
+                  <a:srgbClr val="666666"/>
+                </a:solidFill>
+              </a:rPr>
+              <a:t>提供比</a:t>
+            </a:r>
+            <a:r>
+              <a:rPr lang="en-US" altLang="zh-CN" dirty="0" err="1" smtClean="0"/>
+              <a:t>Object.hashCode</a:t>
+            </a:r>
             <a:r>
               <a:rPr lang="en-US" altLang="zh-CN" dirty="0" smtClean="0"/>
-              <a:t>1</a:t>
-            </a:r>
-            <a:r>
-              <a:rPr lang="zh-CN" altLang="en-US" dirty="0" smtClean="0"/>
+              <a:t>()</a:t>
+            </a:r>
+            <a:r>
+              <a:rPr lang="zh-CN" altLang="en-US" dirty="0" smtClean="0">
+                <a:solidFill>
+                  <a:srgbClr val="666666"/>
+                </a:solidFill>
+              </a:rPr>
+              <a:t>更复杂的散</a:t>
+            </a:r>
+            <a:r>
+              <a:rPr lang="zh-CN" altLang="en-US" smtClean="0">
+                <a:solidFill>
+                  <a:srgbClr val="666666"/>
+                </a:solidFill>
+              </a:rPr>
+              <a:t>列实现，数据和散列算法分开，</a:t>
+            </a:r>
+            <a:r>
+              <a:rPr lang="zh-CN" altLang="en-US" dirty="0" smtClean="0">
+                <a:solidFill>
+                  <a:srgbClr val="666666"/>
+                </a:solidFill>
+              </a:rPr>
+              <a:t>并提供</a:t>
+            </a:r>
+            <a:r>
+              <a:rPr lang="zh-CN" altLang="en-US" dirty="0" smtClean="0">
+                <a:latin typeface="华文楷体" pitchFamily="2" charset="-122"/>
+                <a:ea typeface="华文楷体" pitchFamily="2" charset="-122"/>
+              </a:rPr>
+              <a:t>布隆过滤器实现</a:t>
+            </a:r>
+            <a:endParaRPr lang="en-US" altLang="zh-CN" dirty="0" smtClean="0">
+              <a:latin typeface="华文楷体" pitchFamily="2" charset="-122"/>
+              <a:ea typeface="华文楷体" pitchFamily="2" charset="-122"/>
+            </a:endParaRPr>
+          </a:p>
+          <a:p>
+            <a:r>
+              <a:rPr lang="en-US" altLang="zh-CN" dirty="0" smtClean="0">
+                <a:latin typeface="华文楷体" pitchFamily="2" charset="-122"/>
+                <a:ea typeface="华文楷体" pitchFamily="2" charset="-122"/>
+              </a:rPr>
+              <a:t>4</a:t>
+            </a:r>
+            <a:r>
+              <a:rPr lang="zh-CN" altLang="zh-CN" dirty="0" smtClean="0">
+                <a:latin typeface="华文楷体" pitchFamily="2" charset="-122"/>
+                <a:ea typeface="华文楷体" pitchFamily="2" charset="-122"/>
+              </a:rPr>
               <a:t>、</a:t>
             </a:r>
             <a:r>
-              <a:rPr lang="zh-CN" altLang="zh-CN" dirty="0" smtClean="0"/>
-              <a:t>多</a:t>
-            </a:r>
-            <a:r>
-              <a:rPr lang="zh-CN" altLang="zh-CN" dirty="0"/>
-              <a:t>线程下不存在竟态</a:t>
-            </a:r>
-            <a:r>
-              <a:rPr lang="zh-CN" altLang="zh-CN" dirty="0" smtClean="0"/>
-              <a:t>条件</a:t>
-            </a:r>
-            <a:endParaRPr lang="en-US" altLang="zh-CN" dirty="0"/>
-          </a:p>
-          <a:p>
-            <a:pPr lvl="0"/>
-            <a:r>
-              <a:rPr lang="en-US" altLang="zh-CN" dirty="0" smtClean="0"/>
-              <a:t>2</a:t>
-            </a:r>
-            <a:r>
-              <a:rPr lang="zh-CN" altLang="en-US" dirty="0" smtClean="0"/>
+              <a:rPr lang="en-US" altLang="zh-CN" dirty="0" smtClean="0">
+                <a:latin typeface="华文楷体" pitchFamily="2" charset="-122"/>
+                <a:ea typeface="华文楷体" pitchFamily="2" charset="-122"/>
+              </a:rPr>
+              <a:t>Object</a:t>
+            </a:r>
+            <a:r>
+              <a:rPr lang="zh-CN" altLang="en-US" dirty="0" smtClean="0">
+                <a:latin typeface="华文楷体" pitchFamily="2" charset="-122"/>
+                <a:ea typeface="华文楷体" pitchFamily="2" charset="-122"/>
+              </a:rPr>
+              <a:t> </a:t>
+            </a:r>
+            <a:r>
+              <a:rPr lang="en-US" altLang="zh-CN" dirty="0" smtClean="0">
+                <a:latin typeface="华文楷体" pitchFamily="2" charset="-122"/>
+                <a:ea typeface="华文楷体" pitchFamily="2" charset="-122"/>
+              </a:rPr>
+              <a:t> </a:t>
+            </a:r>
+            <a:r>
+              <a:rPr lang="zh-CN" altLang="en-US" dirty="0" smtClean="0">
+                <a:latin typeface="华文楷体" pitchFamily="2" charset="-122"/>
+                <a:ea typeface="华文楷体" pitchFamily="2" charset="-122"/>
+              </a:rPr>
+              <a:t>简化</a:t>
+            </a:r>
+            <a:r>
+              <a:rPr lang="en-US" altLang="zh-CN" dirty="0" smtClean="0">
+                <a:latin typeface="华文楷体" pitchFamily="2" charset="-122"/>
+                <a:ea typeface="华文楷体" pitchFamily="2" charset="-122"/>
+              </a:rPr>
+              <a:t>Object</a:t>
+            </a:r>
+            <a:r>
+              <a:rPr lang="zh-CN" altLang="en-US" dirty="0" smtClean="0">
+                <a:latin typeface="华文楷体" pitchFamily="2" charset="-122"/>
+                <a:ea typeface="华文楷体" pitchFamily="2" charset="-122"/>
+              </a:rPr>
+              <a:t>方法实现</a:t>
+            </a:r>
+            <a:r>
+              <a:rPr lang="en-US" altLang="zh-CN" dirty="0" err="1" smtClean="0">
+                <a:latin typeface="华文楷体" pitchFamily="2" charset="-122"/>
+                <a:ea typeface="华文楷体" pitchFamily="2" charset="-122"/>
+              </a:rPr>
+              <a:t>hashCode</a:t>
+            </a:r>
+            <a:r>
+              <a:rPr lang="en-US" altLang="zh-CN" dirty="0" smtClean="0">
+                <a:latin typeface="华文楷体" pitchFamily="2" charset="-122"/>
+                <a:ea typeface="华文楷体" pitchFamily="2" charset="-122"/>
+              </a:rPr>
+              <a:t>()</a:t>
+            </a:r>
+            <a:r>
+              <a:rPr lang="zh-CN" altLang="en-US" dirty="0" smtClean="0">
+                <a:latin typeface="华文楷体" pitchFamily="2" charset="-122"/>
+                <a:ea typeface="华文楷体" pitchFamily="2" charset="-122"/>
+              </a:rPr>
               <a:t>、</a:t>
             </a:r>
             <a:r>
-              <a:rPr lang="zh-CN" altLang="zh-CN" dirty="0" smtClean="0"/>
-              <a:t>节约</a:t>
-            </a:r>
-            <a:r>
-              <a:rPr lang="zh-CN" altLang="zh-CN" dirty="0"/>
-              <a:t>时间和空间，不需要考虑变化</a:t>
-            </a:r>
-          </a:p>
-          <a:p>
-            <a:pPr lvl="0"/>
-            <a:r>
-              <a:rPr lang="en-US" altLang="zh-CN" dirty="0" smtClean="0"/>
-              <a:t>3</a:t>
-            </a:r>
-            <a:r>
-              <a:rPr lang="zh-CN" altLang="en-US" dirty="0" smtClean="0"/>
-              <a:t>、</a:t>
-            </a:r>
-            <a:r>
-              <a:rPr lang="zh-CN" altLang="zh-CN" dirty="0" smtClean="0"/>
-              <a:t>第三</a:t>
-            </a:r>
-            <a:r>
-              <a:rPr lang="zh-CN" altLang="zh-CN" dirty="0"/>
-              <a:t>方不信任库调用时</a:t>
-            </a:r>
-          </a:p>
-          <a:p>
-            <a:r>
-              <a:rPr lang="zh-CN" altLang="zh-CN" dirty="0"/>
-              <a:t>创建对象的不可变拷贝是一项很好的防御性编程技巧</a:t>
-            </a:r>
-          </a:p>
-        </p:txBody>
-      </p:sp>
-      <p:sp>
-        <p:nvSpPr>
-          <p:cNvPr id="2" name="矩形 1"/>
-          <p:cNvSpPr/>
-          <p:nvPr/>
-        </p:nvSpPr>
-        <p:spPr>
-          <a:xfrm>
-            <a:off x="238390" y="4149080"/>
-            <a:ext cx="8892480" cy="2308324"/>
-          </a:xfrm>
-          <a:prstGeom prst="rect">
-            <a:avLst/>
-          </a:prstGeom>
-        </p:spPr>
-        <p:txBody>
-          <a:bodyPr wrap="square">
-            <a:spAutoFit/>
-          </a:bodyPr>
-          <a:lstStyle/>
-          <a:p>
-            <a:r>
-              <a:rPr lang="zh-CN" altLang="zh-CN" dirty="0"/>
-              <a:t>与</a:t>
-            </a:r>
-            <a:r>
-              <a:rPr lang="en-US" altLang="zh-CN" dirty="0"/>
-              <a:t>JDK </a:t>
-            </a:r>
-            <a:r>
-              <a:rPr lang="en-US" altLang="zh-CN" dirty="0" err="1"/>
-              <a:t>Collections.unmodifiableCollection</a:t>
-            </a:r>
-            <a:r>
-              <a:rPr lang="zh-CN" altLang="zh-CN" dirty="0"/>
-              <a:t>区别：</a:t>
-            </a:r>
-          </a:p>
-          <a:p>
-            <a:pPr lvl="0"/>
-            <a:r>
-              <a:rPr lang="en-US" altLang="zh-CN" dirty="0" smtClean="0"/>
-              <a:t>1</a:t>
-            </a:r>
-            <a:r>
-              <a:rPr lang="zh-CN" altLang="en-US" dirty="0" smtClean="0"/>
-              <a:t>、</a:t>
-            </a:r>
-            <a:r>
-              <a:rPr lang="zh-CN" altLang="zh-CN" dirty="0" smtClean="0"/>
-              <a:t>防御</a:t>
-            </a:r>
-            <a:r>
-              <a:rPr lang="zh-CN" altLang="zh-CN" dirty="0"/>
-              <a:t>性</a:t>
-            </a:r>
-            <a:r>
-              <a:rPr lang="en-US" altLang="zh-CN" dirty="0"/>
-              <a:t>copy</a:t>
-            </a:r>
-            <a:r>
-              <a:rPr lang="zh-CN" altLang="zh-CN" dirty="0"/>
-              <a:t>，无论原集合怎样改变，经过</a:t>
-            </a:r>
-            <a:r>
-              <a:rPr lang="en-US" altLang="zh-CN" dirty="0" err="1"/>
-              <a:t>ImmutableCollections.copyOf</a:t>
-            </a:r>
-            <a:r>
-              <a:rPr lang="en-US" altLang="zh-CN" dirty="0"/>
-              <a:t>()</a:t>
-            </a:r>
-            <a:r>
-              <a:rPr lang="zh-CN" altLang="zh-CN" dirty="0"/>
-              <a:t>方法返回的集合，无论原集合怎样变化，新集合都不会在变化，而</a:t>
-            </a:r>
-            <a:r>
-              <a:rPr lang="en-US" altLang="zh-CN" dirty="0" err="1"/>
-              <a:t>Collections.unmodifiableCollection</a:t>
-            </a:r>
-            <a:r>
-              <a:rPr lang="en-US" altLang="zh-CN" dirty="0"/>
-              <a:t>()</a:t>
-            </a:r>
-            <a:r>
-              <a:rPr lang="zh-CN" altLang="zh-CN" dirty="0"/>
-              <a:t>与之相反，通过源码可以得知前者是</a:t>
-            </a:r>
-            <a:r>
-              <a:rPr lang="en-US" altLang="zh-CN" dirty="0"/>
-              <a:t>copy </a:t>
-            </a:r>
-            <a:r>
-              <a:rPr lang="zh-CN" altLang="zh-CN" dirty="0"/>
-              <a:t>且</a:t>
-            </a:r>
-            <a:r>
-              <a:rPr lang="en-US" altLang="zh-CN" dirty="0"/>
-              <a:t>new </a:t>
-            </a:r>
-            <a:r>
-              <a:rPr lang="zh-CN" altLang="zh-CN" dirty="0"/>
-              <a:t>新元素，后者是返回一个不可变的集合引用，数据集还是指向原始数据集引用</a:t>
-            </a:r>
-            <a:r>
-              <a:rPr lang="zh-CN" altLang="zh-CN" dirty="0" smtClean="0"/>
-              <a:t>。</a:t>
-            </a:r>
-            <a:endParaRPr lang="en-US" altLang="zh-CN" dirty="0"/>
-          </a:p>
-          <a:p>
-            <a:pPr lvl="0"/>
-            <a:r>
-              <a:rPr lang="en-US" altLang="zh-CN" dirty="0" smtClean="0"/>
-              <a:t>2</a:t>
-            </a:r>
-            <a:r>
-              <a:rPr lang="zh-CN" altLang="en-US" dirty="0" smtClean="0"/>
-              <a:t>、</a:t>
-            </a:r>
-            <a:r>
-              <a:rPr lang="en-US" altLang="zh-CN" dirty="0" err="1" smtClean="0"/>
-              <a:t>Collections.unmodifiableCollection</a:t>
-            </a:r>
-            <a:r>
-              <a:rPr lang="en-US" altLang="zh-CN" dirty="0"/>
-              <a:t>()</a:t>
-            </a:r>
-            <a:r>
-              <a:rPr lang="zh-CN" altLang="zh-CN" dirty="0"/>
-              <a:t>修饰后的集合，仍然具有原集合的特性，而不是将集合转化为常量</a:t>
-            </a:r>
-          </a:p>
-          <a:p>
-            <a:pPr lvl="0"/>
-            <a:r>
-              <a:rPr lang="en-US" altLang="zh-CN" dirty="0" smtClean="0"/>
-              <a:t>3</a:t>
-            </a:r>
-            <a:r>
-              <a:rPr lang="zh-CN" altLang="en-US" dirty="0" smtClean="0"/>
-              <a:t>、</a:t>
-            </a:r>
-            <a:r>
-              <a:rPr lang="zh-CN" altLang="zh-CN" dirty="0" smtClean="0"/>
-              <a:t>扩容</a:t>
-            </a:r>
-            <a:r>
-              <a:rPr lang="zh-CN" altLang="zh-CN" dirty="0"/>
-              <a:t>算法不一样</a:t>
-            </a:r>
+              <a:rPr lang="en-US" altLang="zh-CN" dirty="0" err="1" smtClean="0">
+                <a:latin typeface="华文楷体" pitchFamily="2" charset="-122"/>
+                <a:ea typeface="华文楷体" pitchFamily="2" charset="-122"/>
+              </a:rPr>
+              <a:t>toString</a:t>
+            </a:r>
+            <a:r>
+              <a:rPr lang="zh-CN" altLang="en-US" dirty="0" smtClean="0">
+                <a:latin typeface="华文楷体" pitchFamily="2" charset="-122"/>
+                <a:ea typeface="华文楷体" pitchFamily="2" charset="-122"/>
+              </a:rPr>
+              <a:t>等，目前</a:t>
+            </a:r>
+            <a:r>
+              <a:rPr lang="en-US" altLang="zh-CN" dirty="0" smtClean="0">
+                <a:latin typeface="华文楷体" pitchFamily="2" charset="-122"/>
+                <a:ea typeface="华文楷体" pitchFamily="2" charset="-122"/>
+              </a:rPr>
+              <a:t>JDK8 </a:t>
+            </a:r>
+            <a:r>
+              <a:rPr lang="zh-CN" altLang="en-US" dirty="0" smtClean="0">
+                <a:latin typeface="华文楷体" pitchFamily="2" charset="-122"/>
+                <a:ea typeface="华文楷体" pitchFamily="2" charset="-122"/>
+              </a:rPr>
+              <a:t>也已经实现。</a:t>
+            </a:r>
+            <a:endParaRPr lang="zh-CN" altLang="zh-CN" dirty="0">
+              <a:latin typeface="华文楷体" pitchFamily="2" charset="-122"/>
+              <a:ea typeface="华文楷体" pitchFamily="2" charset="-122"/>
+            </a:endParaRPr>
           </a:p>
         </p:txBody>
       </p:sp>
     </p:spTree>
     <p:extLst>
       <p:ext uri="{BB962C8B-B14F-4D97-AF65-F5344CB8AC3E}">
-        <p14:creationId xmlns:p14="http://schemas.microsoft.com/office/powerpoint/2010/main" val="510927362"/>
+        <p14:creationId xmlns:p14="http://schemas.microsoft.com/office/powerpoint/2010/main" val="236715049"/>
       </p:ext>
     </p:extLst>
   </p:cSld>
@@ -6411,2504 +10479,6 @@
 </p:sld>
 </file>
 
-<file path=ppt/slides/slide13.xml><?xml version="1.0" encoding="utf-8"?>
-<p:sld xmlns:a="http://schemas.openxmlformats.org/drawingml/2006/main" xmlns:r="http://schemas.openxmlformats.org/officeDocument/2006/relationships" xmlns:p="http://schemas.openxmlformats.org/presentationml/2006/main">
-  <p:cSld>
-    <p:spTree>
-      <p:nvGrpSpPr>
-        <p:cNvPr id="1" name=""/>
-        <p:cNvGrpSpPr/>
-        <p:nvPr/>
-      </p:nvGrpSpPr>
-      <p:grpSpPr>
-        <a:xfrm>
-          <a:off x="0" y="0"/>
-          <a:ext cx="0" cy="0"/>
-          <a:chOff x="0" y="0"/>
-          <a:chExt cx="0" cy="0"/>
-        </a:xfrm>
-      </p:grpSpPr>
-      <p:pic>
-        <p:nvPicPr>
-          <p:cNvPr id="4" name="图片 3"/>
-          <p:cNvPicPr>
-            <a:picLocks noChangeAspect="1"/>
-          </p:cNvPicPr>
-          <p:nvPr/>
-        </p:nvPicPr>
-        <p:blipFill>
-          <a:blip r:embed="rId3" cstate="print">
-            <a:extLst>
-              <a:ext uri="{28A0092B-C50C-407E-A947-70E740481C1C}">
-                <a14:useLocalDpi xmlns:a14="http://schemas.microsoft.com/office/drawing/2010/main" val="0"/>
-              </a:ext>
-            </a:extLst>
-          </a:blip>
-          <a:stretch>
-            <a:fillRect/>
-          </a:stretch>
-        </p:blipFill>
-        <p:spPr>
-          <a:xfrm>
-            <a:off x="-23257" y="-19932"/>
-            <a:ext cx="1570922" cy="717164"/>
-          </a:xfrm>
-          <a:prstGeom prst="rect">
-            <a:avLst/>
-          </a:prstGeom>
-        </p:spPr>
-      </p:pic>
-      <p:sp>
-        <p:nvSpPr>
-          <p:cNvPr id="5" name="矩形 4"/>
-          <p:cNvSpPr/>
-          <p:nvPr/>
-        </p:nvSpPr>
-        <p:spPr>
-          <a:xfrm>
-            <a:off x="1187624" y="260648"/>
-            <a:ext cx="1592103" cy="369332"/>
-          </a:xfrm>
-          <a:prstGeom prst="rect">
-            <a:avLst/>
-          </a:prstGeom>
-        </p:spPr>
-        <p:txBody>
-          <a:bodyPr wrap="none">
-            <a:spAutoFit/>
-          </a:bodyPr>
-          <a:lstStyle/>
-          <a:p>
-            <a:r>
-              <a:rPr lang="en-US" altLang="zh-CN" b="1" dirty="0" smtClean="0">
-                <a:solidFill>
-                  <a:srgbClr val="C00000"/>
-                </a:solidFill>
-                <a:latin typeface="华文行楷" pitchFamily="2" charset="-122"/>
-                <a:ea typeface="华文行楷" pitchFamily="2" charset="-122"/>
-              </a:rPr>
-              <a:t>Guava</a:t>
-            </a:r>
-            <a:r>
-              <a:rPr lang="zh-CN" altLang="en-US" b="1" dirty="0" smtClean="0">
-                <a:solidFill>
-                  <a:srgbClr val="C00000"/>
-                </a:solidFill>
-                <a:latin typeface="华文行楷" pitchFamily="2" charset="-122"/>
-                <a:ea typeface="华文行楷" pitchFamily="2" charset="-122"/>
-              </a:rPr>
-              <a:t>基础知识</a:t>
-            </a:r>
-            <a:endParaRPr lang="zh-CN" altLang="en-US" b="1" dirty="0">
-              <a:solidFill>
-                <a:srgbClr val="C00000"/>
-              </a:solidFill>
-              <a:latin typeface="华文行楷" pitchFamily="2" charset="-122"/>
-              <a:ea typeface="华文行楷" pitchFamily="2" charset="-122"/>
-            </a:endParaRPr>
-          </a:p>
-        </p:txBody>
-      </p:sp>
-      <p:sp>
-        <p:nvSpPr>
-          <p:cNvPr id="6" name="爆炸形 1 5"/>
-          <p:cNvSpPr/>
-          <p:nvPr/>
-        </p:nvSpPr>
-        <p:spPr>
-          <a:xfrm>
-            <a:off x="439467" y="697232"/>
-            <a:ext cx="4680520" cy="1274658"/>
-          </a:xfrm>
-          <a:prstGeom prst="irregularSeal1">
-            <a:avLst/>
-          </a:prstGeom>
-          <a:solidFill>
-            <a:srgbClr val="C00000"/>
-          </a:solidFill>
-          <a:ln>
-            <a:noFill/>
-          </a:ln>
-        </p:spPr>
-        <p:style>
-          <a:lnRef idx="2">
-            <a:schemeClr val="accent1">
-              <a:shade val="50000"/>
-            </a:schemeClr>
-          </a:lnRef>
-          <a:fillRef idx="1">
-            <a:schemeClr val="accent1"/>
-          </a:fillRef>
-          <a:effectRef idx="0">
-            <a:schemeClr val="accent1"/>
-          </a:effectRef>
-          <a:fontRef idx="minor">
-            <a:schemeClr val="lt1"/>
-          </a:fontRef>
-        </p:style>
-        <p:txBody>
-          <a:bodyPr rtlCol="0" anchor="ctr"/>
-          <a:lstStyle/>
-          <a:p>
-            <a:pPr algn="ctr"/>
-            <a:r>
-              <a:rPr lang="zh-CN" altLang="en-US" dirty="0" smtClean="0"/>
-              <a:t>限流技术</a:t>
-            </a:r>
-            <a:endParaRPr lang="zh-CN" altLang="en-US" dirty="0"/>
-          </a:p>
-        </p:txBody>
-      </p:sp>
-    </p:spTree>
-    <p:extLst>
-      <p:ext uri="{BB962C8B-B14F-4D97-AF65-F5344CB8AC3E}">
-        <p14:creationId xmlns:p14="http://schemas.microsoft.com/office/powerpoint/2010/main" val="1133837575"/>
-      </p:ext>
-    </p:extLst>
-  </p:cSld>
-  <p:clrMapOvr>
-    <a:masterClrMapping/>
-  </p:clrMapOvr>
-  <p:timing>
-    <p:tnLst>
-      <p:par>
-        <p:cTn id="1" dur="indefinite" restart="never" nodeType="tmRoot"/>
-      </p:par>
-    </p:tnLst>
-  </p:timing>
-</p:sld>
-</file>
-
-<file path=ppt/slides/slide14.xml><?xml version="1.0" encoding="utf-8"?>
-<p:sld xmlns:a="http://schemas.openxmlformats.org/drawingml/2006/main" xmlns:r="http://schemas.openxmlformats.org/officeDocument/2006/relationships" xmlns:p="http://schemas.openxmlformats.org/presentationml/2006/main">
-  <p:cSld>
-    <p:spTree>
-      <p:nvGrpSpPr>
-        <p:cNvPr id="1" name=""/>
-        <p:cNvGrpSpPr/>
-        <p:nvPr/>
-      </p:nvGrpSpPr>
-      <p:grpSpPr>
-        <a:xfrm>
-          <a:off x="0" y="0"/>
-          <a:ext cx="0" cy="0"/>
-          <a:chOff x="0" y="0"/>
-          <a:chExt cx="0" cy="0"/>
-        </a:xfrm>
-      </p:grpSpPr>
-      <p:pic>
-        <p:nvPicPr>
-          <p:cNvPr id="6" name="图片 5"/>
-          <p:cNvPicPr>
-            <a:picLocks noChangeAspect="1"/>
-          </p:cNvPicPr>
-          <p:nvPr/>
-        </p:nvPicPr>
-        <p:blipFill>
-          <a:blip r:embed="rId2" cstate="print">
-            <a:extLst>
-              <a:ext uri="{28A0092B-C50C-407E-A947-70E740481C1C}">
-                <a14:useLocalDpi xmlns:a14="http://schemas.microsoft.com/office/drawing/2010/main" val="0"/>
-              </a:ext>
-            </a:extLst>
-          </a:blip>
-          <a:stretch>
-            <a:fillRect/>
-          </a:stretch>
-        </p:blipFill>
-        <p:spPr>
-          <a:xfrm>
-            <a:off x="0" y="-19932"/>
-            <a:ext cx="1570922" cy="717164"/>
-          </a:xfrm>
-          <a:prstGeom prst="rect">
-            <a:avLst/>
-          </a:prstGeom>
-        </p:spPr>
-      </p:pic>
-      <p:sp>
-        <p:nvSpPr>
-          <p:cNvPr id="7" name="矩形 6"/>
-          <p:cNvSpPr/>
-          <p:nvPr/>
-        </p:nvSpPr>
-        <p:spPr>
-          <a:xfrm>
-            <a:off x="1187624" y="260648"/>
-            <a:ext cx="668773" cy="369332"/>
-          </a:xfrm>
-          <a:prstGeom prst="rect">
-            <a:avLst/>
-          </a:prstGeom>
-        </p:spPr>
-        <p:txBody>
-          <a:bodyPr wrap="none">
-            <a:spAutoFit/>
-          </a:bodyPr>
-          <a:lstStyle/>
-          <a:p>
-            <a:r>
-              <a:rPr lang="en-US" altLang="zh-CN" b="1" dirty="0" smtClean="0">
-                <a:solidFill>
-                  <a:srgbClr val="C00000"/>
-                </a:solidFill>
-                <a:latin typeface="华文行楷" pitchFamily="2" charset="-122"/>
-                <a:ea typeface="华文行楷" pitchFamily="2" charset="-122"/>
-              </a:rPr>
-              <a:t>Guava</a:t>
-            </a:r>
-            <a:endParaRPr lang="zh-CN" altLang="en-US" b="1" dirty="0">
-              <a:solidFill>
-                <a:srgbClr val="C00000"/>
-              </a:solidFill>
-              <a:latin typeface="华文行楷" pitchFamily="2" charset="-122"/>
-              <a:ea typeface="华文行楷" pitchFamily="2" charset="-122"/>
-            </a:endParaRPr>
-          </a:p>
-        </p:txBody>
-      </p:sp>
-      <p:sp>
-        <p:nvSpPr>
-          <p:cNvPr id="3" name="矩形 2"/>
-          <p:cNvSpPr/>
-          <p:nvPr/>
-        </p:nvSpPr>
-        <p:spPr>
-          <a:xfrm>
-            <a:off x="35496" y="1412776"/>
-            <a:ext cx="9144000" cy="5112568"/>
-          </a:xfrm>
-          <a:prstGeom prst="rect">
-            <a:avLst/>
-          </a:prstGeom>
-          <a:solidFill>
-            <a:srgbClr val="C00000"/>
-          </a:solidFill>
-          <a:ln>
-            <a:noFill/>
-          </a:ln>
-        </p:spPr>
-        <p:style>
-          <a:lnRef idx="2">
-            <a:schemeClr val="accent1">
-              <a:shade val="50000"/>
-            </a:schemeClr>
-          </a:lnRef>
-          <a:fillRef idx="1">
-            <a:schemeClr val="accent1"/>
-          </a:fillRef>
-          <a:effectRef idx="0">
-            <a:schemeClr val="accent1"/>
-          </a:effectRef>
-          <a:fontRef idx="minor">
-            <a:schemeClr val="lt1"/>
-          </a:fontRef>
-        </p:style>
-        <p:txBody>
-          <a:bodyPr rtlCol="0" anchor="ctr"/>
-          <a:lstStyle/>
-          <a:p>
-            <a:pPr marL="457200" indent="-457200">
-              <a:lnSpc>
-                <a:spcPts val="5000"/>
-              </a:lnSpc>
-              <a:buFont typeface="Wingdings" pitchFamily="2" charset="2"/>
-              <a:buChar char="u"/>
-            </a:pPr>
-            <a:r>
-              <a:rPr lang="zh-CN" altLang="en-US" sz="2800" b="1" dirty="0" smtClean="0">
-                <a:latin typeface="华文楷体" pitchFamily="2" charset="-122"/>
-                <a:ea typeface="华文楷体" pitchFamily="2" charset="-122"/>
-              </a:rPr>
-              <a:t>高性能集合框架介绍</a:t>
-            </a:r>
-            <a:endParaRPr lang="en-US" altLang="zh-CN" sz="2800" b="1" dirty="0" smtClean="0">
-              <a:latin typeface="华文楷体" pitchFamily="2" charset="-122"/>
-              <a:ea typeface="华文楷体" pitchFamily="2" charset="-122"/>
-            </a:endParaRPr>
-          </a:p>
-          <a:p>
-            <a:pPr marL="457200" indent="-457200">
-              <a:lnSpc>
-                <a:spcPts val="5000"/>
-              </a:lnSpc>
-              <a:buFont typeface="Wingdings" pitchFamily="2" charset="2"/>
-              <a:buChar char="u"/>
-            </a:pPr>
-            <a:r>
-              <a:rPr lang="en-US" altLang="zh-CN" sz="2800" b="1" dirty="0" smtClean="0">
-                <a:latin typeface="华文楷体" pitchFamily="2" charset="-122"/>
-                <a:ea typeface="华文楷体" pitchFamily="2" charset="-122"/>
-              </a:rPr>
-              <a:t> </a:t>
-            </a:r>
-            <a:r>
-              <a:rPr lang="en-US" altLang="zh-CN" sz="2800" b="1" dirty="0" err="1" smtClean="0">
-                <a:latin typeface="华文楷体" pitchFamily="2" charset="-122"/>
-                <a:ea typeface="华文楷体" pitchFamily="2" charset="-122"/>
-              </a:rPr>
-              <a:t>FastTable</a:t>
-            </a:r>
-            <a:r>
-              <a:rPr lang="en-US" altLang="zh-CN" sz="2800" b="1" dirty="0" smtClean="0">
-                <a:latin typeface="华文楷体" pitchFamily="2" charset="-122"/>
-                <a:ea typeface="华文楷体" pitchFamily="2" charset="-122"/>
-              </a:rPr>
-              <a:t> </a:t>
-            </a:r>
-            <a:r>
-              <a:rPr lang="zh-CN" altLang="en-US" sz="2800" b="1" dirty="0" smtClean="0">
-                <a:latin typeface="华文楷体" pitchFamily="2" charset="-122"/>
-                <a:ea typeface="华文楷体" pitchFamily="2" charset="-122"/>
-              </a:rPr>
-              <a:t>分析</a:t>
-            </a:r>
-            <a:endParaRPr lang="en-US" altLang="zh-CN" sz="2800" b="1" dirty="0" smtClean="0">
-              <a:latin typeface="华文楷体" pitchFamily="2" charset="-122"/>
-              <a:ea typeface="华文楷体" pitchFamily="2" charset="-122"/>
-            </a:endParaRPr>
-          </a:p>
-          <a:p>
-            <a:pPr marL="457200" indent="-457200">
-              <a:lnSpc>
-                <a:spcPts val="5000"/>
-              </a:lnSpc>
-              <a:buFont typeface="Wingdings" pitchFamily="2" charset="2"/>
-              <a:buChar char="u"/>
-            </a:pPr>
-            <a:r>
-              <a:rPr lang="en-US" altLang="zh-CN" sz="2800" b="1" dirty="0">
-                <a:latin typeface="华文楷体" pitchFamily="2" charset="-122"/>
-                <a:ea typeface="华文楷体" pitchFamily="2" charset="-122"/>
-              </a:rPr>
-              <a:t> </a:t>
-            </a:r>
-            <a:r>
-              <a:rPr lang="en-US" altLang="zh-CN" sz="2800" b="1" dirty="0" err="1" smtClean="0">
-                <a:latin typeface="华文楷体" pitchFamily="2" charset="-122"/>
-                <a:ea typeface="华文楷体" pitchFamily="2" charset="-122"/>
-              </a:rPr>
-              <a:t>FastTable</a:t>
-            </a:r>
-            <a:r>
-              <a:rPr lang="en-US" altLang="zh-CN" sz="2800" b="1" dirty="0" smtClean="0">
-                <a:latin typeface="华文楷体" pitchFamily="2" charset="-122"/>
-                <a:ea typeface="华文楷体" pitchFamily="2" charset="-122"/>
-              </a:rPr>
-              <a:t> VS </a:t>
-            </a:r>
-            <a:r>
-              <a:rPr lang="en-US" altLang="zh-CN" sz="2800" b="1" dirty="0" err="1" smtClean="0">
-                <a:latin typeface="华文楷体" pitchFamily="2" charset="-122"/>
-                <a:ea typeface="华文楷体" pitchFamily="2" charset="-122"/>
-              </a:rPr>
-              <a:t>ArrayList</a:t>
-            </a:r>
-            <a:endParaRPr lang="en-US" altLang="zh-CN" sz="2800" b="1" dirty="0" smtClean="0">
-              <a:latin typeface="华文楷体" pitchFamily="2" charset="-122"/>
-              <a:ea typeface="华文楷体" pitchFamily="2" charset="-122"/>
-            </a:endParaRPr>
-          </a:p>
-          <a:p>
-            <a:pPr marL="457200" indent="-457200">
-              <a:lnSpc>
-                <a:spcPts val="5000"/>
-              </a:lnSpc>
-              <a:buFont typeface="Wingdings" pitchFamily="2" charset="2"/>
-              <a:buChar char="u"/>
-            </a:pPr>
-            <a:r>
-              <a:rPr lang="en-US" altLang="zh-CN" sz="2800" b="1" dirty="0">
-                <a:latin typeface="华文楷体" pitchFamily="2" charset="-122"/>
-                <a:ea typeface="华文楷体" pitchFamily="2" charset="-122"/>
-              </a:rPr>
-              <a:t> </a:t>
-            </a:r>
-            <a:r>
-              <a:rPr lang="en-US" altLang="zh-CN" sz="2800" b="1" dirty="0" err="1" smtClean="0">
-                <a:latin typeface="华文楷体" pitchFamily="2" charset="-122"/>
-                <a:ea typeface="华文楷体" pitchFamily="2" charset="-122"/>
-              </a:rPr>
-              <a:t>FastTable</a:t>
-            </a:r>
-            <a:r>
-              <a:rPr lang="en-US" altLang="zh-CN" sz="2800" b="1" dirty="0" smtClean="0">
-                <a:latin typeface="华文楷体" pitchFamily="2" charset="-122"/>
-                <a:ea typeface="华文楷体" pitchFamily="2" charset="-122"/>
-              </a:rPr>
-              <a:t> VS </a:t>
-            </a:r>
-            <a:r>
-              <a:rPr lang="en-US" altLang="zh-CN" sz="2800" b="1" dirty="0" err="1" smtClean="0">
-                <a:latin typeface="华文楷体" pitchFamily="2" charset="-122"/>
-                <a:ea typeface="华文楷体" pitchFamily="2" charset="-122"/>
-              </a:rPr>
-              <a:t>BigList</a:t>
-            </a:r>
-            <a:r>
-              <a:rPr lang="en-US" altLang="zh-CN" sz="2800" b="1" dirty="0" smtClean="0">
-                <a:latin typeface="华文楷体" pitchFamily="2" charset="-122"/>
-                <a:ea typeface="华文楷体" pitchFamily="2" charset="-122"/>
-              </a:rPr>
-              <a:t>  </a:t>
-            </a:r>
-            <a:endParaRPr lang="zh-CN" altLang="zh-CN" sz="2800" b="1" dirty="0">
-              <a:latin typeface="华文楷体" pitchFamily="2" charset="-122"/>
-              <a:ea typeface="华文楷体" pitchFamily="2" charset="-122"/>
-            </a:endParaRPr>
-          </a:p>
-          <a:p>
-            <a:endParaRPr lang="zh-CN" altLang="en-US" dirty="0"/>
-          </a:p>
-        </p:txBody>
-      </p:sp>
-      <p:sp>
-        <p:nvSpPr>
-          <p:cNvPr id="8" name="矩形 7"/>
-          <p:cNvSpPr/>
-          <p:nvPr/>
-        </p:nvSpPr>
-        <p:spPr>
-          <a:xfrm>
-            <a:off x="251520" y="836712"/>
-            <a:ext cx="7920880" cy="523220"/>
-          </a:xfrm>
-          <a:prstGeom prst="rect">
-            <a:avLst/>
-          </a:prstGeom>
-        </p:spPr>
-        <p:txBody>
-          <a:bodyPr wrap="square">
-            <a:spAutoFit/>
-          </a:bodyPr>
-          <a:lstStyle/>
-          <a:p>
-            <a:r>
-              <a:rPr lang="zh-CN" altLang="en-US" sz="2800" b="1" dirty="0" smtClean="0">
-                <a:solidFill>
-                  <a:srgbClr val="C00000"/>
-                </a:solidFill>
-                <a:latin typeface="华文行楷" pitchFamily="2" charset="-122"/>
-                <a:ea typeface="华文行楷" pitchFamily="2" charset="-122"/>
-              </a:rPr>
-              <a:t>第三部分  集合框架性能分析</a:t>
-            </a:r>
-            <a:endParaRPr lang="zh-CN" altLang="en-US" sz="2800" b="1" dirty="0">
-              <a:solidFill>
-                <a:srgbClr val="C00000"/>
-              </a:solidFill>
-              <a:latin typeface="华文行楷" pitchFamily="2" charset="-122"/>
-              <a:ea typeface="华文行楷" pitchFamily="2" charset="-122"/>
-            </a:endParaRPr>
-          </a:p>
-        </p:txBody>
-      </p:sp>
-    </p:spTree>
-    <p:extLst>
-      <p:ext uri="{BB962C8B-B14F-4D97-AF65-F5344CB8AC3E}">
-        <p14:creationId xmlns:p14="http://schemas.microsoft.com/office/powerpoint/2010/main" val="3956596302"/>
-      </p:ext>
-    </p:extLst>
-  </p:cSld>
-  <p:clrMapOvr>
-    <a:masterClrMapping/>
-  </p:clrMapOvr>
-  <p:timing>
-    <p:tnLst>
-      <p:par>
-        <p:cTn id="1" dur="indefinite" restart="never" nodeType="tmRoot"/>
-      </p:par>
-    </p:tnLst>
-  </p:timing>
-</p:sld>
-</file>
-
-<file path=ppt/slides/slide15.xml><?xml version="1.0" encoding="utf-8"?>
-<p:sld xmlns:a="http://schemas.openxmlformats.org/drawingml/2006/main" xmlns:r="http://schemas.openxmlformats.org/officeDocument/2006/relationships" xmlns:p="http://schemas.openxmlformats.org/presentationml/2006/main">
-  <p:cSld>
-    <p:spTree>
-      <p:nvGrpSpPr>
-        <p:cNvPr id="1" name=""/>
-        <p:cNvGrpSpPr/>
-        <p:nvPr/>
-      </p:nvGrpSpPr>
-      <p:grpSpPr>
-        <a:xfrm>
-          <a:off x="0" y="0"/>
-          <a:ext cx="0" cy="0"/>
-          <a:chOff x="0" y="0"/>
-          <a:chExt cx="0" cy="0"/>
-        </a:xfrm>
-      </p:grpSpPr>
-      <p:pic>
-        <p:nvPicPr>
-          <p:cNvPr id="6" name="图片 5"/>
-          <p:cNvPicPr>
-            <a:picLocks noChangeAspect="1"/>
-          </p:cNvPicPr>
-          <p:nvPr/>
-        </p:nvPicPr>
-        <p:blipFill>
-          <a:blip r:embed="rId3" cstate="print">
-            <a:extLst>
-              <a:ext uri="{28A0092B-C50C-407E-A947-70E740481C1C}">
-                <a14:useLocalDpi xmlns:a14="http://schemas.microsoft.com/office/drawing/2010/main" val="0"/>
-              </a:ext>
-            </a:extLst>
-          </a:blip>
-          <a:stretch>
-            <a:fillRect/>
-          </a:stretch>
-        </p:blipFill>
-        <p:spPr>
-          <a:xfrm>
-            <a:off x="0" y="-19932"/>
-            <a:ext cx="1570922" cy="717164"/>
-          </a:xfrm>
-          <a:prstGeom prst="rect">
-            <a:avLst/>
-          </a:prstGeom>
-        </p:spPr>
-      </p:pic>
-      <p:sp>
-        <p:nvSpPr>
-          <p:cNvPr id="7" name="矩形 6"/>
-          <p:cNvSpPr/>
-          <p:nvPr/>
-        </p:nvSpPr>
-        <p:spPr>
-          <a:xfrm>
-            <a:off x="1187624" y="260648"/>
-            <a:ext cx="2031325" cy="369332"/>
-          </a:xfrm>
-          <a:prstGeom prst="rect">
-            <a:avLst/>
-          </a:prstGeom>
-        </p:spPr>
-        <p:txBody>
-          <a:bodyPr wrap="none">
-            <a:spAutoFit/>
-          </a:bodyPr>
-          <a:lstStyle/>
-          <a:p>
-            <a:r>
-              <a:rPr lang="zh-CN" altLang="en-US" b="1" dirty="0">
-                <a:solidFill>
-                  <a:srgbClr val="C00000"/>
-                </a:solidFill>
-                <a:latin typeface="华文行楷" pitchFamily="2" charset="-122"/>
-                <a:ea typeface="华文行楷" pitchFamily="2" charset="-122"/>
-              </a:rPr>
-              <a:t>集合框架性能分析</a:t>
-            </a:r>
-          </a:p>
-        </p:txBody>
-      </p:sp>
-      <p:sp>
-        <p:nvSpPr>
-          <p:cNvPr id="3" name="矩形 2"/>
-          <p:cNvSpPr/>
-          <p:nvPr/>
-        </p:nvSpPr>
-        <p:spPr>
-          <a:xfrm>
-            <a:off x="35496" y="1412776"/>
-            <a:ext cx="9144000" cy="5112568"/>
-          </a:xfrm>
-          <a:prstGeom prst="rect">
-            <a:avLst/>
-          </a:prstGeom>
-          <a:solidFill>
-            <a:srgbClr val="C00000"/>
-          </a:solidFill>
-          <a:ln>
-            <a:noFill/>
-          </a:ln>
-        </p:spPr>
-        <p:style>
-          <a:lnRef idx="2">
-            <a:schemeClr val="accent1">
-              <a:shade val="50000"/>
-            </a:schemeClr>
-          </a:lnRef>
-          <a:fillRef idx="1">
-            <a:schemeClr val="accent1"/>
-          </a:fillRef>
-          <a:effectRef idx="0">
-            <a:schemeClr val="accent1"/>
-          </a:effectRef>
-          <a:fontRef idx="minor">
-            <a:schemeClr val="lt1"/>
-          </a:fontRef>
-        </p:style>
-        <p:txBody>
-          <a:bodyPr rtlCol="0" anchor="ctr"/>
-          <a:lstStyle/>
-          <a:p>
-            <a:pPr marL="457200" indent="-457200">
-              <a:lnSpc>
-                <a:spcPts val="5000"/>
-              </a:lnSpc>
-              <a:buFont typeface="Wingdings" pitchFamily="2" charset="2"/>
-              <a:buChar char="u"/>
-            </a:pPr>
-            <a:r>
-              <a:rPr lang="en-US" altLang="zh-CN" sz="2800" dirty="0" smtClean="0"/>
-              <a:t> </a:t>
-            </a:r>
-            <a:r>
-              <a:rPr lang="en-US" altLang="zh-CN" sz="2800" dirty="0" err="1" smtClean="0"/>
-              <a:t>Javolution</a:t>
-            </a:r>
-            <a:endParaRPr lang="en-US" altLang="zh-CN" sz="2800" dirty="0" smtClean="0"/>
-          </a:p>
-          <a:p>
-            <a:pPr marL="457200" indent="-457200">
-              <a:lnSpc>
-                <a:spcPts val="5000"/>
-              </a:lnSpc>
-              <a:buFont typeface="Wingdings" pitchFamily="2" charset="2"/>
-              <a:buChar char="u"/>
-            </a:pPr>
-            <a:r>
-              <a:rPr lang="en-US" altLang="zh-CN" sz="2800" b="1" dirty="0" smtClean="0">
-                <a:latin typeface="华文楷体" pitchFamily="2" charset="-122"/>
-                <a:ea typeface="华文楷体" pitchFamily="2" charset="-122"/>
-              </a:rPr>
-              <a:t> </a:t>
-            </a:r>
-            <a:r>
-              <a:rPr lang="en-US" altLang="zh-CN" sz="2800" dirty="0"/>
-              <a:t>Trove </a:t>
-            </a:r>
-            <a:endParaRPr lang="en-US" altLang="zh-CN" sz="2800" dirty="0" smtClean="0"/>
-          </a:p>
-          <a:p>
-            <a:pPr marL="457200" indent="-457200">
-              <a:lnSpc>
-                <a:spcPts val="5000"/>
-              </a:lnSpc>
-              <a:buFont typeface="Wingdings" pitchFamily="2" charset="2"/>
-              <a:buChar char="u"/>
-            </a:pPr>
-            <a:r>
-              <a:rPr lang="en-US" altLang="zh-CN" sz="2800" b="1" dirty="0">
-                <a:latin typeface="华文楷体" pitchFamily="2" charset="-122"/>
-                <a:ea typeface="华文楷体" pitchFamily="2" charset="-122"/>
-              </a:rPr>
-              <a:t> </a:t>
-            </a:r>
-            <a:r>
-              <a:rPr lang="en-US" altLang="zh-CN" sz="2800" dirty="0" smtClean="0"/>
-              <a:t>Brownies</a:t>
-            </a:r>
-            <a:endParaRPr lang="en-US" altLang="zh-CN" sz="2800" b="1" dirty="0" smtClean="0">
-              <a:latin typeface="华文楷体" pitchFamily="2" charset="-122"/>
-              <a:ea typeface="华文楷体" pitchFamily="2" charset="-122"/>
-            </a:endParaRPr>
-          </a:p>
-          <a:p>
-            <a:pPr marL="457200" indent="-457200">
-              <a:lnSpc>
-                <a:spcPts val="5000"/>
-              </a:lnSpc>
-              <a:buFont typeface="Wingdings" pitchFamily="2" charset="2"/>
-              <a:buChar char="u"/>
-            </a:pPr>
-            <a:r>
-              <a:rPr lang="en-US" altLang="zh-CN" sz="2800" b="1" dirty="0" smtClean="0">
-                <a:latin typeface="华文楷体" pitchFamily="2" charset="-122"/>
-                <a:ea typeface="华文楷体" pitchFamily="2" charset="-122"/>
-              </a:rPr>
-              <a:t> HPPC</a:t>
-            </a:r>
-          </a:p>
-          <a:p>
-            <a:pPr marL="457200" indent="-457200">
-              <a:lnSpc>
-                <a:spcPts val="5000"/>
-              </a:lnSpc>
-              <a:buFont typeface="Wingdings" pitchFamily="2" charset="2"/>
-              <a:buChar char="u"/>
-            </a:pPr>
-            <a:r>
-              <a:rPr lang="en-US" altLang="zh-CN" sz="2800" dirty="0" smtClean="0"/>
-              <a:t> </a:t>
-            </a:r>
-            <a:r>
-              <a:rPr lang="en-US" altLang="zh-CN" sz="2800" dirty="0" err="1" smtClean="0"/>
-              <a:t>FastUtil</a:t>
-            </a:r>
-            <a:endParaRPr lang="en-US" altLang="zh-CN" sz="2800" dirty="0" smtClean="0"/>
-          </a:p>
-          <a:p>
-            <a:pPr marL="457200" indent="-457200">
-              <a:lnSpc>
-                <a:spcPts val="5000"/>
-              </a:lnSpc>
-              <a:buFont typeface="Wingdings" pitchFamily="2" charset="2"/>
-              <a:buChar char="u"/>
-            </a:pPr>
-            <a:r>
-              <a:rPr lang="en-US" altLang="zh-CN" sz="2800" b="1" dirty="0" smtClean="0"/>
-              <a:t> </a:t>
-            </a:r>
-            <a:r>
-              <a:rPr lang="en-US" altLang="zh-CN" sz="2800" b="1" dirty="0" err="1" smtClean="0"/>
-              <a:t>Koloboke</a:t>
-            </a:r>
-            <a:endParaRPr lang="en-US" altLang="zh-CN" sz="2800" b="1" dirty="0"/>
-          </a:p>
-          <a:p>
-            <a:pPr>
-              <a:lnSpc>
-                <a:spcPts val="5000"/>
-              </a:lnSpc>
-            </a:pPr>
-            <a:endParaRPr lang="zh-CN" altLang="zh-CN" sz="2800" b="1" dirty="0">
-              <a:latin typeface="华文楷体" pitchFamily="2" charset="-122"/>
-              <a:ea typeface="华文楷体" pitchFamily="2" charset="-122"/>
-            </a:endParaRPr>
-          </a:p>
-          <a:p>
-            <a:endParaRPr lang="zh-CN" altLang="en-US" dirty="0"/>
-          </a:p>
-        </p:txBody>
-      </p:sp>
-      <p:sp>
-        <p:nvSpPr>
-          <p:cNvPr id="8" name="矩形 7"/>
-          <p:cNvSpPr/>
-          <p:nvPr/>
-        </p:nvSpPr>
-        <p:spPr>
-          <a:xfrm>
-            <a:off x="251520" y="836712"/>
-            <a:ext cx="7920880" cy="523220"/>
-          </a:xfrm>
-          <a:prstGeom prst="rect">
-            <a:avLst/>
-          </a:prstGeom>
-        </p:spPr>
-        <p:txBody>
-          <a:bodyPr wrap="square">
-            <a:spAutoFit/>
-          </a:bodyPr>
-          <a:lstStyle/>
-          <a:p>
-            <a:r>
-              <a:rPr lang="zh-CN" altLang="en-US" sz="2800" b="1" dirty="0" smtClean="0">
-                <a:solidFill>
-                  <a:srgbClr val="C00000"/>
-                </a:solidFill>
-                <a:latin typeface="华文行楷" pitchFamily="2" charset="-122"/>
-                <a:ea typeface="华文行楷" pitchFamily="2" charset="-122"/>
-              </a:rPr>
-              <a:t>高性能集合框架</a:t>
-            </a:r>
-            <a:r>
-              <a:rPr lang="zh-CN" altLang="en-US" sz="2800" b="1" dirty="0">
-                <a:solidFill>
-                  <a:srgbClr val="C00000"/>
-                </a:solidFill>
-                <a:latin typeface="华文行楷" pitchFamily="2" charset="-122"/>
-                <a:ea typeface="华文行楷" pitchFamily="2" charset="-122"/>
-              </a:rPr>
-              <a:t>介绍</a:t>
-            </a:r>
-          </a:p>
-        </p:txBody>
-      </p:sp>
-    </p:spTree>
-    <p:extLst>
-      <p:ext uri="{BB962C8B-B14F-4D97-AF65-F5344CB8AC3E}">
-        <p14:creationId xmlns:p14="http://schemas.microsoft.com/office/powerpoint/2010/main" val="3922919350"/>
-      </p:ext>
-    </p:extLst>
-  </p:cSld>
-  <p:clrMapOvr>
-    <a:masterClrMapping/>
-  </p:clrMapOvr>
-  <p:timing>
-    <p:tnLst>
-      <p:par>
-        <p:cTn id="1" dur="indefinite" restart="never" nodeType="tmRoot"/>
-      </p:par>
-    </p:tnLst>
-  </p:timing>
-</p:sld>
-</file>
-
-<file path=ppt/slides/slide16.xml><?xml version="1.0" encoding="utf-8"?>
-<p:sld xmlns:a="http://schemas.openxmlformats.org/drawingml/2006/main" xmlns:r="http://schemas.openxmlformats.org/officeDocument/2006/relationships" xmlns:p="http://schemas.openxmlformats.org/presentationml/2006/main">
-  <p:cSld>
-    <p:spTree>
-      <p:nvGrpSpPr>
-        <p:cNvPr id="1" name=""/>
-        <p:cNvGrpSpPr/>
-        <p:nvPr/>
-      </p:nvGrpSpPr>
-      <p:grpSpPr>
-        <a:xfrm>
-          <a:off x="0" y="0"/>
-          <a:ext cx="0" cy="0"/>
-          <a:chOff x="0" y="0"/>
-          <a:chExt cx="0" cy="0"/>
-        </a:xfrm>
-      </p:grpSpPr>
-      <p:pic>
-        <p:nvPicPr>
-          <p:cNvPr id="4" name="图片 3"/>
-          <p:cNvPicPr>
-            <a:picLocks noChangeAspect="1"/>
-          </p:cNvPicPr>
-          <p:nvPr/>
-        </p:nvPicPr>
-        <p:blipFill>
-          <a:blip r:embed="rId3" cstate="print">
-            <a:extLst>
-              <a:ext uri="{28A0092B-C50C-407E-A947-70E740481C1C}">
-                <a14:useLocalDpi xmlns:a14="http://schemas.microsoft.com/office/drawing/2010/main" val="0"/>
-              </a:ext>
-            </a:extLst>
-          </a:blip>
-          <a:stretch>
-            <a:fillRect/>
-          </a:stretch>
-        </p:blipFill>
-        <p:spPr>
-          <a:xfrm>
-            <a:off x="-23257" y="-19932"/>
-            <a:ext cx="1570922" cy="717164"/>
-          </a:xfrm>
-          <a:prstGeom prst="rect">
-            <a:avLst/>
-          </a:prstGeom>
-        </p:spPr>
-      </p:pic>
-      <p:sp>
-        <p:nvSpPr>
-          <p:cNvPr id="5" name="矩形 4"/>
-          <p:cNvSpPr/>
-          <p:nvPr/>
-        </p:nvSpPr>
-        <p:spPr>
-          <a:xfrm>
-            <a:off x="1187624" y="260648"/>
-            <a:ext cx="1800493" cy="369332"/>
-          </a:xfrm>
-          <a:prstGeom prst="rect">
-            <a:avLst/>
-          </a:prstGeom>
-        </p:spPr>
-        <p:txBody>
-          <a:bodyPr wrap="none">
-            <a:spAutoFit/>
-          </a:bodyPr>
-          <a:lstStyle/>
-          <a:p>
-            <a:r>
-              <a:rPr lang="zh-CN" altLang="en-US" b="1" dirty="0" smtClean="0">
-                <a:solidFill>
-                  <a:srgbClr val="C00000"/>
-                </a:solidFill>
-                <a:latin typeface="华文行楷" pitchFamily="2" charset="-122"/>
-                <a:ea typeface="华文行楷" pitchFamily="2" charset="-122"/>
-              </a:rPr>
-              <a:t>高性能集合框架</a:t>
-            </a:r>
-            <a:endParaRPr lang="zh-CN" altLang="en-US" b="1" dirty="0">
-              <a:solidFill>
-                <a:srgbClr val="C00000"/>
-              </a:solidFill>
-              <a:latin typeface="华文行楷" pitchFamily="2" charset="-122"/>
-              <a:ea typeface="华文行楷" pitchFamily="2" charset="-122"/>
-            </a:endParaRPr>
-          </a:p>
-        </p:txBody>
-      </p:sp>
-      <p:sp>
-        <p:nvSpPr>
-          <p:cNvPr id="6" name="爆炸形 1 5"/>
-          <p:cNvSpPr/>
-          <p:nvPr/>
-        </p:nvSpPr>
-        <p:spPr>
-          <a:xfrm>
-            <a:off x="539552" y="908720"/>
-            <a:ext cx="3384376" cy="1274658"/>
-          </a:xfrm>
-          <a:prstGeom prst="irregularSeal1">
-            <a:avLst/>
-          </a:prstGeom>
-          <a:solidFill>
-            <a:srgbClr val="C00000"/>
-          </a:solidFill>
-          <a:ln>
-            <a:noFill/>
-          </a:ln>
-        </p:spPr>
-        <p:style>
-          <a:lnRef idx="2">
-            <a:schemeClr val="accent1">
-              <a:shade val="50000"/>
-            </a:schemeClr>
-          </a:lnRef>
-          <a:fillRef idx="1">
-            <a:schemeClr val="accent1"/>
-          </a:fillRef>
-          <a:effectRef idx="0">
-            <a:schemeClr val="accent1"/>
-          </a:effectRef>
-          <a:fontRef idx="minor">
-            <a:schemeClr val="lt1"/>
-          </a:fontRef>
-        </p:style>
-        <p:txBody>
-          <a:bodyPr rtlCol="0" anchor="ctr"/>
-          <a:lstStyle/>
-          <a:p>
-            <a:pPr algn="ctr"/>
-            <a:r>
-              <a:rPr lang="zh-CN" altLang="en-US" dirty="0" smtClean="0"/>
-              <a:t>框架介绍</a:t>
-            </a:r>
-            <a:endParaRPr lang="zh-CN" altLang="en-US" dirty="0"/>
-          </a:p>
-        </p:txBody>
-      </p:sp>
-      <p:sp>
-        <p:nvSpPr>
-          <p:cNvPr id="2" name="矩形 1"/>
-          <p:cNvSpPr/>
-          <p:nvPr/>
-        </p:nvSpPr>
-        <p:spPr>
-          <a:xfrm>
-            <a:off x="539552" y="2551837"/>
-            <a:ext cx="8352928" cy="2862322"/>
-          </a:xfrm>
-          <a:prstGeom prst="rect">
-            <a:avLst/>
-          </a:prstGeom>
-        </p:spPr>
-        <p:txBody>
-          <a:bodyPr wrap="square">
-            <a:spAutoFit/>
-          </a:bodyPr>
-          <a:lstStyle/>
-          <a:p>
-            <a:r>
-              <a:rPr lang="en-US" altLang="zh-CN" dirty="0" smtClean="0"/>
-              <a:t>      </a:t>
-            </a:r>
-            <a:r>
-              <a:rPr lang="en-US" altLang="zh-CN" dirty="0" err="1" smtClean="0"/>
-              <a:t>Javolution</a:t>
-            </a:r>
-            <a:r>
-              <a:rPr lang="en-US" altLang="zh-CN" dirty="0" smtClean="0"/>
-              <a:t> </a:t>
-            </a:r>
-            <a:r>
-              <a:rPr lang="zh-CN" altLang="en-US" dirty="0"/>
-              <a:t>提供一个高性的</a:t>
-            </a:r>
-            <a:r>
-              <a:rPr lang="en-US" altLang="zh-CN" dirty="0"/>
-              <a:t>Java</a:t>
-            </a:r>
-            <a:r>
-              <a:rPr lang="zh-CN" altLang="en-US" dirty="0"/>
-              <a:t>集合（</a:t>
-            </a:r>
-            <a:r>
-              <a:rPr lang="en-US" altLang="zh-CN" dirty="0"/>
-              <a:t>collection </a:t>
-            </a:r>
-            <a:r>
-              <a:rPr lang="zh-CN" altLang="en-US" dirty="0"/>
-              <a:t>）类库和一些实用的工具类。虽然这个类包只提供非常少的几个集合类，但是这些类就能够代替大部分</a:t>
-            </a:r>
-            <a:r>
-              <a:rPr lang="en-US" altLang="zh-CN" dirty="0" err="1"/>
-              <a:t>java.util</a:t>
-            </a:r>
-            <a:r>
-              <a:rPr lang="zh-CN" altLang="en-US" dirty="0"/>
-              <a:t>类。</a:t>
-            </a:r>
-            <a:r>
-              <a:rPr lang="en-US" altLang="zh-CN" dirty="0" err="1"/>
-              <a:t>javolution</a:t>
-            </a:r>
-            <a:r>
-              <a:rPr lang="zh-CN" altLang="en-US" dirty="0"/>
-              <a:t>可以让你的应用程序更加快速和更实时</a:t>
-            </a:r>
-            <a:r>
-              <a:rPr lang="zh-CN" altLang="en-US" dirty="0" smtClean="0"/>
-              <a:t>。</a:t>
-            </a:r>
-            <a:endParaRPr lang="en-US" altLang="zh-CN" dirty="0" smtClean="0"/>
-          </a:p>
-          <a:p>
-            <a:r>
-              <a:rPr lang="en-US" altLang="zh-CN" dirty="0"/>
-              <a:t> </a:t>
-            </a:r>
-            <a:r>
-              <a:rPr lang="en-US" altLang="zh-CN" dirty="0" smtClean="0"/>
-              <a:t>   </a:t>
-            </a:r>
-          </a:p>
-          <a:p>
-            <a:r>
-              <a:rPr lang="en-US" altLang="zh-CN" dirty="0"/>
-              <a:t> </a:t>
-            </a:r>
-            <a:r>
-              <a:rPr lang="en-US" altLang="zh-CN" dirty="0" smtClean="0"/>
-              <a:t>      Trove </a:t>
-            </a:r>
-            <a:r>
-              <a:rPr lang="en-US" altLang="zh-CN" dirty="0"/>
-              <a:t>(Trove4j) </a:t>
-            </a:r>
-            <a:r>
-              <a:rPr lang="zh-CN" altLang="en-US" dirty="0"/>
-              <a:t>是一个快速、轻量级 </a:t>
-            </a:r>
-            <a:r>
-              <a:rPr lang="en-US" altLang="zh-CN" dirty="0"/>
-              <a:t>Collection </a:t>
-            </a:r>
-            <a:r>
-              <a:rPr lang="zh-CN" altLang="en-US" dirty="0"/>
-              <a:t>类的集合。</a:t>
-            </a:r>
-            <a:r>
-              <a:rPr lang="en-US" altLang="zh-CN" dirty="0"/>
-              <a:t>Trove </a:t>
-            </a:r>
-            <a:r>
-              <a:rPr lang="zh-CN" altLang="en-US" dirty="0"/>
-              <a:t>提供所有标准 </a:t>
-            </a:r>
-            <a:r>
-              <a:rPr lang="en-US" altLang="zh-CN" dirty="0" err="1"/>
-              <a:t>java.util</a:t>
-            </a:r>
-            <a:r>
-              <a:rPr lang="en-US" altLang="zh-CN" dirty="0"/>
-              <a:t> Collections </a:t>
-            </a:r>
-            <a:r>
-              <a:rPr lang="zh-CN" altLang="en-US" dirty="0"/>
-              <a:t>类的更快的版本以及能够直接在原语（</a:t>
-            </a:r>
-            <a:r>
-              <a:rPr lang="en-US" altLang="zh-CN" dirty="0"/>
-              <a:t>primitive</a:t>
-            </a:r>
-            <a:r>
-              <a:rPr lang="zh-CN" altLang="en-US" dirty="0"/>
-              <a:t>）（例如包含 </a:t>
-            </a:r>
-            <a:r>
-              <a:rPr lang="en-US" altLang="zh-CN" dirty="0" err="1"/>
-              <a:t>int</a:t>
-            </a:r>
-            <a:r>
-              <a:rPr lang="en-US" altLang="zh-CN" dirty="0"/>
-              <a:t> </a:t>
-            </a:r>
-            <a:r>
-              <a:rPr lang="zh-CN" altLang="en-US" dirty="0"/>
-              <a:t>键或值的 </a:t>
-            </a:r>
-            <a:r>
-              <a:rPr lang="en-US" altLang="zh-CN" dirty="0"/>
-              <a:t>Map </a:t>
-            </a:r>
-            <a:r>
-              <a:rPr lang="zh-CN" altLang="en-US" dirty="0"/>
-              <a:t>等）上操作的 </a:t>
-            </a:r>
-            <a:r>
-              <a:rPr lang="en-US" altLang="zh-CN" dirty="0"/>
-              <a:t>Collections </a:t>
-            </a:r>
-            <a:r>
-              <a:rPr lang="zh-CN" altLang="en-US" dirty="0"/>
-              <a:t>类的版本</a:t>
-            </a:r>
-            <a:r>
-              <a:rPr lang="zh-CN" altLang="en-US" dirty="0" smtClean="0"/>
-              <a:t>。</a:t>
-            </a:r>
-            <a:endParaRPr lang="en-US" altLang="zh-CN" dirty="0" smtClean="0"/>
-          </a:p>
-          <a:p>
-            <a:r>
-              <a:rPr lang="en-US" altLang="zh-CN" dirty="0"/>
-              <a:t> </a:t>
-            </a:r>
-            <a:r>
-              <a:rPr lang="en-US" altLang="zh-CN" dirty="0" smtClean="0"/>
-              <a:t>   </a:t>
-            </a:r>
-          </a:p>
-          <a:p>
-            <a:r>
-              <a:rPr lang="en-US" altLang="zh-CN" dirty="0"/>
-              <a:t> </a:t>
-            </a:r>
-            <a:r>
-              <a:rPr lang="en-US" altLang="zh-CN" dirty="0" smtClean="0"/>
-              <a:t>      </a:t>
-            </a:r>
-            <a:r>
-              <a:rPr lang="en-US" altLang="zh-CN" dirty="0"/>
-              <a:t>Brownies </a:t>
-            </a:r>
-            <a:r>
-              <a:rPr lang="zh-CN" altLang="en-US" dirty="0" smtClean="0"/>
-              <a:t>集合框架是对</a:t>
-            </a:r>
-            <a:r>
-              <a:rPr lang="en-US" altLang="zh-CN" dirty="0" smtClean="0"/>
-              <a:t>JDK</a:t>
-            </a:r>
-            <a:r>
-              <a:rPr lang="zh-CN" altLang="en-US" smtClean="0"/>
-              <a:t>集合框架的补充，主要提供</a:t>
-            </a:r>
-            <a:endParaRPr lang="en-US" altLang="zh-CN" dirty="0"/>
-          </a:p>
-          <a:p>
-            <a:r>
-              <a:rPr lang="en-US" altLang="zh-CN" dirty="0"/>
-              <a:t> </a:t>
-            </a:r>
-            <a:r>
-              <a:rPr lang="en-US" altLang="zh-CN" dirty="0" smtClean="0"/>
-              <a:t>      </a:t>
-            </a:r>
-            <a:endParaRPr lang="zh-CN" altLang="en-US" dirty="0"/>
-          </a:p>
-        </p:txBody>
-      </p:sp>
-    </p:spTree>
-    <p:extLst>
-      <p:ext uri="{BB962C8B-B14F-4D97-AF65-F5344CB8AC3E}">
-        <p14:creationId xmlns:p14="http://schemas.microsoft.com/office/powerpoint/2010/main" val="533556617"/>
-      </p:ext>
-    </p:extLst>
-  </p:cSld>
-  <p:clrMapOvr>
-    <a:masterClrMapping/>
-  </p:clrMapOvr>
-  <p:timing>
-    <p:tnLst>
-      <p:par>
-        <p:cTn id="1" dur="indefinite" restart="never" nodeType="tmRoot"/>
-      </p:par>
-    </p:tnLst>
-  </p:timing>
-</p:sld>
-</file>
-
-<file path=ppt/slides/slide17.xml><?xml version="1.0" encoding="utf-8"?>
-<p:sld xmlns:a="http://schemas.openxmlformats.org/drawingml/2006/main" xmlns:r="http://schemas.openxmlformats.org/officeDocument/2006/relationships" xmlns:p="http://schemas.openxmlformats.org/presentationml/2006/main">
-  <p:cSld>
-    <p:spTree>
-      <p:nvGrpSpPr>
-        <p:cNvPr id="1" name=""/>
-        <p:cNvGrpSpPr/>
-        <p:nvPr/>
-      </p:nvGrpSpPr>
-      <p:grpSpPr>
-        <a:xfrm>
-          <a:off x="0" y="0"/>
-          <a:ext cx="0" cy="0"/>
-          <a:chOff x="0" y="0"/>
-          <a:chExt cx="0" cy="0"/>
-        </a:xfrm>
-      </p:grpSpPr>
-      <p:pic>
-        <p:nvPicPr>
-          <p:cNvPr id="4" name="图片 3"/>
-          <p:cNvPicPr>
-            <a:picLocks noChangeAspect="1"/>
-          </p:cNvPicPr>
-          <p:nvPr/>
-        </p:nvPicPr>
-        <p:blipFill>
-          <a:blip r:embed="rId3" cstate="print">
-            <a:extLst>
-              <a:ext uri="{28A0092B-C50C-407E-A947-70E740481C1C}">
-                <a14:useLocalDpi xmlns:a14="http://schemas.microsoft.com/office/drawing/2010/main" val="0"/>
-              </a:ext>
-            </a:extLst>
-          </a:blip>
-          <a:stretch>
-            <a:fillRect/>
-          </a:stretch>
-        </p:blipFill>
-        <p:spPr>
-          <a:xfrm>
-            <a:off x="-23257" y="-19932"/>
-            <a:ext cx="1570922" cy="717164"/>
-          </a:xfrm>
-          <a:prstGeom prst="rect">
-            <a:avLst/>
-          </a:prstGeom>
-        </p:spPr>
-      </p:pic>
-      <p:sp>
-        <p:nvSpPr>
-          <p:cNvPr id="5" name="矩形 4"/>
-          <p:cNvSpPr/>
-          <p:nvPr/>
-        </p:nvSpPr>
-        <p:spPr>
-          <a:xfrm>
-            <a:off x="1187624" y="260648"/>
-            <a:ext cx="2262158" cy="369332"/>
-          </a:xfrm>
-          <a:prstGeom prst="rect">
-            <a:avLst/>
-          </a:prstGeom>
-        </p:spPr>
-        <p:txBody>
-          <a:bodyPr wrap="none">
-            <a:spAutoFit/>
-          </a:bodyPr>
-          <a:lstStyle/>
-          <a:p>
-            <a:r>
-              <a:rPr lang="zh-CN" altLang="en-US" b="1" dirty="0" smtClean="0">
-                <a:solidFill>
-                  <a:srgbClr val="C00000"/>
-                </a:solidFill>
-                <a:latin typeface="华文行楷" pitchFamily="2" charset="-122"/>
-                <a:ea typeface="华文行楷" pitchFamily="2" charset="-122"/>
-              </a:rPr>
-              <a:t>集合与数据结构关系</a:t>
-            </a:r>
-            <a:endParaRPr lang="zh-CN" altLang="en-US" b="1" dirty="0">
-              <a:solidFill>
-                <a:srgbClr val="C00000"/>
-              </a:solidFill>
-              <a:latin typeface="华文行楷" pitchFamily="2" charset="-122"/>
-              <a:ea typeface="华文行楷" pitchFamily="2" charset="-122"/>
-            </a:endParaRPr>
-          </a:p>
-        </p:txBody>
-      </p:sp>
-    </p:spTree>
-    <p:extLst>
-      <p:ext uri="{BB962C8B-B14F-4D97-AF65-F5344CB8AC3E}">
-        <p14:creationId xmlns:p14="http://schemas.microsoft.com/office/powerpoint/2010/main" val="533556617"/>
-      </p:ext>
-    </p:extLst>
-  </p:cSld>
-  <p:clrMapOvr>
-    <a:masterClrMapping/>
-  </p:clrMapOvr>
-  <p:timing>
-    <p:tnLst>
-      <p:par>
-        <p:cTn id="1" dur="indefinite" restart="never" nodeType="tmRoot"/>
-      </p:par>
-    </p:tnLst>
-  </p:timing>
-</p:sld>
-</file>
-
-<file path=ppt/slides/slide18.xml><?xml version="1.0" encoding="utf-8"?>
-<p:sld xmlns:a="http://schemas.openxmlformats.org/drawingml/2006/main" xmlns:r="http://schemas.openxmlformats.org/officeDocument/2006/relationships" xmlns:p="http://schemas.openxmlformats.org/presentationml/2006/main">
-  <p:cSld>
-    <p:spTree>
-      <p:nvGrpSpPr>
-        <p:cNvPr id="1" name=""/>
-        <p:cNvGrpSpPr/>
-        <p:nvPr/>
-      </p:nvGrpSpPr>
-      <p:grpSpPr>
-        <a:xfrm>
-          <a:off x="0" y="0"/>
-          <a:ext cx="0" cy="0"/>
-          <a:chOff x="0" y="0"/>
-          <a:chExt cx="0" cy="0"/>
-        </a:xfrm>
-      </p:grpSpPr>
-      <p:pic>
-        <p:nvPicPr>
-          <p:cNvPr id="2" name="图片 1"/>
-          <p:cNvPicPr>
-            <a:picLocks noChangeAspect="1"/>
-          </p:cNvPicPr>
-          <p:nvPr/>
-        </p:nvPicPr>
-        <p:blipFill>
-          <a:blip r:embed="rId2">
-            <a:extLst>
-              <a:ext uri="{28A0092B-C50C-407E-A947-70E740481C1C}">
-                <a14:useLocalDpi xmlns:a14="http://schemas.microsoft.com/office/drawing/2010/main" val="0"/>
-              </a:ext>
-            </a:extLst>
-          </a:blip>
-          <a:stretch>
-            <a:fillRect/>
-          </a:stretch>
-        </p:blipFill>
-        <p:spPr>
-          <a:xfrm>
-            <a:off x="107504" y="842962"/>
-            <a:ext cx="3456384" cy="1577925"/>
-          </a:xfrm>
-          <a:prstGeom prst="rect">
-            <a:avLst/>
-          </a:prstGeom>
-        </p:spPr>
-      </p:pic>
-      <p:sp>
-        <p:nvSpPr>
-          <p:cNvPr id="3" name="矩形 2"/>
-          <p:cNvSpPr/>
-          <p:nvPr/>
-        </p:nvSpPr>
-        <p:spPr>
-          <a:xfrm>
-            <a:off x="5716" y="2783429"/>
-            <a:ext cx="9144000" cy="3168352"/>
-          </a:xfrm>
-          <a:prstGeom prst="rect">
-            <a:avLst/>
-          </a:prstGeom>
-          <a:solidFill>
-            <a:srgbClr val="C00000"/>
-          </a:solidFill>
-          <a:ln>
-            <a:noFill/>
-          </a:ln>
-        </p:spPr>
-        <p:style>
-          <a:lnRef idx="2">
-            <a:schemeClr val="accent1">
-              <a:shade val="50000"/>
-            </a:schemeClr>
-          </a:lnRef>
-          <a:fillRef idx="1">
-            <a:schemeClr val="accent1"/>
-          </a:fillRef>
-          <a:effectRef idx="0">
-            <a:schemeClr val="accent1"/>
-          </a:effectRef>
-          <a:fontRef idx="minor">
-            <a:schemeClr val="lt1"/>
-          </a:fontRef>
-        </p:style>
-        <p:txBody>
-          <a:bodyPr rtlCol="0" anchor="ctr"/>
-          <a:lstStyle/>
-          <a:p>
-            <a:pPr algn="ctr"/>
-            <a:r>
-              <a:rPr lang="zh-CN" altLang="en-US" sz="7200" dirty="0" smtClean="0">
-                <a:solidFill>
-                  <a:schemeClr val="bg1"/>
-                </a:solidFill>
-                <a:latin typeface="华文行楷" pitchFamily="2" charset="-122"/>
-                <a:ea typeface="华文行楷" pitchFamily="2" charset="-122"/>
-              </a:rPr>
-              <a:t>感谢聆听！</a:t>
-            </a:r>
-            <a:endParaRPr lang="en-US" altLang="zh-CN" sz="7200" dirty="0">
-              <a:solidFill>
-                <a:schemeClr val="bg1"/>
-              </a:solidFill>
-              <a:latin typeface="华文行楷" pitchFamily="2" charset="-122"/>
-              <a:ea typeface="华文行楷" pitchFamily="2" charset="-122"/>
-            </a:endParaRPr>
-          </a:p>
-          <a:p>
-            <a:pPr algn="ctr"/>
-            <a:r>
-              <a:rPr lang="zh-CN" altLang="en-US" sz="7200" dirty="0" smtClean="0">
-                <a:solidFill>
-                  <a:schemeClr val="bg1"/>
-                </a:solidFill>
-                <a:latin typeface="华文行楷" pitchFamily="2" charset="-122"/>
-                <a:ea typeface="华文行楷" pitchFamily="2" charset="-122"/>
-              </a:rPr>
-              <a:t>敬请指正！</a:t>
-            </a:r>
-            <a:endParaRPr lang="en-US" altLang="zh-CN" sz="7200" dirty="0">
-              <a:solidFill>
-                <a:schemeClr val="bg1"/>
-              </a:solidFill>
-              <a:latin typeface="华文行楷" pitchFamily="2" charset="-122"/>
-              <a:ea typeface="华文行楷" pitchFamily="2" charset="-122"/>
-            </a:endParaRPr>
-          </a:p>
-        </p:txBody>
-      </p:sp>
-      <p:sp>
-        <p:nvSpPr>
-          <p:cNvPr id="5" name="矩形 4"/>
-          <p:cNvSpPr/>
-          <p:nvPr/>
-        </p:nvSpPr>
-        <p:spPr>
-          <a:xfrm>
-            <a:off x="2320263" y="1340768"/>
-            <a:ext cx="4794903" cy="1015663"/>
-          </a:xfrm>
-          <a:prstGeom prst="rect">
-            <a:avLst/>
-          </a:prstGeom>
-        </p:spPr>
-        <p:txBody>
-          <a:bodyPr wrap="none">
-            <a:spAutoFit/>
-          </a:bodyPr>
-          <a:lstStyle/>
-          <a:p>
-            <a:pPr algn="ctr"/>
-            <a:r>
-              <a:rPr lang="en-US" altLang="zh-CN" sz="6000" b="1" dirty="0" smtClean="0">
-                <a:solidFill>
-                  <a:srgbClr val="C00000"/>
-                </a:solidFill>
-                <a:latin typeface="华文行楷" pitchFamily="2" charset="-122"/>
-                <a:ea typeface="华文行楷" pitchFamily="2" charset="-122"/>
-              </a:rPr>
-              <a:t>    JD.com  </a:t>
-            </a:r>
-            <a:r>
-              <a:rPr lang="zh-CN" altLang="en-US" sz="6000" b="1" dirty="0" smtClean="0">
-                <a:solidFill>
-                  <a:srgbClr val="C00000"/>
-                </a:solidFill>
-                <a:latin typeface="华文行楷" pitchFamily="2" charset="-122"/>
-                <a:ea typeface="华文行楷" pitchFamily="2" charset="-122"/>
-              </a:rPr>
-              <a:t>京东</a:t>
-            </a:r>
-            <a:endParaRPr lang="zh-CN" altLang="en-US" sz="6000" b="1" dirty="0">
-              <a:solidFill>
-                <a:srgbClr val="C00000"/>
-              </a:solidFill>
-              <a:latin typeface="华文行楷" pitchFamily="2" charset="-122"/>
-              <a:ea typeface="华文行楷" pitchFamily="2" charset="-122"/>
-            </a:endParaRPr>
-          </a:p>
-        </p:txBody>
-      </p:sp>
-      <p:sp>
-        <p:nvSpPr>
-          <p:cNvPr id="11" name="圆角矩形 10"/>
-          <p:cNvSpPr/>
-          <p:nvPr/>
-        </p:nvSpPr>
-        <p:spPr>
-          <a:xfrm>
-            <a:off x="6732240" y="116632"/>
-            <a:ext cx="2304256" cy="432048"/>
-          </a:xfrm>
-          <a:prstGeom prst="roundRect">
-            <a:avLst/>
-          </a:prstGeom>
-          <a:solidFill>
-            <a:schemeClr val="bg1"/>
-          </a:solidFill>
-          <a:ln>
-            <a:noFill/>
-          </a:ln>
-        </p:spPr>
-        <p:style>
-          <a:lnRef idx="2">
-            <a:schemeClr val="accent1">
-              <a:shade val="50000"/>
-            </a:schemeClr>
-          </a:lnRef>
-          <a:fillRef idx="1">
-            <a:schemeClr val="accent1"/>
-          </a:fillRef>
-          <a:effectRef idx="0">
-            <a:schemeClr val="accent1"/>
-          </a:effectRef>
-          <a:fontRef idx="minor">
-            <a:schemeClr val="lt1"/>
-          </a:fontRef>
-        </p:style>
-        <p:txBody>
-          <a:bodyPr rtlCol="0" anchor="ctr"/>
-          <a:lstStyle/>
-          <a:p>
-            <a:pPr algn="ctr"/>
-            <a:endParaRPr lang="zh-CN" altLang="en-US"/>
-          </a:p>
-        </p:txBody>
-      </p:sp>
-    </p:spTree>
-    <p:extLst>
-      <p:ext uri="{BB962C8B-B14F-4D97-AF65-F5344CB8AC3E}">
-        <p14:creationId xmlns:p14="http://schemas.microsoft.com/office/powerpoint/2010/main" val="2307151414"/>
-      </p:ext>
-    </p:extLst>
-  </p:cSld>
-  <p:clrMapOvr>
-    <a:masterClrMapping/>
-  </p:clrMapOvr>
-  <p:timing>
-    <p:tnLst>
-      <p:par>
-        <p:cTn id="1" dur="indefinite" restart="never" nodeType="tmRoot"/>
-      </p:par>
-    </p:tnLst>
-  </p:timing>
-</p:sld>
-</file>
-
-<file path=ppt/slides/slide2.xml><?xml version="1.0" encoding="utf-8"?>
-<p:sld xmlns:a="http://schemas.openxmlformats.org/drawingml/2006/main" xmlns:r="http://schemas.openxmlformats.org/officeDocument/2006/relationships" xmlns:p="http://schemas.openxmlformats.org/presentationml/2006/main">
-  <p:cSld>
-    <p:spTree>
-      <p:nvGrpSpPr>
-        <p:cNvPr id="1" name=""/>
-        <p:cNvGrpSpPr/>
-        <p:nvPr/>
-      </p:nvGrpSpPr>
-      <p:grpSpPr>
-        <a:xfrm>
-          <a:off x="0" y="0"/>
-          <a:ext cx="0" cy="0"/>
-          <a:chOff x="0" y="0"/>
-          <a:chExt cx="0" cy="0"/>
-        </a:xfrm>
-      </p:grpSpPr>
-      <p:pic>
-        <p:nvPicPr>
-          <p:cNvPr id="4" name="图片 3"/>
-          <p:cNvPicPr>
-            <a:picLocks noChangeAspect="1"/>
-          </p:cNvPicPr>
-          <p:nvPr/>
-        </p:nvPicPr>
-        <p:blipFill>
-          <a:blip r:embed="rId2" cstate="print">
-            <a:extLst>
-              <a:ext uri="{28A0092B-C50C-407E-A947-70E740481C1C}">
-                <a14:useLocalDpi xmlns:a14="http://schemas.microsoft.com/office/drawing/2010/main" val="0"/>
-              </a:ext>
-            </a:extLst>
-          </a:blip>
-          <a:stretch>
-            <a:fillRect/>
-          </a:stretch>
-        </p:blipFill>
-        <p:spPr>
-          <a:xfrm>
-            <a:off x="-23257" y="-19932"/>
-            <a:ext cx="1570922" cy="717164"/>
-          </a:xfrm>
-          <a:prstGeom prst="rect">
-            <a:avLst/>
-          </a:prstGeom>
-        </p:spPr>
-      </p:pic>
-      <p:sp>
-        <p:nvSpPr>
-          <p:cNvPr id="6" name="横卷形 5"/>
-          <p:cNvSpPr/>
-          <p:nvPr/>
-        </p:nvSpPr>
-        <p:spPr>
-          <a:xfrm>
-            <a:off x="2343324" y="1268760"/>
-            <a:ext cx="5400600" cy="1224136"/>
-          </a:xfrm>
-          <a:prstGeom prst="horizontalScroll">
-            <a:avLst/>
-          </a:prstGeom>
-          <a:solidFill>
-            <a:srgbClr val="C00000"/>
-          </a:solidFill>
-          <a:ln>
-            <a:noFill/>
-          </a:ln>
-        </p:spPr>
-        <p:style>
-          <a:lnRef idx="2">
-            <a:schemeClr val="accent1">
-              <a:shade val="50000"/>
-            </a:schemeClr>
-          </a:lnRef>
-          <a:fillRef idx="1">
-            <a:schemeClr val="accent1"/>
-          </a:fillRef>
-          <a:effectRef idx="0">
-            <a:schemeClr val="accent1"/>
-          </a:effectRef>
-          <a:fontRef idx="minor">
-            <a:schemeClr val="lt1"/>
-          </a:fontRef>
-        </p:style>
-        <p:txBody>
-          <a:bodyPr rtlCol="0" anchor="ctr"/>
-          <a:lstStyle/>
-          <a:p>
-            <a:r>
-              <a:rPr lang="zh-CN" altLang="en-US" sz="3200" b="1" dirty="0" smtClean="0">
-                <a:latin typeface="华文行楷" pitchFamily="2" charset="-122"/>
-                <a:ea typeface="华文行楷" pitchFamily="2" charset="-122"/>
-              </a:rPr>
-              <a:t>第一部分、集合框架</a:t>
-            </a:r>
-            <a:endParaRPr lang="zh-CN" altLang="en-US" sz="3200" b="1" dirty="0">
-              <a:latin typeface="华文行楷" pitchFamily="2" charset="-122"/>
-              <a:ea typeface="华文行楷" pitchFamily="2" charset="-122"/>
-            </a:endParaRPr>
-          </a:p>
-        </p:txBody>
-      </p:sp>
-      <p:sp>
-        <p:nvSpPr>
-          <p:cNvPr id="8" name="横卷形 7"/>
-          <p:cNvSpPr/>
-          <p:nvPr/>
-        </p:nvSpPr>
-        <p:spPr>
-          <a:xfrm>
-            <a:off x="2342020" y="3036306"/>
-            <a:ext cx="5400600" cy="1256790"/>
-          </a:xfrm>
-          <a:prstGeom prst="horizontalScroll">
-            <a:avLst/>
-          </a:prstGeom>
-          <a:solidFill>
-            <a:srgbClr val="C00000"/>
-          </a:solidFill>
-          <a:ln>
-            <a:noFill/>
-          </a:ln>
-        </p:spPr>
-        <p:style>
-          <a:lnRef idx="2">
-            <a:schemeClr val="accent1">
-              <a:shade val="50000"/>
-            </a:schemeClr>
-          </a:lnRef>
-          <a:fillRef idx="1">
-            <a:schemeClr val="accent1"/>
-          </a:fillRef>
-          <a:effectRef idx="0">
-            <a:schemeClr val="accent1"/>
-          </a:effectRef>
-          <a:fontRef idx="minor">
-            <a:schemeClr val="lt1"/>
-          </a:fontRef>
-        </p:style>
-        <p:txBody>
-          <a:bodyPr rtlCol="0" anchor="ctr"/>
-          <a:lstStyle/>
-          <a:p>
-            <a:r>
-              <a:rPr lang="zh-CN" altLang="en-US" sz="3200" b="1" dirty="0" smtClean="0">
-                <a:latin typeface="华文行楷" pitchFamily="2" charset="-122"/>
-                <a:ea typeface="华文行楷" pitchFamily="2" charset="-122"/>
-              </a:rPr>
-              <a:t>第二部分、</a:t>
-            </a:r>
-            <a:r>
-              <a:rPr lang="en-US" altLang="zh-CN" sz="3200" b="1" dirty="0" smtClean="0">
-                <a:latin typeface="华文行楷" pitchFamily="2" charset="-122"/>
-                <a:ea typeface="华文行楷" pitchFamily="2" charset="-122"/>
-              </a:rPr>
-              <a:t>Guava</a:t>
-            </a:r>
-            <a:r>
-              <a:rPr lang="zh-CN" altLang="en-US" sz="3200" b="1" dirty="0" smtClean="0">
-                <a:latin typeface="华文行楷" pitchFamily="2" charset="-122"/>
-                <a:ea typeface="华文行楷" pitchFamily="2" charset="-122"/>
-              </a:rPr>
-              <a:t>基础</a:t>
-            </a:r>
-            <a:endParaRPr lang="zh-CN" altLang="en-US" sz="3200" b="1" dirty="0">
-              <a:latin typeface="华文行楷" pitchFamily="2" charset="-122"/>
-              <a:ea typeface="华文行楷" pitchFamily="2" charset="-122"/>
-            </a:endParaRPr>
-          </a:p>
-        </p:txBody>
-      </p:sp>
-      <p:sp>
-        <p:nvSpPr>
-          <p:cNvPr id="9" name="横卷形 8"/>
-          <p:cNvSpPr/>
-          <p:nvPr/>
-        </p:nvSpPr>
-        <p:spPr>
-          <a:xfrm>
-            <a:off x="2343324" y="4797152"/>
-            <a:ext cx="5400600" cy="1224136"/>
-          </a:xfrm>
-          <a:prstGeom prst="horizontalScroll">
-            <a:avLst/>
-          </a:prstGeom>
-          <a:solidFill>
-            <a:srgbClr val="C00000"/>
-          </a:solidFill>
-          <a:ln>
-            <a:noFill/>
-          </a:ln>
-        </p:spPr>
-        <p:style>
-          <a:lnRef idx="2">
-            <a:schemeClr val="accent1">
-              <a:shade val="50000"/>
-            </a:schemeClr>
-          </a:lnRef>
-          <a:fillRef idx="1">
-            <a:schemeClr val="accent1"/>
-          </a:fillRef>
-          <a:effectRef idx="0">
-            <a:schemeClr val="accent1"/>
-          </a:effectRef>
-          <a:fontRef idx="minor">
-            <a:schemeClr val="lt1"/>
-          </a:fontRef>
-        </p:style>
-        <p:txBody>
-          <a:bodyPr rtlCol="0" anchor="ctr"/>
-          <a:lstStyle/>
-          <a:p>
-            <a:r>
-              <a:rPr lang="zh-CN" altLang="en-US" sz="3200" b="1" dirty="0" smtClean="0">
-                <a:latin typeface="华文行楷" pitchFamily="2" charset="-122"/>
-                <a:ea typeface="华文行楷" pitchFamily="2" charset="-122"/>
-              </a:rPr>
-              <a:t>第三部分、高性能集合</a:t>
-            </a:r>
-            <a:endParaRPr lang="zh-CN" altLang="en-US" sz="3200" b="1" dirty="0">
-              <a:latin typeface="华文行楷" pitchFamily="2" charset="-122"/>
-              <a:ea typeface="华文行楷" pitchFamily="2" charset="-122"/>
-            </a:endParaRPr>
-          </a:p>
-        </p:txBody>
-      </p:sp>
-      <p:sp>
-        <p:nvSpPr>
-          <p:cNvPr id="11" name="流程图: 可选过程 10"/>
-          <p:cNvSpPr/>
-          <p:nvPr/>
-        </p:nvSpPr>
-        <p:spPr>
-          <a:xfrm>
-            <a:off x="1284339" y="262106"/>
-            <a:ext cx="1302895" cy="358582"/>
-          </a:xfrm>
-          <a:prstGeom prst="flowChartAlternateProcess">
-            <a:avLst/>
-          </a:prstGeom>
-          <a:solidFill>
-            <a:schemeClr val="bg1"/>
-          </a:solidFill>
-          <a:ln>
-            <a:solidFill>
-              <a:srgbClr val="C00000"/>
-            </a:solidFill>
-          </a:ln>
-        </p:spPr>
-        <p:style>
-          <a:lnRef idx="2">
-            <a:schemeClr val="accent1">
-              <a:shade val="50000"/>
-            </a:schemeClr>
-          </a:lnRef>
-          <a:fillRef idx="1">
-            <a:schemeClr val="accent1"/>
-          </a:fillRef>
-          <a:effectRef idx="0">
-            <a:schemeClr val="accent1"/>
-          </a:effectRef>
-          <a:fontRef idx="minor">
-            <a:schemeClr val="lt1"/>
-          </a:fontRef>
-        </p:style>
-        <p:txBody>
-          <a:bodyPr rtlCol="0" anchor="ctr"/>
-          <a:lstStyle/>
-          <a:p>
-            <a:pPr algn="ctr"/>
-            <a:r>
-              <a:rPr lang="zh-CN" altLang="en-US" sz="2800" b="1" dirty="0" smtClean="0">
-                <a:solidFill>
-                  <a:srgbClr val="C00000"/>
-                </a:solidFill>
-                <a:latin typeface="华文行楷" pitchFamily="2" charset="-122"/>
-                <a:ea typeface="华文行楷" pitchFamily="2" charset="-122"/>
-              </a:rPr>
-              <a:t>大   纲</a:t>
-            </a:r>
-            <a:endParaRPr lang="zh-CN" altLang="en-US" sz="2800" b="1" dirty="0">
-              <a:solidFill>
-                <a:srgbClr val="C00000"/>
-              </a:solidFill>
-              <a:latin typeface="华文行楷" pitchFamily="2" charset="-122"/>
-              <a:ea typeface="华文行楷" pitchFamily="2" charset="-122"/>
-            </a:endParaRPr>
-          </a:p>
-        </p:txBody>
-      </p:sp>
-    </p:spTree>
-    <p:extLst>
-      <p:ext uri="{BB962C8B-B14F-4D97-AF65-F5344CB8AC3E}">
-        <p14:creationId xmlns:p14="http://schemas.microsoft.com/office/powerpoint/2010/main" val="2776772614"/>
-      </p:ext>
-    </p:extLst>
-  </p:cSld>
-  <p:clrMapOvr>
-    <a:masterClrMapping/>
-  </p:clrMapOvr>
-  <p:timing>
-    <p:tnLst>
-      <p:par>
-        <p:cTn id="1" dur="indefinite" restart="never" nodeType="tmRoot"/>
-      </p:par>
-    </p:tnLst>
-  </p:timing>
-</p:sld>
-</file>
-
-<file path=ppt/slides/slide3.xml><?xml version="1.0" encoding="utf-8"?>
-<p:sld xmlns:a="http://schemas.openxmlformats.org/drawingml/2006/main" xmlns:r="http://schemas.openxmlformats.org/officeDocument/2006/relationships" xmlns:p="http://schemas.openxmlformats.org/presentationml/2006/main">
-  <p:cSld>
-    <p:spTree>
-      <p:nvGrpSpPr>
-        <p:cNvPr id="1" name=""/>
-        <p:cNvGrpSpPr/>
-        <p:nvPr/>
-      </p:nvGrpSpPr>
-      <p:grpSpPr>
-        <a:xfrm>
-          <a:off x="0" y="0"/>
-          <a:ext cx="0" cy="0"/>
-          <a:chOff x="0" y="0"/>
-          <a:chExt cx="0" cy="0"/>
-        </a:xfrm>
-      </p:grpSpPr>
-      <p:pic>
-        <p:nvPicPr>
-          <p:cNvPr id="4" name="图片 3"/>
-          <p:cNvPicPr>
-            <a:picLocks noChangeAspect="1"/>
-          </p:cNvPicPr>
-          <p:nvPr/>
-        </p:nvPicPr>
-        <p:blipFill>
-          <a:blip r:embed="rId3" cstate="print">
-            <a:extLst>
-              <a:ext uri="{28A0092B-C50C-407E-A947-70E740481C1C}">
-                <a14:useLocalDpi xmlns:a14="http://schemas.microsoft.com/office/drawing/2010/main" val="0"/>
-              </a:ext>
-            </a:extLst>
-          </a:blip>
-          <a:stretch>
-            <a:fillRect/>
-          </a:stretch>
-        </p:blipFill>
-        <p:spPr>
-          <a:xfrm>
-            <a:off x="-23257" y="-19932"/>
-            <a:ext cx="1570922" cy="717164"/>
-          </a:xfrm>
-          <a:prstGeom prst="rect">
-            <a:avLst/>
-          </a:prstGeom>
-        </p:spPr>
-      </p:pic>
-      <p:sp>
-        <p:nvSpPr>
-          <p:cNvPr id="5" name="矩形 4"/>
-          <p:cNvSpPr/>
-          <p:nvPr/>
-        </p:nvSpPr>
-        <p:spPr>
-          <a:xfrm>
-            <a:off x="1187624" y="260648"/>
-            <a:ext cx="1495922" cy="369332"/>
-          </a:xfrm>
-          <a:prstGeom prst="rect">
-            <a:avLst/>
-          </a:prstGeom>
-        </p:spPr>
-        <p:txBody>
-          <a:bodyPr wrap="none">
-            <a:spAutoFit/>
-          </a:bodyPr>
-          <a:lstStyle/>
-          <a:p>
-            <a:r>
-              <a:rPr lang="en-US" altLang="zh-CN" b="1" dirty="0" smtClean="0">
-                <a:solidFill>
-                  <a:srgbClr val="C00000"/>
-                </a:solidFill>
-                <a:latin typeface="华文行楷" pitchFamily="2" charset="-122"/>
-                <a:ea typeface="华文行楷" pitchFamily="2" charset="-122"/>
-              </a:rPr>
-              <a:t>JDK</a:t>
-            </a:r>
-            <a:r>
-              <a:rPr lang="zh-CN" altLang="en-US" b="1" dirty="0" smtClean="0">
-                <a:solidFill>
-                  <a:srgbClr val="C00000"/>
-                </a:solidFill>
-                <a:latin typeface="华文行楷" pitchFamily="2" charset="-122"/>
-                <a:ea typeface="华文行楷" pitchFamily="2" charset="-122"/>
-              </a:rPr>
-              <a:t>集合类图</a:t>
-            </a:r>
-            <a:endParaRPr lang="zh-CN" altLang="en-US" b="1" dirty="0">
-              <a:solidFill>
-                <a:srgbClr val="C00000"/>
-              </a:solidFill>
-              <a:latin typeface="华文行楷" pitchFamily="2" charset="-122"/>
-              <a:ea typeface="华文行楷" pitchFamily="2" charset="-122"/>
-            </a:endParaRPr>
-          </a:p>
-        </p:txBody>
-      </p:sp>
-      <p:pic>
-        <p:nvPicPr>
-          <p:cNvPr id="8" name="图片 7" descr="http://img.blog.csdn.net/20130430102251761"/>
-          <p:cNvPicPr/>
-          <p:nvPr/>
-        </p:nvPicPr>
-        <p:blipFill>
-          <a:blip r:embed="rId4">
-            <a:extLst>
-              <a:ext uri="{28A0092B-C50C-407E-A947-70E740481C1C}">
-                <a14:useLocalDpi xmlns:a14="http://schemas.microsoft.com/office/drawing/2010/main" val="0"/>
-              </a:ext>
-            </a:extLst>
-          </a:blip>
-          <a:srcRect/>
-          <a:stretch>
-            <a:fillRect/>
-          </a:stretch>
-        </p:blipFill>
-        <p:spPr>
-          <a:xfrm>
-            <a:off x="1187624" y="1052512"/>
-            <a:ext cx="6984775" cy="4752975"/>
-          </a:xfrm>
-          <a:prstGeom prst="rect">
-            <a:avLst/>
-          </a:prstGeom>
-          <a:noFill/>
-          <a:ln>
-            <a:noFill/>
-          </a:ln>
-        </p:spPr>
-      </p:pic>
-    </p:spTree>
-    <p:extLst>
-      <p:ext uri="{BB962C8B-B14F-4D97-AF65-F5344CB8AC3E}">
-        <p14:creationId xmlns:p14="http://schemas.microsoft.com/office/powerpoint/2010/main" val="469222797"/>
-      </p:ext>
-    </p:extLst>
-  </p:cSld>
-  <p:clrMapOvr>
-    <a:masterClrMapping/>
-  </p:clrMapOvr>
-  <p:timing>
-    <p:tnLst>
-      <p:par>
-        <p:cTn id="1" dur="indefinite" restart="never" nodeType="tmRoot"/>
-      </p:par>
-    </p:tnLst>
-  </p:timing>
-</p:sld>
-</file>
-
-<file path=ppt/slides/slide4.xml><?xml version="1.0" encoding="utf-8"?>
-<p:sld xmlns:a="http://schemas.openxmlformats.org/drawingml/2006/main" xmlns:r="http://schemas.openxmlformats.org/officeDocument/2006/relationships" xmlns:p="http://schemas.openxmlformats.org/presentationml/2006/main">
-  <p:cSld>
-    <p:spTree>
-      <p:nvGrpSpPr>
-        <p:cNvPr id="1" name=""/>
-        <p:cNvGrpSpPr/>
-        <p:nvPr/>
-      </p:nvGrpSpPr>
-      <p:grpSpPr>
-        <a:xfrm>
-          <a:off x="0" y="0"/>
-          <a:ext cx="0" cy="0"/>
-          <a:chOff x="0" y="0"/>
-          <a:chExt cx="0" cy="0"/>
-        </a:xfrm>
-      </p:grpSpPr>
-      <p:pic>
-        <p:nvPicPr>
-          <p:cNvPr id="4" name="图片 3"/>
-          <p:cNvPicPr>
-            <a:picLocks noChangeAspect="1"/>
-          </p:cNvPicPr>
-          <p:nvPr/>
-        </p:nvPicPr>
-        <p:blipFill>
-          <a:blip r:embed="rId3" cstate="print">
-            <a:extLst>
-              <a:ext uri="{28A0092B-C50C-407E-A947-70E740481C1C}">
-                <a14:useLocalDpi xmlns:a14="http://schemas.microsoft.com/office/drawing/2010/main" val="0"/>
-              </a:ext>
-            </a:extLst>
-          </a:blip>
-          <a:stretch>
-            <a:fillRect/>
-          </a:stretch>
-        </p:blipFill>
-        <p:spPr>
-          <a:xfrm>
-            <a:off x="-23257" y="-19932"/>
-            <a:ext cx="1570922" cy="717164"/>
-          </a:xfrm>
-          <a:prstGeom prst="rect">
-            <a:avLst/>
-          </a:prstGeom>
-        </p:spPr>
-      </p:pic>
-      <p:sp>
-        <p:nvSpPr>
-          <p:cNvPr id="5" name="矩形 4"/>
-          <p:cNvSpPr/>
-          <p:nvPr/>
-        </p:nvSpPr>
-        <p:spPr>
-          <a:xfrm>
-            <a:off x="1187624" y="260648"/>
-            <a:ext cx="2262158" cy="369332"/>
-          </a:xfrm>
-          <a:prstGeom prst="rect">
-            <a:avLst/>
-          </a:prstGeom>
-        </p:spPr>
-        <p:txBody>
-          <a:bodyPr wrap="none">
-            <a:spAutoFit/>
-          </a:bodyPr>
-          <a:lstStyle/>
-          <a:p>
-            <a:r>
-              <a:rPr lang="zh-CN" altLang="en-US" b="1" dirty="0" smtClean="0">
-                <a:solidFill>
-                  <a:srgbClr val="C00000"/>
-                </a:solidFill>
-                <a:latin typeface="华文行楷" pitchFamily="2" charset="-122"/>
-                <a:ea typeface="华文行楷" pitchFamily="2" charset="-122"/>
-              </a:rPr>
-              <a:t>集合与数据结构关系</a:t>
-            </a:r>
-            <a:endParaRPr lang="zh-CN" altLang="en-US" b="1" dirty="0">
-              <a:solidFill>
-                <a:srgbClr val="C00000"/>
-              </a:solidFill>
-              <a:latin typeface="华文行楷" pitchFamily="2" charset="-122"/>
-              <a:ea typeface="华文行楷" pitchFamily="2" charset="-122"/>
-            </a:endParaRPr>
-          </a:p>
-        </p:txBody>
-      </p:sp>
-    </p:spTree>
-    <p:extLst>
-      <p:ext uri="{BB962C8B-B14F-4D97-AF65-F5344CB8AC3E}">
-        <p14:creationId xmlns:p14="http://schemas.microsoft.com/office/powerpoint/2010/main" val="900722241"/>
-      </p:ext>
-    </p:extLst>
-  </p:cSld>
-  <p:clrMapOvr>
-    <a:masterClrMapping/>
-  </p:clrMapOvr>
-  <p:timing>
-    <p:tnLst>
-      <p:par>
-        <p:cTn id="1" dur="indefinite" restart="never" nodeType="tmRoot"/>
-      </p:par>
-    </p:tnLst>
-  </p:timing>
-</p:sld>
-</file>
-
-<file path=ppt/slides/slide5.xml><?xml version="1.0" encoding="utf-8"?>
-<p:sld xmlns:a="http://schemas.openxmlformats.org/drawingml/2006/main" xmlns:r="http://schemas.openxmlformats.org/officeDocument/2006/relationships" xmlns:p="http://schemas.openxmlformats.org/presentationml/2006/main">
-  <p:cSld>
-    <p:spTree>
-      <p:nvGrpSpPr>
-        <p:cNvPr id="1" name=""/>
-        <p:cNvGrpSpPr/>
-        <p:nvPr/>
-      </p:nvGrpSpPr>
-      <p:grpSpPr>
-        <a:xfrm>
-          <a:off x="0" y="0"/>
-          <a:ext cx="0" cy="0"/>
-          <a:chOff x="0" y="0"/>
-          <a:chExt cx="0" cy="0"/>
-        </a:xfrm>
-      </p:grpSpPr>
-      <p:pic>
-        <p:nvPicPr>
-          <p:cNvPr id="6" name="图片 5"/>
-          <p:cNvPicPr>
-            <a:picLocks noChangeAspect="1"/>
-          </p:cNvPicPr>
-          <p:nvPr/>
-        </p:nvPicPr>
-        <p:blipFill>
-          <a:blip r:embed="rId3" cstate="print">
-            <a:extLst>
-              <a:ext uri="{28A0092B-C50C-407E-A947-70E740481C1C}">
-                <a14:useLocalDpi xmlns:a14="http://schemas.microsoft.com/office/drawing/2010/main" val="0"/>
-              </a:ext>
-            </a:extLst>
-          </a:blip>
-          <a:stretch>
-            <a:fillRect/>
-          </a:stretch>
-        </p:blipFill>
-        <p:spPr>
-          <a:xfrm>
-            <a:off x="0" y="-19932"/>
-            <a:ext cx="1570922" cy="717164"/>
-          </a:xfrm>
-          <a:prstGeom prst="rect">
-            <a:avLst/>
-          </a:prstGeom>
-        </p:spPr>
-      </p:pic>
-      <p:sp>
-        <p:nvSpPr>
-          <p:cNvPr id="7" name="矩形 6"/>
-          <p:cNvSpPr/>
-          <p:nvPr/>
-        </p:nvSpPr>
-        <p:spPr>
-          <a:xfrm>
-            <a:off x="1187624" y="260648"/>
-            <a:ext cx="668773" cy="369332"/>
-          </a:xfrm>
-          <a:prstGeom prst="rect">
-            <a:avLst/>
-          </a:prstGeom>
-        </p:spPr>
-        <p:txBody>
-          <a:bodyPr wrap="none">
-            <a:spAutoFit/>
-          </a:bodyPr>
-          <a:lstStyle/>
-          <a:p>
-            <a:r>
-              <a:rPr lang="en-US" altLang="zh-CN" b="1" dirty="0" smtClean="0">
-                <a:solidFill>
-                  <a:srgbClr val="C00000"/>
-                </a:solidFill>
-                <a:latin typeface="华文行楷" pitchFamily="2" charset="-122"/>
-                <a:ea typeface="华文行楷" pitchFamily="2" charset="-122"/>
-              </a:rPr>
-              <a:t>Guava</a:t>
-            </a:r>
-            <a:endParaRPr lang="zh-CN" altLang="en-US" b="1" dirty="0">
-              <a:solidFill>
-                <a:srgbClr val="C00000"/>
-              </a:solidFill>
-              <a:latin typeface="华文行楷" pitchFamily="2" charset="-122"/>
-              <a:ea typeface="华文行楷" pitchFamily="2" charset="-122"/>
-            </a:endParaRPr>
-          </a:p>
-        </p:txBody>
-      </p:sp>
-      <p:sp>
-        <p:nvSpPr>
-          <p:cNvPr id="3" name="矩形 2"/>
-          <p:cNvSpPr/>
-          <p:nvPr/>
-        </p:nvSpPr>
-        <p:spPr>
-          <a:xfrm>
-            <a:off x="0" y="1412776"/>
-            <a:ext cx="9144000" cy="5112568"/>
-          </a:xfrm>
-          <a:prstGeom prst="rect">
-            <a:avLst/>
-          </a:prstGeom>
-          <a:solidFill>
-            <a:srgbClr val="C00000"/>
-          </a:solidFill>
-          <a:ln>
-            <a:noFill/>
-          </a:ln>
-        </p:spPr>
-        <p:style>
-          <a:lnRef idx="2">
-            <a:schemeClr val="accent1">
-              <a:shade val="50000"/>
-            </a:schemeClr>
-          </a:lnRef>
-          <a:fillRef idx="1">
-            <a:schemeClr val="accent1"/>
-          </a:fillRef>
-          <a:effectRef idx="0">
-            <a:schemeClr val="accent1"/>
-          </a:effectRef>
-          <a:fontRef idx="minor">
-            <a:schemeClr val="lt1"/>
-          </a:fontRef>
-        </p:style>
-        <p:txBody>
-          <a:bodyPr rtlCol="0" anchor="ctr"/>
-          <a:lstStyle/>
-          <a:p>
-            <a:pPr marL="457200" indent="-457200">
-              <a:lnSpc>
-                <a:spcPts val="5000"/>
-              </a:lnSpc>
-              <a:buFont typeface="Wingdings" pitchFamily="2" charset="2"/>
-              <a:buChar char="u"/>
-            </a:pPr>
-            <a:r>
-              <a:rPr lang="en-US" altLang="zh-CN" sz="2800" b="1" dirty="0" smtClean="0">
-                <a:latin typeface="华文楷体" pitchFamily="2" charset="-122"/>
-                <a:ea typeface="华文楷体" pitchFamily="2" charset="-122"/>
-              </a:rPr>
-              <a:t>    Guava</a:t>
-            </a:r>
-            <a:r>
-              <a:rPr lang="zh-CN" altLang="en-US" sz="2800" b="1" dirty="0">
-                <a:latin typeface="华文楷体" pitchFamily="2" charset="-122"/>
-                <a:ea typeface="华文楷体" pitchFamily="2" charset="-122"/>
-              </a:rPr>
-              <a:t> </a:t>
-            </a:r>
-            <a:r>
-              <a:rPr lang="zh-CN" altLang="en-US" sz="2800" b="1" dirty="0" smtClean="0">
-                <a:latin typeface="华文楷体" pitchFamily="2" charset="-122"/>
-                <a:ea typeface="华文楷体" pitchFamily="2" charset="-122"/>
-              </a:rPr>
-              <a:t>介绍</a:t>
-            </a:r>
-            <a:endParaRPr lang="en-US" altLang="zh-CN" sz="2800" b="1" dirty="0" smtClean="0">
-              <a:latin typeface="华文楷体" pitchFamily="2" charset="-122"/>
-              <a:ea typeface="华文楷体" pitchFamily="2" charset="-122"/>
-            </a:endParaRPr>
-          </a:p>
-          <a:p>
-            <a:pPr marL="457200" indent="-457200">
-              <a:lnSpc>
-                <a:spcPts val="5000"/>
-              </a:lnSpc>
-              <a:buFont typeface="Wingdings" pitchFamily="2" charset="2"/>
-              <a:buChar char="u"/>
-            </a:pPr>
-            <a:r>
-              <a:rPr lang="en-US" altLang="zh-CN" sz="2800" b="1" dirty="0" smtClean="0">
-                <a:latin typeface="华文楷体" pitchFamily="2" charset="-122"/>
-                <a:ea typeface="华文楷体" pitchFamily="2" charset="-122"/>
-              </a:rPr>
-              <a:t>    Guava</a:t>
-            </a:r>
-            <a:r>
-              <a:rPr lang="zh-CN" altLang="en-US" sz="2800" b="1" dirty="0">
-                <a:latin typeface="华文楷体" pitchFamily="2" charset="-122"/>
-                <a:ea typeface="华文楷体" pitchFamily="2" charset="-122"/>
-              </a:rPr>
-              <a:t>基础工具类</a:t>
-            </a:r>
-            <a:endParaRPr lang="en-US" altLang="zh-CN" sz="2800" b="1" dirty="0">
-              <a:latin typeface="华文楷体" pitchFamily="2" charset="-122"/>
-              <a:ea typeface="华文楷体" pitchFamily="2" charset="-122"/>
-            </a:endParaRPr>
-          </a:p>
-          <a:p>
-            <a:pPr marL="457200" indent="-457200">
-              <a:lnSpc>
-                <a:spcPts val="5000"/>
-              </a:lnSpc>
-              <a:buFont typeface="Wingdings" pitchFamily="2" charset="2"/>
-              <a:buChar char="u"/>
-            </a:pPr>
-            <a:r>
-              <a:rPr lang="en-US" altLang="zh-CN" sz="2800" b="1" dirty="0" smtClean="0">
-                <a:latin typeface="华文楷体" pitchFamily="2" charset="-122"/>
-                <a:ea typeface="华文楷体" pitchFamily="2" charset="-122"/>
-              </a:rPr>
-              <a:t>    </a:t>
-            </a:r>
-            <a:r>
-              <a:rPr lang="zh-CN" altLang="en-US" sz="2800" b="1" dirty="0" smtClean="0">
-                <a:latin typeface="华文楷体" pitchFamily="2" charset="-122"/>
-                <a:ea typeface="华文楷体" pitchFamily="2" charset="-122"/>
-              </a:rPr>
-              <a:t>集合</a:t>
-            </a:r>
-            <a:r>
-              <a:rPr lang="en-US" altLang="zh-CN" sz="2800" b="1" dirty="0" smtClean="0">
-                <a:latin typeface="华文楷体" pitchFamily="2" charset="-122"/>
-                <a:ea typeface="华文楷体" pitchFamily="2" charset="-122"/>
-              </a:rPr>
-              <a:t> </a:t>
-            </a:r>
-          </a:p>
-          <a:p>
-            <a:pPr marL="457200" indent="-457200">
-              <a:lnSpc>
-                <a:spcPts val="5000"/>
-              </a:lnSpc>
-              <a:buFont typeface="Wingdings" pitchFamily="2" charset="2"/>
-              <a:buChar char="u"/>
-            </a:pPr>
-            <a:r>
-              <a:rPr lang="en-US" altLang="zh-CN" sz="2800" b="1" dirty="0" smtClean="0">
-                <a:latin typeface="华文楷体" pitchFamily="2" charset="-122"/>
-                <a:ea typeface="华文楷体" pitchFamily="2" charset="-122"/>
-              </a:rPr>
-              <a:t>    </a:t>
-            </a:r>
-            <a:r>
-              <a:rPr lang="zh-CN" altLang="en-US" sz="2800" b="1" dirty="0" smtClean="0">
-                <a:latin typeface="华文楷体" pitchFamily="2" charset="-122"/>
-                <a:ea typeface="华文楷体" pitchFamily="2" charset="-122"/>
-              </a:rPr>
-              <a:t>接口限流</a:t>
-            </a:r>
-            <a:endParaRPr lang="en-US" altLang="zh-CN" sz="2800" b="1" dirty="0" smtClean="0">
-              <a:latin typeface="华文楷体" pitchFamily="2" charset="-122"/>
-              <a:ea typeface="华文楷体" pitchFamily="2" charset="-122"/>
-            </a:endParaRPr>
-          </a:p>
-          <a:p>
-            <a:pPr marL="457200" indent="-457200">
-              <a:lnSpc>
-                <a:spcPts val="5000"/>
-              </a:lnSpc>
-              <a:buFont typeface="Wingdings" pitchFamily="2" charset="2"/>
-              <a:buChar char="u"/>
-            </a:pPr>
-            <a:r>
-              <a:rPr lang="en-US" altLang="zh-CN" sz="2800" b="1" dirty="0" smtClean="0">
-                <a:latin typeface="华文楷体" pitchFamily="2" charset="-122"/>
-                <a:ea typeface="华文楷体" pitchFamily="2" charset="-122"/>
-              </a:rPr>
-              <a:t>    </a:t>
-            </a:r>
-            <a:r>
-              <a:rPr lang="zh-CN" altLang="en-US" sz="2800" b="1" dirty="0" smtClean="0">
-                <a:latin typeface="华文楷体" pitchFamily="2" charset="-122"/>
-                <a:ea typeface="华文楷体" pitchFamily="2" charset="-122"/>
-              </a:rPr>
-              <a:t>事件总线</a:t>
-            </a:r>
-            <a:r>
-              <a:rPr lang="en-US" altLang="zh-CN" sz="2800" b="1" dirty="0" smtClean="0">
-                <a:latin typeface="华文楷体" pitchFamily="2" charset="-122"/>
-                <a:ea typeface="华文楷体" pitchFamily="2" charset="-122"/>
-              </a:rPr>
-              <a:t>    </a:t>
-            </a:r>
-            <a:endParaRPr lang="zh-CN" altLang="zh-CN" sz="2800" b="1" dirty="0">
-              <a:latin typeface="华文楷体" pitchFamily="2" charset="-122"/>
-              <a:ea typeface="华文楷体" pitchFamily="2" charset="-122"/>
-            </a:endParaRPr>
-          </a:p>
-          <a:p>
-            <a:endParaRPr lang="zh-CN" altLang="en-US" dirty="0"/>
-          </a:p>
-        </p:txBody>
-      </p:sp>
-      <p:sp>
-        <p:nvSpPr>
-          <p:cNvPr id="8" name="矩形 7"/>
-          <p:cNvSpPr/>
-          <p:nvPr/>
-        </p:nvSpPr>
-        <p:spPr>
-          <a:xfrm>
-            <a:off x="251520" y="836712"/>
-            <a:ext cx="7920880" cy="523220"/>
-          </a:xfrm>
-          <a:prstGeom prst="rect">
-            <a:avLst/>
-          </a:prstGeom>
-        </p:spPr>
-        <p:txBody>
-          <a:bodyPr wrap="square">
-            <a:spAutoFit/>
-          </a:bodyPr>
-          <a:lstStyle/>
-          <a:p>
-            <a:r>
-              <a:rPr lang="zh-CN" altLang="en-US" sz="2800" b="1" dirty="0" smtClean="0">
-                <a:solidFill>
-                  <a:srgbClr val="C00000"/>
-                </a:solidFill>
-                <a:latin typeface="华文行楷" pitchFamily="2" charset="-122"/>
-                <a:ea typeface="华文行楷" pitchFamily="2" charset="-122"/>
-              </a:rPr>
-              <a:t>第二部分  </a:t>
-            </a:r>
-            <a:r>
-              <a:rPr lang="en-US" altLang="zh-CN" sz="2800" b="1" dirty="0" smtClean="0">
-                <a:solidFill>
-                  <a:srgbClr val="C00000"/>
-                </a:solidFill>
-                <a:latin typeface="华文行楷" pitchFamily="2" charset="-122"/>
-                <a:ea typeface="华文行楷" pitchFamily="2" charset="-122"/>
-              </a:rPr>
-              <a:t>Guava</a:t>
-            </a:r>
-            <a:r>
-              <a:rPr lang="zh-CN" altLang="en-US" sz="2800" b="1" dirty="0" smtClean="0">
-                <a:solidFill>
-                  <a:srgbClr val="C00000"/>
-                </a:solidFill>
-                <a:latin typeface="华文行楷" pitchFamily="2" charset="-122"/>
-                <a:ea typeface="华文行楷" pitchFamily="2" charset="-122"/>
-              </a:rPr>
-              <a:t>集合框架</a:t>
-            </a:r>
-            <a:endParaRPr lang="zh-CN" altLang="en-US" sz="2800" b="1" dirty="0">
-              <a:solidFill>
-                <a:srgbClr val="C00000"/>
-              </a:solidFill>
-              <a:latin typeface="华文行楷" pitchFamily="2" charset="-122"/>
-              <a:ea typeface="华文行楷" pitchFamily="2" charset="-122"/>
-            </a:endParaRPr>
-          </a:p>
-        </p:txBody>
-      </p:sp>
-    </p:spTree>
-    <p:extLst>
-      <p:ext uri="{BB962C8B-B14F-4D97-AF65-F5344CB8AC3E}">
-        <p14:creationId xmlns:p14="http://schemas.microsoft.com/office/powerpoint/2010/main" val="2927682656"/>
-      </p:ext>
-    </p:extLst>
-  </p:cSld>
-  <p:clrMapOvr>
-    <a:masterClrMapping/>
-  </p:clrMapOvr>
-  <p:timing>
-    <p:tnLst>
-      <p:par>
-        <p:cTn id="1" dur="indefinite" restart="never" nodeType="tmRoot"/>
-      </p:par>
-    </p:tnLst>
-  </p:timing>
-</p:sld>
-</file>
-
 <file path=ppt/slides/slide6.xml><?xml version="1.0" encoding="utf-8"?>
 <p:sld xmlns:a="http://schemas.openxmlformats.org/drawingml/2006/main" xmlns:r="http://schemas.openxmlformats.org/officeDocument/2006/relationships" xmlns:p="http://schemas.openxmlformats.org/presentationml/2006/main">
   <p:cSld>
@@ -9101,305 +10671,64 @@
             <a:pPr algn="ctr"/>
             <a:r>
               <a:rPr lang="en-US" altLang="zh-CN" dirty="0" smtClean="0"/>
-              <a:t>Guava</a:t>
+              <a:t>Strings</a:t>
             </a:r>
             <a:r>
               <a:rPr lang="zh-CN" altLang="en-US" dirty="0" smtClean="0"/>
-              <a:t>基础工具类</a:t>
+              <a:t>案例演示</a:t>
             </a:r>
             <a:endParaRPr lang="zh-CN" altLang="en-US" dirty="0"/>
           </a:p>
         </p:txBody>
       </p:sp>
-      <p:sp>
-        <p:nvSpPr>
-          <p:cNvPr id="2" name="矩形 1"/>
-          <p:cNvSpPr/>
+      <p:pic>
+        <p:nvPicPr>
+          <p:cNvPr id="11" name="图片 10"/>
+          <p:cNvPicPr/>
           <p:nvPr/>
-        </p:nvSpPr>
-        <p:spPr>
-          <a:xfrm>
-            <a:off x="899592" y="2996952"/>
-            <a:ext cx="7200800" cy="2482731"/>
+        </p:nvPicPr>
+        <p:blipFill>
+          <a:blip r:embed="rId4"/>
+          <a:stretch>
+            <a:fillRect/>
+          </a:stretch>
+        </p:blipFill>
+        <p:spPr>
+          <a:xfrm>
+            <a:off x="574779" y="2276872"/>
+            <a:ext cx="5105400" cy="1809750"/>
           </a:xfrm>
           <a:prstGeom prst="rect">
             <a:avLst/>
           </a:prstGeom>
         </p:spPr>
-        <p:txBody>
-          <a:bodyPr wrap="square">
-            <a:spAutoFit/>
-          </a:bodyPr>
-          <a:lstStyle/>
-          <a:p>
-            <a:pPr>
-              <a:lnSpc>
-                <a:spcPts val="5000"/>
-              </a:lnSpc>
-            </a:pPr>
-            <a:r>
-              <a:rPr lang="en-US" altLang="zh-CN" dirty="0" smtClean="0">
-                <a:latin typeface="华文楷体" pitchFamily="2" charset="-122"/>
-                <a:ea typeface="华文楷体" pitchFamily="2" charset="-122"/>
-              </a:rPr>
-              <a:t>1</a:t>
-            </a:r>
-            <a:r>
-              <a:rPr lang="zh-CN" altLang="zh-CN" dirty="0" smtClean="0">
-                <a:latin typeface="华文楷体" pitchFamily="2" charset="-122"/>
-                <a:ea typeface="华文楷体" pitchFamily="2" charset="-122"/>
-              </a:rPr>
-              <a:t>、</a:t>
-            </a:r>
-            <a:r>
-              <a:rPr lang="zh-CN" altLang="en-US" dirty="0" smtClean="0">
-                <a:latin typeface="华文楷体" pitchFamily="2" charset="-122"/>
-                <a:ea typeface="华文楷体" pitchFamily="2" charset="-122"/>
-              </a:rPr>
-              <a:t>前置条件检查</a:t>
-            </a:r>
-            <a:endParaRPr lang="en-US" altLang="zh-CN" dirty="0" smtClean="0">
-              <a:latin typeface="华文楷体" pitchFamily="2" charset="-122"/>
-              <a:ea typeface="华文楷体" pitchFamily="2" charset="-122"/>
-            </a:endParaRPr>
-          </a:p>
-          <a:p>
-            <a:pPr>
-              <a:lnSpc>
-                <a:spcPts val="5000"/>
-              </a:lnSpc>
-            </a:pPr>
-            <a:r>
-              <a:rPr lang="en-US" altLang="zh-CN" dirty="0" smtClean="0">
-                <a:latin typeface="华文楷体" pitchFamily="2" charset="-122"/>
-                <a:ea typeface="华文楷体" pitchFamily="2" charset="-122"/>
-              </a:rPr>
-              <a:t>2</a:t>
-            </a:r>
-            <a:r>
-              <a:rPr lang="zh-CN" altLang="en-US" dirty="0" smtClean="0">
-                <a:latin typeface="华文楷体" pitchFamily="2" charset="-122"/>
-                <a:ea typeface="华文楷体" pitchFamily="2" charset="-122"/>
-              </a:rPr>
-              <a:t>、</a:t>
-            </a:r>
-            <a:r>
-              <a:rPr lang="en-US" altLang="zh-CN" dirty="0" smtClean="0">
-                <a:latin typeface="华文楷体" pitchFamily="2" charset="-122"/>
-                <a:ea typeface="华文楷体" pitchFamily="2" charset="-122"/>
-              </a:rPr>
-              <a:t>Strings</a:t>
-            </a:r>
-            <a:r>
-              <a:rPr lang="zh-CN" altLang="en-US" dirty="0" smtClean="0">
-                <a:latin typeface="华文楷体" pitchFamily="2" charset="-122"/>
-                <a:ea typeface="华文楷体" pitchFamily="2" charset="-122"/>
-              </a:rPr>
-              <a:t>操作：字符串的拼接与拆分，拆分可以拆分为数组和</a:t>
-            </a:r>
-            <a:r>
-              <a:rPr lang="en-US" altLang="zh-CN" dirty="0" smtClean="0">
-                <a:latin typeface="华文楷体" pitchFamily="2" charset="-122"/>
-                <a:ea typeface="华文楷体" pitchFamily="2" charset="-122"/>
-              </a:rPr>
-              <a:t>Map</a:t>
-            </a:r>
-            <a:endParaRPr lang="zh-CN" altLang="zh-CN" dirty="0" smtClean="0">
-              <a:latin typeface="华文楷体" pitchFamily="2" charset="-122"/>
-              <a:ea typeface="华文楷体" pitchFamily="2" charset="-122"/>
-            </a:endParaRPr>
-          </a:p>
-          <a:p>
-            <a:r>
-              <a:rPr lang="en-US" altLang="zh-CN" dirty="0" smtClean="0">
-                <a:latin typeface="华文楷体" pitchFamily="2" charset="-122"/>
-                <a:ea typeface="华文楷体" pitchFamily="2" charset="-122"/>
-              </a:rPr>
-              <a:t>3</a:t>
-            </a:r>
-            <a:r>
-              <a:rPr lang="zh-CN" altLang="zh-CN" dirty="0" smtClean="0">
-                <a:latin typeface="华文楷体" pitchFamily="2" charset="-122"/>
-                <a:ea typeface="华文楷体" pitchFamily="2" charset="-122"/>
-              </a:rPr>
-              <a:t>、</a:t>
-            </a:r>
-            <a:r>
-              <a:rPr lang="zh-CN" altLang="en-US" dirty="0" smtClean="0">
-                <a:latin typeface="华文楷体" pitchFamily="2" charset="-122"/>
-                <a:ea typeface="华文楷体" pitchFamily="2" charset="-122"/>
-              </a:rPr>
-              <a:t>散列：</a:t>
-            </a:r>
-            <a:r>
-              <a:rPr lang="zh-CN" altLang="en-US" dirty="0" smtClean="0">
-                <a:solidFill>
-                  <a:srgbClr val="666666"/>
-                </a:solidFill>
-              </a:rPr>
-              <a:t>提供比</a:t>
-            </a:r>
-            <a:r>
-              <a:rPr lang="en-US" altLang="zh-CN" dirty="0" err="1" smtClean="0"/>
-              <a:t>Object.hashCode</a:t>
-            </a:r>
-            <a:r>
-              <a:rPr lang="en-US" altLang="zh-CN" dirty="0" smtClean="0"/>
-              <a:t>()</a:t>
-            </a:r>
-            <a:r>
-              <a:rPr lang="zh-CN" altLang="en-US" dirty="0" smtClean="0">
-                <a:solidFill>
-                  <a:srgbClr val="666666"/>
-                </a:solidFill>
-              </a:rPr>
-              <a:t>更复杂的散</a:t>
-            </a:r>
-            <a:r>
-              <a:rPr lang="zh-CN" altLang="en-US" smtClean="0">
-                <a:solidFill>
-                  <a:srgbClr val="666666"/>
-                </a:solidFill>
-              </a:rPr>
-              <a:t>列实现，数据和散列算法分开，</a:t>
-            </a:r>
-            <a:r>
-              <a:rPr lang="zh-CN" altLang="en-US" dirty="0" smtClean="0">
-                <a:solidFill>
-                  <a:srgbClr val="666666"/>
-                </a:solidFill>
-              </a:rPr>
-              <a:t>并提供</a:t>
-            </a:r>
-            <a:r>
-              <a:rPr lang="zh-CN" altLang="en-US" dirty="0" smtClean="0">
-                <a:latin typeface="华文楷体" pitchFamily="2" charset="-122"/>
-                <a:ea typeface="华文楷体" pitchFamily="2" charset="-122"/>
-              </a:rPr>
-              <a:t>布隆过滤器实现</a:t>
-            </a:r>
-            <a:endParaRPr lang="en-US" altLang="zh-CN" dirty="0" smtClean="0">
-              <a:latin typeface="华文楷体" pitchFamily="2" charset="-122"/>
-              <a:ea typeface="华文楷体" pitchFamily="2" charset="-122"/>
-            </a:endParaRPr>
-          </a:p>
-          <a:p>
-            <a:r>
-              <a:rPr lang="en-US" altLang="zh-CN" dirty="0" smtClean="0">
-                <a:latin typeface="华文楷体" pitchFamily="2" charset="-122"/>
-                <a:ea typeface="华文楷体" pitchFamily="2" charset="-122"/>
-              </a:rPr>
-              <a:t>4</a:t>
-            </a:r>
-            <a:r>
-              <a:rPr lang="zh-CN" altLang="zh-CN" dirty="0" smtClean="0">
-                <a:latin typeface="华文楷体" pitchFamily="2" charset="-122"/>
-                <a:ea typeface="华文楷体" pitchFamily="2" charset="-122"/>
-              </a:rPr>
-              <a:t>、</a:t>
-            </a:r>
-            <a:r>
-              <a:rPr lang="en-US" altLang="zh-CN" dirty="0" smtClean="0">
-                <a:latin typeface="华文楷体" pitchFamily="2" charset="-122"/>
-                <a:ea typeface="华文楷体" pitchFamily="2" charset="-122"/>
-              </a:rPr>
-              <a:t>Object</a:t>
-            </a:r>
-            <a:r>
-              <a:rPr lang="zh-CN" altLang="en-US" dirty="0" smtClean="0">
-                <a:latin typeface="华文楷体" pitchFamily="2" charset="-122"/>
-                <a:ea typeface="华文楷体" pitchFamily="2" charset="-122"/>
-              </a:rPr>
-              <a:t> </a:t>
-            </a:r>
-            <a:r>
-              <a:rPr lang="en-US" altLang="zh-CN" dirty="0" smtClean="0">
-                <a:latin typeface="华文楷体" pitchFamily="2" charset="-122"/>
-                <a:ea typeface="华文楷体" pitchFamily="2" charset="-122"/>
-              </a:rPr>
-              <a:t> </a:t>
-            </a:r>
-            <a:r>
-              <a:rPr lang="zh-CN" altLang="en-US" dirty="0" smtClean="0">
-                <a:latin typeface="华文楷体" pitchFamily="2" charset="-122"/>
-                <a:ea typeface="华文楷体" pitchFamily="2" charset="-122"/>
-              </a:rPr>
-              <a:t>简化</a:t>
-            </a:r>
-            <a:r>
-              <a:rPr lang="en-US" altLang="zh-CN" dirty="0" smtClean="0">
-                <a:latin typeface="华文楷体" pitchFamily="2" charset="-122"/>
-                <a:ea typeface="华文楷体" pitchFamily="2" charset="-122"/>
-              </a:rPr>
-              <a:t>Object</a:t>
-            </a:r>
-            <a:r>
-              <a:rPr lang="zh-CN" altLang="en-US" dirty="0" smtClean="0">
-                <a:latin typeface="华文楷体" pitchFamily="2" charset="-122"/>
-                <a:ea typeface="华文楷体" pitchFamily="2" charset="-122"/>
-              </a:rPr>
-              <a:t>方法实现</a:t>
-            </a:r>
-            <a:r>
-              <a:rPr lang="en-US" altLang="zh-CN" dirty="0" err="1" smtClean="0">
-                <a:latin typeface="华文楷体" pitchFamily="2" charset="-122"/>
-                <a:ea typeface="华文楷体" pitchFamily="2" charset="-122"/>
-              </a:rPr>
-              <a:t>hashCode</a:t>
-            </a:r>
-            <a:r>
-              <a:rPr lang="en-US" altLang="zh-CN" dirty="0" smtClean="0">
-                <a:latin typeface="华文楷体" pitchFamily="2" charset="-122"/>
-                <a:ea typeface="华文楷体" pitchFamily="2" charset="-122"/>
-              </a:rPr>
-              <a:t>()</a:t>
-            </a:r>
-            <a:r>
-              <a:rPr lang="zh-CN" altLang="en-US" dirty="0" smtClean="0">
-                <a:latin typeface="华文楷体" pitchFamily="2" charset="-122"/>
-                <a:ea typeface="华文楷体" pitchFamily="2" charset="-122"/>
-              </a:rPr>
-              <a:t>、</a:t>
-            </a:r>
-            <a:r>
-              <a:rPr lang="en-US" altLang="zh-CN" dirty="0" err="1" smtClean="0">
-                <a:latin typeface="华文楷体" pitchFamily="2" charset="-122"/>
-                <a:ea typeface="华文楷体" pitchFamily="2" charset="-122"/>
-              </a:rPr>
-              <a:t>toString</a:t>
-            </a:r>
-            <a:r>
-              <a:rPr lang="zh-CN" altLang="en-US" dirty="0" smtClean="0">
-                <a:latin typeface="华文楷体" pitchFamily="2" charset="-122"/>
-                <a:ea typeface="华文楷体" pitchFamily="2" charset="-122"/>
-              </a:rPr>
-              <a:t>等，目前</a:t>
-            </a:r>
-            <a:r>
-              <a:rPr lang="en-US" altLang="zh-CN" dirty="0" smtClean="0">
-                <a:latin typeface="华文楷体" pitchFamily="2" charset="-122"/>
-                <a:ea typeface="华文楷体" pitchFamily="2" charset="-122"/>
-              </a:rPr>
-              <a:t>JDK8 </a:t>
-            </a:r>
-            <a:r>
-              <a:rPr lang="zh-CN" altLang="en-US" dirty="0" smtClean="0">
-                <a:latin typeface="华文楷体" pitchFamily="2" charset="-122"/>
-                <a:ea typeface="华文楷体" pitchFamily="2" charset="-122"/>
-              </a:rPr>
-              <a:t>也已经实现。</a:t>
-            </a:r>
-            <a:endParaRPr lang="zh-CN" altLang="zh-CN" dirty="0">
-              <a:latin typeface="华文楷体" pitchFamily="2" charset="-122"/>
-              <a:ea typeface="华文楷体" pitchFamily="2" charset="-122"/>
-            </a:endParaRPr>
-          </a:p>
-        </p:txBody>
-      </p:sp>
+      </p:pic>
+      <p:pic>
+        <p:nvPicPr>
+          <p:cNvPr id="12" name="图片 11"/>
+          <p:cNvPicPr/>
+          <p:nvPr/>
+        </p:nvPicPr>
+        <p:blipFill>
+          <a:blip r:embed="rId5"/>
+          <a:stretch>
+            <a:fillRect/>
+          </a:stretch>
+        </p:blipFill>
+        <p:spPr>
+          <a:xfrm>
+            <a:off x="4065335" y="3933056"/>
+            <a:ext cx="5274310" cy="2851433"/>
+          </a:xfrm>
+          <a:prstGeom prst="rect">
+            <a:avLst/>
+          </a:prstGeom>
+        </p:spPr>
+      </p:pic>
     </p:spTree>
     <p:extLst>
       <p:ext uri="{BB962C8B-B14F-4D97-AF65-F5344CB8AC3E}">
-        <p14:creationId xmlns:p14="http://schemas.microsoft.com/office/powerpoint/2010/main" val="236715049"/>
+        <p14:creationId xmlns:p14="http://schemas.microsoft.com/office/powerpoint/2010/main" val="3815246970"/>
       </p:ext>
     </p:extLst>
   </p:cSld>
@@ -9724,12 +11053,12 @@
           <a:p>
             <a:pPr algn="ctr"/>
             <a:r>
-              <a:rPr lang="en-US" altLang="zh-CN" dirty="0" smtClean="0"/>
-              <a:t>Strings</a:t>
-            </a:r>
-            <a:r>
-              <a:rPr lang="zh-CN" altLang="en-US" dirty="0" smtClean="0"/>
-              <a:t>案例演示</a:t>
+              <a:rPr lang="en-US" altLang="zh-CN" dirty="0"/>
+              <a:t>compare/</a:t>
+            </a:r>
+            <a:r>
+              <a:rPr lang="en-US" altLang="zh-CN" dirty="0" err="1"/>
+              <a:t>compareTo</a:t>
             </a:r>
             <a:endParaRPr lang="zh-CN" altLang="en-US" dirty="0"/>
           </a:p>
@@ -9737,7 +11066,7 @@
       </p:sp>
       <p:pic>
         <p:nvPicPr>
-          <p:cNvPr id="11" name="图片 10"/>
+          <p:cNvPr id="15" name="图片 14"/>
           <p:cNvPicPr/>
           <p:nvPr/>
         </p:nvPicPr>
@@ -9749,30 +11078,85 @@
         </p:blipFill>
         <p:spPr>
           <a:xfrm>
-            <a:off x="574779" y="2276872"/>
-            <a:ext cx="5105400" cy="1809750"/>
+            <a:off x="179512" y="2214562"/>
+            <a:ext cx="4124325" cy="2428875"/>
           </a:xfrm>
           <a:prstGeom prst="rect">
             <a:avLst/>
           </a:prstGeom>
         </p:spPr>
       </p:pic>
+      <p:sp>
+        <p:nvSpPr>
+          <p:cNvPr id="3" name="矩形 2"/>
+          <p:cNvSpPr/>
+          <p:nvPr/>
+        </p:nvSpPr>
+        <p:spPr>
+          <a:xfrm>
+            <a:off x="251520" y="4643437"/>
+            <a:ext cx="8568952" cy="923330"/>
+          </a:xfrm>
+          <a:prstGeom prst="rect">
+            <a:avLst/>
+          </a:prstGeom>
+        </p:spPr>
+        <p:txBody>
+          <a:bodyPr wrap="square">
+            <a:spAutoFit/>
+          </a:bodyPr>
+          <a:lstStyle/>
+          <a:p>
+            <a:r>
+              <a:rPr lang="en-US" altLang="zh-CN" dirty="0" err="1"/>
+              <a:t>ComparisonChain</a:t>
+            </a:r>
+            <a:r>
+              <a:rPr lang="zh-CN" altLang="zh-CN" dirty="0"/>
+              <a:t>执行一种懒比较：它执行比较操作直至发现非零的结果，在那之后的比较输入将被忽略</a:t>
+            </a:r>
+            <a:r>
+              <a:rPr lang="en-US" altLang="zh-CN" dirty="0"/>
+              <a:t>, </a:t>
+            </a:r>
+            <a:r>
+              <a:rPr lang="zh-CN" altLang="zh-CN" dirty="0"/>
+              <a:t>这种</a:t>
+            </a:r>
+            <a:r>
+              <a:rPr lang="en-US" altLang="zh-CN" u="sng" dirty="0" err="1">
+                <a:hlinkClick r:id="rId5"/>
+              </a:rPr>
+              <a:t>Fluent接口</a:t>
+            </a:r>
+            <a:r>
+              <a:rPr lang="zh-CN" altLang="zh-CN" dirty="0"/>
+              <a:t>风格的可读性更高，发生错误编码的几率更小，并且能避免做不必要的工作</a:t>
+            </a:r>
+            <a:r>
+              <a:rPr lang="en-US" altLang="zh-CN" dirty="0"/>
+              <a:t>.</a:t>
+            </a:r>
+            <a:endParaRPr lang="zh-CN" altLang="zh-CN" dirty="0"/>
+          </a:p>
+        </p:txBody>
+      </p:sp>
       <p:pic>
         <p:nvPicPr>
-          <p:cNvPr id="12" name="图片 11"/>
+          <p:cNvPr id="17" name="图片 16"/>
           <p:cNvPicPr/>
           <p:nvPr/>
         </p:nvPicPr>
         <p:blipFill>
-          <a:blip r:embed="rId5"/>
+          <a:blip r:embed="rId6"/>
           <a:stretch>
             <a:fillRect/>
           </a:stretch>
         </p:blipFill>
         <p:spPr>
           <a:xfrm>
-            <a:off x="4065335" y="3933056"/>
-            <a:ext cx="5274310" cy="2851433"/>
+            <a:off x="251520" y="5805264"/>
+            <a:ext cx="7992888" cy="765175"/>
           </a:xfrm>
           <a:prstGeom prst="rect">
             <a:avLst/>
@@ -9782,7 +11166,7 @@
     </p:spTree>
     <p:extLst>
       <p:ext uri="{BB962C8B-B14F-4D97-AF65-F5344CB8AC3E}">
-        <p14:creationId xmlns:p14="http://schemas.microsoft.com/office/powerpoint/2010/main" val="3815246970"/>
+        <p14:creationId xmlns:p14="http://schemas.microsoft.com/office/powerpoint/2010/main" val="2077372882"/>
       </p:ext>
     </p:extLst>
   </p:cSld>
@@ -10107,12 +11491,16 @@
           <a:p>
             <a:pPr algn="ctr"/>
             <a:r>
-              <a:rPr lang="en-US" altLang="zh-CN" dirty="0"/>
-              <a:t>compare/</a:t>
-            </a:r>
-            <a:r>
-              <a:rPr lang="en-US" altLang="zh-CN" dirty="0" err="1"/>
-              <a:t>compareTo</a:t>
+              <a:rPr lang="zh-CN" altLang="en-US" dirty="0" smtClean="0"/>
+              <a:t>散列</a:t>
+            </a:r>
+            <a:r>
+              <a:rPr lang="en-US" altLang="zh-CN" dirty="0" smtClean="0"/>
+              <a:t>API</a:t>
+            </a:r>
+            <a:r>
+              <a:rPr lang="zh-CN" altLang="en-US" dirty="0" smtClean="0"/>
+              <a:t>结构</a:t>
             </a:r>
             <a:endParaRPr lang="zh-CN" altLang="en-US" dirty="0"/>
           </a:p>
@@ -10120,7 +11508,7 @@
       </p:sp>
       <p:pic>
         <p:nvPicPr>
-          <p:cNvPr id="15" name="图片 14"/>
+          <p:cNvPr id="13" name="图片 12"/>
           <p:cNvPicPr/>
           <p:nvPr/>
         </p:nvPicPr>
@@ -10132,85 +11520,30 @@
         </p:blipFill>
         <p:spPr>
           <a:xfrm>
-            <a:off x="179512" y="2214562"/>
-            <a:ext cx="4124325" cy="2428875"/>
+            <a:off x="323528" y="2420888"/>
+            <a:ext cx="5400600" cy="2736304"/>
           </a:xfrm>
           <a:prstGeom prst="rect">
             <a:avLst/>
           </a:prstGeom>
         </p:spPr>
       </p:pic>
-      <p:sp>
-        <p:nvSpPr>
-          <p:cNvPr id="3" name="矩形 2"/>
-          <p:cNvSpPr/>
-          <p:nvPr/>
-        </p:nvSpPr>
-        <p:spPr>
-          <a:xfrm>
-            <a:off x="251520" y="4643437"/>
-            <a:ext cx="8568952" cy="923330"/>
-          </a:xfrm>
-          <a:prstGeom prst="rect">
-            <a:avLst/>
-          </a:prstGeom>
-        </p:spPr>
-        <p:txBody>
-          <a:bodyPr wrap="square">
-            <a:spAutoFit/>
-          </a:bodyPr>
-          <a:lstStyle/>
-          <a:p>
-            <a:r>
-              <a:rPr lang="en-US" altLang="zh-CN" dirty="0" err="1"/>
-              <a:t>ComparisonChain</a:t>
-            </a:r>
-            <a:r>
-              <a:rPr lang="zh-CN" altLang="zh-CN" dirty="0"/>
-              <a:t>执行一种懒比较：它执行比较操作直至发现非零的结果，在那之后的比较输入将被忽略</a:t>
-            </a:r>
-            <a:r>
-              <a:rPr lang="en-US" altLang="zh-CN" dirty="0"/>
-              <a:t>, </a:t>
-            </a:r>
-            <a:r>
-              <a:rPr lang="zh-CN" altLang="zh-CN" dirty="0"/>
-              <a:t>这种</a:t>
-            </a:r>
-            <a:r>
-              <a:rPr lang="en-US" altLang="zh-CN" u="sng" dirty="0" err="1">
-                <a:hlinkClick r:id="rId5"/>
-              </a:rPr>
-              <a:t>Fluent接口</a:t>
-            </a:r>
-            <a:r>
-              <a:rPr lang="zh-CN" altLang="zh-CN" dirty="0"/>
-              <a:t>风格的可读性更高，发生错误编码的几率更小，并且能避免做不必要的工作</a:t>
-            </a:r>
-            <a:r>
-              <a:rPr lang="en-US" altLang="zh-CN" dirty="0"/>
-              <a:t>.</a:t>
-            </a:r>
-            <a:endParaRPr lang="zh-CN" altLang="zh-CN" dirty="0"/>
-          </a:p>
-        </p:txBody>
-      </p:sp>
       <p:pic>
         <p:nvPicPr>
-          <p:cNvPr id="17" name="图片 16"/>
+          <p:cNvPr id="15" name="图片 14"/>
           <p:cNvPicPr/>
           <p:nvPr/>
         </p:nvPicPr>
         <p:blipFill>
-          <a:blip r:embed="rId6"/>
+          <a:blip r:embed="rId5"/>
           <a:stretch>
             <a:fillRect/>
           </a:stretch>
         </p:blipFill>
         <p:spPr>
           <a:xfrm>
-            <a:off x="251520" y="5805264"/>
-            <a:ext cx="7992888" cy="765175"/>
+            <a:off x="4781550" y="4985792"/>
+            <a:ext cx="4362450" cy="1872208"/>
           </a:xfrm>
           <a:prstGeom prst="rect">
             <a:avLst/>
@@ -10220,7 +11553,7 @@
     </p:spTree>
     <p:extLst>
       <p:ext uri="{BB962C8B-B14F-4D97-AF65-F5344CB8AC3E}">
-        <p14:creationId xmlns:p14="http://schemas.microsoft.com/office/powerpoint/2010/main" val="2077372882"/>
+        <p14:creationId xmlns:p14="http://schemas.microsoft.com/office/powerpoint/2010/main" val="2383784976"/>
       </p:ext>
     </p:extLst>
   </p:cSld>
@@ -10546,68 +11879,204 @@
             <a:pPr algn="ctr"/>
             <a:r>
               <a:rPr lang="zh-CN" altLang="en-US" dirty="0" smtClean="0"/>
-              <a:t>散列</a:t>
-            </a:r>
+              <a:t>布隆过滤器</a:t>
+            </a:r>
+            <a:endParaRPr lang="zh-CN" altLang="en-US" dirty="0"/>
+          </a:p>
+        </p:txBody>
+      </p:sp>
+      <p:sp>
+        <p:nvSpPr>
+          <p:cNvPr id="4" name="矩形 3"/>
+          <p:cNvSpPr/>
+          <p:nvPr/>
+        </p:nvSpPr>
+        <p:spPr>
+          <a:xfrm>
+            <a:off x="539552" y="2413338"/>
+            <a:ext cx="7920880" cy="1200329"/>
+          </a:xfrm>
+          <a:prstGeom prst="rect">
+            <a:avLst/>
+          </a:prstGeom>
+        </p:spPr>
+        <p:txBody>
+          <a:bodyPr wrap="square">
+            <a:spAutoFit/>
+          </a:bodyPr>
+          <a:lstStyle/>
+          <a:p>
+            <a:r>
+              <a:rPr lang="zh-CN" altLang="zh-CN" dirty="0"/>
+              <a:t>如何实现快速判断元素是否存在</a:t>
+            </a:r>
+            <a:r>
+              <a:rPr lang="zh-CN" altLang="zh-CN" dirty="0" smtClean="0"/>
+              <a:t>？</a:t>
+            </a:r>
+            <a:r>
+              <a:rPr lang="zh-CN" altLang="en-US" dirty="0" smtClean="0"/>
+              <a:t>垃圾邮件黑名单、大数据集合</a:t>
+            </a:r>
+            <a:endParaRPr lang="zh-CN" altLang="zh-CN" dirty="0"/>
+          </a:p>
+          <a:p>
+            <a:pPr lvl="0"/>
             <a:r>
               <a:rPr lang="en-US" altLang="zh-CN" dirty="0" smtClean="0"/>
-              <a:t>API</a:t>
+              <a:t>1</a:t>
             </a:r>
             <a:r>
               <a:rPr lang="zh-CN" altLang="en-US" dirty="0" smtClean="0"/>
-              <a:t>结构</a:t>
-            </a:r>
-            <a:endParaRPr lang="zh-CN" altLang="en-US" dirty="0"/>
+              <a:t>、</a:t>
+            </a:r>
+            <a:r>
+              <a:rPr lang="zh-CN" altLang="zh-CN" dirty="0" smtClean="0"/>
+              <a:t>二</a:t>
+            </a:r>
+            <a:r>
+              <a:rPr lang="zh-CN" altLang="zh-CN" dirty="0"/>
+              <a:t>分</a:t>
+            </a:r>
+            <a:r>
+              <a:rPr lang="zh-CN" altLang="zh-CN" dirty="0" smtClean="0"/>
+              <a:t>查找</a:t>
+            </a:r>
+            <a:endParaRPr lang="en-US" altLang="zh-CN" dirty="0"/>
+          </a:p>
+          <a:p>
+            <a:pPr lvl="0"/>
+            <a:r>
+              <a:rPr lang="en-US" altLang="zh-CN" dirty="0" smtClean="0"/>
+              <a:t>2</a:t>
+            </a:r>
+            <a:r>
+              <a:rPr lang="zh-CN" altLang="en-US" dirty="0" smtClean="0"/>
+              <a:t>、</a:t>
+            </a:r>
+            <a:r>
+              <a:rPr lang="en-US" altLang="zh-CN" dirty="0" smtClean="0"/>
+              <a:t>Hash table</a:t>
+            </a:r>
+          </a:p>
+          <a:p>
+            <a:pPr lvl="0"/>
+            <a:r>
+              <a:rPr lang="en-US" altLang="zh-CN" dirty="0" smtClean="0"/>
+              <a:t>3</a:t>
+            </a:r>
+            <a:r>
+              <a:rPr lang="zh-CN" altLang="en-US" dirty="0" smtClean="0"/>
+              <a:t>、</a:t>
+            </a:r>
+            <a:r>
+              <a:rPr lang="zh-CN" altLang="zh-CN" dirty="0" smtClean="0"/>
+              <a:t>布</a:t>
+            </a:r>
+            <a:r>
+              <a:rPr lang="zh-CN" altLang="zh-CN" dirty="0"/>
+              <a:t>隆过滤器</a:t>
+            </a:r>
           </a:p>
         </p:txBody>
       </p:sp>
       <p:pic>
         <p:nvPicPr>
-          <p:cNvPr id="13" name="图片 12"/>
+          <p:cNvPr id="13" name="图片 12" descr="http://1.bp.blogspot.com/_ZIq6aT_S-eg/S5YnLYDxSGI/AAAAAAAAKB4/tyypqOWZN_w/s1600/bloomfilter-730334.jpg"/>
           <p:cNvPicPr/>
           <p:nvPr/>
         </p:nvPicPr>
         <p:blipFill>
-          <a:blip r:embed="rId4"/>
+          <a:blip r:embed="rId4">
+            <a:extLst>
+              <a:ext uri="{28A0092B-C50C-407E-A947-70E740481C1C}">
+                <a14:useLocalDpi xmlns:a14="http://schemas.microsoft.com/office/drawing/2010/main" val="0"/>
+              </a:ext>
+            </a:extLst>
+          </a:blip>
+          <a:srcRect/>
           <a:stretch>
             <a:fillRect/>
           </a:stretch>
         </p:blipFill>
-        <p:spPr>
-          <a:xfrm>
-            <a:off x="323528" y="2420888"/>
-            <a:ext cx="5400600" cy="2736304"/>
+        <p:spPr bwMode="auto">
+          <a:xfrm>
+            <a:off x="395536" y="3613667"/>
+            <a:ext cx="3961508" cy="1518285"/>
           </a:xfrm>
           <a:prstGeom prst="rect">
             <a:avLst/>
           </a:prstGeom>
+          <a:noFill/>
+          <a:ln>
+            <a:noFill/>
+          </a:ln>
         </p:spPr>
       </p:pic>
-      <p:pic>
-        <p:nvPicPr>
-          <p:cNvPr id="15" name="图片 14"/>
-          <p:cNvPicPr/>
+      <p:sp>
+        <p:nvSpPr>
+          <p:cNvPr id="5" name="矩形 4"/>
+          <p:cNvSpPr/>
           <p:nvPr/>
-        </p:nvPicPr>
-        <p:blipFill>
-          <a:blip r:embed="rId5"/>
-          <a:stretch>
-            <a:fillRect/>
-          </a:stretch>
-        </p:blipFill>
-        <p:spPr>
-          <a:xfrm>
-            <a:off x="4781550" y="4985792"/>
-            <a:ext cx="4362450" cy="1872208"/>
+        </p:nvSpPr>
+        <p:spPr>
+          <a:xfrm>
+            <a:off x="251520" y="4941168"/>
+            <a:ext cx="8568952" cy="1200329"/>
           </a:xfrm>
           <a:prstGeom prst="rect">
             <a:avLst/>
           </a:prstGeom>
         </p:spPr>
-      </p:pic>
+        <p:txBody>
+          <a:bodyPr wrap="square">
+            <a:spAutoFit/>
+          </a:bodyPr>
+          <a:lstStyle/>
+          <a:p>
+            <a:r>
+              <a:rPr lang="zh-CN" altLang="zh-CN" dirty="0"/>
+              <a:t>由一个很长的二进制向量和一系列随机映射的函数组成，通过多个</a:t>
+            </a:r>
+            <a:r>
+              <a:rPr lang="en-US" altLang="zh-CN" dirty="0"/>
+              <a:t>Hash</a:t>
+            </a:r>
+            <a:r>
+              <a:rPr lang="zh-CN" altLang="zh-CN" dirty="0"/>
+              <a:t>函数将一个元素映射到一个</a:t>
+            </a:r>
+            <a:r>
+              <a:rPr lang="en-US" altLang="zh-CN" dirty="0"/>
+              <a:t>Bit Array</a:t>
+            </a:r>
+            <a:r>
+              <a:rPr lang="zh-CN" altLang="zh-CN" dirty="0"/>
+              <a:t>中的多个点，查询的时候仅当所有的映射点都为</a:t>
+            </a:r>
+            <a:r>
+              <a:rPr lang="en-US" altLang="zh-CN" dirty="0"/>
+              <a:t>1</a:t>
+            </a:r>
+            <a:r>
+              <a:rPr lang="zh-CN" altLang="zh-CN" dirty="0"/>
+              <a:t>才能判断元素存在于集合内；</a:t>
+            </a:r>
+            <a:r>
+              <a:rPr lang="en-US" altLang="zh-CN" dirty="0"/>
+              <a:t>BF</a:t>
+            </a:r>
+            <a:r>
+              <a:rPr lang="zh-CN" altLang="zh-CN" dirty="0"/>
+              <a:t>用于检索一个元素是否在一个集合中，记忆集合求交集；优点是空间和时间效率都超过一般查询算法，缺点是有一定的误判概率和删除困难。</a:t>
+            </a:r>
+          </a:p>
+        </p:txBody>
+      </p:sp>
     </p:spTree>
     <p:extLst>
       <p:ext uri="{BB962C8B-B14F-4D97-AF65-F5344CB8AC3E}">
-        <p14:creationId xmlns:p14="http://schemas.microsoft.com/office/powerpoint/2010/main" val="2383784976"/>
+        <p14:creationId xmlns:p14="http://schemas.microsoft.com/office/powerpoint/2010/main" val="1559050373"/>
       </p:ext>
     </p:extLst>
   </p:cSld>

--- a/Java集合基础框架.pptx
+++ b/Java集合基础框架.pptx
@@ -210,7 +210,7 @@
           <a:p>
             <a:fld id="{EB13DD06-BFAC-4C87-81A0-7BCF951EE3DD}" type="datetimeFigureOut">
               <a:rPr lang="zh-CN" altLang="en-US" smtClean="0"/>
-              <a:t>2016/8/15</a:t>
+              <a:t>2016/8/27</a:t>
             </a:fld>
             <a:endParaRPr lang="zh-CN" altLang="en-US"/>
           </a:p>
@@ -7356,7 +7356,7 @@
           </a:p>
           <a:p>
             <a:r>
-              <a:rPr lang="en-US" altLang="zh-CN" smtClean="0"/>
+              <a:rPr lang="en-US" altLang="zh-CN" dirty="0" smtClean="0"/>
               <a:t> </a:t>
             </a:r>
             <a:endParaRPr lang="en-US" altLang="zh-CN" dirty="0"/>
@@ -9606,21 +9606,21 @@
                 <a:latin typeface="华文楷体" pitchFamily="2" charset="-122"/>
                 <a:ea typeface="华文楷体" pitchFamily="2" charset="-122"/>
               </a:rPr>
-              <a:t>    Guava</a:t>
+              <a:t> </a:t>
+            </a:r>
+            <a:r>
+              <a:rPr lang="en-US" altLang="zh-CN" sz="2800" b="1" dirty="0" smtClean="0">
+                <a:latin typeface="华文楷体" pitchFamily="2" charset="-122"/>
+                <a:ea typeface="华文楷体" pitchFamily="2" charset="-122"/>
+              </a:rPr>
+              <a:t>Guava</a:t>
             </a:r>
             <a:r>
               <a:rPr lang="zh-CN" altLang="en-US" sz="2800" b="1" dirty="0">
                 <a:latin typeface="华文楷体" pitchFamily="2" charset="-122"/>
                 <a:ea typeface="华文楷体" pitchFamily="2" charset="-122"/>
               </a:rPr>
-              <a:t> </a:t>
-            </a:r>
-            <a:r>
-              <a:rPr lang="zh-CN" altLang="en-US" sz="2800" b="1" dirty="0">
-                <a:latin typeface="华文楷体" pitchFamily="2" charset="-122"/>
-                <a:ea typeface="华文楷体" pitchFamily="2" charset="-122"/>
-              </a:rPr>
-              <a:t>介绍</a:t>
+              <a:t>基础工具类</a:t>
             </a:r>
             <a:endParaRPr lang="en-US" altLang="zh-CN" sz="2800" b="1" dirty="0">
               <a:latin typeface="华文楷体" pitchFamily="2" charset="-122"/>
@@ -9636,20 +9636,20 @@
               <a:buChar char="u"/>
             </a:pPr>
             <a:r>
-              <a:rPr lang="en-US" altLang="zh-CN" sz="2800" b="1" dirty="0">
+              <a:rPr lang="zh-CN" altLang="en-US" sz="2800" b="1">
                 <a:latin typeface="华文楷体" pitchFamily="2" charset="-122"/>
                 <a:ea typeface="华文楷体" pitchFamily="2" charset="-122"/>
               </a:rPr>
-              <a:t>    Guava</a:t>
-            </a:r>
-            <a:r>
-              <a:rPr lang="zh-CN" altLang="en-US" sz="2800" b="1" dirty="0">
+              <a:t>新</a:t>
+            </a:r>
+            <a:r>
+              <a:rPr lang="zh-CN" altLang="en-US" sz="2800" b="1" smtClean="0">
                 <a:latin typeface="华文楷体" pitchFamily="2" charset="-122"/>
                 <a:ea typeface="华文楷体" pitchFamily="2" charset="-122"/>
               </a:rPr>
-              <a:t>基础工具类</a:t>
-            </a:r>
-            <a:endParaRPr lang="en-US" altLang="zh-CN" sz="2800" b="1" dirty="0">
+              <a:t>集合与工具类</a:t>
+            </a:r>
+            <a:endParaRPr lang="en-US" altLang="zh-CN" sz="2800" b="1" dirty="0" smtClean="0">
               <a:latin typeface="华文楷体" pitchFamily="2" charset="-122"/>
               <a:ea typeface="华文楷体" pitchFamily="2" charset="-122"/>
             </a:endParaRPr>
@@ -9663,25 +9663,11 @@
               <a:buChar char="u"/>
             </a:pPr>
             <a:r>
-              <a:rPr lang="en-US" altLang="zh-CN" sz="2800" b="1" dirty="0">
+              <a:rPr lang="zh-CN" altLang="en-US" sz="2800" b="1" dirty="0">
                 <a:latin typeface="华文楷体" pitchFamily="2" charset="-122"/>
                 <a:ea typeface="华文楷体" pitchFamily="2" charset="-122"/>
               </a:rPr>
-              <a:t>    </a:t>
-            </a:r>
-            <a:r>
-              <a:rPr lang="zh-CN" altLang="en-US" sz="2800" b="1" dirty="0" smtClean="0">
-                <a:latin typeface="华文楷体" pitchFamily="2" charset="-122"/>
-                <a:ea typeface="华文楷体" pitchFamily="2" charset="-122"/>
-              </a:rPr>
-              <a:t>新集合类型</a:t>
-            </a:r>
-            <a:r>
-              <a:rPr lang="en-US" altLang="zh-CN" sz="2800" b="1" dirty="0" smtClean="0">
-                <a:latin typeface="华文楷体" pitchFamily="2" charset="-122"/>
-                <a:ea typeface="华文楷体" pitchFamily="2" charset="-122"/>
-              </a:rPr>
-              <a:t> </a:t>
+              <a:t>接口限流</a:t>
             </a:r>
             <a:endParaRPr lang="en-US" altLang="zh-CN" sz="2800" b="1" dirty="0">
               <a:latin typeface="华文楷体" pitchFamily="2" charset="-122"/>
@@ -9697,23 +9683,26 @@
               <a:buChar char="u"/>
             </a:pPr>
             <a:r>
+              <a:rPr lang="zh-CN" altLang="en-US" sz="2800" b="1" dirty="0" smtClean="0">
+                <a:latin typeface="华文楷体" pitchFamily="2" charset="-122"/>
+                <a:ea typeface="华文楷体" pitchFamily="2" charset="-122"/>
+              </a:rPr>
+              <a:t>事件</a:t>
+            </a:r>
+            <a:r>
+              <a:rPr lang="zh-CN" altLang="en-US" sz="2800" b="1" dirty="0">
+                <a:latin typeface="华文楷体" pitchFamily="2" charset="-122"/>
+                <a:ea typeface="华文楷体" pitchFamily="2" charset="-122"/>
+              </a:rPr>
+              <a:t>总线</a:t>
+            </a:r>
+            <a:r>
               <a:rPr lang="en-US" altLang="zh-CN" sz="2800" b="1" dirty="0">
                 <a:latin typeface="华文楷体" pitchFamily="2" charset="-122"/>
                 <a:ea typeface="华文楷体" pitchFamily="2" charset="-122"/>
               </a:rPr>
-              <a:t>    </a:t>
-            </a:r>
-            <a:r>
-              <a:rPr lang="zh-CN" altLang="en-US" sz="2800" b="1" dirty="0">
-                <a:latin typeface="华文楷体" pitchFamily="2" charset="-122"/>
-                <a:ea typeface="华文楷体" pitchFamily="2" charset="-122"/>
-              </a:rPr>
-              <a:t>接口限流</a:t>
-            </a:r>
-            <a:endParaRPr lang="en-US" altLang="zh-CN" sz="2800" b="1" dirty="0">
-              <a:latin typeface="华文楷体" pitchFamily="2" charset="-122"/>
-              <a:ea typeface="华文楷体" pitchFamily="2" charset="-122"/>
-            </a:endParaRPr>
+              <a:t>   </a:t>
+            </a:r>
           </a:p>
           <a:p>
             <a:pPr marL="457200" indent="-457200">
@@ -9728,40 +9717,10 @@
                 <a:latin typeface="华文楷体" pitchFamily="2" charset="-122"/>
                 <a:ea typeface="华文楷体" pitchFamily="2" charset="-122"/>
               </a:rPr>
-              <a:t>    </a:t>
-            </a:r>
-            <a:r>
-              <a:rPr lang="zh-CN" altLang="en-US" sz="2800" b="1" dirty="0">
-                <a:latin typeface="华文楷体" pitchFamily="2" charset="-122"/>
-                <a:ea typeface="华文楷体" pitchFamily="2" charset="-122"/>
-              </a:rPr>
-              <a:t>事件总线</a:t>
-            </a:r>
-            <a:r>
-              <a:rPr lang="en-US" altLang="zh-CN" sz="2800" b="1" dirty="0">
-                <a:latin typeface="华文楷体" pitchFamily="2" charset="-122"/>
-                <a:ea typeface="华文楷体" pitchFamily="2" charset="-122"/>
-              </a:rPr>
-              <a:t>   </a:t>
-            </a:r>
-          </a:p>
-          <a:p>
-            <a:pPr marL="457200" indent="-457200">
-              <a:lnSpc>
-                <a:spcPts val="5000"/>
-              </a:lnSpc>
-              <a:buFont typeface="Wingdings" pitchFamily="2" charset="2"/>
-              <a:buChar char="u"/>
-            </a:pPr>
-            <a:r>
-              <a:rPr lang="en-US" altLang="zh-CN" sz="2800" b="1" dirty="0">
-                <a:latin typeface="华文楷体" pitchFamily="2" charset="-122"/>
-                <a:ea typeface="华文楷体" pitchFamily="2" charset="-122"/>
-              </a:rPr>
-              <a:t>     </a:t>
-            </a:r>
-            <a:r>
-              <a:rPr lang="en-US" altLang="zh-CN" sz="2800" b="1" dirty="0" err="1">
+              <a:t> </a:t>
+            </a:r>
+            <a:r>
+              <a:rPr lang="en-US" altLang="zh-CN" sz="2800" b="1" dirty="0" err="1" smtClean="0">
                 <a:latin typeface="华文楷体" pitchFamily="2" charset="-122"/>
                 <a:ea typeface="华文楷体" pitchFamily="2" charset="-122"/>
               </a:rPr>

--- a/Java集合基础框架.pptx
+++ b/Java集合基础框架.pptx
@@ -5,7 +5,7 @@
     <p:sldMasterId id="2147483661" r:id="rId1"/>
   </p:sldMasterIdLst>
   <p:notesMasterIdLst>
-    <p:notesMasterId r:id="rId21"/>
+    <p:notesMasterId r:id="rId20"/>
   </p:notesMasterIdLst>
   <p:sldIdLst>
     <p:sldId id="262" r:id="rId2"/>
@@ -20,13 +20,12 @@
     <p:sldId id="352" r:id="rId11"/>
     <p:sldId id="348" r:id="rId12"/>
     <p:sldId id="353" r:id="rId13"/>
-    <p:sldId id="355" r:id="rId14"/>
-    <p:sldId id="356" r:id="rId15"/>
-    <p:sldId id="349" r:id="rId16"/>
-    <p:sldId id="354" r:id="rId17"/>
-    <p:sldId id="350" r:id="rId18"/>
-    <p:sldId id="351" r:id="rId19"/>
-    <p:sldId id="335" r:id="rId20"/>
+    <p:sldId id="356" r:id="rId14"/>
+    <p:sldId id="349" r:id="rId15"/>
+    <p:sldId id="354" r:id="rId16"/>
+    <p:sldId id="350" r:id="rId17"/>
+    <p:sldId id="351" r:id="rId18"/>
+    <p:sldId id="335" r:id="rId19"/>
   </p:sldIdLst>
   <p:sldSz cx="9144000" cy="6858000" type="screen4x3"/>
   <p:notesSz cx="7559675" cy="10691813"/>
@@ -210,7 +209,7 @@
           <a:p>
             <a:fld id="{EB13DD06-BFAC-4C87-81A0-7BCF951EE3DD}" type="datetimeFigureOut">
               <a:rPr lang="zh-CN" altLang="en-US" smtClean="0"/>
-              <a:t>2016/8/27</a:t>
+              <a:t>2016/9/20</a:t>
             </a:fld>
             <a:endParaRPr lang="zh-CN" altLang="en-US"/>
           </a:p>
@@ -1068,8 +1067,19 @@
           <a:lstStyle/>
           <a:p>
             <a:r>
+              <a:rPr lang="en-US" altLang="zh-CN" dirty="0" smtClean="0"/>
+              <a:t>1</a:t>
+            </a:r>
+            <a:r>
               <a:rPr lang="zh-CN" altLang="en-US" dirty="0" smtClean="0"/>
-              <a:t>让我们可以简单优雅的实现上面复杂的数据结构，让我们的精力和时间放在实现业务逻辑上，而不是在数据结构上。</a:t>
+              <a:t>、为什么需要限流？</a:t>
+            </a:r>
+            <a:endParaRPr lang="en-US" altLang="zh-CN" dirty="0" smtClean="0"/>
+          </a:p>
+          <a:p>
+            <a:r>
+              <a:rPr lang="en-US" altLang="zh-CN" dirty="0" smtClean="0"/>
+              <a:t>   </a:t>
             </a:r>
             <a:endParaRPr lang="zh-CN" altLang="en-US" dirty="0"/>
           </a:p>
@@ -1156,20 +1166,12 @@
           <a:lstStyle/>
           <a:p>
             <a:r>
-              <a:rPr lang="en-US" altLang="zh-CN" dirty="0" smtClean="0"/>
-              <a:t>1</a:t>
-            </a:r>
-            <a:r>
               <a:rPr lang="zh-CN" altLang="en-US" dirty="0" smtClean="0"/>
-              <a:t>、为什么需要限流？</a:t>
+              <a:t>为什么引入高性能集合？</a:t>
             </a:r>
             <a:endParaRPr lang="en-US" altLang="zh-CN" dirty="0" smtClean="0"/>
           </a:p>
           <a:p>
-            <a:r>
-              <a:rPr lang="en-US" altLang="zh-CN" dirty="0" smtClean="0"/>
-              <a:t>   </a:t>
-            </a:r>
             <a:endParaRPr lang="zh-CN" altLang="en-US" dirty="0"/>
           </a:p>
         </p:txBody>
@@ -1200,7 +1202,7 @@
     </p:spTree>
     <p:extLst>
       <p:ext uri="{BB962C8B-B14F-4D97-AF65-F5344CB8AC3E}">
-        <p14:creationId xmlns:p14="http://schemas.microsoft.com/office/powerpoint/2010/main" val="3320056552"/>
+        <p14:creationId xmlns:p14="http://schemas.microsoft.com/office/powerpoint/2010/main" val="968411063"/>
       </p:ext>
     </p:extLst>
   </p:cSld>
@@ -1254,14 +1256,224 @@
           <a:bodyPr/>
           <a:lstStyle/>
           <a:p>
+            <a:pPr marL="0" marR="0" indent="0" algn="l" defTabSz="914400" rtl="0" eaLnBrk="1" fontAlgn="auto" latinLnBrk="0" hangingPunct="1">
+              <a:lnSpc>
+                <a:spcPct val="100000"/>
+              </a:lnSpc>
+              <a:spcBef>
+                <a:spcPts val="0"/>
+              </a:spcBef>
+              <a:spcAft>
+                <a:spcPts val="0"/>
+              </a:spcAft>
+              <a:buClrTx/>
+              <a:buSzTx/>
+              <a:buFontTx/>
+              <a:buNone/>
+              <a:tabLst/>
+              <a:defRPr/>
+            </a:pPr>
             <a:r>
               <a:rPr lang="zh-CN" altLang="en-US" dirty="0" smtClean="0"/>
-              <a:t>为什么引入高性能集合？</a:t>
+              <a:t>评判集合性能从哪些方面？</a:t>
             </a:r>
             <a:endParaRPr lang="en-US" altLang="zh-CN" dirty="0" smtClean="0"/>
           </a:p>
           <a:p>
-            <a:endParaRPr lang="zh-CN" altLang="en-US" dirty="0"/>
+            <a:pPr marL="0" marR="0" indent="0" algn="l" defTabSz="914400" rtl="0" eaLnBrk="1" fontAlgn="auto" latinLnBrk="0" hangingPunct="1">
+              <a:lnSpc>
+                <a:spcPct val="100000"/>
+              </a:lnSpc>
+              <a:spcBef>
+                <a:spcPts val="0"/>
+              </a:spcBef>
+              <a:spcAft>
+                <a:spcPts val="0"/>
+              </a:spcAft>
+              <a:buClrTx/>
+              <a:buSzTx/>
+              <a:buFontTx/>
+              <a:buNone/>
+              <a:tabLst/>
+              <a:defRPr/>
+            </a:pPr>
+            <a:r>
+              <a:rPr lang="en-US" altLang="zh-CN" dirty="0" smtClean="0"/>
+              <a:t>1</a:t>
+            </a:r>
+            <a:r>
+              <a:rPr lang="zh-CN" altLang="en-US" dirty="0" smtClean="0"/>
+              <a:t>、低延迟</a:t>
+            </a:r>
+            <a:endParaRPr lang="en-US" altLang="zh-CN" dirty="0" smtClean="0"/>
+          </a:p>
+          <a:p>
+            <a:pPr marL="0" marR="0" indent="0" algn="l" defTabSz="914400" rtl="0" eaLnBrk="1" fontAlgn="auto" latinLnBrk="0" hangingPunct="1">
+              <a:lnSpc>
+                <a:spcPct val="100000"/>
+              </a:lnSpc>
+              <a:spcBef>
+                <a:spcPts val="0"/>
+              </a:spcBef>
+              <a:spcAft>
+                <a:spcPts val="0"/>
+              </a:spcAft>
+              <a:buClrTx/>
+              <a:buSzTx/>
+              <a:buFontTx/>
+              <a:buNone/>
+              <a:tabLst/>
+              <a:defRPr/>
+            </a:pPr>
+            <a:r>
+              <a:rPr lang="en-US" altLang="zh-CN" dirty="0" smtClean="0"/>
+              <a:t>2</a:t>
+            </a:r>
+            <a:r>
+              <a:rPr lang="zh-CN" altLang="en-US" dirty="0" smtClean="0"/>
+              <a:t>、高吞吐</a:t>
+            </a:r>
+            <a:endParaRPr lang="en-US" altLang="zh-CN" dirty="0" smtClean="0"/>
+          </a:p>
+          <a:p>
+            <a:pPr marL="0" marR="0" indent="0" algn="l" defTabSz="914400" rtl="0" eaLnBrk="1" fontAlgn="auto" latinLnBrk="0" hangingPunct="1">
+              <a:lnSpc>
+                <a:spcPct val="100000"/>
+              </a:lnSpc>
+              <a:spcBef>
+                <a:spcPts val="0"/>
+              </a:spcBef>
+              <a:spcAft>
+                <a:spcPts val="0"/>
+              </a:spcAft>
+              <a:buClrTx/>
+              <a:buSzTx/>
+              <a:buFontTx/>
+              <a:buNone/>
+              <a:tabLst/>
+              <a:defRPr/>
+            </a:pPr>
+            <a:r>
+              <a:rPr lang="en-US" altLang="zh-CN" dirty="0" smtClean="0"/>
+              <a:t>3</a:t>
+            </a:r>
+            <a:r>
+              <a:rPr lang="zh-CN" altLang="en-US" dirty="0" smtClean="0"/>
+              <a:t>、</a:t>
+            </a:r>
+            <a:r>
+              <a:rPr lang="en-US" altLang="zh-CN" dirty="0" smtClean="0"/>
+              <a:t>CPU</a:t>
+            </a:r>
+            <a:r>
+              <a:rPr lang="zh-CN" altLang="en-US" dirty="0" smtClean="0"/>
+              <a:t>优化</a:t>
+            </a:r>
+            <a:endParaRPr lang="en-US" altLang="zh-CN" dirty="0" smtClean="0"/>
+          </a:p>
+          <a:p>
+            <a:pPr marL="0" marR="0" indent="0" algn="l" defTabSz="914400" rtl="0" eaLnBrk="1" fontAlgn="auto" latinLnBrk="0" hangingPunct="1">
+              <a:lnSpc>
+                <a:spcPct val="100000"/>
+              </a:lnSpc>
+              <a:spcBef>
+                <a:spcPts val="0"/>
+              </a:spcBef>
+              <a:spcAft>
+                <a:spcPts val="0"/>
+              </a:spcAft>
+              <a:buClrTx/>
+              <a:buSzTx/>
+              <a:buFontTx/>
+              <a:buNone/>
+              <a:tabLst/>
+              <a:defRPr/>
+            </a:pPr>
+            <a:r>
+              <a:rPr lang="en-US" altLang="zh-CN" dirty="0" smtClean="0"/>
+              <a:t>4</a:t>
+            </a:r>
+            <a:r>
+              <a:rPr lang="zh-CN" altLang="en-US" dirty="0" smtClean="0"/>
+              <a:t>、内存优化</a:t>
+            </a:r>
+            <a:endParaRPr lang="en-US" altLang="zh-CN" dirty="0" smtClean="0"/>
+          </a:p>
+          <a:p>
+            <a:pPr marL="0" marR="0" indent="0" algn="l" defTabSz="914400" rtl="0" eaLnBrk="1" fontAlgn="auto" latinLnBrk="0" hangingPunct="1">
+              <a:lnSpc>
+                <a:spcPct val="100000"/>
+              </a:lnSpc>
+              <a:spcBef>
+                <a:spcPts val="0"/>
+              </a:spcBef>
+              <a:spcAft>
+                <a:spcPts val="0"/>
+              </a:spcAft>
+              <a:buClrTx/>
+              <a:buSzTx/>
+              <a:buFontTx/>
+              <a:buNone/>
+              <a:tabLst/>
+              <a:defRPr/>
+            </a:pPr>
+            <a:r>
+              <a:rPr lang="en-US" altLang="zh-CN" dirty="0" smtClean="0"/>
+              <a:t>5</a:t>
+            </a:r>
+            <a:r>
+              <a:rPr lang="zh-CN" altLang="en-US" dirty="0" smtClean="0"/>
+              <a:t>、</a:t>
+            </a:r>
+            <a:r>
+              <a:rPr lang="en-US" altLang="zh-CN" dirty="0" smtClean="0"/>
+              <a:t>GC</a:t>
+            </a:r>
+            <a:r>
+              <a:rPr lang="zh-CN" altLang="en-US" dirty="0" smtClean="0"/>
+              <a:t>回收效率</a:t>
+            </a:r>
+            <a:endParaRPr lang="en-US" altLang="zh-CN" dirty="0" smtClean="0"/>
+          </a:p>
+          <a:p>
+            <a:pPr marL="0" marR="0" indent="0" algn="l" defTabSz="914400" rtl="0" eaLnBrk="1" fontAlgn="auto" latinLnBrk="0" hangingPunct="1">
+              <a:lnSpc>
+                <a:spcPct val="100000"/>
+              </a:lnSpc>
+              <a:spcBef>
+                <a:spcPts val="0"/>
+              </a:spcBef>
+              <a:spcAft>
+                <a:spcPts val="0"/>
+              </a:spcAft>
+              <a:buClrTx/>
+              <a:buSzTx/>
+              <a:buFontTx/>
+              <a:buNone/>
+              <a:tabLst/>
+              <a:defRPr/>
+            </a:pPr>
+            <a:endParaRPr lang="en-US" altLang="zh-CN" dirty="0" smtClean="0"/>
+          </a:p>
+          <a:p>
+            <a:pPr marL="0" marR="0" indent="0" algn="l" defTabSz="914400" rtl="0" eaLnBrk="1" fontAlgn="auto" latinLnBrk="0" hangingPunct="1">
+              <a:lnSpc>
+                <a:spcPct val="100000"/>
+              </a:lnSpc>
+              <a:spcBef>
+                <a:spcPts val="0"/>
+              </a:spcBef>
+              <a:spcAft>
+                <a:spcPts val="0"/>
+              </a:spcAft>
+              <a:buClrTx/>
+              <a:buSzTx/>
+              <a:buFontTx/>
+              <a:buNone/>
+              <a:tabLst/>
+              <a:defRPr/>
+            </a:pPr>
+            <a:endParaRPr lang="en-US" altLang="zh-CN" dirty="0" smtClean="0"/>
           </a:p>
         </p:txBody>
       </p:sp>
@@ -1291,7 +1503,7 @@
     </p:spTree>
     <p:extLst>
       <p:ext uri="{BB962C8B-B14F-4D97-AF65-F5344CB8AC3E}">
-        <p14:creationId xmlns:p14="http://schemas.microsoft.com/office/powerpoint/2010/main" val="968411063"/>
+        <p14:creationId xmlns:p14="http://schemas.microsoft.com/office/powerpoint/2010/main" val="1558251165"/>
       </p:ext>
     </p:extLst>
   </p:cSld>
@@ -1345,224 +1557,139 @@
           <a:bodyPr/>
           <a:lstStyle/>
           <a:p>
-            <a:pPr marL="0" marR="0" indent="0" algn="l" defTabSz="914400" rtl="0" eaLnBrk="1" fontAlgn="auto" latinLnBrk="0" hangingPunct="1">
-              <a:lnSpc>
-                <a:spcPct val="100000"/>
-              </a:lnSpc>
-              <a:spcBef>
-                <a:spcPts val="0"/>
-              </a:spcBef>
-              <a:spcAft>
-                <a:spcPts val="0"/>
-              </a:spcAft>
-              <a:buClrTx/>
-              <a:buSzTx/>
-              <a:buFontTx/>
-              <a:buNone/>
-              <a:tabLst/>
-              <a:defRPr/>
-            </a:pPr>
+            <a:r>
+              <a:rPr lang="en-US" altLang="zh-CN" dirty="0" err="1" smtClean="0"/>
+              <a:t>Javolution</a:t>
+            </a:r>
             <a:r>
               <a:rPr lang="zh-CN" altLang="en-US" dirty="0" smtClean="0"/>
-              <a:t>评判集合性能从哪些方面？</a:t>
+              <a:t>特性介绍参见网址：</a:t>
             </a:r>
             <a:endParaRPr lang="en-US" altLang="zh-CN" dirty="0" smtClean="0"/>
           </a:p>
           <a:p>
-            <a:pPr marL="0" marR="0" indent="0" algn="l" defTabSz="914400" rtl="0" eaLnBrk="1" fontAlgn="auto" latinLnBrk="0" hangingPunct="1">
-              <a:lnSpc>
-                <a:spcPct val="100000"/>
-              </a:lnSpc>
-              <a:spcBef>
-                <a:spcPts val="0"/>
-              </a:spcBef>
-              <a:spcAft>
-                <a:spcPts val="0"/>
-              </a:spcAft>
-              <a:buClrTx/>
-              <a:buSzTx/>
-              <a:buFontTx/>
-              <a:buNone/>
-              <a:tabLst/>
-              <a:defRPr/>
-            </a:pPr>
             <a:r>
               <a:rPr lang="en-US" altLang="zh-CN" dirty="0" smtClean="0"/>
-              <a:t>1</a:t>
+              <a:t>   </a:t>
+            </a:r>
+            <a:r>
+              <a:rPr lang="en-US" altLang="zh-CN" dirty="0" smtClean="0">
+                <a:hlinkClick r:id="rId3"/>
+              </a:rPr>
+              <a:t>http://andinker.iteye.com/blog/1920202</a:t>
+            </a:r>
+            <a:endParaRPr lang="en-US" altLang="zh-CN" dirty="0" smtClean="0"/>
+          </a:p>
+          <a:p>
+            <a:r>
+              <a:rPr lang="en-US" altLang="zh-CN" dirty="0" smtClean="0"/>
+              <a:t>   </a:t>
+            </a:r>
+            <a:r>
+              <a:rPr lang="en-US" altLang="zh-CN" dirty="0" smtClean="0">
+                <a:hlinkClick r:id="rId4"/>
+              </a:rPr>
+              <a:t>http://javolution.org/</a:t>
+            </a:r>
+            <a:endParaRPr lang="en-US" altLang="zh-CN" dirty="0" smtClean="0"/>
+          </a:p>
+          <a:p>
+            <a:endParaRPr lang="en-US" altLang="zh-CN" dirty="0" smtClean="0"/>
+          </a:p>
+          <a:p>
+            <a:r>
+              <a:rPr lang="en-US" altLang="zh-CN" dirty="0" smtClean="0"/>
+              <a:t> </a:t>
             </a:r>
             <a:r>
               <a:rPr lang="zh-CN" altLang="en-US" dirty="0" smtClean="0"/>
-              <a:t>、低延迟</a:t>
+              <a:t>实时编程</a:t>
+            </a:r>
+            <a:r>
+              <a:rPr lang="en-US" altLang="zh-CN" dirty="0" smtClean="0"/>
+              <a:t>RSTJ</a:t>
+            </a:r>
+            <a:r>
+              <a:rPr lang="zh-CN" altLang="en-US" dirty="0" smtClean="0"/>
+              <a:t>，何为实时编程？实时编程有哪些要求</a:t>
             </a:r>
             <a:endParaRPr lang="en-US" altLang="zh-CN" dirty="0" smtClean="0"/>
           </a:p>
           <a:p>
-            <a:pPr marL="0" marR="0" indent="0" algn="l" defTabSz="914400" rtl="0" eaLnBrk="1" fontAlgn="auto" latinLnBrk="0" hangingPunct="1">
-              <a:lnSpc>
-                <a:spcPct val="100000"/>
-              </a:lnSpc>
-              <a:spcBef>
-                <a:spcPts val="0"/>
-              </a:spcBef>
-              <a:spcAft>
-                <a:spcPts val="0"/>
-              </a:spcAft>
-              <a:buClrTx/>
-              <a:buSzTx/>
-              <a:buFontTx/>
-              <a:buNone/>
-              <a:tabLst/>
-              <a:defRPr/>
-            </a:pPr>
+            <a:endParaRPr lang="en-US" altLang="zh-CN" dirty="0" smtClean="0"/>
+          </a:p>
+          <a:p>
             <a:r>
               <a:rPr lang="en-US" altLang="zh-CN" dirty="0" smtClean="0"/>
-              <a:t>2</a:t>
+              <a:t>Trove </a:t>
+            </a:r>
+          </a:p>
+          <a:p>
+            <a:r>
+              <a:rPr lang="en-US" altLang="zh-CN" dirty="0" smtClean="0"/>
+              <a:t>  1</a:t>
             </a:r>
             <a:r>
               <a:rPr lang="zh-CN" altLang="en-US" dirty="0" smtClean="0"/>
-              <a:t>、高吞吐</a:t>
+              <a:t>、开发寻址算法，没有采用链表存储来解决</a:t>
+            </a:r>
+            <a:r>
+              <a:rPr lang="en-US" altLang="zh-CN" dirty="0" smtClean="0"/>
+              <a:t>hash</a:t>
+            </a:r>
+            <a:r>
+              <a:rPr lang="zh-CN" altLang="en-US" dirty="0" smtClean="0"/>
+              <a:t>冲突，节约内存。</a:t>
             </a:r>
             <a:endParaRPr lang="en-US" altLang="zh-CN" dirty="0" smtClean="0"/>
           </a:p>
           <a:p>
-            <a:pPr marL="0" marR="0" indent="0" algn="l" defTabSz="914400" rtl="0" eaLnBrk="1" fontAlgn="auto" latinLnBrk="0" hangingPunct="1">
-              <a:lnSpc>
-                <a:spcPct val="100000"/>
-              </a:lnSpc>
-              <a:spcBef>
-                <a:spcPts val="0"/>
-              </a:spcBef>
-              <a:spcAft>
-                <a:spcPts val="0"/>
-              </a:spcAft>
-              <a:buClrTx/>
-              <a:buSzTx/>
-              <a:buFontTx/>
-              <a:buNone/>
-              <a:tabLst/>
-              <a:defRPr/>
-            </a:pPr>
             <a:r>
               <a:rPr lang="en-US" altLang="zh-CN" dirty="0" smtClean="0"/>
-              <a:t>3</a:t>
+              <a:t>  2</a:t>
             </a:r>
             <a:r>
               <a:rPr lang="zh-CN" altLang="en-US" dirty="0" smtClean="0"/>
-              <a:t>、</a:t>
-            </a:r>
+              <a:t>、自动封箱、解箱性能问题不复存在</a:t>
+            </a:r>
+            <a:endParaRPr lang="en-US" altLang="zh-CN" dirty="0" smtClean="0"/>
+          </a:p>
+          <a:p>
+            <a:endParaRPr lang="en-US" altLang="zh-CN" dirty="0" smtClean="0"/>
+          </a:p>
+          <a:p>
+            <a:r>
+              <a:rPr lang="en-US" altLang="zh-CN" sz="1200" b="0" i="0" kern="1200" dirty="0" smtClean="0">
+                <a:solidFill>
+                  <a:schemeClr val="tx1"/>
+                </a:solidFill>
+                <a:effectLst/>
+                <a:latin typeface="+mn-lt"/>
+                <a:ea typeface="+mn-ea"/>
+                <a:cs typeface="+mn-cs"/>
+              </a:rPr>
+              <a:t>Brownies</a:t>
+            </a:r>
+            <a:r>
+              <a:rPr lang="zh-CN" altLang="en-US" sz="1200" b="0" i="0" kern="1200" dirty="0" smtClean="0">
+                <a:solidFill>
+                  <a:schemeClr val="tx1"/>
+                </a:solidFill>
+                <a:effectLst/>
+                <a:latin typeface="+mn-lt"/>
+                <a:ea typeface="+mn-ea"/>
+                <a:cs typeface="+mn-cs"/>
+              </a:rPr>
+              <a:t>官方网址</a:t>
+            </a:r>
+            <a:endParaRPr lang="en-US" altLang="zh-CN" baseline="0" dirty="0" smtClean="0"/>
+          </a:p>
+          <a:p>
             <a:r>
               <a:rPr lang="en-US" altLang="zh-CN" dirty="0" smtClean="0"/>
-              <a:t>CPU</a:t>
-            </a:r>
-            <a:r>
-              <a:rPr lang="zh-CN" altLang="en-US" dirty="0" smtClean="0"/>
-              <a:t>优化</a:t>
-            </a:r>
-            <a:endParaRPr lang="en-US" altLang="zh-CN" dirty="0" smtClean="0"/>
-          </a:p>
-          <a:p>
-            <a:pPr marL="0" marR="0" indent="0" algn="l" defTabSz="914400" rtl="0" eaLnBrk="1" fontAlgn="auto" latinLnBrk="0" hangingPunct="1">
-              <a:lnSpc>
-                <a:spcPct val="100000"/>
-              </a:lnSpc>
-              <a:spcBef>
-                <a:spcPts val="0"/>
-              </a:spcBef>
-              <a:spcAft>
-                <a:spcPts val="0"/>
-              </a:spcAft>
-              <a:buClrTx/>
-              <a:buSzTx/>
-              <a:buFontTx/>
-              <a:buNone/>
-              <a:tabLst/>
-              <a:defRPr/>
-            </a:pPr>
-            <a:r>
-              <a:rPr lang="en-US" altLang="zh-CN" dirty="0" smtClean="0"/>
-              <a:t>4</a:t>
-            </a:r>
-            <a:r>
-              <a:rPr lang="zh-CN" altLang="en-US" dirty="0" smtClean="0"/>
-              <a:t>、内存优化</a:t>
-            </a:r>
-            <a:endParaRPr lang="en-US" altLang="zh-CN" dirty="0" smtClean="0"/>
-          </a:p>
-          <a:p>
-            <a:pPr marL="0" marR="0" indent="0" algn="l" defTabSz="914400" rtl="0" eaLnBrk="1" fontAlgn="auto" latinLnBrk="0" hangingPunct="1">
-              <a:lnSpc>
-                <a:spcPct val="100000"/>
-              </a:lnSpc>
-              <a:spcBef>
-                <a:spcPts val="0"/>
-              </a:spcBef>
-              <a:spcAft>
-                <a:spcPts val="0"/>
-              </a:spcAft>
-              <a:buClrTx/>
-              <a:buSzTx/>
-              <a:buFontTx/>
-              <a:buNone/>
-              <a:tabLst/>
-              <a:defRPr/>
-            </a:pPr>
-            <a:r>
-              <a:rPr lang="en-US" altLang="zh-CN" dirty="0" smtClean="0"/>
-              <a:t>5</a:t>
-            </a:r>
-            <a:r>
-              <a:rPr lang="zh-CN" altLang="en-US" dirty="0" smtClean="0"/>
-              <a:t>、</a:t>
-            </a:r>
-            <a:r>
-              <a:rPr lang="en-US" altLang="zh-CN" dirty="0" smtClean="0"/>
-              <a:t>GC</a:t>
-            </a:r>
-            <a:r>
-              <a:rPr lang="zh-CN" altLang="en-US" dirty="0" smtClean="0"/>
-              <a:t>回收效率</a:t>
-            </a:r>
-            <a:endParaRPr lang="en-US" altLang="zh-CN" dirty="0" smtClean="0"/>
-          </a:p>
-          <a:p>
-            <a:pPr marL="0" marR="0" indent="0" algn="l" defTabSz="914400" rtl="0" eaLnBrk="1" fontAlgn="auto" latinLnBrk="0" hangingPunct="1">
-              <a:lnSpc>
-                <a:spcPct val="100000"/>
-              </a:lnSpc>
-              <a:spcBef>
-                <a:spcPts val="0"/>
-              </a:spcBef>
-              <a:spcAft>
-                <a:spcPts val="0"/>
-              </a:spcAft>
-              <a:buClrTx/>
-              <a:buSzTx/>
-              <a:buFontTx/>
-              <a:buNone/>
-              <a:tabLst/>
-              <a:defRPr/>
-            </a:pPr>
-            <a:endParaRPr lang="en-US" altLang="zh-CN" dirty="0" smtClean="0"/>
-          </a:p>
-          <a:p>
-            <a:pPr marL="0" marR="0" indent="0" algn="l" defTabSz="914400" rtl="0" eaLnBrk="1" fontAlgn="auto" latinLnBrk="0" hangingPunct="1">
-              <a:lnSpc>
-                <a:spcPct val="100000"/>
-              </a:lnSpc>
-              <a:spcBef>
-                <a:spcPts val="0"/>
-              </a:spcBef>
-              <a:spcAft>
-                <a:spcPts val="0"/>
-              </a:spcAft>
-              <a:buClrTx/>
-              <a:buSzTx/>
-              <a:buFontTx/>
-              <a:buNone/>
-              <a:tabLst/>
-              <a:defRPr/>
-            </a:pPr>
-            <a:endParaRPr lang="en-US" altLang="zh-CN" dirty="0" smtClean="0"/>
+              <a:t>http://www.magicwerk.org/page-collections-overview.html</a:t>
+            </a:r>
+            <a:endParaRPr lang="zh-CN" altLang="en-US" dirty="0"/>
           </a:p>
         </p:txBody>
       </p:sp>
@@ -1592,7 +1719,7 @@
     </p:spTree>
     <p:extLst>
       <p:ext uri="{BB962C8B-B14F-4D97-AF65-F5344CB8AC3E}">
-        <p14:creationId xmlns:p14="http://schemas.microsoft.com/office/powerpoint/2010/main" val="1558251165"/>
+        <p14:creationId xmlns:p14="http://schemas.microsoft.com/office/powerpoint/2010/main" val="3320056552"/>
       </p:ext>
     </p:extLst>
   </p:cSld>
@@ -1646,138 +1773,6 @@
           <a:bodyPr/>
           <a:lstStyle/>
           <a:p>
-            <a:r>
-              <a:rPr lang="en-US" altLang="zh-CN" dirty="0" err="1" smtClean="0"/>
-              <a:t>Javolution</a:t>
-            </a:r>
-            <a:r>
-              <a:rPr lang="zh-CN" altLang="en-US" dirty="0" smtClean="0"/>
-              <a:t>特性介绍参见网址：</a:t>
-            </a:r>
-            <a:endParaRPr lang="en-US" altLang="zh-CN" dirty="0" smtClean="0"/>
-          </a:p>
-          <a:p>
-            <a:r>
-              <a:rPr lang="en-US" altLang="zh-CN" dirty="0" smtClean="0"/>
-              <a:t>   </a:t>
-            </a:r>
-            <a:r>
-              <a:rPr lang="en-US" altLang="zh-CN" dirty="0" smtClean="0">
-                <a:hlinkClick r:id="rId3"/>
-              </a:rPr>
-              <a:t>http://andinker.iteye.com/blog/1920202</a:t>
-            </a:r>
-            <a:endParaRPr lang="en-US" altLang="zh-CN" dirty="0" smtClean="0"/>
-          </a:p>
-          <a:p>
-            <a:r>
-              <a:rPr lang="en-US" altLang="zh-CN" dirty="0" smtClean="0"/>
-              <a:t>   </a:t>
-            </a:r>
-            <a:r>
-              <a:rPr lang="en-US" altLang="zh-CN" dirty="0" smtClean="0">
-                <a:hlinkClick r:id="rId4"/>
-              </a:rPr>
-              <a:t>http://javolution.org/</a:t>
-            </a:r>
-            <a:endParaRPr lang="en-US" altLang="zh-CN" dirty="0" smtClean="0"/>
-          </a:p>
-          <a:p>
-            <a:endParaRPr lang="en-US" altLang="zh-CN" dirty="0" smtClean="0"/>
-          </a:p>
-          <a:p>
-            <a:r>
-              <a:rPr lang="en-US" altLang="zh-CN" dirty="0" smtClean="0"/>
-              <a:t> </a:t>
-            </a:r>
-            <a:r>
-              <a:rPr lang="zh-CN" altLang="en-US" dirty="0" smtClean="0"/>
-              <a:t>实时编程</a:t>
-            </a:r>
-            <a:r>
-              <a:rPr lang="en-US" altLang="zh-CN" dirty="0" smtClean="0"/>
-              <a:t>RSTJ</a:t>
-            </a:r>
-            <a:r>
-              <a:rPr lang="zh-CN" altLang="en-US" dirty="0" smtClean="0"/>
-              <a:t>，何为实时编程？实时编程有哪些要求</a:t>
-            </a:r>
-            <a:endParaRPr lang="en-US" altLang="zh-CN" dirty="0" smtClean="0"/>
-          </a:p>
-          <a:p>
-            <a:endParaRPr lang="en-US" altLang="zh-CN" dirty="0" smtClean="0"/>
-          </a:p>
-          <a:p>
-            <a:r>
-              <a:rPr lang="en-US" altLang="zh-CN" dirty="0" smtClean="0"/>
-              <a:t>Trove </a:t>
-            </a:r>
-          </a:p>
-          <a:p>
-            <a:r>
-              <a:rPr lang="en-US" altLang="zh-CN" dirty="0" smtClean="0"/>
-              <a:t>  1</a:t>
-            </a:r>
-            <a:r>
-              <a:rPr lang="zh-CN" altLang="en-US" dirty="0" smtClean="0"/>
-              <a:t>、开发寻址算法，没有采用链表存储来解决</a:t>
-            </a:r>
-            <a:r>
-              <a:rPr lang="en-US" altLang="zh-CN" dirty="0" smtClean="0"/>
-              <a:t>hash</a:t>
-            </a:r>
-            <a:r>
-              <a:rPr lang="zh-CN" altLang="en-US" dirty="0" smtClean="0"/>
-              <a:t>冲突，节约内存。</a:t>
-            </a:r>
-            <a:endParaRPr lang="en-US" altLang="zh-CN" dirty="0" smtClean="0"/>
-          </a:p>
-          <a:p>
-            <a:r>
-              <a:rPr lang="en-US" altLang="zh-CN" dirty="0" smtClean="0"/>
-              <a:t>  2</a:t>
-            </a:r>
-            <a:r>
-              <a:rPr lang="zh-CN" altLang="en-US" dirty="0" smtClean="0"/>
-              <a:t>、自动封箱、解箱性能问题不复存在</a:t>
-            </a:r>
-            <a:endParaRPr lang="en-US" altLang="zh-CN" dirty="0" smtClean="0"/>
-          </a:p>
-          <a:p>
-            <a:endParaRPr lang="en-US" altLang="zh-CN" dirty="0" smtClean="0"/>
-          </a:p>
-          <a:p>
-            <a:r>
-              <a:rPr lang="en-US" altLang="zh-CN" sz="1200" b="0" i="0" kern="1200" dirty="0" smtClean="0">
-                <a:solidFill>
-                  <a:schemeClr val="tx1"/>
-                </a:solidFill>
-                <a:effectLst/>
-                <a:latin typeface="+mn-lt"/>
-                <a:ea typeface="+mn-ea"/>
-                <a:cs typeface="+mn-cs"/>
-              </a:rPr>
-              <a:t>Brownies</a:t>
-            </a:r>
-            <a:r>
-              <a:rPr lang="zh-CN" altLang="en-US" sz="1200" b="0" i="0" kern="1200" dirty="0" smtClean="0">
-                <a:solidFill>
-                  <a:schemeClr val="tx1"/>
-                </a:solidFill>
-                <a:effectLst/>
-                <a:latin typeface="+mn-lt"/>
-                <a:ea typeface="+mn-ea"/>
-                <a:cs typeface="+mn-cs"/>
-              </a:rPr>
-              <a:t>官方网址</a:t>
-            </a:r>
-            <a:endParaRPr lang="en-US" altLang="zh-CN" baseline="0" dirty="0" smtClean="0"/>
-          </a:p>
-          <a:p>
-            <a:r>
-              <a:rPr lang="en-US" altLang="zh-CN" dirty="0" smtClean="0"/>
-              <a:t>http://www.magicwerk.org/page-collections-overview.html</a:t>
-            </a:r>
             <a:endParaRPr lang="zh-CN" altLang="en-US" dirty="0"/>
           </a:p>
         </p:txBody>
@@ -1800,90 +1795,6 @@
             <a:fld id="{D62A80DA-2C88-480B-A683-D200A0428AC4}" type="slidenum">
               <a:rPr lang="zh-CN" altLang="en-US" smtClean="0"/>
               <a:t>17</a:t>
-            </a:fld>
-            <a:endParaRPr lang="zh-CN" altLang="en-US"/>
-          </a:p>
-        </p:txBody>
-      </p:sp>
-    </p:spTree>
-    <p:extLst>
-      <p:ext uri="{BB962C8B-B14F-4D97-AF65-F5344CB8AC3E}">
-        <p14:creationId xmlns:p14="http://schemas.microsoft.com/office/powerpoint/2010/main" val="3320056552"/>
-      </p:ext>
-    </p:extLst>
-  </p:cSld>
-  <p:clrMapOvr>
-    <a:masterClrMapping/>
-  </p:clrMapOvr>
-</p:notes>
-</file>
-
-<file path=ppt/notesSlides/notesSlide17.xml><?xml version="1.0" encoding="utf-8"?>
-<p:notes xmlns:a="http://schemas.openxmlformats.org/drawingml/2006/main" xmlns:r="http://schemas.openxmlformats.org/officeDocument/2006/relationships" xmlns:p="http://schemas.openxmlformats.org/presentationml/2006/main">
-  <p:cSld>
-    <p:spTree>
-      <p:nvGrpSpPr>
-        <p:cNvPr id="1" name=""/>
-        <p:cNvGrpSpPr/>
-        <p:nvPr/>
-      </p:nvGrpSpPr>
-      <p:grpSpPr>
-        <a:xfrm>
-          <a:off x="0" y="0"/>
-          <a:ext cx="0" cy="0"/>
-          <a:chOff x="0" y="0"/>
-          <a:chExt cx="0" cy="0"/>
-        </a:xfrm>
-      </p:grpSpPr>
-      <p:sp>
-        <p:nvSpPr>
-          <p:cNvPr id="2" name="幻灯片图像占位符 1"/>
-          <p:cNvSpPr>
-            <a:spLocks noGrp="1" noRot="1" noChangeAspect="1"/>
-          </p:cNvSpPr>
-          <p:nvPr>
-            <p:ph type="sldImg"/>
-          </p:nvPr>
-        </p:nvSpPr>
-        <p:spPr/>
-      </p:sp>
-      <p:sp>
-        <p:nvSpPr>
-          <p:cNvPr id="3" name="备注占位符 2"/>
-          <p:cNvSpPr>
-            <a:spLocks noGrp="1"/>
-          </p:cNvSpPr>
-          <p:nvPr>
-            <p:ph type="body" idx="1"/>
-          </p:nvPr>
-        </p:nvSpPr>
-        <p:spPr/>
-        <p:txBody>
-          <a:bodyPr/>
-          <a:lstStyle/>
-          <a:p>
-            <a:endParaRPr lang="zh-CN" altLang="en-US" dirty="0"/>
-          </a:p>
-        </p:txBody>
-      </p:sp>
-      <p:sp>
-        <p:nvSpPr>
-          <p:cNvPr id="4" name="灯片编号占位符 3"/>
-          <p:cNvSpPr>
-            <a:spLocks noGrp="1"/>
-          </p:cNvSpPr>
-          <p:nvPr>
-            <p:ph type="sldNum" sz="quarter" idx="10"/>
-          </p:nvPr>
-        </p:nvSpPr>
-        <p:spPr/>
-        <p:txBody>
-          <a:bodyPr/>
-          <a:lstStyle/>
-          <a:p>
-            <a:fld id="{D62A80DA-2C88-480B-A683-D200A0428AC4}" type="slidenum">
-              <a:rPr lang="zh-CN" altLang="en-US" smtClean="0"/>
-              <a:t>18</a:t>
             </a:fld>
             <a:endParaRPr lang="zh-CN" altLang="en-US"/>
           </a:p>
@@ -3157,7 +3068,27 @@
             </a:r>
             <a:r>
               <a:rPr lang="zh-CN" altLang="zh-CN" dirty="0" smtClean="0"/>
-              <a:t>提供了流畅的语法把数据添加到散列运算，然后获取散列值。</a:t>
+              <a:t>提供</a:t>
+            </a:r>
+            <a:r>
+              <a:rPr lang="zh-CN" altLang="zh-CN" smtClean="0"/>
+              <a:t>了</a:t>
+            </a:r>
+            <a:r>
+              <a:rPr lang="zh-CN" altLang="zh-CN" smtClean="0"/>
+              <a:t>流</a:t>
+            </a:r>
+            <a:r>
+              <a:rPr lang="zh-CN" altLang="en-US" smtClean="0"/>
+              <a:t>式</a:t>
+            </a:r>
+            <a:r>
+              <a:rPr lang="zh-CN" altLang="zh-CN" smtClean="0"/>
+              <a:t>的</a:t>
+            </a:r>
+            <a:r>
+              <a:rPr lang="zh-CN" altLang="zh-CN" dirty="0" smtClean="0"/>
+              <a:t>语法把数据添加到散列运算，然后获取散列值。</a:t>
             </a:r>
             <a:r>
               <a:rPr lang="en-US" altLang="zh-CN" dirty="0" smtClean="0"/>
@@ -6673,12 +6604,8 @@
           <a:p>
             <a:pPr algn="ctr"/>
             <a:r>
-              <a:rPr lang="en-US" altLang="zh-CN" b="1" dirty="0" err="1"/>
-              <a:t>Multiset</a:t>
-            </a:r>
-            <a:r>
-              <a:rPr lang="zh-CN" altLang="en-US" b="1" dirty="0"/>
-              <a:t>集合</a:t>
+              <a:rPr lang="zh-CN" altLang="en-US" b="1" dirty="0" smtClean="0"/>
+              <a:t>新集合类型</a:t>
             </a:r>
             <a:endParaRPr lang="zh-CN" altLang="en-US" dirty="0"/>
           </a:p>
@@ -6693,7 +6620,7 @@
         <p:spPr>
           <a:xfrm>
             <a:off x="611560" y="2367171"/>
-            <a:ext cx="7848872" cy="4247317"/>
+            <a:ext cx="7848872" cy="4801314"/>
           </a:xfrm>
           <a:prstGeom prst="rect">
             <a:avLst/>
@@ -6782,7 +6709,16 @@
                 </a:solidFill>
                 <a:latin typeface="Verdana"/>
               </a:rPr>
-              <a:t>。有多种实现类。</a:t>
+              <a:t>。有多种实现类</a:t>
+            </a:r>
+            <a:r>
+              <a:rPr lang="zh-CN" altLang="en-US" dirty="0" smtClean="0">
+                <a:solidFill>
+                  <a:srgbClr val="333333"/>
+                </a:solidFill>
+                <a:latin typeface="Verdana"/>
+              </a:rPr>
+              <a:t>。</a:t>
             </a:r>
             <a:endParaRPr lang="en-US" altLang="zh-CN" dirty="0" smtClean="0">
               <a:solidFill>
@@ -6792,273 +6728,158 @@
             </a:endParaRPr>
           </a:p>
           <a:p>
-            <a:r>
-              <a:rPr lang="en-US" altLang="zh-CN" dirty="0">
-                <a:solidFill>
-                  <a:srgbClr val="333333"/>
-                </a:solidFill>
-                <a:latin typeface="Verdana"/>
-              </a:rPr>
-              <a:t> </a:t>
-            </a:r>
-            <a:r>
-              <a:rPr lang="en-US" altLang="zh-CN" dirty="0" smtClean="0">
-                <a:solidFill>
-                  <a:srgbClr val="333333"/>
-                </a:solidFill>
-                <a:latin typeface="Verdana"/>
-              </a:rPr>
+            <a:endParaRPr lang="en-US" altLang="zh-CN" dirty="0" smtClean="0">
+              <a:solidFill>
+                <a:srgbClr val="333333"/>
+              </a:solidFill>
+              <a:latin typeface="Verdana"/>
+            </a:endParaRPr>
+          </a:p>
+          <a:p>
+            <a:r>
+              <a:rPr lang="zh-CN" altLang="en-US" dirty="0" smtClean="0"/>
+              <a:t>   在</a:t>
+            </a:r>
+            <a:r>
+              <a:rPr lang="zh-CN" altLang="en-US" dirty="0"/>
+              <a:t>日常的开发工作中，我们有的时候需要构造像</a:t>
+            </a:r>
+            <a:r>
+              <a:rPr lang="en-US" altLang="zh-CN" dirty="0"/>
+              <a:t>Map&lt;K, List&lt;V&gt;&gt;</a:t>
+            </a:r>
+            <a:r>
+              <a:rPr lang="zh-CN" altLang="en-US" dirty="0"/>
+              <a:t>或者</a:t>
+            </a:r>
+            <a:r>
+              <a:rPr lang="en-US" altLang="zh-CN" dirty="0"/>
+              <a:t>Map&lt;K, Set&lt;V&gt;&gt;</a:t>
+            </a:r>
+            <a:r>
+              <a:rPr lang="zh-CN" altLang="en-US" dirty="0"/>
+              <a:t>这样比较复杂的集合类型的数据结构，以便做相应的业务逻辑处理。要组织这样的数据结构显得很笨拙， </a:t>
+            </a:r>
+            <a:r>
+              <a:rPr lang="en-US" altLang="zh-CN" dirty="0"/>
+              <a:t>Guava</a:t>
+            </a:r>
+            <a:r>
+              <a:rPr lang="zh-CN" altLang="en-US" dirty="0"/>
+              <a:t>的</a:t>
+            </a:r>
+            <a:r>
+              <a:rPr lang="en-US" altLang="zh-CN" dirty="0" err="1"/>
+              <a:t>Multimap</a:t>
+            </a:r>
+            <a:r>
+              <a:rPr lang="zh-CN" altLang="en-US" dirty="0"/>
+              <a:t>就提供了一个方便地把一个键对应到多个值的数据结构。</a:t>
+            </a:r>
+            <a:endParaRPr lang="en-US" altLang="zh-CN" dirty="0"/>
+          </a:p>
+          <a:p>
+            <a:r>
+              <a:rPr lang="en-US" altLang="zh-CN" dirty="0" smtClean="0"/>
               <a:t>  </a:t>
             </a:r>
-            <a:r>
-              <a:rPr lang="en-US" altLang="zh-CN" dirty="0" err="1" smtClean="0"/>
-              <a:t>Multiset</a:t>
-            </a:r>
+          </a:p>
+          <a:p>
             <a:r>
               <a:rPr lang="en-US" altLang="zh-CN" dirty="0" smtClean="0"/>
-              <a:t> </a:t>
-            </a:r>
-            <a:r>
-              <a:rPr lang="zh-CN" altLang="en-US" dirty="0" smtClean="0"/>
-              <a:t>接口</a:t>
-            </a:r>
-            <a:r>
-              <a:rPr lang="en-US" altLang="zh-CN" dirty="0" smtClean="0"/>
-              <a:t>API</a:t>
-            </a:r>
-            <a:r>
-              <a:rPr lang="zh-CN" altLang="en-US" dirty="0" smtClean="0"/>
-              <a:t>介绍（详细见</a:t>
-            </a:r>
-            <a:r>
-              <a:rPr lang="en-US" altLang="zh-CN" dirty="0" smtClean="0"/>
-              <a:t>Demo</a:t>
-            </a:r>
-            <a:r>
-              <a:rPr lang="zh-CN" altLang="en-US" dirty="0" smtClean="0"/>
-              <a:t>）：</a:t>
-            </a:r>
-            <a:endParaRPr lang="en-US" altLang="zh-CN" dirty="0" smtClean="0"/>
-          </a:p>
-          <a:p>
-            <a:pPr marL="742950" lvl="1" indent="-285750">
-              <a:buFont typeface="Arial" pitchFamily="34" charset="0"/>
-              <a:buChar char="•"/>
-            </a:pPr>
-            <a:r>
-              <a:rPr lang="en-US" altLang="zh-CN" dirty="0" smtClean="0"/>
-              <a:t>add(E</a:t>
+              <a:t>    </a:t>
+            </a:r>
+            <a:r>
+              <a:rPr lang="en-US" altLang="zh-CN" dirty="0" err="1"/>
+              <a:t>BiMap</a:t>
+            </a:r>
+            <a:r>
+              <a:rPr lang="zh-CN" altLang="en-US" dirty="0"/>
+              <a:t>提供了一种新的集合类型，它提供了</a:t>
             </a:r>
             <a:r>
               <a:rPr lang="en-US" altLang="zh-CN" dirty="0"/>
-              <a:t>)</a:t>
+              <a:t>key</a:t>
             </a:r>
             <a:r>
               <a:rPr lang="zh-CN" altLang="en-US" dirty="0"/>
-              <a:t>添加单个给定元素</a:t>
-            </a:r>
-          </a:p>
-          <a:p>
-            <a:pPr marL="742950" lvl="1" indent="-285750">
-              <a:buFont typeface="Arial" pitchFamily="34" charset="0"/>
-              <a:buChar char="•"/>
-            </a:pPr>
-            <a:r>
-              <a:rPr lang="en-US" altLang="zh-CN" dirty="0" smtClean="0"/>
-              <a:t>iterator</a:t>
+              <a:t>和</a:t>
             </a:r>
             <a:r>
               <a:rPr lang="en-US" altLang="zh-CN" dirty="0"/>
-              <a:t>()</a:t>
+              <a:t>value</a:t>
             </a:r>
             <a:r>
               <a:rPr lang="zh-CN" altLang="en-US" dirty="0"/>
-              <a:t>返回一个迭代器，包含</a:t>
-            </a:r>
-            <a:r>
-              <a:rPr lang="en-US" altLang="zh-CN" dirty="0" err="1"/>
-              <a:t>Multiset</a:t>
-            </a:r>
-            <a:r>
-              <a:rPr lang="zh-CN" altLang="en-US" dirty="0"/>
-              <a:t>的所有元素（包括重复的元素）</a:t>
-            </a:r>
-          </a:p>
-          <a:p>
-            <a:pPr marL="742950" lvl="1" indent="-285750">
-              <a:buFont typeface="Arial" pitchFamily="34" charset="0"/>
-              <a:buChar char="•"/>
-            </a:pPr>
-            <a:r>
-              <a:rPr lang="en-US" altLang="zh-CN" dirty="0" smtClean="0"/>
-              <a:t>size</a:t>
-            </a:r>
-            <a:r>
-              <a:rPr lang="en-US" altLang="zh-CN" dirty="0"/>
-              <a:t>()</a:t>
-            </a:r>
-            <a:r>
-              <a:rPr lang="zh-CN" altLang="en-US" dirty="0"/>
-              <a:t>返回所有元素的总个数（包括重复的元素</a:t>
-            </a:r>
-            <a:r>
-              <a:rPr lang="zh-CN" altLang="en-US" dirty="0" smtClean="0"/>
-              <a:t>）</a:t>
-            </a:r>
-            <a:endParaRPr lang="en-US" altLang="zh-CN" dirty="0" smtClean="0"/>
-          </a:p>
-          <a:p>
-            <a:pPr marL="742950" lvl="1" indent="-285750">
-              <a:buFont typeface="Arial" pitchFamily="34" charset="0"/>
-              <a:buChar char="•"/>
-            </a:pPr>
-            <a:r>
-              <a:rPr lang="en-US" altLang="zh-CN" dirty="0"/>
-              <a:t>count(Object)</a:t>
-            </a:r>
-            <a:r>
-              <a:rPr lang="zh-CN" altLang="en-US" dirty="0"/>
-              <a:t>返回给定元素的计数</a:t>
+              <a:t>的双向关联的数据结构</a:t>
             </a:r>
             <a:r>
               <a:rPr lang="zh-CN" altLang="en-US" dirty="0" smtClean="0"/>
               <a:t>。</a:t>
             </a:r>
-            <a:endParaRPr lang="en-US" altLang="zh-CN" dirty="0" smtClean="0"/>
-          </a:p>
-          <a:p>
-            <a:pPr marL="742950" lvl="1" indent="-285750">
-              <a:buFont typeface="Arial" pitchFamily="34" charset="0"/>
-              <a:buChar char="•"/>
-            </a:pPr>
+            <a:endParaRPr lang="en-US" altLang="zh-CN" dirty="0"/>
+          </a:p>
+          <a:p>
+            <a:r>
+              <a:rPr lang="en-US" altLang="zh-CN" dirty="0"/>
+              <a:t> </a:t>
+            </a:r>
+            <a:r>
+              <a:rPr lang="en-US" altLang="zh-CN" dirty="0" smtClean="0"/>
+              <a:t>   </a:t>
+            </a:r>
+          </a:p>
+          <a:p>
+            <a:r>
+              <a:rPr lang="zh-CN" altLang="en-US" dirty="0" smtClean="0"/>
+              <a:t>    通常</a:t>
+            </a:r>
+            <a:r>
+              <a:rPr lang="zh-CN" altLang="en-US" dirty="0"/>
+              <a:t>来说，当你想使用多个键做索引的时候，你可能会用类似</a:t>
+            </a:r>
+            <a:r>
+              <a:rPr lang="en-US" altLang="zh-CN" dirty="0"/>
+              <a:t>Map&lt;</a:t>
+            </a:r>
             <a:r>
               <a:rPr lang="en-US" altLang="zh-CN" dirty="0" err="1"/>
-              <a:t>entrySet</a:t>
+              <a:t>FirstName</a:t>
             </a:r>
             <a:r>
               <a:rPr lang="en-US" altLang="zh-CN" dirty="0"/>
-              <a:t>()</a:t>
+              <a:t>, Map&lt;</a:t>
+            </a:r>
+            <a:r>
+              <a:rPr lang="en-US" altLang="zh-CN" dirty="0" err="1"/>
+              <a:t>LastName</a:t>
+            </a:r>
+            <a:r>
+              <a:rPr lang="en-US" altLang="zh-CN" dirty="0"/>
+              <a:t>, Person&gt;&gt;</a:t>
             </a:r>
             <a:r>
               <a:rPr lang="zh-CN" altLang="en-US" dirty="0"/>
-              <a:t>返回</a:t>
+              <a:t>的实现，这种方式很丑陋，使用上也不友好。</a:t>
             </a:r>
             <a:r>
               <a:rPr lang="en-US" altLang="zh-CN" dirty="0"/>
-              <a:t>Set&lt;</a:t>
-            </a:r>
-            <a:r>
-              <a:rPr lang="en-US" altLang="zh-CN" dirty="0" err="1"/>
-              <a:t>Multiset.Entry</a:t>
-            </a:r>
-            <a:r>
-              <a:rPr lang="en-US" altLang="zh-CN" dirty="0"/>
-              <a:t>&lt;E&gt;&gt;</a:t>
+              <a:t>Guava</a:t>
             </a:r>
             <a:r>
               <a:rPr lang="zh-CN" altLang="en-US" dirty="0"/>
-              <a:t>，和</a:t>
-            </a:r>
-            <a:r>
-              <a:rPr lang="en-US" altLang="zh-CN" dirty="0"/>
-              <a:t>Map</a:t>
+              <a:t>为此提供了新集合类型</a:t>
+            </a:r>
+            <a:r>
+              <a:rPr lang="en-US" altLang="zh-CN" u="sng" dirty="0">
+                <a:hlinkClick r:id="rId4"/>
+              </a:rPr>
+              <a:t>Table</a:t>
             </a:r>
             <a:r>
               <a:rPr lang="zh-CN" altLang="en-US" dirty="0"/>
-              <a:t>的</a:t>
-            </a:r>
-            <a:r>
-              <a:rPr lang="en-US" altLang="zh-CN" dirty="0" err="1"/>
-              <a:t>entrySet</a:t>
-            </a:r>
-            <a:r>
-              <a:rPr lang="zh-CN" altLang="en-US" dirty="0" smtClean="0"/>
-              <a:t>类似</a:t>
-            </a:r>
-            <a:endParaRPr lang="en-US" altLang="zh-CN" dirty="0" smtClean="0"/>
-          </a:p>
-          <a:p>
-            <a:pPr marL="742950" lvl="1" indent="-285750">
-              <a:buFont typeface="Arial" pitchFamily="34" charset="0"/>
-              <a:buChar char="•"/>
-            </a:pPr>
-            <a:r>
-              <a:rPr lang="en-US" altLang="zh-CN" dirty="0" err="1"/>
-              <a:t>elementSet</a:t>
-            </a:r>
-            <a:r>
-              <a:rPr lang="en-US" altLang="zh-CN" dirty="0"/>
-              <a:t>()</a:t>
-            </a:r>
-            <a:r>
-              <a:rPr lang="zh-CN" altLang="en-US" dirty="0"/>
-              <a:t>返回所有不重复元素的</a:t>
-            </a:r>
-            <a:r>
-              <a:rPr lang="en-US" altLang="zh-CN" dirty="0"/>
-              <a:t>Set&lt;E&gt;</a:t>
-            </a:r>
-            <a:r>
-              <a:rPr lang="zh-CN" altLang="en-US" dirty="0"/>
-              <a:t>，和</a:t>
-            </a:r>
-            <a:r>
-              <a:rPr lang="en-US" altLang="zh-CN" dirty="0"/>
-              <a:t>Map</a:t>
-            </a:r>
-            <a:r>
-              <a:rPr lang="zh-CN" altLang="en-US" dirty="0"/>
-              <a:t>的</a:t>
-            </a:r>
-            <a:r>
-              <a:rPr lang="en-US" altLang="zh-CN" dirty="0" err="1"/>
-              <a:t>keySet</a:t>
-            </a:r>
-            <a:r>
-              <a:rPr lang="en-US" altLang="zh-CN" dirty="0"/>
-              <a:t>()</a:t>
-            </a:r>
-            <a:r>
-              <a:rPr lang="zh-CN" altLang="en-US" dirty="0"/>
-              <a:t>类似。</a:t>
-            </a:r>
-          </a:p>
-          <a:p>
-            <a:pPr marL="742950" lvl="1" indent="-285750">
-              <a:buFont typeface="Arial" pitchFamily="34" charset="0"/>
-              <a:buChar char="•"/>
-            </a:pPr>
-            <a:r>
-              <a:rPr lang="zh-CN" altLang="en-US" dirty="0"/>
-              <a:t>所有</a:t>
-            </a:r>
-            <a:r>
-              <a:rPr lang="en-US" altLang="zh-CN" dirty="0" err="1"/>
-              <a:t>Multiset</a:t>
-            </a:r>
-            <a:r>
-              <a:rPr lang="zh-CN" altLang="en-US" dirty="0"/>
-              <a:t>实现的内存消耗随着不重复元素的个数线性增长</a:t>
-            </a:r>
-            <a:r>
-              <a:rPr lang="zh-CN" altLang="en-US" dirty="0" smtClean="0"/>
-              <a:t>。</a:t>
-            </a:r>
-            <a:endParaRPr lang="en-US" altLang="zh-CN" dirty="0" smtClean="0"/>
-          </a:p>
-          <a:p>
-            <a:pPr lvl="1"/>
-            <a:endParaRPr lang="en-US" altLang="zh-CN" dirty="0"/>
-          </a:p>
-          <a:p>
-            <a:pPr lvl="1"/>
-            <a:endParaRPr lang="zh-CN" altLang="en-US" dirty="0"/>
-          </a:p>
-          <a:p>
-            <a:pPr marL="742950" lvl="1" indent="-285750">
-              <a:buFont typeface="Arial" pitchFamily="34" charset="0"/>
-              <a:buChar char="•"/>
-            </a:pPr>
+              <a:t>，它有两个支持所有类型的键：”行”和”列”。</a:t>
+            </a:r>
             <a:endParaRPr lang="zh-CN" altLang="en-US" dirty="0"/>
           </a:p>
           <a:p>
@@ -7193,7 +7014,7 @@
         <p:spPr>
           <a:xfrm>
             <a:off x="439467" y="697232"/>
-            <a:ext cx="3484461" cy="1274658"/>
+            <a:ext cx="4680520" cy="1274658"/>
           </a:xfrm>
           <a:prstGeom prst="irregularSeal1">
             <a:avLst/>
@@ -7225,146 +7046,11 @@
           <a:bodyPr rtlCol="0" anchor="ctr"/>
           <a:lstStyle/>
           <a:p>
-            <a:r>
-              <a:rPr lang="en-US" altLang="zh-CN" b="1" dirty="0" smtClean="0"/>
-              <a:t>   </a:t>
-            </a:r>
-            <a:r>
-              <a:rPr lang="en-US" altLang="zh-CN" b="1" dirty="0" err="1" smtClean="0"/>
-              <a:t>Multimap</a:t>
-            </a:r>
-            <a:r>
-              <a:rPr lang="zh-CN" altLang="en-US" b="1" dirty="0" smtClean="0"/>
-              <a:t>集合</a:t>
-            </a:r>
-            <a:endParaRPr lang="en-US" altLang="zh-CN" b="1" dirty="0"/>
-          </a:p>
-        </p:txBody>
-      </p:sp>
-      <p:sp>
-        <p:nvSpPr>
-          <p:cNvPr id="2" name="矩形 1"/>
-          <p:cNvSpPr/>
-          <p:nvPr/>
-        </p:nvSpPr>
-        <p:spPr>
-          <a:xfrm>
-            <a:off x="439467" y="2204864"/>
-            <a:ext cx="7804941" cy="2308324"/>
-          </a:xfrm>
-          <a:prstGeom prst="rect">
-            <a:avLst/>
-          </a:prstGeom>
-        </p:spPr>
-        <p:txBody>
-          <a:bodyPr wrap="square">
-            <a:spAutoFit/>
-          </a:bodyPr>
-          <a:lstStyle/>
-          <a:p>
+            <a:pPr algn="ctr"/>
             <a:r>
               <a:rPr lang="zh-CN" altLang="en-US" dirty="0" smtClean="0"/>
-              <a:t>    在</a:t>
-            </a:r>
-            <a:r>
-              <a:rPr lang="zh-CN" altLang="en-US" dirty="0"/>
-              <a:t>日常的开发工作中，我们有的时候需要构造像</a:t>
-            </a:r>
-            <a:r>
-              <a:rPr lang="en-US" altLang="zh-CN" dirty="0"/>
-              <a:t>Map&lt;K, List&lt;V&gt;&gt;</a:t>
-            </a:r>
-            <a:r>
-              <a:rPr lang="zh-CN" altLang="en-US" dirty="0"/>
-              <a:t>或者</a:t>
-            </a:r>
-            <a:r>
-              <a:rPr lang="en-US" altLang="zh-CN" dirty="0"/>
-              <a:t>Map&lt;K, Set&lt;V&gt;&gt;</a:t>
-            </a:r>
-            <a:r>
-              <a:rPr lang="zh-CN" altLang="en-US" dirty="0"/>
-              <a:t>这样比较复杂的集合类型的数据结构，以便做相应的业务逻辑</a:t>
-            </a:r>
-            <a:r>
-              <a:rPr lang="zh-CN" altLang="en-US" dirty="0" smtClean="0"/>
-              <a:t>处理。要组织这样的数据结构显得很笨拙，</a:t>
-            </a:r>
-            <a:r>
-              <a:rPr lang="zh-CN" altLang="en-US" dirty="0"/>
-              <a:t> </a:t>
-            </a:r>
-            <a:r>
-              <a:rPr lang="en-US" altLang="zh-CN" dirty="0"/>
-              <a:t>Guava</a:t>
-            </a:r>
-            <a:r>
-              <a:rPr lang="zh-CN" altLang="en-US" dirty="0"/>
-              <a:t>的</a:t>
-            </a:r>
-            <a:r>
-              <a:rPr lang="en-US" altLang="zh-CN" dirty="0" err="1"/>
-              <a:t>Multimap</a:t>
-            </a:r>
-            <a:r>
-              <a:rPr lang="zh-CN" altLang="en-US" dirty="0"/>
-              <a:t>就提供了一个方便地把一个键对应到多个值的数据结构</a:t>
-            </a:r>
-            <a:r>
-              <a:rPr lang="zh-CN" altLang="en-US" dirty="0" smtClean="0"/>
-              <a:t>。</a:t>
-            </a:r>
-            <a:endParaRPr lang="en-US" altLang="zh-CN" dirty="0" smtClean="0"/>
-          </a:p>
-          <a:p>
-            <a:r>
-              <a:rPr lang="en-US" altLang="zh-CN" dirty="0"/>
-              <a:t> </a:t>
-            </a:r>
-            <a:r>
-              <a:rPr lang="en-US" altLang="zh-CN" dirty="0" smtClean="0"/>
-              <a:t>   </a:t>
-            </a:r>
-            <a:r>
-              <a:rPr lang="en-US" altLang="zh-CN" dirty="0" err="1" smtClean="0"/>
-              <a:t>Multimap</a:t>
-            </a:r>
-            <a:r>
-              <a:rPr lang="zh-CN" altLang="en-US" dirty="0" smtClean="0"/>
-              <a:t>主要</a:t>
-            </a:r>
-            <a:r>
-              <a:rPr lang="en-US" altLang="zh-CN" dirty="0" smtClean="0"/>
-              <a:t>API</a:t>
-            </a:r>
-            <a:r>
-              <a:rPr lang="zh-CN" altLang="en-US" dirty="0" smtClean="0"/>
-              <a:t>介绍如下（详细见</a:t>
-            </a:r>
-            <a:r>
-              <a:rPr lang="en-US" altLang="zh-CN" dirty="0" smtClean="0"/>
-              <a:t>Demo</a:t>
-            </a:r>
-            <a:r>
-              <a:rPr lang="zh-CN" altLang="en-US" dirty="0" smtClean="0"/>
-              <a:t>）</a:t>
-            </a:r>
-            <a:r>
-              <a:rPr lang="en-US" altLang="zh-CN" dirty="0" smtClean="0"/>
-              <a:t>:</a:t>
-            </a:r>
-          </a:p>
-          <a:p>
-            <a:r>
-              <a:rPr lang="en-US" altLang="zh-CN" dirty="0" smtClean="0"/>
-              <a:t> </a:t>
-            </a:r>
-            <a:endParaRPr lang="en-US" altLang="zh-CN" dirty="0"/>
-          </a:p>
-          <a:p>
-            <a:endParaRPr lang="en-US" altLang="zh-CN" dirty="0" smtClean="0"/>
-          </a:p>
-          <a:p>
+              <a:t>限流技术</a:t>
+            </a:r>
             <a:endParaRPr lang="zh-CN" altLang="en-US" dirty="0"/>
           </a:p>
         </p:txBody>
@@ -7372,7 +7058,7 @@
     </p:spTree>
     <p:extLst>
       <p:ext uri="{BB962C8B-B14F-4D97-AF65-F5344CB8AC3E}">
-        <p14:creationId xmlns:p14="http://schemas.microsoft.com/office/powerpoint/2010/main" val="3321521388"/>
+        <p14:creationId xmlns:p14="http://schemas.microsoft.com/office/powerpoint/2010/main" val="3397221737"/>
       </p:ext>
     </p:extLst>
   </p:cSld>
@@ -7408,7 +7094,7 @@
       </p:grpSpPr>
       <p:pic>
         <p:nvPicPr>
-          <p:cNvPr id="4" name="图片 3"/>
+          <p:cNvPr id="6" name="图片 5"/>
           <p:cNvPicPr>
             <a:picLocks noChangeAspect="1"/>
           </p:cNvPicPr>
@@ -7428,7 +7114,7 @@
         </p:blipFill>
         <p:spPr>
           <a:xfrm>
-            <a:off x="-23257" y="-19932"/>
+            <a:off x="0" y="-19932"/>
             <a:ext cx="1570922" cy="717164"/>
           </a:xfrm>
           <a:prstGeom prst="rect">
@@ -7438,14 +7124,14 @@
       </p:pic>
       <p:sp>
         <p:nvSpPr>
-          <p:cNvPr id="5" name="矩形 4"/>
+          <p:cNvPr id="7" name="矩形 6"/>
           <p:cNvSpPr/>
           <p:nvPr/>
         </p:nvSpPr>
         <p:spPr>
           <a:xfrm>
             <a:off x="1187624" y="260648"/>
-            <a:ext cx="1592103" cy="369332"/>
+            <a:ext cx="668773" cy="369332"/>
           </a:xfrm>
           <a:prstGeom prst="rect">
             <a:avLst/>
@@ -7466,16 +7152,6 @@
                 <a:ea typeface="华文行楷" pitchFamily="2" charset="-122"/>
               </a:rPr>
               <a:t>Guava</a:t>
-            </a:r>
-            <a:r>
-              <a:rPr lang="zh-CN" altLang="en-US" b="1" dirty="0" smtClean="0">
-                <a:solidFill>
-                  <a:srgbClr val="C00000"/>
-                </a:solidFill>
-                <a:latin typeface="华文行楷" pitchFamily="2" charset="-122"/>
-                <a:ea typeface="华文行楷" pitchFamily="2" charset="-122"/>
-              </a:rPr>
-              <a:t>基础知识</a:t>
             </a:r>
             <a:endParaRPr lang="zh-CN" altLang="en-US" b="1" dirty="0">
               <a:solidFill>
@@ -7489,16 +7165,16 @@
       </p:sp>
       <p:sp>
         <p:nvSpPr>
-          <p:cNvPr id="6" name="爆炸形 1 5"/>
+          <p:cNvPr id="3" name="矩形 2"/>
           <p:cNvSpPr/>
           <p:nvPr/>
         </p:nvSpPr>
         <p:spPr>
           <a:xfrm>
-            <a:off x="439467" y="697232"/>
-            <a:ext cx="4680520" cy="1274658"/>
-          </a:xfrm>
-          <a:prstGeom prst="irregularSeal1">
+            <a:off x="35496" y="1412776"/>
+            <a:ext cx="9144000" cy="5112568"/>
+          </a:xfrm>
+          <a:prstGeom prst="rect">
             <a:avLst/>
           </a:prstGeom>
           <a:solidFill>
@@ -7528,19 +7204,205 @@
           <a:bodyPr rtlCol="0" anchor="ctr"/>
           <a:lstStyle/>
           <a:p>
-            <a:pPr algn="ctr"/>
-            <a:r>
-              <a:rPr lang="zh-CN" altLang="en-US" dirty="0" smtClean="0"/>
-              <a:t>限流技术</a:t>
-            </a:r>
+            <a:pPr marL="457200" indent="-457200">
+              <a:lnSpc>
+                <a:spcPts val="5000"/>
+              </a:lnSpc>
+              <a:buFont typeface="Wingdings" pitchFamily="2" charset="2"/>
+              <a:buChar char="u"/>
+            </a:pPr>
+            <a:r>
+              <a:rPr lang="zh-CN" altLang="en-US" sz="2800" b="1" dirty="0" smtClean="0">
+                <a:latin typeface="华文楷体" pitchFamily="2" charset="-122"/>
+                <a:ea typeface="华文楷体" pitchFamily="2" charset="-122"/>
+              </a:rPr>
+              <a:t>高性能集合框架介绍</a:t>
+            </a:r>
+            <a:endParaRPr lang="en-US" altLang="zh-CN" sz="2800" b="1" dirty="0" smtClean="0">
+              <a:latin typeface="华文楷体" pitchFamily="2" charset="-122"/>
+              <a:ea typeface="华文楷体" pitchFamily="2" charset="-122"/>
+            </a:endParaRPr>
+          </a:p>
+          <a:p>
+            <a:pPr marL="457200" indent="-457200">
+              <a:lnSpc>
+                <a:spcPts val="5000"/>
+              </a:lnSpc>
+              <a:buFont typeface="Wingdings" pitchFamily="2" charset="2"/>
+              <a:buChar char="u"/>
+            </a:pPr>
+            <a:r>
+              <a:rPr lang="en-US" altLang="zh-CN" sz="2800" b="1" dirty="0" smtClean="0">
+                <a:latin typeface="华文楷体" pitchFamily="2" charset="-122"/>
+                <a:ea typeface="华文楷体" pitchFamily="2" charset="-122"/>
+              </a:rPr>
+              <a:t> </a:t>
+            </a:r>
+            <a:r>
+              <a:rPr lang="en-US" altLang="zh-CN" sz="2800" b="1" dirty="0" err="1" smtClean="0">
+                <a:latin typeface="华文楷体" pitchFamily="2" charset="-122"/>
+                <a:ea typeface="华文楷体" pitchFamily="2" charset="-122"/>
+              </a:rPr>
+              <a:t>FastTable</a:t>
+            </a:r>
+            <a:r>
+              <a:rPr lang="en-US" altLang="zh-CN" sz="2800" b="1" dirty="0" smtClean="0">
+                <a:latin typeface="华文楷体" pitchFamily="2" charset="-122"/>
+                <a:ea typeface="华文楷体" pitchFamily="2" charset="-122"/>
+              </a:rPr>
+              <a:t> </a:t>
+            </a:r>
+            <a:r>
+              <a:rPr lang="zh-CN" altLang="en-US" sz="2800" b="1" dirty="0" smtClean="0">
+                <a:latin typeface="华文楷体" pitchFamily="2" charset="-122"/>
+                <a:ea typeface="华文楷体" pitchFamily="2" charset="-122"/>
+              </a:rPr>
+              <a:t>分析</a:t>
+            </a:r>
+            <a:endParaRPr lang="en-US" altLang="zh-CN" sz="2800" b="1" dirty="0" smtClean="0">
+              <a:latin typeface="华文楷体" pitchFamily="2" charset="-122"/>
+              <a:ea typeface="华文楷体" pitchFamily="2" charset="-122"/>
+            </a:endParaRPr>
+          </a:p>
+          <a:p>
+            <a:pPr marL="457200" indent="-457200">
+              <a:lnSpc>
+                <a:spcPts val="5000"/>
+              </a:lnSpc>
+              <a:buFont typeface="Wingdings" pitchFamily="2" charset="2"/>
+              <a:buChar char="u"/>
+            </a:pPr>
+            <a:r>
+              <a:rPr lang="en-US" altLang="zh-CN" sz="2800" b="1" dirty="0">
+                <a:latin typeface="华文楷体" pitchFamily="2" charset="-122"/>
+                <a:ea typeface="华文楷体" pitchFamily="2" charset="-122"/>
+              </a:rPr>
+              <a:t> </a:t>
+            </a:r>
+            <a:r>
+              <a:rPr lang="en-US" altLang="zh-CN" sz="2800" b="1" dirty="0" err="1" smtClean="0">
+                <a:latin typeface="华文楷体" pitchFamily="2" charset="-122"/>
+                <a:ea typeface="华文楷体" pitchFamily="2" charset="-122"/>
+              </a:rPr>
+              <a:t>FastTable</a:t>
+            </a:r>
+            <a:r>
+              <a:rPr lang="en-US" altLang="zh-CN" sz="2800" b="1" dirty="0" smtClean="0">
+                <a:latin typeface="华文楷体" pitchFamily="2" charset="-122"/>
+                <a:ea typeface="华文楷体" pitchFamily="2" charset="-122"/>
+              </a:rPr>
+              <a:t> VS </a:t>
+            </a:r>
+            <a:r>
+              <a:rPr lang="en-US" altLang="zh-CN" sz="2800" b="1" dirty="0" err="1" smtClean="0">
+                <a:latin typeface="华文楷体" pitchFamily="2" charset="-122"/>
+                <a:ea typeface="华文楷体" pitchFamily="2" charset="-122"/>
+              </a:rPr>
+              <a:t>ArrayList</a:t>
+            </a:r>
+            <a:endParaRPr lang="en-US" altLang="zh-CN" sz="2800" b="1" dirty="0" smtClean="0">
+              <a:latin typeface="华文楷体" pitchFamily="2" charset="-122"/>
+              <a:ea typeface="华文楷体" pitchFamily="2" charset="-122"/>
+            </a:endParaRPr>
+          </a:p>
+          <a:p>
+            <a:pPr marL="457200" indent="-457200">
+              <a:lnSpc>
+                <a:spcPts val="5000"/>
+              </a:lnSpc>
+              <a:buFont typeface="Wingdings" pitchFamily="2" charset="2"/>
+              <a:buChar char="u"/>
+            </a:pPr>
+            <a:r>
+              <a:rPr lang="en-US" altLang="zh-CN" sz="2800" b="1" dirty="0">
+                <a:latin typeface="华文楷体" pitchFamily="2" charset="-122"/>
+                <a:ea typeface="华文楷体" pitchFamily="2" charset="-122"/>
+              </a:rPr>
+              <a:t> </a:t>
+            </a:r>
+            <a:r>
+              <a:rPr lang="en-US" altLang="zh-CN" sz="2800" b="1" dirty="0" err="1" smtClean="0">
+                <a:latin typeface="华文楷体" pitchFamily="2" charset="-122"/>
+                <a:ea typeface="华文楷体" pitchFamily="2" charset="-122"/>
+              </a:rPr>
+              <a:t>FastTable</a:t>
+            </a:r>
+            <a:r>
+              <a:rPr lang="en-US" altLang="zh-CN" sz="2800" b="1" dirty="0" smtClean="0">
+                <a:latin typeface="华文楷体" pitchFamily="2" charset="-122"/>
+                <a:ea typeface="华文楷体" pitchFamily="2" charset="-122"/>
+              </a:rPr>
+              <a:t> VS </a:t>
+            </a:r>
+            <a:r>
+              <a:rPr lang="en-US" altLang="zh-CN" sz="2800" b="1" dirty="0" err="1" smtClean="0">
+                <a:latin typeface="华文楷体" pitchFamily="2" charset="-122"/>
+                <a:ea typeface="华文楷体" pitchFamily="2" charset="-122"/>
+              </a:rPr>
+              <a:t>BigList</a:t>
+            </a:r>
+            <a:r>
+              <a:rPr lang="en-US" altLang="zh-CN" sz="2800" b="1" dirty="0" smtClean="0">
+                <a:latin typeface="华文楷体" pitchFamily="2" charset="-122"/>
+                <a:ea typeface="华文楷体" pitchFamily="2" charset="-122"/>
+              </a:rPr>
+              <a:t>  </a:t>
+            </a:r>
+            <a:endParaRPr lang="zh-CN" altLang="zh-CN" sz="2800" b="1" dirty="0">
+              <a:latin typeface="华文楷体" pitchFamily="2" charset="-122"/>
+              <a:ea typeface="华文楷体" pitchFamily="2" charset="-122"/>
+            </a:endParaRPr>
+          </a:p>
+          <a:p>
             <a:endParaRPr lang="zh-CN" altLang="en-US" dirty="0"/>
+          </a:p>
+        </p:txBody>
+      </p:sp>
+      <p:sp>
+        <p:nvSpPr>
+          <p:cNvPr id="8" name="矩形 7"/>
+          <p:cNvSpPr/>
+          <p:nvPr/>
+        </p:nvSpPr>
+        <p:spPr>
+          <a:xfrm>
+            <a:off x="251520" y="836712"/>
+            <a:ext cx="7920880" cy="523220"/>
+          </a:xfrm>
+          <a:prstGeom prst="rect">
+            <a:avLst/>
+          </a:prstGeom>
+        </p:spPr>
+        <p:txBody>
+          <a:bodyPr wrap="square">
+            <a:spAutoFit/>
+          </a:bodyPr>
+          <a:lstStyle/>
+          <a:p>
+            <a:r>
+              <a:rPr lang="zh-CN" altLang="en-US" sz="2800" b="1" dirty="0" smtClean="0">
+                <a:solidFill>
+                  <a:srgbClr val="C00000"/>
+                </a:solidFill>
+                <a:latin typeface="华文行楷" pitchFamily="2" charset="-122"/>
+                <a:ea typeface="华文行楷" pitchFamily="2" charset="-122"/>
+              </a:rPr>
+              <a:t>第三部分  集合框架性能分析</a:t>
+            </a:r>
+            <a:endParaRPr lang="zh-CN" altLang="en-US" sz="2800" b="1" dirty="0">
+              <a:solidFill>
+                <a:srgbClr val="C00000"/>
+              </a:solidFill>
+              <a:latin typeface="华文行楷" pitchFamily="2" charset="-122"/>
+              <a:ea typeface="华文行楷" pitchFamily="2" charset="-122"/>
+            </a:endParaRPr>
           </a:p>
         </p:txBody>
       </p:sp>
     </p:spTree>
     <p:extLst>
       <p:ext uri="{BB962C8B-B14F-4D97-AF65-F5344CB8AC3E}">
-        <p14:creationId xmlns:p14="http://schemas.microsoft.com/office/powerpoint/2010/main" val="3397221737"/>
+        <p14:creationId xmlns:p14="http://schemas.microsoft.com/office/powerpoint/2010/main" val="3956596302"/>
       </p:ext>
     </p:extLst>
   </p:cSld>
@@ -7613,7 +7475,7 @@
         <p:spPr>
           <a:xfrm>
             <a:off x="1187624" y="260648"/>
-            <a:ext cx="668773" cy="369332"/>
+            <a:ext cx="2031325" cy="369332"/>
           </a:xfrm>
           <a:prstGeom prst="rect">
             <a:avLst/>
@@ -7626,22 +7488,15 @@
           <a:lstStyle/>
           <a:p>
             <a:r>
-              <a:rPr lang="en-US" altLang="zh-CN" b="1" dirty="0" smtClean="0">
+              <a:rPr lang="zh-CN" altLang="en-US" b="1" dirty="0">
                 <a:solidFill>
                   <a:srgbClr val="C00000"/>
                 </a:solidFill>
                 <a:latin typeface="华文行楷" pitchFamily="2" charset="-122"/>
                 <a:ea typeface="华文行楷" pitchFamily="2" charset="-122"/>
               </a:rPr>
-              <a:t>Guava</a:t>
-            </a:r>
-            <a:endParaRPr lang="zh-CN" altLang="en-US" b="1" dirty="0">
-              <a:solidFill>
-                <a:srgbClr val="C00000"/>
-              </a:solidFill>
-              <a:latin typeface="华文行楷" pitchFamily="2" charset="-122"/>
-              <a:ea typeface="华文行楷" pitchFamily="2" charset="-122"/>
-            </a:endParaRPr>
+              <a:t>集合框架性能分析</a:t>
+            </a:r>
           </a:p>
         </p:txBody>
       </p:sp>
@@ -7694,16 +7549,14 @@
               <a:buChar char="u"/>
             </a:pPr>
             <a:r>
-              <a:rPr lang="zh-CN" altLang="en-US" sz="2800" b="1" dirty="0" smtClean="0">
-                <a:latin typeface="华文楷体" pitchFamily="2" charset="-122"/>
-                <a:ea typeface="华文楷体" pitchFamily="2" charset="-122"/>
-              </a:rPr>
-              <a:t>高性能集合框架介绍</a:t>
-            </a:r>
-            <a:endParaRPr lang="en-US" altLang="zh-CN" sz="2800" b="1" dirty="0" smtClean="0">
-              <a:latin typeface="华文楷体" pitchFamily="2" charset="-122"/>
-              <a:ea typeface="华文楷体" pitchFamily="2" charset="-122"/>
-            </a:endParaRPr>
+              <a:rPr lang="en-US" altLang="zh-CN" sz="2800" dirty="0" smtClean="0"/>
+              <a:t> </a:t>
+            </a:r>
+            <a:r>
+              <a:rPr lang="en-US" altLang="zh-CN" sz="2800" dirty="0" err="1" smtClean="0"/>
+              <a:t>Javolution</a:t>
+            </a:r>
+            <a:endParaRPr lang="en-US" altLang="zh-CN" sz="2800" dirty="0" smtClean="0"/>
           </a:p>
           <a:p>
             <a:pPr marL="457200" indent="-457200">
@@ -7721,30 +7574,10 @@
               <a:t> </a:t>
             </a:r>
             <a:r>
-              <a:rPr lang="en-US" altLang="zh-CN" sz="2800" b="1" dirty="0" err="1" smtClean="0">
-                <a:latin typeface="华文楷体" pitchFamily="2" charset="-122"/>
-                <a:ea typeface="华文楷体" pitchFamily="2" charset="-122"/>
-              </a:rPr>
-              <a:t>FastTable</a:t>
-            </a:r>
-            <a:r>
-              <a:rPr lang="en-US" altLang="zh-CN" sz="2800" b="1" dirty="0" smtClean="0">
-                <a:latin typeface="华文楷体" pitchFamily="2" charset="-122"/>
-                <a:ea typeface="华文楷体" pitchFamily="2" charset="-122"/>
-              </a:rPr>
-              <a:t> </a:t>
-            </a:r>
-            <a:r>
-              <a:rPr lang="zh-CN" altLang="en-US" sz="2800" b="1" dirty="0" smtClean="0">
-                <a:latin typeface="华文楷体" pitchFamily="2" charset="-122"/>
-                <a:ea typeface="华文楷体" pitchFamily="2" charset="-122"/>
-              </a:rPr>
-              <a:t>分析</a:t>
-            </a:r>
-            <a:endParaRPr lang="en-US" altLang="zh-CN" sz="2800" b="1" dirty="0" smtClean="0">
-              <a:latin typeface="华文楷体" pitchFamily="2" charset="-122"/>
-              <a:ea typeface="华文楷体" pitchFamily="2" charset="-122"/>
-            </a:endParaRPr>
+              <a:rPr lang="en-US" altLang="zh-CN" sz="2800" dirty="0"/>
+              <a:t>Trove </a:t>
+            </a:r>
+            <a:endParaRPr lang="en-US" altLang="zh-CN" sz="2800" dirty="0" smtClean="0"/>
           </a:p>
           <a:p>
             <a:pPr marL="457200" indent="-457200">
@@ -7762,25 +7595,8 @@
               <a:t> </a:t>
             </a:r>
             <a:r>
-              <a:rPr lang="en-US" altLang="zh-CN" sz="2800" b="1" dirty="0" err="1" smtClean="0">
-                <a:latin typeface="华文楷体" pitchFamily="2" charset="-122"/>
-                <a:ea typeface="华文楷体" pitchFamily="2" charset="-122"/>
-              </a:rPr>
-              <a:t>FastTable</a:t>
-            </a:r>
-            <a:r>
-              <a:rPr lang="en-US" altLang="zh-CN" sz="2800" b="1" dirty="0" smtClean="0">
-                <a:latin typeface="华文楷体" pitchFamily="2" charset="-122"/>
-                <a:ea typeface="华文楷体" pitchFamily="2" charset="-122"/>
-              </a:rPr>
-              <a:t> VS </a:t>
-            </a:r>
-            <a:r>
-              <a:rPr lang="en-US" altLang="zh-CN" sz="2800" b="1" dirty="0" err="1" smtClean="0">
-                <a:latin typeface="华文楷体" pitchFamily="2" charset="-122"/>
-                <a:ea typeface="华文楷体" pitchFamily="2" charset="-122"/>
-              </a:rPr>
-              <a:t>ArrayList</a:t>
+              <a:rPr lang="en-US" altLang="zh-CN" sz="2800" dirty="0" smtClean="0"/>
+              <a:t>Brownies</a:t>
             </a:r>
             <a:endParaRPr lang="en-US" altLang="zh-CN" sz="2800" b="1" dirty="0" smtClean="0">
               <a:latin typeface="华文楷体" pitchFamily="2" charset="-122"/>
@@ -7796,40 +7612,55 @@
               <a:buChar char="u"/>
             </a:pPr>
             <a:r>
-              <a:rPr lang="en-US" altLang="zh-CN" sz="2800" b="1" dirty="0">
-                <a:latin typeface="华文楷体" pitchFamily="2" charset="-122"/>
-                <a:ea typeface="华文楷体" pitchFamily="2" charset="-122"/>
-              </a:rPr>
-              <a:t> </a:t>
-            </a:r>
-            <a:r>
-              <a:rPr lang="en-US" altLang="zh-CN" sz="2800" b="1" dirty="0" err="1" smtClean="0">
-                <a:latin typeface="华文楷体" pitchFamily="2" charset="-122"/>
-                <a:ea typeface="华文楷体" pitchFamily="2" charset="-122"/>
-              </a:rPr>
-              <a:t>FastTable</a:t>
-            </a:r>
-            <a:r>
               <a:rPr lang="en-US" altLang="zh-CN" sz="2800" b="1" dirty="0" smtClean="0">
                 <a:latin typeface="华文楷体" pitchFamily="2" charset="-122"/>
                 <a:ea typeface="华文楷体" pitchFamily="2" charset="-122"/>
               </a:rPr>
-              <a:t> VS </a:t>
-            </a:r>
-            <a:r>
-              <a:rPr lang="en-US" altLang="zh-CN" sz="2800" b="1" dirty="0" err="1" smtClean="0">
-                <a:latin typeface="华文楷体" pitchFamily="2" charset="-122"/>
-                <a:ea typeface="华文楷体" pitchFamily="2" charset="-122"/>
-              </a:rPr>
-              <a:t>BigList</a:t>
-            </a:r>
-            <a:r>
-              <a:rPr lang="en-US" altLang="zh-CN" sz="2800" b="1" dirty="0" smtClean="0">
-                <a:latin typeface="华文楷体" pitchFamily="2" charset="-122"/>
-                <a:ea typeface="华文楷体" pitchFamily="2" charset="-122"/>
-              </a:rPr>
-              <a:t>  </a:t>
-            </a:r>
+              <a:t> HPPC</a:t>
+            </a:r>
+          </a:p>
+          <a:p>
+            <a:pPr marL="457200" indent="-457200">
+              <a:lnSpc>
+                <a:spcPts val="5000"/>
+              </a:lnSpc>
+              <a:buFont typeface="Wingdings" pitchFamily="2" charset="2"/>
+              <a:buChar char="u"/>
+            </a:pPr>
+            <a:r>
+              <a:rPr lang="en-US" altLang="zh-CN" sz="2800" dirty="0" smtClean="0"/>
+              <a:t> </a:t>
+            </a:r>
+            <a:r>
+              <a:rPr lang="en-US" altLang="zh-CN" sz="2800" dirty="0" err="1" smtClean="0"/>
+              <a:t>FastUtil</a:t>
+            </a:r>
+            <a:endParaRPr lang="en-US" altLang="zh-CN" sz="2800" dirty="0" smtClean="0"/>
+          </a:p>
+          <a:p>
+            <a:pPr marL="457200" indent="-457200">
+              <a:lnSpc>
+                <a:spcPts val="5000"/>
+              </a:lnSpc>
+              <a:buFont typeface="Wingdings" pitchFamily="2" charset="2"/>
+              <a:buChar char="u"/>
+            </a:pPr>
+            <a:r>
+              <a:rPr lang="en-US" altLang="zh-CN" sz="2800" b="1" dirty="0" smtClean="0"/>
+              <a:t> </a:t>
+            </a:r>
+            <a:r>
+              <a:rPr lang="en-US" altLang="zh-CN" sz="2800" b="1" dirty="0" err="1" smtClean="0"/>
+              <a:t>Koloboke</a:t>
+            </a:r>
+            <a:endParaRPr lang="en-US" altLang="zh-CN" sz="2800" b="1" dirty="0"/>
+          </a:p>
+          <a:p>
+            <a:pPr>
+              <a:lnSpc>
+                <a:spcPts val="5000"/>
+              </a:lnSpc>
+            </a:pPr>
             <a:endParaRPr lang="zh-CN" altLang="zh-CN" sz="2800" b="1" dirty="0">
               <a:latin typeface="华文楷体" pitchFamily="2" charset="-122"/>
               <a:ea typeface="华文楷体" pitchFamily="2" charset="-122"/>
@@ -7869,22 +7700,25 @@
                 <a:latin typeface="华文行楷" pitchFamily="2" charset="-122"/>
                 <a:ea typeface="华文行楷" pitchFamily="2" charset="-122"/>
               </a:rPr>
-              <a:t>第三部分  集合框架性能分析</a:t>
-            </a:r>
-            <a:endParaRPr lang="zh-CN" altLang="en-US" sz="2800" b="1" dirty="0">
-              <a:solidFill>
-                <a:srgbClr val="C00000"/>
-              </a:solidFill>
-              <a:latin typeface="华文行楷" pitchFamily="2" charset="-122"/>
-              <a:ea typeface="华文行楷" pitchFamily="2" charset="-122"/>
-            </a:endParaRPr>
+              <a:t>高性能集合框架</a:t>
+            </a:r>
+            <a:r>
+              <a:rPr lang="zh-CN" altLang="en-US" sz="2800" b="1" dirty="0">
+                <a:solidFill>
+                  <a:srgbClr val="C00000"/>
+                </a:solidFill>
+                <a:latin typeface="华文行楷" pitchFamily="2" charset="-122"/>
+                <a:ea typeface="华文行楷" pitchFamily="2" charset="-122"/>
+              </a:rPr>
+              <a:t>介绍</a:t>
+            </a:r>
           </a:p>
         </p:txBody>
       </p:sp>
     </p:spTree>
     <p:extLst>
       <p:ext uri="{BB962C8B-B14F-4D97-AF65-F5344CB8AC3E}">
-        <p14:creationId xmlns:p14="http://schemas.microsoft.com/office/powerpoint/2010/main" val="3956596302"/>
+        <p14:creationId xmlns:p14="http://schemas.microsoft.com/office/powerpoint/2010/main" val="3922919350"/>
       </p:ext>
     </p:extLst>
   </p:cSld>
@@ -7920,7 +7754,7 @@
       </p:grpSpPr>
       <p:pic>
         <p:nvPicPr>
-          <p:cNvPr id="6" name="图片 5"/>
+          <p:cNvPr id="4" name="图片 3"/>
           <p:cNvPicPr>
             <a:picLocks noChangeAspect="1"/>
           </p:cNvPicPr>
@@ -7940,7 +7774,7 @@
         </p:blipFill>
         <p:spPr>
           <a:xfrm>
-            <a:off x="0" y="-19932"/>
+            <a:off x="-23257" y="-19932"/>
             <a:ext cx="1570922" cy="717164"/>
           </a:xfrm>
           <a:prstGeom prst="rect">
@@ -7950,14 +7784,14 @@
       </p:pic>
       <p:sp>
         <p:nvSpPr>
-          <p:cNvPr id="7" name="矩形 6"/>
+          <p:cNvPr id="5" name="矩形 4"/>
           <p:cNvSpPr/>
           <p:nvPr/>
         </p:nvSpPr>
         <p:spPr>
           <a:xfrm>
             <a:off x="1187624" y="260648"/>
-            <a:ext cx="2031325" cy="369332"/>
+            <a:ext cx="1800493" cy="369332"/>
           </a:xfrm>
           <a:prstGeom prst="rect">
             <a:avLst/>
@@ -7970,30 +7804,37 @@
           <a:lstStyle/>
           <a:p>
             <a:r>
-              <a:rPr lang="zh-CN" altLang="en-US" b="1" dirty="0">
+              <a:rPr lang="zh-CN" altLang="en-US" b="1" dirty="0" smtClean="0">
                 <a:solidFill>
                   <a:srgbClr val="C00000"/>
                 </a:solidFill>
                 <a:latin typeface="华文行楷" pitchFamily="2" charset="-122"/>
                 <a:ea typeface="华文行楷" pitchFamily="2" charset="-122"/>
               </a:rPr>
-              <a:t>集合框架性能分析</a:t>
-            </a:r>
-          </a:p>
-        </p:txBody>
-      </p:sp>
-      <p:sp>
-        <p:nvSpPr>
-          <p:cNvPr id="3" name="矩形 2"/>
+              <a:t>高性能集合框架</a:t>
+            </a:r>
+            <a:endParaRPr lang="zh-CN" altLang="en-US" b="1" dirty="0">
+              <a:solidFill>
+                <a:srgbClr val="C00000"/>
+              </a:solidFill>
+              <a:latin typeface="华文行楷" pitchFamily="2" charset="-122"/>
+              <a:ea typeface="华文行楷" pitchFamily="2" charset="-122"/>
+            </a:endParaRPr>
+          </a:p>
+        </p:txBody>
+      </p:sp>
+      <p:sp>
+        <p:nvSpPr>
+          <p:cNvPr id="6" name="爆炸形 1 5"/>
           <p:cNvSpPr/>
           <p:nvPr/>
         </p:nvSpPr>
         <p:spPr>
           <a:xfrm>
-            <a:off x="35496" y="1412776"/>
-            <a:ext cx="9144000" cy="5112568"/>
-          </a:xfrm>
-          <a:prstGeom prst="rect">
+            <a:off x="539552" y="908720"/>
+            <a:ext cx="3384376" cy="1274658"/>
+          </a:xfrm>
+          <a:prstGeom prst="irregularSeal1">
             <a:avLst/>
           </a:prstGeom>
           <a:solidFill>
@@ -8023,146 +7864,25 @@
           <a:bodyPr rtlCol="0" anchor="ctr"/>
           <a:lstStyle/>
           <a:p>
-            <a:pPr marL="457200" indent="-457200">
-              <a:lnSpc>
-                <a:spcPts val="5000"/>
-              </a:lnSpc>
-              <a:buFont typeface="Wingdings" pitchFamily="2" charset="2"/>
-              <a:buChar char="u"/>
-            </a:pPr>
-            <a:r>
-              <a:rPr lang="en-US" altLang="zh-CN" sz="2800" dirty="0" smtClean="0"/>
-              <a:t> </a:t>
-            </a:r>
-            <a:r>
-              <a:rPr lang="en-US" altLang="zh-CN" sz="2800" dirty="0" err="1" smtClean="0"/>
-              <a:t>Javolution</a:t>
-            </a:r>
-            <a:endParaRPr lang="en-US" altLang="zh-CN" sz="2800" dirty="0" smtClean="0"/>
-          </a:p>
-          <a:p>
-            <a:pPr marL="457200" indent="-457200">
-              <a:lnSpc>
-                <a:spcPts val="5000"/>
-              </a:lnSpc>
-              <a:buFont typeface="Wingdings" pitchFamily="2" charset="2"/>
-              <a:buChar char="u"/>
-            </a:pPr>
-            <a:r>
-              <a:rPr lang="en-US" altLang="zh-CN" sz="2800" b="1" dirty="0" smtClean="0">
-                <a:latin typeface="华文楷体" pitchFamily="2" charset="-122"/>
-                <a:ea typeface="华文楷体" pitchFamily="2" charset="-122"/>
-              </a:rPr>
-              <a:t> </a:t>
-            </a:r>
-            <a:r>
-              <a:rPr lang="en-US" altLang="zh-CN" sz="2800" dirty="0"/>
-              <a:t>Trove </a:t>
-            </a:r>
-            <a:endParaRPr lang="en-US" altLang="zh-CN" sz="2800" dirty="0" smtClean="0"/>
-          </a:p>
-          <a:p>
-            <a:pPr marL="457200" indent="-457200">
-              <a:lnSpc>
-                <a:spcPts val="5000"/>
-              </a:lnSpc>
-              <a:buFont typeface="Wingdings" pitchFamily="2" charset="2"/>
-              <a:buChar char="u"/>
-            </a:pPr>
-            <a:r>
-              <a:rPr lang="en-US" altLang="zh-CN" sz="2800" b="1" dirty="0">
-                <a:latin typeface="华文楷体" pitchFamily="2" charset="-122"/>
-                <a:ea typeface="华文楷体" pitchFamily="2" charset="-122"/>
-              </a:rPr>
-              <a:t> </a:t>
-            </a:r>
-            <a:r>
-              <a:rPr lang="en-US" altLang="zh-CN" sz="2800" dirty="0" smtClean="0"/>
-              <a:t>Brownies</a:t>
-            </a:r>
-            <a:endParaRPr lang="en-US" altLang="zh-CN" sz="2800" b="1" dirty="0" smtClean="0">
-              <a:latin typeface="华文楷体" pitchFamily="2" charset="-122"/>
-              <a:ea typeface="华文楷体" pitchFamily="2" charset="-122"/>
-            </a:endParaRPr>
-          </a:p>
-          <a:p>
-            <a:pPr marL="457200" indent="-457200">
-              <a:lnSpc>
-                <a:spcPts val="5000"/>
-              </a:lnSpc>
-              <a:buFont typeface="Wingdings" pitchFamily="2" charset="2"/>
-              <a:buChar char="u"/>
-            </a:pPr>
-            <a:r>
-              <a:rPr lang="en-US" altLang="zh-CN" sz="2800" b="1" dirty="0" smtClean="0">
-                <a:latin typeface="华文楷体" pitchFamily="2" charset="-122"/>
-                <a:ea typeface="华文楷体" pitchFamily="2" charset="-122"/>
-              </a:rPr>
-              <a:t> HPPC</a:t>
-            </a:r>
-          </a:p>
-          <a:p>
-            <a:pPr marL="457200" indent="-457200">
-              <a:lnSpc>
-                <a:spcPts val="5000"/>
-              </a:lnSpc>
-              <a:buFont typeface="Wingdings" pitchFamily="2" charset="2"/>
-              <a:buChar char="u"/>
-            </a:pPr>
-            <a:r>
-              <a:rPr lang="en-US" altLang="zh-CN" sz="2800" dirty="0" smtClean="0"/>
-              <a:t> </a:t>
-            </a:r>
-            <a:r>
-              <a:rPr lang="en-US" altLang="zh-CN" sz="2800" dirty="0" err="1" smtClean="0"/>
-              <a:t>FastUtil</a:t>
-            </a:r>
-            <a:endParaRPr lang="en-US" altLang="zh-CN" sz="2800" dirty="0" smtClean="0"/>
-          </a:p>
-          <a:p>
-            <a:pPr marL="457200" indent="-457200">
-              <a:lnSpc>
-                <a:spcPts val="5000"/>
-              </a:lnSpc>
-              <a:buFont typeface="Wingdings" pitchFamily="2" charset="2"/>
-              <a:buChar char="u"/>
-            </a:pPr>
-            <a:r>
-              <a:rPr lang="en-US" altLang="zh-CN" sz="2800" b="1" dirty="0" smtClean="0"/>
-              <a:t> </a:t>
-            </a:r>
-            <a:r>
-              <a:rPr lang="en-US" altLang="zh-CN" sz="2800" b="1" dirty="0" err="1" smtClean="0"/>
-              <a:t>Koloboke</a:t>
-            </a:r>
-            <a:endParaRPr lang="en-US" altLang="zh-CN" sz="2800" b="1" dirty="0"/>
-          </a:p>
-          <a:p>
-            <a:pPr>
-              <a:lnSpc>
-                <a:spcPts val="5000"/>
-              </a:lnSpc>
-            </a:pPr>
-            <a:endParaRPr lang="zh-CN" altLang="zh-CN" sz="2800" b="1" dirty="0">
-              <a:latin typeface="华文楷体" pitchFamily="2" charset="-122"/>
-              <a:ea typeface="华文楷体" pitchFamily="2" charset="-122"/>
-            </a:endParaRPr>
-          </a:p>
-          <a:p>
+            <a:pPr algn="ctr"/>
+            <a:r>
+              <a:rPr lang="zh-CN" altLang="en-US" dirty="0" smtClean="0"/>
+              <a:t>框架介绍</a:t>
+            </a:r>
             <a:endParaRPr lang="zh-CN" altLang="en-US" dirty="0"/>
           </a:p>
         </p:txBody>
       </p:sp>
       <p:sp>
         <p:nvSpPr>
-          <p:cNvPr id="8" name="矩形 7"/>
+          <p:cNvPr id="2" name="矩形 1"/>
           <p:cNvSpPr/>
           <p:nvPr/>
         </p:nvSpPr>
         <p:spPr>
           <a:xfrm>
-            <a:off x="251520" y="836712"/>
-            <a:ext cx="7920880" cy="523220"/>
+            <a:off x="539552" y="2551837"/>
+            <a:ext cx="8352928" cy="3139321"/>
           </a:xfrm>
           <a:prstGeom prst="rect">
             <a:avLst/>
@@ -8175,32 +7895,262 @@
           <a:lstStyle/>
           <a:p>
             <a:r>
-              <a:rPr lang="zh-CN" altLang="en-US" sz="2800" b="1" dirty="0" smtClean="0">
-                <a:solidFill>
-                  <a:srgbClr val="C00000"/>
-                </a:solidFill>
-                <a:latin typeface="华文行楷" pitchFamily="2" charset="-122"/>
-                <a:ea typeface="华文行楷" pitchFamily="2" charset="-122"/>
-              </a:rPr>
-              <a:t>高性能集合框架</a:t>
-            </a:r>
-            <a:r>
-              <a:rPr lang="zh-CN" altLang="en-US" sz="2800" b="1" dirty="0">
-                <a:solidFill>
-                  <a:srgbClr val="C00000"/>
-                </a:solidFill>
-                <a:latin typeface="华文行楷" pitchFamily="2" charset="-122"/>
-                <a:ea typeface="华文行楷" pitchFamily="2" charset="-122"/>
-              </a:rPr>
-              <a:t>介绍</a:t>
-            </a:r>
+              <a:rPr lang="en-US" altLang="zh-CN" dirty="0" smtClean="0"/>
+              <a:t>      </a:t>
+            </a:r>
+            <a:r>
+              <a:rPr lang="en-US" altLang="zh-CN" dirty="0" err="1" smtClean="0"/>
+              <a:t>Javolution</a:t>
+            </a:r>
+            <a:r>
+              <a:rPr lang="en-US" altLang="zh-CN" dirty="0" smtClean="0"/>
+              <a:t> </a:t>
+            </a:r>
+            <a:r>
+              <a:rPr lang="zh-CN" altLang="en-US" dirty="0"/>
+              <a:t>提供一个高性的</a:t>
+            </a:r>
+            <a:r>
+              <a:rPr lang="en-US" altLang="zh-CN" dirty="0"/>
+              <a:t>Java</a:t>
+            </a:r>
+            <a:r>
+              <a:rPr lang="zh-CN" altLang="en-US" dirty="0"/>
+              <a:t>集合（</a:t>
+            </a:r>
+            <a:r>
+              <a:rPr lang="en-US" altLang="zh-CN" dirty="0"/>
+              <a:t>collection </a:t>
+            </a:r>
+            <a:r>
+              <a:rPr lang="zh-CN" altLang="en-US" dirty="0"/>
+              <a:t>）类库和一些实用的工具类。虽然这个类包只提供非常少的几个集合类，但是这些类就能够代替大部分</a:t>
+            </a:r>
+            <a:r>
+              <a:rPr lang="en-US" altLang="zh-CN" dirty="0" err="1"/>
+              <a:t>java.util</a:t>
+            </a:r>
+            <a:r>
+              <a:rPr lang="zh-CN" altLang="en-US" dirty="0"/>
+              <a:t>类。</a:t>
+            </a:r>
+            <a:r>
+              <a:rPr lang="en-US" altLang="zh-CN" dirty="0" err="1"/>
+              <a:t>javolution</a:t>
+            </a:r>
+            <a:r>
+              <a:rPr lang="zh-CN" altLang="en-US" dirty="0"/>
+              <a:t>可以让你的应用程序更加快速和更实时</a:t>
+            </a:r>
+            <a:r>
+              <a:rPr lang="zh-CN" altLang="en-US" dirty="0" smtClean="0"/>
+              <a:t>。</a:t>
+            </a:r>
+            <a:endParaRPr lang="en-US" altLang="zh-CN" dirty="0" smtClean="0"/>
+          </a:p>
+          <a:p>
+            <a:r>
+              <a:rPr lang="en-US" altLang="zh-CN" dirty="0"/>
+              <a:t> </a:t>
+            </a:r>
+            <a:r>
+              <a:rPr lang="en-US" altLang="zh-CN" dirty="0" smtClean="0"/>
+              <a:t>   </a:t>
+            </a:r>
+          </a:p>
+          <a:p>
+            <a:r>
+              <a:rPr lang="en-US" altLang="zh-CN" dirty="0"/>
+              <a:t> </a:t>
+            </a:r>
+            <a:r>
+              <a:rPr lang="en-US" altLang="zh-CN" dirty="0" smtClean="0"/>
+              <a:t>      Trove </a:t>
+            </a:r>
+            <a:r>
+              <a:rPr lang="en-US" altLang="zh-CN" dirty="0"/>
+              <a:t>(Trove4j) </a:t>
+            </a:r>
+            <a:r>
+              <a:rPr lang="zh-CN" altLang="en-US" dirty="0"/>
+              <a:t>是一个快速、轻量级 </a:t>
+            </a:r>
+            <a:r>
+              <a:rPr lang="en-US" altLang="zh-CN" dirty="0"/>
+              <a:t>Collection </a:t>
+            </a:r>
+            <a:r>
+              <a:rPr lang="zh-CN" altLang="en-US" dirty="0"/>
+              <a:t>类的集合。</a:t>
+            </a:r>
+            <a:r>
+              <a:rPr lang="en-US" altLang="zh-CN" dirty="0"/>
+              <a:t>Trove </a:t>
+            </a:r>
+            <a:r>
+              <a:rPr lang="zh-CN" altLang="en-US" dirty="0"/>
+              <a:t>提供所有标准 </a:t>
+            </a:r>
+            <a:r>
+              <a:rPr lang="en-US" altLang="zh-CN" dirty="0" err="1"/>
+              <a:t>java.util</a:t>
+            </a:r>
+            <a:r>
+              <a:rPr lang="en-US" altLang="zh-CN" dirty="0"/>
+              <a:t> Collections </a:t>
+            </a:r>
+            <a:r>
+              <a:rPr lang="zh-CN" altLang="en-US" dirty="0"/>
+              <a:t>类的更快的版本以及能够直接在原语（</a:t>
+            </a:r>
+            <a:r>
+              <a:rPr lang="en-US" altLang="zh-CN" dirty="0"/>
+              <a:t>primitive</a:t>
+            </a:r>
+            <a:r>
+              <a:rPr lang="zh-CN" altLang="en-US" dirty="0"/>
+              <a:t>）（例如包含 </a:t>
+            </a:r>
+            <a:r>
+              <a:rPr lang="en-US" altLang="zh-CN" dirty="0" err="1"/>
+              <a:t>int</a:t>
+            </a:r>
+            <a:r>
+              <a:rPr lang="en-US" altLang="zh-CN" dirty="0"/>
+              <a:t> </a:t>
+            </a:r>
+            <a:r>
+              <a:rPr lang="zh-CN" altLang="en-US" dirty="0"/>
+              <a:t>键或值的 </a:t>
+            </a:r>
+            <a:r>
+              <a:rPr lang="en-US" altLang="zh-CN" dirty="0"/>
+              <a:t>Map </a:t>
+            </a:r>
+            <a:r>
+              <a:rPr lang="zh-CN" altLang="en-US" dirty="0"/>
+              <a:t>等）上操作的 </a:t>
+            </a:r>
+            <a:r>
+              <a:rPr lang="en-US" altLang="zh-CN" dirty="0"/>
+              <a:t>Collections </a:t>
+            </a:r>
+            <a:r>
+              <a:rPr lang="zh-CN" altLang="en-US" dirty="0"/>
+              <a:t>类的版本</a:t>
+            </a:r>
+            <a:r>
+              <a:rPr lang="zh-CN" altLang="en-US" dirty="0" smtClean="0"/>
+              <a:t>。</a:t>
+            </a:r>
+            <a:endParaRPr lang="en-US" altLang="zh-CN" dirty="0" smtClean="0"/>
+          </a:p>
+          <a:p>
+            <a:r>
+              <a:rPr lang="en-US" altLang="zh-CN" dirty="0"/>
+              <a:t> </a:t>
+            </a:r>
+            <a:r>
+              <a:rPr lang="en-US" altLang="zh-CN" dirty="0" smtClean="0"/>
+              <a:t>   </a:t>
+            </a:r>
+          </a:p>
+          <a:p>
+            <a:r>
+              <a:rPr lang="en-US" altLang="zh-CN" dirty="0"/>
+              <a:t> </a:t>
+            </a:r>
+            <a:r>
+              <a:rPr lang="en-US" altLang="zh-CN" dirty="0" smtClean="0"/>
+              <a:t>      </a:t>
+            </a:r>
+            <a:r>
+              <a:rPr lang="en-US" altLang="zh-CN" dirty="0"/>
+              <a:t>Brownies </a:t>
+            </a:r>
+            <a:r>
+              <a:rPr lang="zh-CN" altLang="en-US" dirty="0" smtClean="0"/>
+              <a:t>集合框架是对</a:t>
+            </a:r>
+            <a:r>
+              <a:rPr lang="en-US" altLang="zh-CN" dirty="0" smtClean="0"/>
+              <a:t>JDK</a:t>
+            </a:r>
+            <a:r>
+              <a:rPr lang="zh-CN" altLang="en-US" dirty="0" smtClean="0"/>
+              <a:t>集合框架的补充，</a:t>
+            </a:r>
+            <a:r>
+              <a:rPr lang="en-US" altLang="zh-CN" dirty="0" err="1" smtClean="0"/>
+              <a:t>GapList</a:t>
+            </a:r>
+            <a:r>
+              <a:rPr lang="en-US" altLang="zh-CN" dirty="0"/>
+              <a:t> </a:t>
+            </a:r>
+            <a:r>
+              <a:rPr lang="zh-CN" altLang="en-US" dirty="0" smtClean="0"/>
+              <a:t>集成了</a:t>
+            </a:r>
+            <a:r>
+              <a:rPr lang="en-US" altLang="zh-CN" dirty="0" err="1" smtClean="0"/>
+              <a:t>ArrayList</a:t>
+            </a:r>
+            <a:r>
+              <a:rPr lang="zh-CN" altLang="en-US" dirty="0" smtClean="0"/>
+              <a:t>和</a:t>
+            </a:r>
+            <a:r>
+              <a:rPr lang="en-US" altLang="zh-CN" dirty="0" err="1" smtClean="0"/>
+              <a:t>LinkedList</a:t>
+            </a:r>
+            <a:r>
+              <a:rPr lang="zh-CN" altLang="en-US" dirty="0" smtClean="0"/>
+              <a:t>两者优点</a:t>
+            </a:r>
+            <a:r>
+              <a:rPr lang="en-US" altLang="zh-CN" dirty="0"/>
+              <a:t> </a:t>
+            </a:r>
+            <a:r>
+              <a:rPr lang="zh-CN" altLang="en-US" dirty="0" smtClean="0"/>
+              <a:t>，</a:t>
+            </a:r>
+            <a:r>
+              <a:rPr lang="en-US" altLang="zh-CN" dirty="0"/>
+              <a:t> </a:t>
+            </a:r>
+            <a:r>
+              <a:rPr lang="en-US" altLang="zh-CN" dirty="0" err="1"/>
+              <a:t>BigList</a:t>
+            </a:r>
+            <a:r>
+              <a:rPr lang="zh-CN" altLang="en-US" dirty="0"/>
+              <a:t>是存储大量元素的优化</a:t>
+            </a:r>
+            <a:r>
+              <a:rPr lang="zh-CN" altLang="en-US" dirty="0" smtClean="0"/>
+              <a:t>列表。</a:t>
+            </a:r>
+            <a:endParaRPr lang="en-US" altLang="zh-CN" dirty="0"/>
+          </a:p>
+          <a:p>
+            <a:r>
+              <a:rPr lang="en-US" altLang="zh-CN" dirty="0"/>
+              <a:t> </a:t>
+            </a:r>
+            <a:r>
+              <a:rPr lang="en-US" altLang="zh-CN" dirty="0" smtClean="0"/>
+              <a:t>      </a:t>
+            </a:r>
+            <a:endParaRPr lang="zh-CN" altLang="en-US" dirty="0"/>
           </a:p>
         </p:txBody>
       </p:sp>
     </p:spTree>
     <p:extLst>
       <p:ext uri="{BB962C8B-B14F-4D97-AF65-F5344CB8AC3E}">
-        <p14:creationId xmlns:p14="http://schemas.microsoft.com/office/powerpoint/2010/main" val="3922919350"/>
+        <p14:creationId xmlns:p14="http://schemas.microsoft.com/office/powerpoint/2010/main" val="533556617"/>
       </p:ext>
     </p:extLst>
   </p:cSld>
@@ -8273,7 +8223,7 @@
         <p:spPr>
           <a:xfrm>
             <a:off x="1187624" y="260648"/>
-            <a:ext cx="1800493" cy="369332"/>
+            <a:ext cx="2262158" cy="369332"/>
           </a:xfrm>
           <a:prstGeom prst="rect">
             <a:avLst/>
@@ -8293,7 +8243,7 @@
                 <a:latin typeface="华文行楷" pitchFamily="2" charset="-122"/>
                 <a:ea typeface="华文行楷" pitchFamily="2" charset="-122"/>
               </a:rPr>
-              <a:t>高性能集合框架</a:t>
+              <a:t>集合与数据结构关系</a:t>
             </a:r>
             <a:endParaRPr lang="zh-CN" altLang="en-US" b="1" dirty="0">
               <a:solidFill>
@@ -8302,330 +8252,6 @@
               <a:latin typeface="华文行楷" pitchFamily="2" charset="-122"/>
               <a:ea typeface="华文行楷" pitchFamily="2" charset="-122"/>
             </a:endParaRPr>
-          </a:p>
-        </p:txBody>
-      </p:sp>
-      <p:sp>
-        <p:nvSpPr>
-          <p:cNvPr id="6" name="爆炸形 1 5"/>
-          <p:cNvSpPr/>
-          <p:nvPr/>
-        </p:nvSpPr>
-        <p:spPr>
-          <a:xfrm>
-            <a:off x="539552" y="908720"/>
-            <a:ext cx="3384376" cy="1274658"/>
-          </a:xfrm>
-          <a:prstGeom prst="irregularSeal1">
-            <a:avLst/>
-          </a:prstGeom>
-          <a:solidFill>
-            <a:srgbClr val="C00000"/>
-          </a:solidFill>
-          <a:ln>
-            <a:noFill/>
-          </a:ln>
-        </p:spPr>
-        <p:style>
-          <a:lnRef idx="2">
-            <a:schemeClr val="accent1">
-              <a:shade val="50000"/>
-            </a:schemeClr>
-          </a:lnRef>
-          <a:fillRef idx="1">
-            <a:schemeClr val="accent1"/>
-          </a:fillRef>
-          <a:effectRef idx="0">
-            <a:schemeClr val="accent1"/>
-          </a:effectRef>
-          <a:fontRef idx="minor">
-            <a:schemeClr val="lt1"/>
-          </a:fontRef>
-        </p:style>
-        <p:txBody>
-          <a:bodyPr rtlCol="0" anchor="ctr"/>
-          <a:lstStyle/>
-          <a:p>
-            <a:pPr algn="ctr"/>
-            <a:r>
-              <a:rPr lang="zh-CN" altLang="en-US" dirty="0" smtClean="0"/>
-              <a:t>框架介绍</a:t>
-            </a:r>
-            <a:endParaRPr lang="zh-CN" altLang="en-US" dirty="0"/>
-          </a:p>
-        </p:txBody>
-      </p:sp>
-      <p:sp>
-        <p:nvSpPr>
-          <p:cNvPr id="2" name="矩形 1"/>
-          <p:cNvSpPr/>
-          <p:nvPr/>
-        </p:nvSpPr>
-        <p:spPr>
-          <a:xfrm>
-            <a:off x="539552" y="2551837"/>
-            <a:ext cx="8352928" cy="3139321"/>
-          </a:xfrm>
-          <a:prstGeom prst="rect">
-            <a:avLst/>
-          </a:prstGeom>
-        </p:spPr>
-        <p:txBody>
-          <a:bodyPr wrap="square">
-            <a:spAutoFit/>
-          </a:bodyPr>
-          <a:lstStyle/>
-          <a:p>
-            <a:r>
-              <a:rPr lang="en-US" altLang="zh-CN" dirty="0" smtClean="0"/>
-              <a:t>      </a:t>
-            </a:r>
-            <a:r>
-              <a:rPr lang="en-US" altLang="zh-CN" dirty="0" err="1" smtClean="0"/>
-              <a:t>Javolution</a:t>
-            </a:r>
-            <a:r>
-              <a:rPr lang="en-US" altLang="zh-CN" dirty="0" smtClean="0"/>
-              <a:t> </a:t>
-            </a:r>
-            <a:r>
-              <a:rPr lang="zh-CN" altLang="en-US" dirty="0"/>
-              <a:t>提供一个高性的</a:t>
-            </a:r>
-            <a:r>
-              <a:rPr lang="en-US" altLang="zh-CN" dirty="0"/>
-              <a:t>Java</a:t>
-            </a:r>
-            <a:r>
-              <a:rPr lang="zh-CN" altLang="en-US" dirty="0"/>
-              <a:t>集合（</a:t>
-            </a:r>
-            <a:r>
-              <a:rPr lang="en-US" altLang="zh-CN" dirty="0"/>
-              <a:t>collection </a:t>
-            </a:r>
-            <a:r>
-              <a:rPr lang="zh-CN" altLang="en-US" dirty="0"/>
-              <a:t>）类库和一些实用的工具类。虽然这个类包只提供非常少的几个集合类，但是这些类就能够代替大部分</a:t>
-            </a:r>
-            <a:r>
-              <a:rPr lang="en-US" altLang="zh-CN" dirty="0" err="1"/>
-              <a:t>java.util</a:t>
-            </a:r>
-            <a:r>
-              <a:rPr lang="zh-CN" altLang="en-US" dirty="0"/>
-              <a:t>类。</a:t>
-            </a:r>
-            <a:r>
-              <a:rPr lang="en-US" altLang="zh-CN" dirty="0" err="1"/>
-              <a:t>javolution</a:t>
-            </a:r>
-            <a:r>
-              <a:rPr lang="zh-CN" altLang="en-US" dirty="0"/>
-              <a:t>可以让你的应用程序更加快速和更实时</a:t>
-            </a:r>
-            <a:r>
-              <a:rPr lang="zh-CN" altLang="en-US" dirty="0" smtClean="0"/>
-              <a:t>。</a:t>
-            </a:r>
-            <a:endParaRPr lang="en-US" altLang="zh-CN" dirty="0" smtClean="0"/>
-          </a:p>
-          <a:p>
-            <a:r>
-              <a:rPr lang="en-US" altLang="zh-CN" dirty="0"/>
-              <a:t> </a:t>
-            </a:r>
-            <a:r>
-              <a:rPr lang="en-US" altLang="zh-CN" dirty="0" smtClean="0"/>
-              <a:t>   </a:t>
-            </a:r>
-          </a:p>
-          <a:p>
-            <a:r>
-              <a:rPr lang="en-US" altLang="zh-CN" dirty="0"/>
-              <a:t> </a:t>
-            </a:r>
-            <a:r>
-              <a:rPr lang="en-US" altLang="zh-CN" dirty="0" smtClean="0"/>
-              <a:t>      Trove </a:t>
-            </a:r>
-            <a:r>
-              <a:rPr lang="en-US" altLang="zh-CN" dirty="0"/>
-              <a:t>(Trove4j) </a:t>
-            </a:r>
-            <a:r>
-              <a:rPr lang="zh-CN" altLang="en-US" dirty="0"/>
-              <a:t>是一个快速、轻量级 </a:t>
-            </a:r>
-            <a:r>
-              <a:rPr lang="en-US" altLang="zh-CN" dirty="0"/>
-              <a:t>Collection </a:t>
-            </a:r>
-            <a:r>
-              <a:rPr lang="zh-CN" altLang="en-US" dirty="0"/>
-              <a:t>类的集合。</a:t>
-            </a:r>
-            <a:r>
-              <a:rPr lang="en-US" altLang="zh-CN" dirty="0"/>
-              <a:t>Trove </a:t>
-            </a:r>
-            <a:r>
-              <a:rPr lang="zh-CN" altLang="en-US" dirty="0"/>
-              <a:t>提供所有标准 </a:t>
-            </a:r>
-            <a:r>
-              <a:rPr lang="en-US" altLang="zh-CN" dirty="0" err="1"/>
-              <a:t>java.util</a:t>
-            </a:r>
-            <a:r>
-              <a:rPr lang="en-US" altLang="zh-CN" dirty="0"/>
-              <a:t> Collections </a:t>
-            </a:r>
-            <a:r>
-              <a:rPr lang="zh-CN" altLang="en-US" dirty="0"/>
-              <a:t>类的更快的版本以及能够直接在原语（</a:t>
-            </a:r>
-            <a:r>
-              <a:rPr lang="en-US" altLang="zh-CN" dirty="0"/>
-              <a:t>primitive</a:t>
-            </a:r>
-            <a:r>
-              <a:rPr lang="zh-CN" altLang="en-US" dirty="0"/>
-              <a:t>）（例如包含 </a:t>
-            </a:r>
-            <a:r>
-              <a:rPr lang="en-US" altLang="zh-CN" dirty="0" err="1"/>
-              <a:t>int</a:t>
-            </a:r>
-            <a:r>
-              <a:rPr lang="en-US" altLang="zh-CN" dirty="0"/>
-              <a:t> </a:t>
-            </a:r>
-            <a:r>
-              <a:rPr lang="zh-CN" altLang="en-US" dirty="0"/>
-              <a:t>键或值的 </a:t>
-            </a:r>
-            <a:r>
-              <a:rPr lang="en-US" altLang="zh-CN" dirty="0"/>
-              <a:t>Map </a:t>
-            </a:r>
-            <a:r>
-              <a:rPr lang="zh-CN" altLang="en-US" dirty="0"/>
-              <a:t>等）上操作的 </a:t>
-            </a:r>
-            <a:r>
-              <a:rPr lang="en-US" altLang="zh-CN" dirty="0"/>
-              <a:t>Collections </a:t>
-            </a:r>
-            <a:r>
-              <a:rPr lang="zh-CN" altLang="en-US" dirty="0"/>
-              <a:t>类的版本</a:t>
-            </a:r>
-            <a:r>
-              <a:rPr lang="zh-CN" altLang="en-US" dirty="0" smtClean="0"/>
-              <a:t>。</a:t>
-            </a:r>
-            <a:endParaRPr lang="en-US" altLang="zh-CN" dirty="0" smtClean="0"/>
-          </a:p>
-          <a:p>
-            <a:r>
-              <a:rPr lang="en-US" altLang="zh-CN" dirty="0"/>
-              <a:t> </a:t>
-            </a:r>
-            <a:r>
-              <a:rPr lang="en-US" altLang="zh-CN" dirty="0" smtClean="0"/>
-              <a:t>   </a:t>
-            </a:r>
-          </a:p>
-          <a:p>
-            <a:r>
-              <a:rPr lang="en-US" altLang="zh-CN" dirty="0"/>
-              <a:t> </a:t>
-            </a:r>
-            <a:r>
-              <a:rPr lang="en-US" altLang="zh-CN" dirty="0" smtClean="0"/>
-              <a:t>      </a:t>
-            </a:r>
-            <a:r>
-              <a:rPr lang="en-US" altLang="zh-CN" dirty="0"/>
-              <a:t>Brownies </a:t>
-            </a:r>
-            <a:r>
-              <a:rPr lang="zh-CN" altLang="en-US" dirty="0" smtClean="0"/>
-              <a:t>集合框架是对</a:t>
-            </a:r>
-            <a:r>
-              <a:rPr lang="en-US" altLang="zh-CN" dirty="0" smtClean="0"/>
-              <a:t>JDK</a:t>
-            </a:r>
-            <a:r>
-              <a:rPr lang="zh-CN" altLang="en-US" dirty="0" smtClean="0"/>
-              <a:t>集合框架的补充，</a:t>
-            </a:r>
-            <a:r>
-              <a:rPr lang="en-US" altLang="zh-CN" dirty="0" err="1" smtClean="0"/>
-              <a:t>GapList</a:t>
-            </a:r>
-            <a:r>
-              <a:rPr lang="en-US" altLang="zh-CN" dirty="0"/>
-              <a:t> </a:t>
-            </a:r>
-            <a:r>
-              <a:rPr lang="zh-CN" altLang="en-US" dirty="0" smtClean="0"/>
-              <a:t>集成了</a:t>
-            </a:r>
-            <a:r>
-              <a:rPr lang="en-US" altLang="zh-CN" dirty="0" err="1" smtClean="0"/>
-              <a:t>ArrayList</a:t>
-            </a:r>
-            <a:r>
-              <a:rPr lang="zh-CN" altLang="en-US" dirty="0" smtClean="0"/>
-              <a:t>和</a:t>
-            </a:r>
-            <a:r>
-              <a:rPr lang="en-US" altLang="zh-CN" dirty="0" err="1" smtClean="0"/>
-              <a:t>LinkedList</a:t>
-            </a:r>
-            <a:r>
-              <a:rPr lang="zh-CN" altLang="en-US" dirty="0" smtClean="0"/>
-              <a:t>两者优点</a:t>
-            </a:r>
-            <a:r>
-              <a:rPr lang="en-US" altLang="zh-CN" dirty="0"/>
-              <a:t> </a:t>
-            </a:r>
-            <a:r>
-              <a:rPr lang="zh-CN" altLang="en-US" dirty="0" smtClean="0"/>
-              <a:t>，</a:t>
-            </a:r>
-            <a:r>
-              <a:rPr lang="en-US" altLang="zh-CN" dirty="0"/>
-              <a:t> </a:t>
-            </a:r>
-            <a:r>
-              <a:rPr lang="en-US" altLang="zh-CN" dirty="0" err="1"/>
-              <a:t>BigList</a:t>
-            </a:r>
-            <a:r>
-              <a:rPr lang="zh-CN" altLang="en-US" dirty="0"/>
-              <a:t>是存储大量元素的优化</a:t>
-            </a:r>
-            <a:r>
-              <a:rPr lang="zh-CN" altLang="en-US" dirty="0" smtClean="0"/>
-              <a:t>列表。</a:t>
-            </a:r>
-            <a:endParaRPr lang="en-US" altLang="zh-CN" dirty="0"/>
-          </a:p>
-          <a:p>
-            <a:r>
-              <a:rPr lang="en-US" altLang="zh-CN" dirty="0"/>
-              <a:t> </a:t>
-            </a:r>
-            <a:r>
-              <a:rPr lang="en-US" altLang="zh-CN" dirty="0" smtClean="0"/>
-              <a:t>      </a:t>
-            </a:r>
-            <a:endParaRPr lang="zh-CN" altLang="en-US" dirty="0"/>
           </a:p>
         </p:txBody>
       </p:sp>
@@ -8650,114 +8276,6 @@
 </file>
 
 <file path=ppt/slides/slide18.xml><?xml version="1.0" encoding="utf-8"?>
-<p:sld xmlns:a="http://schemas.openxmlformats.org/drawingml/2006/main" xmlns:r="http://schemas.openxmlformats.org/officeDocument/2006/relationships" xmlns:p="http://schemas.openxmlformats.org/presentationml/2006/main">
-  <p:cSld>
-    <p:spTree>
-      <p:nvGrpSpPr>
-        <p:cNvPr id="1" name=""/>
-        <p:cNvGrpSpPr/>
-        <p:nvPr/>
-      </p:nvGrpSpPr>
-      <p:grpSpPr>
-        <a:xfrm>
-          <a:off x="0" y="0"/>
-          <a:ext cx="0" cy="0"/>
-          <a:chOff x="0" y="0"/>
-          <a:chExt cx="0" cy="0"/>
-        </a:xfrm>
-      </p:grpSpPr>
-      <p:pic>
-        <p:nvPicPr>
-          <p:cNvPr id="4" name="图片 3"/>
-          <p:cNvPicPr>
-            <a:picLocks noChangeAspect="1"/>
-          </p:cNvPicPr>
-          <p:nvPr/>
-        </p:nvPicPr>
-        <p:blipFill>
-          <a:blip r:embed="rId3" cstate="print">
-            <a:extLst>
-              <a:ext uri="{28A0092B-C50C-407E-A947-70E740481C1C}">
-                <a14:useLocalDpi xmlns:a14="http://schemas.microsoft.com/office/drawing/2010/main" val="0"/>
-              </a:ext>
-            </a:extLst>
-          </a:blip>
-          <a:stretch>
-            <a:fillRect/>
-          </a:stretch>
-        </p:blipFill>
-        <p:spPr>
-          <a:xfrm>
-            <a:off x="-23257" y="-19932"/>
-            <a:ext cx="1570922" cy="717164"/>
-          </a:xfrm>
-          <a:prstGeom prst="rect">
-            <a:avLst/>
-          </a:prstGeom>
-        </p:spPr>
-      </p:pic>
-      <p:sp>
-        <p:nvSpPr>
-          <p:cNvPr id="5" name="矩形 4"/>
-          <p:cNvSpPr/>
-          <p:nvPr/>
-        </p:nvSpPr>
-        <p:spPr>
-          <a:xfrm>
-            <a:off x="1187624" y="260648"/>
-            <a:ext cx="2262158" cy="369332"/>
-          </a:xfrm>
-          <a:prstGeom prst="rect">
-            <a:avLst/>
-          </a:prstGeom>
-        </p:spPr>
-        <p:txBody>
-          <a:bodyPr wrap="none">
-            <a:spAutoFit/>
-          </a:bodyPr>
-          <a:lstStyle/>
-          <a:p>
-            <a:r>
-              <a:rPr lang="zh-CN" altLang="en-US" b="1" dirty="0" smtClean="0">
-                <a:solidFill>
-                  <a:srgbClr val="C00000"/>
-                </a:solidFill>
-                <a:latin typeface="华文行楷" pitchFamily="2" charset="-122"/>
-                <a:ea typeface="华文行楷" pitchFamily="2" charset="-122"/>
-              </a:rPr>
-              <a:t>集合与数据结构关系</a:t>
-            </a:r>
-            <a:endParaRPr lang="zh-CN" altLang="en-US" b="1" dirty="0">
-              <a:solidFill>
-                <a:srgbClr val="C00000"/>
-              </a:solidFill>
-              <a:latin typeface="华文行楷" pitchFamily="2" charset="-122"/>
-              <a:ea typeface="华文行楷" pitchFamily="2" charset="-122"/>
-            </a:endParaRPr>
-          </a:p>
-        </p:txBody>
-      </p:sp>
-    </p:spTree>
-    <p:extLst>
-      <p:ext uri="{BB962C8B-B14F-4D97-AF65-F5344CB8AC3E}">
-        <p14:creationId xmlns:p14="http://schemas.microsoft.com/office/powerpoint/2010/main" val="533556617"/>
-      </p:ext>
-    </p:extLst>
-  </p:cSld>
-  <p:clrMapOvr>
-    <a:masterClrMapping/>
-  </p:clrMapOvr>
-  <p:timing>
-    <p:tnLst>
-      <p:par>
-        <p:cTn id="1" dur="indefinite" restart="never" nodeType="tmRoot"/>
-      </p:par>
-    </p:tnLst>
-  </p:timing>
-</p:sld>
-</file>
-
-<file path=ppt/slides/slide19.xml><?xml version="1.0" encoding="utf-8"?>
 <p:sld xmlns:a="http://schemas.openxmlformats.org/drawingml/2006/main" xmlns:r="http://schemas.openxmlformats.org/officeDocument/2006/relationships" xmlns:p="http://schemas.openxmlformats.org/presentationml/2006/main">
   <p:cSld>
     <p:spTree>
@@ -9636,14 +9154,14 @@
               <a:buChar char="u"/>
             </a:pPr>
             <a:r>
-              <a:rPr lang="zh-CN" altLang="en-US" sz="2800" b="1">
+              <a:rPr lang="zh-CN" altLang="en-US" sz="2800" b="1" dirty="0">
                 <a:latin typeface="华文楷体" pitchFamily="2" charset="-122"/>
                 <a:ea typeface="华文楷体" pitchFamily="2" charset="-122"/>
               </a:rPr>
               <a:t>新</a:t>
             </a:r>
             <a:r>
-              <a:rPr lang="zh-CN" altLang="en-US" sz="2800" b="1" smtClean="0">
+              <a:rPr lang="zh-CN" altLang="en-US" sz="2800" b="1" dirty="0" smtClean="0">
                 <a:latin typeface="华文楷体" pitchFamily="2" charset="-122"/>
                 <a:ea typeface="华文楷体" pitchFamily="2" charset="-122"/>
               </a:rPr>
